--- a/Fraud_review_detection_web_app_ProjectPlan.pptx
+++ b/Fraud_review_detection_web_app_ProjectPlan.pptx
@@ -8,12 +8,13 @@
     <p:sldId id="256" r:id="rId2"/>
     <p:sldId id="257" r:id="rId3"/>
     <p:sldId id="258" r:id="rId4"/>
-    <p:sldId id="266" r:id="rId5"/>
-    <p:sldId id="259" r:id="rId6"/>
-    <p:sldId id="260" r:id="rId7"/>
-    <p:sldId id="263" r:id="rId8"/>
-    <p:sldId id="264" r:id="rId9"/>
-    <p:sldId id="265" r:id="rId10"/>
+    <p:sldId id="267" r:id="rId5"/>
+    <p:sldId id="266" r:id="rId6"/>
+    <p:sldId id="259" r:id="rId7"/>
+    <p:sldId id="260" r:id="rId8"/>
+    <p:sldId id="263" r:id="rId9"/>
+    <p:sldId id="264" r:id="rId10"/>
+    <p:sldId id="265" r:id="rId11"/>
   </p:sldIdLst>
   <p:sldSz cx="12192000" cy="6858000"/>
   <p:notesSz cx="6858000" cy="9144000"/>
@@ -121,6 +122,753 @@
 </file>
 
 <file path=ppt/diagrams/colors1.xml><?xml version="1.0" encoding="utf-8"?>
+<dgm:colorsDef xmlns:dgm="http://schemas.openxmlformats.org/drawingml/2006/diagram" xmlns:a="http://schemas.openxmlformats.org/drawingml/2006/main" uniqueId="urn:microsoft.com/office/officeart/2005/8/colors/accent2_2">
+  <dgm:title val=""/>
+  <dgm:desc val=""/>
+  <dgm:catLst>
+    <dgm:cat type="accent2" pri="11200"/>
+  </dgm:catLst>
+  <dgm:styleLbl name="node0">
+    <dgm:fillClrLst meth="repeat">
+      <a:schemeClr val="accent2"/>
+    </dgm:fillClrLst>
+    <dgm:linClrLst meth="repeat">
+      <a:schemeClr val="lt1"/>
+    </dgm:linClrLst>
+    <dgm:effectClrLst/>
+    <dgm:txLinClrLst/>
+    <dgm:txFillClrLst/>
+    <dgm:txEffectClrLst/>
+  </dgm:styleLbl>
+  <dgm:styleLbl name="node1">
+    <dgm:fillClrLst meth="repeat">
+      <a:schemeClr val="accent2"/>
+    </dgm:fillClrLst>
+    <dgm:linClrLst meth="repeat">
+      <a:schemeClr val="lt1"/>
+    </dgm:linClrLst>
+    <dgm:effectClrLst/>
+    <dgm:txLinClrLst/>
+    <dgm:txFillClrLst/>
+    <dgm:txEffectClrLst/>
+  </dgm:styleLbl>
+  <dgm:styleLbl name="alignNode1">
+    <dgm:fillClrLst meth="repeat">
+      <a:schemeClr val="accent2"/>
+    </dgm:fillClrLst>
+    <dgm:linClrLst meth="repeat">
+      <a:schemeClr val="accent2"/>
+    </dgm:linClrLst>
+    <dgm:effectClrLst/>
+    <dgm:txLinClrLst/>
+    <dgm:txFillClrLst/>
+    <dgm:txEffectClrLst/>
+  </dgm:styleLbl>
+  <dgm:styleLbl name="lnNode1">
+    <dgm:fillClrLst meth="repeat">
+      <a:schemeClr val="accent2"/>
+    </dgm:fillClrLst>
+    <dgm:linClrLst meth="repeat">
+      <a:schemeClr val="lt1"/>
+    </dgm:linClrLst>
+    <dgm:effectClrLst/>
+    <dgm:txLinClrLst/>
+    <dgm:txFillClrLst/>
+    <dgm:txEffectClrLst/>
+  </dgm:styleLbl>
+  <dgm:styleLbl name="vennNode1">
+    <dgm:fillClrLst meth="repeat">
+      <a:schemeClr val="accent2">
+        <a:alpha val="50000"/>
+      </a:schemeClr>
+    </dgm:fillClrLst>
+    <dgm:linClrLst meth="repeat">
+      <a:schemeClr val="lt1"/>
+    </dgm:linClrLst>
+    <dgm:effectClrLst/>
+    <dgm:txLinClrLst/>
+    <dgm:txFillClrLst/>
+    <dgm:txEffectClrLst/>
+  </dgm:styleLbl>
+  <dgm:styleLbl name="node2">
+    <dgm:fillClrLst meth="repeat">
+      <a:schemeClr val="accent2"/>
+    </dgm:fillClrLst>
+    <dgm:linClrLst meth="repeat">
+      <a:schemeClr val="lt1"/>
+    </dgm:linClrLst>
+    <dgm:effectClrLst/>
+    <dgm:txLinClrLst/>
+    <dgm:txFillClrLst/>
+    <dgm:txEffectClrLst/>
+  </dgm:styleLbl>
+  <dgm:styleLbl name="node3">
+    <dgm:fillClrLst meth="repeat">
+      <a:schemeClr val="accent2"/>
+    </dgm:fillClrLst>
+    <dgm:linClrLst meth="repeat">
+      <a:schemeClr val="lt1"/>
+    </dgm:linClrLst>
+    <dgm:effectClrLst/>
+    <dgm:txLinClrLst/>
+    <dgm:txFillClrLst/>
+    <dgm:txEffectClrLst/>
+  </dgm:styleLbl>
+  <dgm:styleLbl name="node4">
+    <dgm:fillClrLst meth="repeat">
+      <a:schemeClr val="accent2"/>
+    </dgm:fillClrLst>
+    <dgm:linClrLst meth="repeat">
+      <a:schemeClr val="lt1"/>
+    </dgm:linClrLst>
+    <dgm:effectClrLst/>
+    <dgm:txLinClrLst/>
+    <dgm:txFillClrLst/>
+    <dgm:txEffectClrLst/>
+  </dgm:styleLbl>
+  <dgm:styleLbl name="fgImgPlace1">
+    <dgm:fillClrLst meth="repeat">
+      <a:schemeClr val="accent2">
+        <a:tint val="50000"/>
+      </a:schemeClr>
+    </dgm:fillClrLst>
+    <dgm:linClrLst meth="repeat">
+      <a:schemeClr val="lt1"/>
+    </dgm:linClrLst>
+    <dgm:effectClrLst/>
+    <dgm:txLinClrLst/>
+    <dgm:txFillClrLst meth="repeat">
+      <a:schemeClr val="lt1"/>
+    </dgm:txFillClrLst>
+    <dgm:txEffectClrLst/>
+  </dgm:styleLbl>
+  <dgm:styleLbl name="alignImgPlace1">
+    <dgm:fillClrLst meth="repeat">
+      <a:schemeClr val="accent2">
+        <a:tint val="50000"/>
+      </a:schemeClr>
+    </dgm:fillClrLst>
+    <dgm:linClrLst meth="repeat">
+      <a:schemeClr val="lt1"/>
+    </dgm:linClrLst>
+    <dgm:effectClrLst/>
+    <dgm:txLinClrLst/>
+    <dgm:txFillClrLst meth="repeat">
+      <a:schemeClr val="lt1"/>
+    </dgm:txFillClrLst>
+    <dgm:txEffectClrLst/>
+  </dgm:styleLbl>
+  <dgm:styleLbl name="bgImgPlace1">
+    <dgm:fillClrLst meth="repeat">
+      <a:schemeClr val="accent2">
+        <a:tint val="50000"/>
+      </a:schemeClr>
+    </dgm:fillClrLst>
+    <dgm:linClrLst meth="repeat">
+      <a:schemeClr val="lt1"/>
+    </dgm:linClrLst>
+    <dgm:effectClrLst/>
+    <dgm:txLinClrLst/>
+    <dgm:txFillClrLst meth="repeat">
+      <a:schemeClr val="lt1"/>
+    </dgm:txFillClrLst>
+    <dgm:txEffectClrLst/>
+  </dgm:styleLbl>
+  <dgm:styleLbl name="sibTrans2D1">
+    <dgm:fillClrLst meth="repeat">
+      <a:schemeClr val="accent2">
+        <a:tint val="60000"/>
+      </a:schemeClr>
+    </dgm:fillClrLst>
+    <dgm:linClrLst meth="repeat">
+      <a:schemeClr val="accent2">
+        <a:tint val="60000"/>
+      </a:schemeClr>
+    </dgm:linClrLst>
+    <dgm:effectClrLst/>
+    <dgm:txLinClrLst/>
+    <dgm:txFillClrLst/>
+    <dgm:txEffectClrLst/>
+  </dgm:styleLbl>
+  <dgm:styleLbl name="fgSibTrans2D1">
+    <dgm:fillClrLst meth="repeat">
+      <a:schemeClr val="accent2">
+        <a:tint val="60000"/>
+      </a:schemeClr>
+    </dgm:fillClrLst>
+    <dgm:linClrLst meth="repeat">
+      <a:schemeClr val="accent2">
+        <a:tint val="60000"/>
+      </a:schemeClr>
+    </dgm:linClrLst>
+    <dgm:effectClrLst/>
+    <dgm:txLinClrLst/>
+    <dgm:txFillClrLst/>
+    <dgm:txEffectClrLst/>
+  </dgm:styleLbl>
+  <dgm:styleLbl name="bgSibTrans2D1">
+    <dgm:fillClrLst meth="repeat">
+      <a:schemeClr val="accent2">
+        <a:tint val="60000"/>
+      </a:schemeClr>
+    </dgm:fillClrLst>
+    <dgm:linClrLst meth="repeat">
+      <a:schemeClr val="accent2">
+        <a:tint val="60000"/>
+      </a:schemeClr>
+    </dgm:linClrLst>
+    <dgm:effectClrLst/>
+    <dgm:txLinClrLst/>
+    <dgm:txFillClrLst/>
+    <dgm:txEffectClrLst/>
+  </dgm:styleLbl>
+  <dgm:styleLbl name="sibTrans1D1">
+    <dgm:fillClrLst meth="repeat">
+      <a:schemeClr val="accent2"/>
+    </dgm:fillClrLst>
+    <dgm:linClrLst meth="repeat">
+      <a:schemeClr val="accent2"/>
+    </dgm:linClrLst>
+    <dgm:effectClrLst/>
+    <dgm:txLinClrLst/>
+    <dgm:txFillClrLst meth="repeat">
+      <a:schemeClr val="tx1"/>
+    </dgm:txFillClrLst>
+    <dgm:txEffectClrLst/>
+  </dgm:styleLbl>
+  <dgm:styleLbl name="callout">
+    <dgm:fillClrLst meth="repeat">
+      <a:schemeClr val="accent2"/>
+    </dgm:fillClrLst>
+    <dgm:linClrLst meth="repeat">
+      <a:schemeClr val="accent2">
+        <a:tint val="50000"/>
+      </a:schemeClr>
+    </dgm:linClrLst>
+    <dgm:effectClrLst/>
+    <dgm:txLinClrLst/>
+    <dgm:txFillClrLst meth="repeat">
+      <a:schemeClr val="tx1"/>
+    </dgm:txFillClrLst>
+    <dgm:txEffectClrLst/>
+  </dgm:styleLbl>
+  <dgm:styleLbl name="asst0">
+    <dgm:fillClrLst meth="repeat">
+      <a:schemeClr val="accent2"/>
+    </dgm:fillClrLst>
+    <dgm:linClrLst meth="repeat">
+      <a:schemeClr val="lt1"/>
+    </dgm:linClrLst>
+    <dgm:effectClrLst/>
+    <dgm:txLinClrLst/>
+    <dgm:txFillClrLst/>
+    <dgm:txEffectClrLst/>
+  </dgm:styleLbl>
+  <dgm:styleLbl name="asst1">
+    <dgm:fillClrLst meth="repeat">
+      <a:schemeClr val="accent2"/>
+    </dgm:fillClrLst>
+    <dgm:linClrLst meth="repeat">
+      <a:schemeClr val="lt1"/>
+    </dgm:linClrLst>
+    <dgm:effectClrLst/>
+    <dgm:txLinClrLst/>
+    <dgm:txFillClrLst/>
+    <dgm:txEffectClrLst/>
+  </dgm:styleLbl>
+  <dgm:styleLbl name="asst2">
+    <dgm:fillClrLst meth="repeat">
+      <a:schemeClr val="accent2"/>
+    </dgm:fillClrLst>
+    <dgm:linClrLst meth="repeat">
+      <a:schemeClr val="lt1"/>
+    </dgm:linClrLst>
+    <dgm:effectClrLst/>
+    <dgm:txLinClrLst/>
+    <dgm:txFillClrLst/>
+    <dgm:txEffectClrLst/>
+  </dgm:styleLbl>
+  <dgm:styleLbl name="asst3">
+    <dgm:fillClrLst meth="repeat">
+      <a:schemeClr val="accent2"/>
+    </dgm:fillClrLst>
+    <dgm:linClrLst meth="repeat">
+      <a:schemeClr val="lt1"/>
+    </dgm:linClrLst>
+    <dgm:effectClrLst/>
+    <dgm:txLinClrLst/>
+    <dgm:txFillClrLst/>
+    <dgm:txEffectClrLst/>
+  </dgm:styleLbl>
+  <dgm:styleLbl name="asst4">
+    <dgm:fillClrLst meth="repeat">
+      <a:schemeClr val="accent2"/>
+    </dgm:fillClrLst>
+    <dgm:linClrLst meth="repeat">
+      <a:schemeClr val="lt1"/>
+    </dgm:linClrLst>
+    <dgm:effectClrLst/>
+    <dgm:txLinClrLst/>
+    <dgm:txFillClrLst/>
+    <dgm:txEffectClrLst/>
+  </dgm:styleLbl>
+  <dgm:styleLbl name="parChTrans2D1">
+    <dgm:fillClrLst meth="repeat">
+      <a:schemeClr val="accent2">
+        <a:tint val="60000"/>
+      </a:schemeClr>
+    </dgm:fillClrLst>
+    <dgm:linClrLst meth="repeat">
+      <a:schemeClr val="accent2">
+        <a:tint val="60000"/>
+      </a:schemeClr>
+    </dgm:linClrLst>
+    <dgm:effectClrLst/>
+    <dgm:txLinClrLst/>
+    <dgm:txFillClrLst meth="repeat">
+      <a:schemeClr val="lt1"/>
+    </dgm:txFillClrLst>
+    <dgm:txEffectClrLst/>
+  </dgm:styleLbl>
+  <dgm:styleLbl name="parChTrans2D2">
+    <dgm:fillClrLst meth="repeat">
+      <a:schemeClr val="accent2"/>
+    </dgm:fillClrLst>
+    <dgm:linClrLst meth="repeat">
+      <a:schemeClr val="accent2"/>
+    </dgm:linClrLst>
+    <dgm:effectClrLst/>
+    <dgm:txLinClrLst/>
+    <dgm:txFillClrLst meth="repeat">
+      <a:schemeClr val="lt1"/>
+    </dgm:txFillClrLst>
+    <dgm:txEffectClrLst/>
+  </dgm:styleLbl>
+  <dgm:styleLbl name="parChTrans2D3">
+    <dgm:fillClrLst meth="repeat">
+      <a:schemeClr val="accent2"/>
+    </dgm:fillClrLst>
+    <dgm:linClrLst meth="repeat">
+      <a:schemeClr val="accent2"/>
+    </dgm:linClrLst>
+    <dgm:effectClrLst/>
+    <dgm:txLinClrLst/>
+    <dgm:txFillClrLst meth="repeat">
+      <a:schemeClr val="lt1"/>
+    </dgm:txFillClrLst>
+    <dgm:txEffectClrLst/>
+  </dgm:styleLbl>
+  <dgm:styleLbl name="parChTrans2D4">
+    <dgm:fillClrLst meth="repeat">
+      <a:schemeClr val="accent2"/>
+    </dgm:fillClrLst>
+    <dgm:linClrLst meth="repeat">
+      <a:schemeClr val="accent2"/>
+    </dgm:linClrLst>
+    <dgm:effectClrLst/>
+    <dgm:txLinClrLst/>
+    <dgm:txFillClrLst meth="repeat">
+      <a:schemeClr val="lt1"/>
+    </dgm:txFillClrLst>
+    <dgm:txEffectClrLst/>
+  </dgm:styleLbl>
+  <dgm:styleLbl name="parChTrans1D1">
+    <dgm:fillClrLst meth="repeat">
+      <a:schemeClr val="accent2"/>
+    </dgm:fillClrLst>
+    <dgm:linClrLst meth="repeat">
+      <a:schemeClr val="accent2">
+        <a:shade val="60000"/>
+      </a:schemeClr>
+    </dgm:linClrLst>
+    <dgm:effectClrLst/>
+    <dgm:txLinClrLst/>
+    <dgm:txFillClrLst meth="repeat">
+      <a:schemeClr val="tx1"/>
+    </dgm:txFillClrLst>
+    <dgm:txEffectClrLst/>
+  </dgm:styleLbl>
+  <dgm:styleLbl name="parChTrans1D2">
+    <dgm:fillClrLst meth="repeat">
+      <a:schemeClr val="accent2"/>
+    </dgm:fillClrLst>
+    <dgm:linClrLst meth="repeat">
+      <a:schemeClr val="accent2">
+        <a:shade val="60000"/>
+      </a:schemeClr>
+    </dgm:linClrLst>
+    <dgm:effectClrLst/>
+    <dgm:txLinClrLst/>
+    <dgm:txFillClrLst meth="repeat">
+      <a:schemeClr val="tx1"/>
+    </dgm:txFillClrLst>
+    <dgm:txEffectClrLst/>
+  </dgm:styleLbl>
+  <dgm:styleLbl name="parChTrans1D3">
+    <dgm:fillClrLst meth="repeat">
+      <a:schemeClr val="accent2"/>
+    </dgm:fillClrLst>
+    <dgm:linClrLst meth="repeat">
+      <a:schemeClr val="accent2">
+        <a:shade val="80000"/>
+      </a:schemeClr>
+    </dgm:linClrLst>
+    <dgm:effectClrLst/>
+    <dgm:txLinClrLst/>
+    <dgm:txFillClrLst meth="repeat">
+      <a:schemeClr val="tx1"/>
+    </dgm:txFillClrLst>
+    <dgm:txEffectClrLst/>
+  </dgm:styleLbl>
+  <dgm:styleLbl name="parChTrans1D4">
+    <dgm:fillClrLst meth="repeat">
+      <a:schemeClr val="accent2"/>
+    </dgm:fillClrLst>
+    <dgm:linClrLst meth="repeat">
+      <a:schemeClr val="accent2">
+        <a:shade val="80000"/>
+      </a:schemeClr>
+    </dgm:linClrLst>
+    <dgm:effectClrLst/>
+    <dgm:txLinClrLst/>
+    <dgm:txFillClrLst meth="repeat">
+      <a:schemeClr val="tx1"/>
+    </dgm:txFillClrLst>
+    <dgm:txEffectClrLst/>
+  </dgm:styleLbl>
+  <dgm:styleLbl name="fgAcc1">
+    <dgm:fillClrLst meth="repeat">
+      <a:schemeClr val="lt1">
+        <a:alpha val="90000"/>
+      </a:schemeClr>
+    </dgm:fillClrLst>
+    <dgm:linClrLst meth="repeat">
+      <a:schemeClr val="accent2"/>
+    </dgm:linClrLst>
+    <dgm:effectClrLst/>
+    <dgm:txLinClrLst/>
+    <dgm:txFillClrLst meth="repeat">
+      <a:schemeClr val="dk1"/>
+    </dgm:txFillClrLst>
+    <dgm:txEffectClrLst/>
+  </dgm:styleLbl>
+  <dgm:styleLbl name="conFgAcc1">
+    <dgm:fillClrLst meth="repeat">
+      <a:schemeClr val="lt1">
+        <a:alpha val="90000"/>
+      </a:schemeClr>
+    </dgm:fillClrLst>
+    <dgm:linClrLst meth="repeat">
+      <a:schemeClr val="accent2"/>
+    </dgm:linClrLst>
+    <dgm:effectClrLst/>
+    <dgm:txLinClrLst/>
+    <dgm:txFillClrLst meth="repeat">
+      <a:schemeClr val="dk1"/>
+    </dgm:txFillClrLst>
+    <dgm:txEffectClrLst/>
+  </dgm:styleLbl>
+  <dgm:styleLbl name="alignAcc1">
+    <dgm:fillClrLst meth="repeat">
+      <a:schemeClr val="lt1">
+        <a:alpha val="90000"/>
+      </a:schemeClr>
+    </dgm:fillClrLst>
+    <dgm:linClrLst meth="repeat">
+      <a:schemeClr val="accent2"/>
+    </dgm:linClrLst>
+    <dgm:effectClrLst/>
+    <dgm:txLinClrLst/>
+    <dgm:txFillClrLst meth="repeat">
+      <a:schemeClr val="dk1"/>
+    </dgm:txFillClrLst>
+    <dgm:txEffectClrLst/>
+  </dgm:styleLbl>
+  <dgm:styleLbl name="trAlignAcc1">
+    <dgm:fillClrLst meth="repeat">
+      <a:schemeClr val="lt1">
+        <a:alpha val="40000"/>
+      </a:schemeClr>
+    </dgm:fillClrLst>
+    <dgm:linClrLst meth="repeat">
+      <a:schemeClr val="accent2"/>
+    </dgm:linClrLst>
+    <dgm:effectClrLst/>
+    <dgm:txLinClrLst/>
+    <dgm:txFillClrLst meth="repeat">
+      <a:schemeClr val="dk1"/>
+    </dgm:txFillClrLst>
+    <dgm:txEffectClrLst/>
+  </dgm:styleLbl>
+  <dgm:styleLbl name="bgAcc1">
+    <dgm:fillClrLst meth="repeat">
+      <a:schemeClr val="lt1">
+        <a:alpha val="90000"/>
+      </a:schemeClr>
+    </dgm:fillClrLst>
+    <dgm:linClrLst meth="repeat">
+      <a:schemeClr val="accent2"/>
+    </dgm:linClrLst>
+    <dgm:effectClrLst/>
+    <dgm:txLinClrLst/>
+    <dgm:txFillClrLst meth="repeat">
+      <a:schemeClr val="dk1"/>
+    </dgm:txFillClrLst>
+    <dgm:txEffectClrLst/>
+  </dgm:styleLbl>
+  <dgm:styleLbl name="solidFgAcc1">
+    <dgm:fillClrLst meth="repeat">
+      <a:schemeClr val="lt1"/>
+    </dgm:fillClrLst>
+    <dgm:linClrLst meth="repeat">
+      <a:schemeClr val="accent2"/>
+    </dgm:linClrLst>
+    <dgm:effectClrLst/>
+    <dgm:txLinClrLst/>
+    <dgm:txFillClrLst meth="repeat">
+      <a:schemeClr val="dk1"/>
+    </dgm:txFillClrLst>
+    <dgm:txEffectClrLst/>
+  </dgm:styleLbl>
+  <dgm:styleLbl name="solidAlignAcc1">
+    <dgm:fillClrLst meth="repeat">
+      <a:schemeClr val="lt1"/>
+    </dgm:fillClrLst>
+    <dgm:linClrLst meth="repeat">
+      <a:schemeClr val="accent2"/>
+    </dgm:linClrLst>
+    <dgm:effectClrLst/>
+    <dgm:txLinClrLst/>
+    <dgm:txFillClrLst meth="repeat">
+      <a:schemeClr val="dk1"/>
+    </dgm:txFillClrLst>
+    <dgm:txEffectClrLst/>
+  </dgm:styleLbl>
+  <dgm:styleLbl name="solidBgAcc1">
+    <dgm:fillClrLst meth="repeat">
+      <a:schemeClr val="lt1"/>
+    </dgm:fillClrLst>
+    <dgm:linClrLst meth="repeat">
+      <a:schemeClr val="accent2"/>
+    </dgm:linClrLst>
+    <dgm:effectClrLst/>
+    <dgm:txLinClrLst/>
+    <dgm:txFillClrLst meth="repeat">
+      <a:schemeClr val="dk1"/>
+    </dgm:txFillClrLst>
+    <dgm:txEffectClrLst/>
+  </dgm:styleLbl>
+  <dgm:styleLbl name="fgAccFollowNode1">
+    <dgm:fillClrLst meth="repeat">
+      <a:schemeClr val="accent2">
+        <a:alpha val="90000"/>
+        <a:tint val="40000"/>
+      </a:schemeClr>
+    </dgm:fillClrLst>
+    <dgm:linClrLst meth="repeat">
+      <a:schemeClr val="accent2">
+        <a:alpha val="90000"/>
+        <a:tint val="40000"/>
+      </a:schemeClr>
+    </dgm:linClrLst>
+    <dgm:effectClrLst/>
+    <dgm:txLinClrLst/>
+    <dgm:txFillClrLst meth="repeat">
+      <a:schemeClr val="dk1"/>
+    </dgm:txFillClrLst>
+    <dgm:txEffectClrLst/>
+  </dgm:styleLbl>
+  <dgm:styleLbl name="alignAccFollowNode1">
+    <dgm:fillClrLst meth="repeat">
+      <a:schemeClr val="accent2">
+        <a:alpha val="90000"/>
+        <a:tint val="40000"/>
+      </a:schemeClr>
+    </dgm:fillClrLst>
+    <dgm:linClrLst meth="repeat">
+      <a:schemeClr val="accent2">
+        <a:alpha val="90000"/>
+        <a:tint val="40000"/>
+      </a:schemeClr>
+    </dgm:linClrLst>
+    <dgm:effectClrLst/>
+    <dgm:txLinClrLst/>
+    <dgm:txFillClrLst meth="repeat">
+      <a:schemeClr val="dk1"/>
+    </dgm:txFillClrLst>
+    <dgm:txEffectClrLst/>
+  </dgm:styleLbl>
+  <dgm:styleLbl name="bgAccFollowNode1">
+    <dgm:fillClrLst meth="repeat">
+      <a:schemeClr val="accent2">
+        <a:alpha val="90000"/>
+        <a:tint val="40000"/>
+      </a:schemeClr>
+    </dgm:fillClrLst>
+    <dgm:linClrLst meth="repeat">
+      <a:schemeClr val="accent2">
+        <a:alpha val="90000"/>
+        <a:tint val="40000"/>
+      </a:schemeClr>
+    </dgm:linClrLst>
+    <dgm:effectClrLst/>
+    <dgm:txLinClrLst/>
+    <dgm:txFillClrLst meth="repeat">
+      <a:schemeClr val="dk1"/>
+    </dgm:txFillClrLst>
+    <dgm:txEffectClrLst/>
+  </dgm:styleLbl>
+  <dgm:styleLbl name="fgAcc0">
+    <dgm:fillClrLst meth="repeat">
+      <a:schemeClr val="lt1">
+        <a:alpha val="90000"/>
+      </a:schemeClr>
+    </dgm:fillClrLst>
+    <dgm:linClrLst meth="repeat">
+      <a:schemeClr val="accent2"/>
+    </dgm:linClrLst>
+    <dgm:effectClrLst/>
+    <dgm:txLinClrLst/>
+    <dgm:txFillClrLst meth="repeat">
+      <a:schemeClr val="dk1"/>
+    </dgm:txFillClrLst>
+    <dgm:txEffectClrLst/>
+  </dgm:styleLbl>
+  <dgm:styleLbl name="fgAcc2">
+    <dgm:fillClrLst meth="repeat">
+      <a:schemeClr val="lt1">
+        <a:alpha val="90000"/>
+      </a:schemeClr>
+    </dgm:fillClrLst>
+    <dgm:linClrLst meth="repeat">
+      <a:schemeClr val="accent2"/>
+    </dgm:linClrLst>
+    <dgm:effectClrLst/>
+    <dgm:txLinClrLst/>
+    <dgm:txFillClrLst meth="repeat">
+      <a:schemeClr val="dk1"/>
+    </dgm:txFillClrLst>
+    <dgm:txEffectClrLst/>
+  </dgm:styleLbl>
+  <dgm:styleLbl name="fgAcc3">
+    <dgm:fillClrLst meth="repeat">
+      <a:schemeClr val="lt1">
+        <a:alpha val="90000"/>
+      </a:schemeClr>
+    </dgm:fillClrLst>
+    <dgm:linClrLst meth="repeat">
+      <a:schemeClr val="accent2"/>
+    </dgm:linClrLst>
+    <dgm:effectClrLst/>
+    <dgm:txLinClrLst/>
+    <dgm:txFillClrLst meth="repeat">
+      <a:schemeClr val="dk1"/>
+    </dgm:txFillClrLst>
+    <dgm:txEffectClrLst/>
+  </dgm:styleLbl>
+  <dgm:styleLbl name="fgAcc4">
+    <dgm:fillClrLst meth="repeat">
+      <a:schemeClr val="lt1">
+        <a:alpha val="90000"/>
+      </a:schemeClr>
+    </dgm:fillClrLst>
+    <dgm:linClrLst meth="repeat">
+      <a:schemeClr val="accent2"/>
+    </dgm:linClrLst>
+    <dgm:effectClrLst/>
+    <dgm:txLinClrLst/>
+    <dgm:txFillClrLst meth="repeat">
+      <a:schemeClr val="dk1"/>
+    </dgm:txFillClrLst>
+    <dgm:txEffectClrLst/>
+  </dgm:styleLbl>
+  <dgm:styleLbl name="bgShp">
+    <dgm:fillClrLst meth="repeat">
+      <a:schemeClr val="accent2">
+        <a:tint val="40000"/>
+      </a:schemeClr>
+    </dgm:fillClrLst>
+    <dgm:linClrLst meth="repeat">
+      <a:schemeClr val="accent2"/>
+    </dgm:linClrLst>
+    <dgm:effectClrLst/>
+    <dgm:txLinClrLst/>
+    <dgm:txFillClrLst meth="repeat">
+      <a:schemeClr val="dk1"/>
+    </dgm:txFillClrLst>
+    <dgm:txEffectClrLst/>
+  </dgm:styleLbl>
+  <dgm:styleLbl name="dkBgShp">
+    <dgm:fillClrLst meth="repeat">
+      <a:schemeClr val="accent2">
+        <a:shade val="80000"/>
+      </a:schemeClr>
+    </dgm:fillClrLst>
+    <dgm:linClrLst meth="repeat">
+      <a:schemeClr val="accent2"/>
+    </dgm:linClrLst>
+    <dgm:effectClrLst/>
+    <dgm:txLinClrLst/>
+    <dgm:txFillClrLst meth="repeat">
+      <a:schemeClr val="lt1"/>
+    </dgm:txFillClrLst>
+    <dgm:txEffectClrLst/>
+  </dgm:styleLbl>
+  <dgm:styleLbl name="trBgShp">
+    <dgm:fillClrLst meth="repeat">
+      <a:schemeClr val="accent2">
+        <a:tint val="50000"/>
+        <a:alpha val="40000"/>
+      </a:schemeClr>
+    </dgm:fillClrLst>
+    <dgm:linClrLst meth="repeat">
+      <a:schemeClr val="accent2"/>
+    </dgm:linClrLst>
+    <dgm:effectClrLst/>
+    <dgm:txLinClrLst/>
+    <dgm:txFillClrLst meth="repeat">
+      <a:schemeClr val="lt1"/>
+    </dgm:txFillClrLst>
+    <dgm:txEffectClrLst/>
+  </dgm:styleLbl>
+  <dgm:styleLbl name="fgShp">
+    <dgm:fillClrLst meth="repeat">
+      <a:schemeClr val="accent2">
+        <a:tint val="60000"/>
+      </a:schemeClr>
+    </dgm:fillClrLst>
+    <dgm:linClrLst meth="repeat">
+      <a:schemeClr val="lt1"/>
+    </dgm:linClrLst>
+    <dgm:effectClrLst/>
+    <dgm:txLinClrLst/>
+    <dgm:txFillClrLst meth="repeat">
+      <a:schemeClr val="dk1"/>
+    </dgm:txFillClrLst>
+    <dgm:txEffectClrLst/>
+  </dgm:styleLbl>
+  <dgm:styleLbl name="revTx">
+    <dgm:fillClrLst meth="repeat">
+      <a:schemeClr val="lt1">
+        <a:alpha val="0"/>
+      </a:schemeClr>
+    </dgm:fillClrLst>
+    <dgm:linClrLst meth="repeat">
+      <a:schemeClr val="dk1">
+        <a:alpha val="0"/>
+      </a:schemeClr>
+    </dgm:linClrLst>
+    <dgm:effectClrLst/>
+    <dgm:txLinClrLst/>
+    <dgm:txFillClrLst meth="repeat">
+      <a:schemeClr val="tx1"/>
+    </dgm:txFillClrLst>
+    <dgm:txEffectClrLst/>
+  </dgm:styleLbl>
+</dgm:colorsDef>
+</file>
+
+<file path=ppt/diagrams/colors2.xml><?xml version="1.0" encoding="utf-8"?>
 <dgm:colorsDef xmlns:dgm="http://schemas.openxmlformats.org/drawingml/2006/diagram" xmlns:a="http://schemas.openxmlformats.org/drawingml/2006/main" uniqueId="urn:microsoft.com/office/officeart/2005/8/colors/accent2_2">
   <dgm:title val=""/>
   <dgm:desc val=""/>
@@ -1395,6 +2143,1121 @@
 </dgm:dataModel>
 </file>
 
+<file path=ppt/diagrams/data2.xml><?xml version="1.0" encoding="utf-8"?>
+<dgm:dataModel xmlns:dgm="http://schemas.openxmlformats.org/drawingml/2006/diagram" xmlns:a="http://schemas.openxmlformats.org/drawingml/2006/main">
+  <dgm:ptLst>
+    <dgm:pt modelId="{739C4AEE-42C1-4A3C-89D5-EC45F1BAAE3B}" type="doc">
+      <dgm:prSet loTypeId="urn:microsoft.com/office/officeart/2018/2/layout/IconCircleList" loCatId="icon" qsTypeId="urn:microsoft.com/office/officeart/2005/8/quickstyle/simple1" qsCatId="simple" csTypeId="urn:microsoft.com/office/officeart/2005/8/colors/accent2_2" csCatId="accent2" phldr="1"/>
+      <dgm:spPr/>
+      <dgm:t>
+        <a:bodyPr/>
+        <a:lstStyle/>
+        <a:p>
+          <a:endParaRPr lang="en-IN"/>
+        </a:p>
+      </dgm:t>
+    </dgm:pt>
+    <dgm:pt modelId="{43CA7793-A4F8-4951-92BC-DC3C5D9FDDB4}">
+      <dgm:prSet phldrT="[Text]"/>
+      <dgm:spPr/>
+      <dgm:t>
+        <a:bodyPr/>
+        <a:lstStyle/>
+        <a:p>
+          <a:r>
+            <a:rPr lang="en-US"/>
+            <a:t>Project Plan</a:t>
+          </a:r>
+          <a:endParaRPr lang="en-IN"/>
+        </a:p>
+      </dgm:t>
+    </dgm:pt>
+    <dgm:pt modelId="{7F5588B2-201C-4AEB-82E1-E1B3F28A6193}" type="parTrans" cxnId="{1D4DE768-DDE9-4D07-A034-A2D6B3B0FA00}">
+      <dgm:prSet/>
+      <dgm:spPr/>
+      <dgm:t>
+        <a:bodyPr/>
+        <a:lstStyle/>
+        <a:p>
+          <a:endParaRPr lang="en-IN"/>
+        </a:p>
+      </dgm:t>
+    </dgm:pt>
+    <dgm:pt modelId="{367253AF-B314-48DA-8D91-288FCF6A2B99}" type="sibTrans" cxnId="{1D4DE768-DDE9-4D07-A034-A2D6B3B0FA00}">
+      <dgm:prSet/>
+      <dgm:spPr/>
+      <dgm:t>
+        <a:bodyPr/>
+        <a:lstStyle/>
+        <a:p>
+          <a:endParaRPr lang="en-IN"/>
+        </a:p>
+      </dgm:t>
+    </dgm:pt>
+    <dgm:pt modelId="{79DFE163-6C09-4A19-AD65-56DBE3EF4902}">
+      <dgm:prSet phldrT="[Text]"/>
+      <dgm:spPr/>
+      <dgm:t>
+        <a:bodyPr/>
+        <a:lstStyle/>
+        <a:p>
+          <a:r>
+            <a:rPr lang="en-US"/>
+            <a:t>Data collection</a:t>
+          </a:r>
+          <a:endParaRPr lang="en-IN"/>
+        </a:p>
+      </dgm:t>
+    </dgm:pt>
+    <dgm:pt modelId="{DD5B9B32-8C2C-474B-8585-E3D538E6954A}" type="parTrans" cxnId="{675E218A-C132-493E-A7F1-6C8352C6D08B}">
+      <dgm:prSet/>
+      <dgm:spPr/>
+      <dgm:t>
+        <a:bodyPr/>
+        <a:lstStyle/>
+        <a:p>
+          <a:endParaRPr lang="en-IN"/>
+        </a:p>
+      </dgm:t>
+    </dgm:pt>
+    <dgm:pt modelId="{47636A6D-62C5-4ABF-A84D-EC69D99FE051}" type="sibTrans" cxnId="{675E218A-C132-493E-A7F1-6C8352C6D08B}">
+      <dgm:prSet/>
+      <dgm:spPr/>
+      <dgm:t>
+        <a:bodyPr/>
+        <a:lstStyle/>
+        <a:p>
+          <a:endParaRPr lang="en-IN"/>
+        </a:p>
+      </dgm:t>
+    </dgm:pt>
+    <dgm:pt modelId="{57E0EFD0-4451-403F-AEA8-ACCF6F6548BF}">
+      <dgm:prSet phldrT="[Text]"/>
+      <dgm:spPr/>
+      <dgm:t>
+        <a:bodyPr/>
+        <a:lstStyle/>
+        <a:p>
+          <a:r>
+            <a:rPr lang="en-US"/>
+            <a:t>Data pre-processing</a:t>
+          </a:r>
+          <a:endParaRPr lang="en-IN"/>
+        </a:p>
+      </dgm:t>
+    </dgm:pt>
+    <dgm:pt modelId="{F16B9B7B-6977-471A-B67A-B2CAB86828CA}" type="parTrans" cxnId="{C6FA322E-49F8-4845-A83E-AF121FB9E921}">
+      <dgm:prSet/>
+      <dgm:spPr/>
+      <dgm:t>
+        <a:bodyPr/>
+        <a:lstStyle/>
+        <a:p>
+          <a:endParaRPr lang="en-IN"/>
+        </a:p>
+      </dgm:t>
+    </dgm:pt>
+    <dgm:pt modelId="{773FD345-5581-4A82-8970-B1AA47172748}" type="sibTrans" cxnId="{C6FA322E-49F8-4845-A83E-AF121FB9E921}">
+      <dgm:prSet/>
+      <dgm:spPr/>
+      <dgm:t>
+        <a:bodyPr/>
+        <a:lstStyle/>
+        <a:p>
+          <a:endParaRPr lang="en-IN"/>
+        </a:p>
+      </dgm:t>
+    </dgm:pt>
+    <dgm:pt modelId="{C5465D3D-76C7-4042-960B-1E8D38257FA9}">
+      <dgm:prSet phldrT="[Text]"/>
+      <dgm:spPr/>
+      <dgm:t>
+        <a:bodyPr/>
+        <a:lstStyle/>
+        <a:p>
+          <a:r>
+            <a:rPr lang="en-US"/>
+            <a:t>Model Development</a:t>
+          </a:r>
+          <a:endParaRPr lang="en-IN"/>
+        </a:p>
+      </dgm:t>
+    </dgm:pt>
+    <dgm:pt modelId="{2EE5A798-641A-4581-9D35-C80E25B20E8D}" type="parTrans" cxnId="{7AB07270-D0CC-4995-AAAD-3BDF3274C21E}">
+      <dgm:prSet/>
+      <dgm:spPr/>
+      <dgm:t>
+        <a:bodyPr/>
+        <a:lstStyle/>
+        <a:p>
+          <a:endParaRPr lang="en-IN"/>
+        </a:p>
+      </dgm:t>
+    </dgm:pt>
+    <dgm:pt modelId="{0A97F7E6-BCF2-4732-A8B2-654FA8BA662D}" type="sibTrans" cxnId="{7AB07270-D0CC-4995-AAAD-3BDF3274C21E}">
+      <dgm:prSet/>
+      <dgm:spPr/>
+      <dgm:t>
+        <a:bodyPr/>
+        <a:lstStyle/>
+        <a:p>
+          <a:endParaRPr lang="en-IN"/>
+        </a:p>
+      </dgm:t>
+    </dgm:pt>
+    <dgm:pt modelId="{D373F292-A793-4797-91E5-95FB341A70EB}">
+      <dgm:prSet phldrT="[Text]"/>
+      <dgm:spPr/>
+      <dgm:t>
+        <a:bodyPr/>
+        <a:lstStyle/>
+        <a:p>
+          <a:r>
+            <a:rPr lang="en-US"/>
+            <a:t>Web App design</a:t>
+          </a:r>
+          <a:endParaRPr lang="en-IN"/>
+        </a:p>
+      </dgm:t>
+    </dgm:pt>
+    <dgm:pt modelId="{1CB1A96F-FBFC-4431-B91E-59DEB137D5EC}" type="parTrans" cxnId="{3C113861-11C7-4510-A88E-B06C10D0A6A9}">
+      <dgm:prSet/>
+      <dgm:spPr/>
+      <dgm:t>
+        <a:bodyPr/>
+        <a:lstStyle/>
+        <a:p>
+          <a:endParaRPr lang="en-IN"/>
+        </a:p>
+      </dgm:t>
+    </dgm:pt>
+    <dgm:pt modelId="{F6740277-643A-4F73-B200-BEDFC620621A}" type="sibTrans" cxnId="{3C113861-11C7-4510-A88E-B06C10D0A6A9}">
+      <dgm:prSet/>
+      <dgm:spPr/>
+      <dgm:t>
+        <a:bodyPr/>
+        <a:lstStyle/>
+        <a:p>
+          <a:endParaRPr lang="en-IN"/>
+        </a:p>
+      </dgm:t>
+    </dgm:pt>
+    <dgm:pt modelId="{C9EAFF29-5A35-4345-998C-824ECE498E9F}">
+      <dgm:prSet/>
+      <dgm:spPr/>
+      <dgm:t>
+        <a:bodyPr/>
+        <a:lstStyle/>
+        <a:p>
+          <a:r>
+            <a:rPr lang="en-US"/>
+            <a:t>Integration</a:t>
+          </a:r>
+          <a:endParaRPr lang="en-IN"/>
+        </a:p>
+      </dgm:t>
+    </dgm:pt>
+    <dgm:pt modelId="{CBC455C5-B3ED-4E14-80D5-338B4AAC2E6F}" type="parTrans" cxnId="{6AB13112-98F5-49E9-8386-1DE485DC6B6C}">
+      <dgm:prSet/>
+      <dgm:spPr/>
+      <dgm:t>
+        <a:bodyPr/>
+        <a:lstStyle/>
+        <a:p>
+          <a:endParaRPr lang="en-IN"/>
+        </a:p>
+      </dgm:t>
+    </dgm:pt>
+    <dgm:pt modelId="{36FD7EEA-A522-435D-818D-9660126F979D}" type="sibTrans" cxnId="{6AB13112-98F5-49E9-8386-1DE485DC6B6C}">
+      <dgm:prSet/>
+      <dgm:spPr/>
+      <dgm:t>
+        <a:bodyPr/>
+        <a:lstStyle/>
+        <a:p>
+          <a:endParaRPr lang="en-IN"/>
+        </a:p>
+      </dgm:t>
+    </dgm:pt>
+    <dgm:pt modelId="{53213CC1-4D3A-449A-953A-70E7283B00DA}">
+      <dgm:prSet/>
+      <dgm:spPr/>
+      <dgm:t>
+        <a:bodyPr/>
+        <a:lstStyle/>
+        <a:p>
+          <a:r>
+            <a:rPr lang="en-US"/>
+            <a:t>Testing and evaluation</a:t>
+          </a:r>
+          <a:endParaRPr lang="en-IN"/>
+        </a:p>
+      </dgm:t>
+    </dgm:pt>
+    <dgm:pt modelId="{1A94C4D3-5334-48B2-BA43-E7FE269CA442}" type="parTrans" cxnId="{1C11EE6B-09D2-4BF6-B353-C414243BF631}">
+      <dgm:prSet/>
+      <dgm:spPr/>
+      <dgm:t>
+        <a:bodyPr/>
+        <a:lstStyle/>
+        <a:p>
+          <a:endParaRPr lang="en-IN"/>
+        </a:p>
+      </dgm:t>
+    </dgm:pt>
+    <dgm:pt modelId="{90110789-7F16-4F72-B5F1-BE4D6C615575}" type="sibTrans" cxnId="{1C11EE6B-09D2-4BF6-B353-C414243BF631}">
+      <dgm:prSet/>
+      <dgm:spPr/>
+      <dgm:t>
+        <a:bodyPr/>
+        <a:lstStyle/>
+        <a:p>
+          <a:endParaRPr lang="en-IN"/>
+        </a:p>
+      </dgm:t>
+    </dgm:pt>
+    <dgm:pt modelId="{1F6009A1-F024-4291-B775-507F891C9FA1}">
+      <dgm:prSet/>
+      <dgm:spPr/>
+      <dgm:t>
+        <a:bodyPr/>
+        <a:lstStyle/>
+        <a:p>
+          <a:r>
+            <a:rPr lang="en-US" dirty="0"/>
+            <a:t>Deployment</a:t>
+          </a:r>
+          <a:endParaRPr lang="en-IN" dirty="0"/>
+        </a:p>
+      </dgm:t>
+    </dgm:pt>
+    <dgm:pt modelId="{ED79F721-86D9-4EDE-AA4B-2722DEB5BE53}" type="parTrans" cxnId="{9F5EE5DA-CC89-48D5-8A2E-AEE02354F35F}">
+      <dgm:prSet/>
+      <dgm:spPr/>
+      <dgm:t>
+        <a:bodyPr/>
+        <a:lstStyle/>
+        <a:p>
+          <a:endParaRPr lang="en-IN"/>
+        </a:p>
+      </dgm:t>
+    </dgm:pt>
+    <dgm:pt modelId="{D6B7A44C-83D2-4A95-B43D-3A934270FAA6}" type="sibTrans" cxnId="{9F5EE5DA-CC89-48D5-8A2E-AEE02354F35F}">
+      <dgm:prSet/>
+      <dgm:spPr/>
+      <dgm:t>
+        <a:bodyPr/>
+        <a:lstStyle/>
+        <a:p>
+          <a:endParaRPr lang="en-US"/>
+        </a:p>
+      </dgm:t>
+    </dgm:pt>
+    <dgm:pt modelId="{5E341883-79BB-4CBB-9CCE-1D0D843907B5}">
+      <dgm:prSet/>
+      <dgm:spPr/>
+      <dgm:t>
+        <a:bodyPr/>
+        <a:lstStyle/>
+        <a:p>
+          <a:r>
+            <a:rPr lang="en-US" dirty="0"/>
+            <a:t>Maintenance and support</a:t>
+          </a:r>
+          <a:endParaRPr lang="en-IN" dirty="0"/>
+        </a:p>
+      </dgm:t>
+    </dgm:pt>
+    <dgm:pt modelId="{8DE9D8CD-AC9A-498D-A177-8D3485DCC905}" type="parTrans" cxnId="{32421DE8-D211-4944-AC06-BF8506A7D253}">
+      <dgm:prSet/>
+      <dgm:spPr/>
+      <dgm:t>
+        <a:bodyPr/>
+        <a:lstStyle/>
+        <a:p>
+          <a:endParaRPr lang="en-IN"/>
+        </a:p>
+      </dgm:t>
+    </dgm:pt>
+    <dgm:pt modelId="{E96C1386-0FEB-4CF6-A64F-CFB217EA46AF}" type="sibTrans" cxnId="{32421DE8-D211-4944-AC06-BF8506A7D253}">
+      <dgm:prSet/>
+      <dgm:spPr/>
+      <dgm:t>
+        <a:bodyPr/>
+        <a:lstStyle/>
+        <a:p>
+          <a:endParaRPr lang="en-IN"/>
+        </a:p>
+      </dgm:t>
+    </dgm:pt>
+    <dgm:pt modelId="{4C7CB805-D7C8-4133-86E8-63E8FDEED44A}" type="pres">
+      <dgm:prSet presAssocID="{739C4AEE-42C1-4A3C-89D5-EC45F1BAAE3B}" presName="root" presStyleCnt="0">
+        <dgm:presLayoutVars>
+          <dgm:dir/>
+          <dgm:resizeHandles val="exact"/>
+        </dgm:presLayoutVars>
+      </dgm:prSet>
+      <dgm:spPr/>
+      <dgm:t>
+        <a:bodyPr/>
+        <a:lstStyle/>
+        <a:p>
+          <a:endParaRPr lang="en-IN"/>
+        </a:p>
+      </dgm:t>
+    </dgm:pt>
+    <dgm:pt modelId="{73A55798-F537-4430-B227-D38BB5067E58}" type="pres">
+      <dgm:prSet presAssocID="{739C4AEE-42C1-4A3C-89D5-EC45F1BAAE3B}" presName="container" presStyleCnt="0">
+        <dgm:presLayoutVars>
+          <dgm:dir/>
+          <dgm:resizeHandles val="exact"/>
+        </dgm:presLayoutVars>
+      </dgm:prSet>
+      <dgm:spPr/>
+    </dgm:pt>
+    <dgm:pt modelId="{1F8F1103-7C3D-4BFF-8DD0-754F413E63B2}" type="pres">
+      <dgm:prSet presAssocID="{43CA7793-A4F8-4951-92BC-DC3C5D9FDDB4}" presName="compNode" presStyleCnt="0"/>
+      <dgm:spPr/>
+    </dgm:pt>
+    <dgm:pt modelId="{F0957D4F-67F1-4F46-9523-302A66CE7CAF}" type="pres">
+      <dgm:prSet presAssocID="{43CA7793-A4F8-4951-92BC-DC3C5D9FDDB4}" presName="iconBgRect" presStyleLbl="bgShp" presStyleIdx="0" presStyleCnt="9"/>
+      <dgm:spPr/>
+    </dgm:pt>
+    <dgm:pt modelId="{7788AA5E-4F16-43C0-849C-6015D68825B5}" type="pres">
+      <dgm:prSet presAssocID="{43CA7793-A4F8-4951-92BC-DC3C5D9FDDB4}" presName="iconRect" presStyleLbl="node1" presStyleIdx="0" presStyleCnt="9"/>
+      <dgm:spPr>
+        <a:blipFill>
+          <a:blip xmlns:r="http://schemas.openxmlformats.org/officeDocument/2006/relationships" r:embed="rId1" cstate="print">
+            <a:extLst>
+              <a:ext uri="{28A0092B-C50C-407E-A947-70E740481C1C}">
+                <a14:useLocalDpi xmlns:a14="http://schemas.microsoft.com/office/drawing/2010/main" val="0"/>
+              </a:ext>
+              <a:ext uri="{96DAC541-7B7A-43D3-8B79-37D633B846F1}">
+                <asvg:svgBlip xmlns:asvg="http://schemas.microsoft.com/office/drawing/2016/SVG/main" xmlns="" r:embed="rId2"/>
+              </a:ext>
+            </a:extLst>
+          </a:blip>
+          <a:stretch>
+            <a:fillRect/>
+          </a:stretch>
+        </a:blipFill>
+        <a:ln>
+          <a:noFill/>
+        </a:ln>
+      </dgm:spPr>
+      <dgm:t>
+        <a:bodyPr/>
+        <a:lstStyle/>
+        <a:p>
+          <a:endParaRPr lang="en-IN"/>
+        </a:p>
+      </dgm:t>
+      <dgm:extLst>
+        <a:ext uri="{E40237B7-FDA0-4F09-8148-C483321AD2D9}">
+          <dgm14:cNvPr xmlns:dgm14="http://schemas.microsoft.com/office/drawing/2010/diagram" id="0" name="" descr="Checkmark"/>
+        </a:ext>
+      </dgm:extLst>
+    </dgm:pt>
+    <dgm:pt modelId="{9A57916F-D21B-42B2-934F-C301060C850C}" type="pres">
+      <dgm:prSet presAssocID="{43CA7793-A4F8-4951-92BC-DC3C5D9FDDB4}" presName="spaceRect" presStyleCnt="0"/>
+      <dgm:spPr/>
+    </dgm:pt>
+    <dgm:pt modelId="{C7521DED-D2FC-4820-932E-DEBD474E31CA}" type="pres">
+      <dgm:prSet presAssocID="{43CA7793-A4F8-4951-92BC-DC3C5D9FDDB4}" presName="textRect" presStyleLbl="revTx" presStyleIdx="0" presStyleCnt="9">
+        <dgm:presLayoutVars>
+          <dgm:chMax val="1"/>
+          <dgm:chPref val="1"/>
+        </dgm:presLayoutVars>
+      </dgm:prSet>
+      <dgm:spPr/>
+      <dgm:t>
+        <a:bodyPr/>
+        <a:lstStyle/>
+        <a:p>
+          <a:endParaRPr lang="en-IN"/>
+        </a:p>
+      </dgm:t>
+    </dgm:pt>
+    <dgm:pt modelId="{F90DC7B3-8034-4885-A750-14C42DE8B440}" type="pres">
+      <dgm:prSet presAssocID="{367253AF-B314-48DA-8D91-288FCF6A2B99}" presName="sibTrans" presStyleLbl="sibTrans2D1" presStyleIdx="0" presStyleCnt="0"/>
+      <dgm:spPr/>
+      <dgm:t>
+        <a:bodyPr/>
+        <a:lstStyle/>
+        <a:p>
+          <a:endParaRPr lang="en-IN"/>
+        </a:p>
+      </dgm:t>
+    </dgm:pt>
+    <dgm:pt modelId="{4E17A1B7-F915-4E28-A84A-D76A2F840DE3}" type="pres">
+      <dgm:prSet presAssocID="{79DFE163-6C09-4A19-AD65-56DBE3EF4902}" presName="compNode" presStyleCnt="0"/>
+      <dgm:spPr/>
+    </dgm:pt>
+    <dgm:pt modelId="{EEE81CC6-1EC1-4066-A72F-83D0BF9D2316}" type="pres">
+      <dgm:prSet presAssocID="{79DFE163-6C09-4A19-AD65-56DBE3EF4902}" presName="iconBgRect" presStyleLbl="bgShp" presStyleIdx="1" presStyleCnt="9"/>
+      <dgm:spPr/>
+    </dgm:pt>
+    <dgm:pt modelId="{0DEB55F8-F9D6-4F49-B9A6-5164971DAF13}" type="pres">
+      <dgm:prSet presAssocID="{79DFE163-6C09-4A19-AD65-56DBE3EF4902}" presName="iconRect" presStyleLbl="node1" presStyleIdx="1" presStyleCnt="9"/>
+      <dgm:spPr>
+        <a:blipFill>
+          <a:blip xmlns:r="http://schemas.openxmlformats.org/officeDocument/2006/relationships" r:embed="rId3" cstate="print">
+            <a:extLst>
+              <a:ext uri="{28A0092B-C50C-407E-A947-70E740481C1C}">
+                <a14:useLocalDpi xmlns:a14="http://schemas.microsoft.com/office/drawing/2010/main" val="0"/>
+              </a:ext>
+              <a:ext uri="{96DAC541-7B7A-43D3-8B79-37D633B846F1}">
+                <asvg:svgBlip xmlns:asvg="http://schemas.microsoft.com/office/drawing/2016/SVG/main" xmlns="" r:embed="rId4"/>
+              </a:ext>
+            </a:extLst>
+          </a:blip>
+          <a:stretch>
+            <a:fillRect/>
+          </a:stretch>
+        </a:blipFill>
+        <a:ln>
+          <a:noFill/>
+        </a:ln>
+      </dgm:spPr>
+      <dgm:t>
+        <a:bodyPr/>
+        <a:lstStyle/>
+        <a:p>
+          <a:endParaRPr lang="en-IN"/>
+        </a:p>
+      </dgm:t>
+      <dgm:extLst>
+        <a:ext uri="{E40237B7-FDA0-4F09-8148-C483321AD2D9}">
+          <dgm14:cNvPr xmlns:dgm14="http://schemas.microsoft.com/office/drawing/2010/diagram" id="0" name="" descr="Database"/>
+        </a:ext>
+      </dgm:extLst>
+    </dgm:pt>
+    <dgm:pt modelId="{F37CD86D-4A24-4500-A532-DB03A055F746}" type="pres">
+      <dgm:prSet presAssocID="{79DFE163-6C09-4A19-AD65-56DBE3EF4902}" presName="spaceRect" presStyleCnt="0"/>
+      <dgm:spPr/>
+    </dgm:pt>
+    <dgm:pt modelId="{BCF22827-65FF-418E-8620-7DEF260B1748}" type="pres">
+      <dgm:prSet presAssocID="{79DFE163-6C09-4A19-AD65-56DBE3EF4902}" presName="textRect" presStyleLbl="revTx" presStyleIdx="1" presStyleCnt="9">
+        <dgm:presLayoutVars>
+          <dgm:chMax val="1"/>
+          <dgm:chPref val="1"/>
+        </dgm:presLayoutVars>
+      </dgm:prSet>
+      <dgm:spPr/>
+      <dgm:t>
+        <a:bodyPr/>
+        <a:lstStyle/>
+        <a:p>
+          <a:endParaRPr lang="en-IN"/>
+        </a:p>
+      </dgm:t>
+    </dgm:pt>
+    <dgm:pt modelId="{85334E7B-2EBE-4C95-A111-FCC208CB7BA4}" type="pres">
+      <dgm:prSet presAssocID="{47636A6D-62C5-4ABF-A84D-EC69D99FE051}" presName="sibTrans" presStyleLbl="sibTrans2D1" presStyleIdx="0" presStyleCnt="0"/>
+      <dgm:spPr/>
+      <dgm:t>
+        <a:bodyPr/>
+        <a:lstStyle/>
+        <a:p>
+          <a:endParaRPr lang="en-IN"/>
+        </a:p>
+      </dgm:t>
+    </dgm:pt>
+    <dgm:pt modelId="{C2685925-7A33-404C-AC39-9EB768C4E5DA}" type="pres">
+      <dgm:prSet presAssocID="{57E0EFD0-4451-403F-AEA8-ACCF6F6548BF}" presName="compNode" presStyleCnt="0"/>
+      <dgm:spPr/>
+    </dgm:pt>
+    <dgm:pt modelId="{951BEFEE-B545-47E4-A1A7-BDCF7A6E007F}" type="pres">
+      <dgm:prSet presAssocID="{57E0EFD0-4451-403F-AEA8-ACCF6F6548BF}" presName="iconBgRect" presStyleLbl="bgShp" presStyleIdx="2" presStyleCnt="9"/>
+      <dgm:spPr/>
+    </dgm:pt>
+    <dgm:pt modelId="{11A48E62-F1E6-43F2-B24F-812F584055F8}" type="pres">
+      <dgm:prSet presAssocID="{57E0EFD0-4451-403F-AEA8-ACCF6F6548BF}" presName="iconRect" presStyleLbl="node1" presStyleIdx="2" presStyleCnt="9"/>
+      <dgm:spPr>
+        <a:blipFill>
+          <a:blip xmlns:r="http://schemas.openxmlformats.org/officeDocument/2006/relationships" r:embed="rId5" cstate="print">
+            <a:extLst>
+              <a:ext uri="{28A0092B-C50C-407E-A947-70E740481C1C}">
+                <a14:useLocalDpi xmlns:a14="http://schemas.microsoft.com/office/drawing/2010/main" val="0"/>
+              </a:ext>
+              <a:ext uri="{96DAC541-7B7A-43D3-8B79-37D633B846F1}">
+                <asvg:svgBlip xmlns:asvg="http://schemas.microsoft.com/office/drawing/2016/SVG/main" xmlns="" r:embed="rId6"/>
+              </a:ext>
+            </a:extLst>
+          </a:blip>
+          <a:stretch>
+            <a:fillRect/>
+          </a:stretch>
+        </a:blipFill>
+        <a:ln>
+          <a:noFill/>
+        </a:ln>
+      </dgm:spPr>
+      <dgm:t>
+        <a:bodyPr/>
+        <a:lstStyle/>
+        <a:p>
+          <a:endParaRPr lang="en-IN"/>
+        </a:p>
+      </dgm:t>
+      <dgm:extLst>
+        <a:ext uri="{E40237B7-FDA0-4F09-8148-C483321AD2D9}">
+          <dgm14:cNvPr xmlns:dgm14="http://schemas.microsoft.com/office/drawing/2010/diagram" id="0" name="" descr="Processor"/>
+        </a:ext>
+      </dgm:extLst>
+    </dgm:pt>
+    <dgm:pt modelId="{A0CD04C6-4F80-4E7B-BA56-64FCCCEF80CE}" type="pres">
+      <dgm:prSet presAssocID="{57E0EFD0-4451-403F-AEA8-ACCF6F6548BF}" presName="spaceRect" presStyleCnt="0"/>
+      <dgm:spPr/>
+    </dgm:pt>
+    <dgm:pt modelId="{52706368-3363-416C-B6BC-D54225D4598E}" type="pres">
+      <dgm:prSet presAssocID="{57E0EFD0-4451-403F-AEA8-ACCF6F6548BF}" presName="textRect" presStyleLbl="revTx" presStyleIdx="2" presStyleCnt="9">
+        <dgm:presLayoutVars>
+          <dgm:chMax val="1"/>
+          <dgm:chPref val="1"/>
+        </dgm:presLayoutVars>
+      </dgm:prSet>
+      <dgm:spPr/>
+      <dgm:t>
+        <a:bodyPr/>
+        <a:lstStyle/>
+        <a:p>
+          <a:endParaRPr lang="en-IN"/>
+        </a:p>
+      </dgm:t>
+    </dgm:pt>
+    <dgm:pt modelId="{54D03BD6-AE5E-4526-A714-5BF9B2DCAFB2}" type="pres">
+      <dgm:prSet presAssocID="{773FD345-5581-4A82-8970-B1AA47172748}" presName="sibTrans" presStyleLbl="sibTrans2D1" presStyleIdx="0" presStyleCnt="0"/>
+      <dgm:spPr/>
+      <dgm:t>
+        <a:bodyPr/>
+        <a:lstStyle/>
+        <a:p>
+          <a:endParaRPr lang="en-IN"/>
+        </a:p>
+      </dgm:t>
+    </dgm:pt>
+    <dgm:pt modelId="{8DF7520E-A745-4994-A1B0-860988B68007}" type="pres">
+      <dgm:prSet presAssocID="{C5465D3D-76C7-4042-960B-1E8D38257FA9}" presName="compNode" presStyleCnt="0"/>
+      <dgm:spPr/>
+    </dgm:pt>
+    <dgm:pt modelId="{73CF2F75-ECAD-4C6C-A474-1327566B7650}" type="pres">
+      <dgm:prSet presAssocID="{C5465D3D-76C7-4042-960B-1E8D38257FA9}" presName="iconBgRect" presStyleLbl="bgShp" presStyleIdx="3" presStyleCnt="9"/>
+      <dgm:spPr/>
+    </dgm:pt>
+    <dgm:pt modelId="{8AEB4F56-1D34-4224-BEEE-5EFB0BEA6CA4}" type="pres">
+      <dgm:prSet presAssocID="{C5465D3D-76C7-4042-960B-1E8D38257FA9}" presName="iconRect" presStyleLbl="node1" presStyleIdx="3" presStyleCnt="9"/>
+      <dgm:spPr>
+        <a:blipFill>
+          <a:blip xmlns:r="http://schemas.openxmlformats.org/officeDocument/2006/relationships" r:embed="rId7" cstate="print">
+            <a:extLst>
+              <a:ext uri="{28A0092B-C50C-407E-A947-70E740481C1C}">
+                <a14:useLocalDpi xmlns:a14="http://schemas.microsoft.com/office/drawing/2010/main" val="0"/>
+              </a:ext>
+              <a:ext uri="{96DAC541-7B7A-43D3-8B79-37D633B846F1}">
+                <asvg:svgBlip xmlns:asvg="http://schemas.microsoft.com/office/drawing/2016/SVG/main" xmlns="" r:embed="rId8"/>
+              </a:ext>
+            </a:extLst>
+          </a:blip>
+          <a:stretch>
+            <a:fillRect/>
+          </a:stretch>
+        </a:blipFill>
+        <a:ln>
+          <a:noFill/>
+        </a:ln>
+      </dgm:spPr>
+      <dgm:t>
+        <a:bodyPr/>
+        <a:lstStyle/>
+        <a:p>
+          <a:endParaRPr lang="en-IN"/>
+        </a:p>
+      </dgm:t>
+      <dgm:extLst>
+        <a:ext uri="{E40237B7-FDA0-4F09-8148-C483321AD2D9}">
+          <dgm14:cNvPr xmlns:dgm14="http://schemas.microsoft.com/office/drawing/2010/diagram" id="0" name="" descr="Users"/>
+        </a:ext>
+      </dgm:extLst>
+    </dgm:pt>
+    <dgm:pt modelId="{C921BAFC-6948-4F8E-A18C-90D6B8C8E90E}" type="pres">
+      <dgm:prSet presAssocID="{C5465D3D-76C7-4042-960B-1E8D38257FA9}" presName="spaceRect" presStyleCnt="0"/>
+      <dgm:spPr/>
+    </dgm:pt>
+    <dgm:pt modelId="{6C3E49EE-6025-4AB2-8C22-D8ED5A411B9A}" type="pres">
+      <dgm:prSet presAssocID="{C5465D3D-76C7-4042-960B-1E8D38257FA9}" presName="textRect" presStyleLbl="revTx" presStyleIdx="3" presStyleCnt="9">
+        <dgm:presLayoutVars>
+          <dgm:chMax val="1"/>
+          <dgm:chPref val="1"/>
+        </dgm:presLayoutVars>
+      </dgm:prSet>
+      <dgm:spPr/>
+      <dgm:t>
+        <a:bodyPr/>
+        <a:lstStyle/>
+        <a:p>
+          <a:endParaRPr lang="en-IN"/>
+        </a:p>
+      </dgm:t>
+    </dgm:pt>
+    <dgm:pt modelId="{F97A7784-A3F5-4FCE-9FF4-65C5C5772707}" type="pres">
+      <dgm:prSet presAssocID="{0A97F7E6-BCF2-4732-A8B2-654FA8BA662D}" presName="sibTrans" presStyleLbl="sibTrans2D1" presStyleIdx="0" presStyleCnt="0"/>
+      <dgm:spPr/>
+      <dgm:t>
+        <a:bodyPr/>
+        <a:lstStyle/>
+        <a:p>
+          <a:endParaRPr lang="en-IN"/>
+        </a:p>
+      </dgm:t>
+    </dgm:pt>
+    <dgm:pt modelId="{6FBA19FF-00EA-4C66-BCF5-9CEF91E83FCF}" type="pres">
+      <dgm:prSet presAssocID="{D373F292-A793-4797-91E5-95FB341A70EB}" presName="compNode" presStyleCnt="0"/>
+      <dgm:spPr/>
+    </dgm:pt>
+    <dgm:pt modelId="{83FB3354-039C-4B4D-A71F-750E4CE9DA59}" type="pres">
+      <dgm:prSet presAssocID="{D373F292-A793-4797-91E5-95FB341A70EB}" presName="iconBgRect" presStyleLbl="bgShp" presStyleIdx="4" presStyleCnt="9"/>
+      <dgm:spPr/>
+    </dgm:pt>
+    <dgm:pt modelId="{1D1A18AC-A305-49E1-91DF-F7943AA204F9}" type="pres">
+      <dgm:prSet presAssocID="{D373F292-A793-4797-91E5-95FB341A70EB}" presName="iconRect" presStyleLbl="node1" presStyleIdx="4" presStyleCnt="9"/>
+      <dgm:spPr>
+        <a:blipFill>
+          <a:blip xmlns:r="http://schemas.openxmlformats.org/officeDocument/2006/relationships" r:embed="rId9" cstate="print">
+            <a:extLst>
+              <a:ext uri="{28A0092B-C50C-407E-A947-70E740481C1C}">
+                <a14:useLocalDpi xmlns:a14="http://schemas.microsoft.com/office/drawing/2010/main" val="0"/>
+              </a:ext>
+              <a:ext uri="{96DAC541-7B7A-43D3-8B79-37D633B846F1}">
+                <asvg:svgBlip xmlns:asvg="http://schemas.microsoft.com/office/drawing/2016/SVG/main" xmlns="" r:embed="rId10"/>
+              </a:ext>
+            </a:extLst>
+          </a:blip>
+          <a:stretch>
+            <a:fillRect/>
+          </a:stretch>
+        </a:blipFill>
+        <a:ln>
+          <a:noFill/>
+        </a:ln>
+      </dgm:spPr>
+      <dgm:t>
+        <a:bodyPr/>
+        <a:lstStyle/>
+        <a:p>
+          <a:endParaRPr lang="en-IN"/>
+        </a:p>
+      </dgm:t>
+      <dgm:extLst>
+        <a:ext uri="{E40237B7-FDA0-4F09-8148-C483321AD2D9}">
+          <dgm14:cNvPr xmlns:dgm14="http://schemas.microsoft.com/office/drawing/2010/diagram" id="0" name="" descr="Smart Phone"/>
+        </a:ext>
+      </dgm:extLst>
+    </dgm:pt>
+    <dgm:pt modelId="{A1AFFC70-0CF1-4BD0-9034-BC1BB9C579B9}" type="pres">
+      <dgm:prSet presAssocID="{D373F292-A793-4797-91E5-95FB341A70EB}" presName="spaceRect" presStyleCnt="0"/>
+      <dgm:spPr/>
+    </dgm:pt>
+    <dgm:pt modelId="{782564E3-605E-4539-9EC3-E91A36D2C7CD}" type="pres">
+      <dgm:prSet presAssocID="{D373F292-A793-4797-91E5-95FB341A70EB}" presName="textRect" presStyleLbl="revTx" presStyleIdx="4" presStyleCnt="9">
+        <dgm:presLayoutVars>
+          <dgm:chMax val="1"/>
+          <dgm:chPref val="1"/>
+        </dgm:presLayoutVars>
+      </dgm:prSet>
+      <dgm:spPr/>
+      <dgm:t>
+        <a:bodyPr/>
+        <a:lstStyle/>
+        <a:p>
+          <a:endParaRPr lang="en-IN"/>
+        </a:p>
+      </dgm:t>
+    </dgm:pt>
+    <dgm:pt modelId="{985227D5-F656-4931-B396-85707ADDF0E0}" type="pres">
+      <dgm:prSet presAssocID="{F6740277-643A-4F73-B200-BEDFC620621A}" presName="sibTrans" presStyleLbl="sibTrans2D1" presStyleIdx="0" presStyleCnt="0"/>
+      <dgm:spPr/>
+      <dgm:t>
+        <a:bodyPr/>
+        <a:lstStyle/>
+        <a:p>
+          <a:endParaRPr lang="en-IN"/>
+        </a:p>
+      </dgm:t>
+    </dgm:pt>
+    <dgm:pt modelId="{B1AF7F11-7D48-498B-82F4-26F2E39881F3}" type="pres">
+      <dgm:prSet presAssocID="{C9EAFF29-5A35-4345-998C-824ECE498E9F}" presName="compNode" presStyleCnt="0"/>
+      <dgm:spPr/>
+    </dgm:pt>
+    <dgm:pt modelId="{A39E77BE-A024-4E48-8B6F-5006E5901A72}" type="pres">
+      <dgm:prSet presAssocID="{C9EAFF29-5A35-4345-998C-824ECE498E9F}" presName="iconBgRect" presStyleLbl="bgShp" presStyleIdx="5" presStyleCnt="9"/>
+      <dgm:spPr/>
+    </dgm:pt>
+    <dgm:pt modelId="{07D27317-FFFA-4A78-9304-4307BEE587FA}" type="pres">
+      <dgm:prSet presAssocID="{C9EAFF29-5A35-4345-998C-824ECE498E9F}" presName="iconRect" presStyleLbl="node1" presStyleIdx="5" presStyleCnt="9"/>
+      <dgm:spPr>
+        <a:blipFill>
+          <a:blip xmlns:r="http://schemas.openxmlformats.org/officeDocument/2006/relationships" r:embed="rId11" cstate="print">
+            <a:extLst>
+              <a:ext uri="{28A0092B-C50C-407E-A947-70E740481C1C}">
+                <a14:useLocalDpi xmlns:a14="http://schemas.microsoft.com/office/drawing/2010/main" val="0"/>
+              </a:ext>
+              <a:ext uri="{96DAC541-7B7A-43D3-8B79-37D633B846F1}">
+                <asvg:svgBlip xmlns:asvg="http://schemas.microsoft.com/office/drawing/2016/SVG/main" xmlns="" r:embed="rId12"/>
+              </a:ext>
+            </a:extLst>
+          </a:blip>
+          <a:stretch>
+            <a:fillRect/>
+          </a:stretch>
+        </a:blipFill>
+        <a:ln>
+          <a:noFill/>
+        </a:ln>
+      </dgm:spPr>
+      <dgm:t>
+        <a:bodyPr/>
+        <a:lstStyle/>
+        <a:p>
+          <a:endParaRPr lang="en-IN"/>
+        </a:p>
+      </dgm:t>
+      <dgm:extLst>
+        <a:ext uri="{E40237B7-FDA0-4F09-8148-C483321AD2D9}">
+          <dgm14:cNvPr xmlns:dgm14="http://schemas.microsoft.com/office/drawing/2010/diagram" id="0" name="" descr="Network"/>
+        </a:ext>
+      </dgm:extLst>
+    </dgm:pt>
+    <dgm:pt modelId="{181F5C6A-CF08-4412-AF52-6A53BED22AC5}" type="pres">
+      <dgm:prSet presAssocID="{C9EAFF29-5A35-4345-998C-824ECE498E9F}" presName="spaceRect" presStyleCnt="0"/>
+      <dgm:spPr/>
+    </dgm:pt>
+    <dgm:pt modelId="{A8878888-D68D-49E9-94AB-54CE663CDC54}" type="pres">
+      <dgm:prSet presAssocID="{C9EAFF29-5A35-4345-998C-824ECE498E9F}" presName="textRect" presStyleLbl="revTx" presStyleIdx="5" presStyleCnt="9">
+        <dgm:presLayoutVars>
+          <dgm:chMax val="1"/>
+          <dgm:chPref val="1"/>
+        </dgm:presLayoutVars>
+      </dgm:prSet>
+      <dgm:spPr/>
+      <dgm:t>
+        <a:bodyPr/>
+        <a:lstStyle/>
+        <a:p>
+          <a:endParaRPr lang="en-IN"/>
+        </a:p>
+      </dgm:t>
+    </dgm:pt>
+    <dgm:pt modelId="{8E8AA199-6B67-4D62-B720-A4A28B2F5E5B}" type="pres">
+      <dgm:prSet presAssocID="{36FD7EEA-A522-435D-818D-9660126F979D}" presName="sibTrans" presStyleLbl="sibTrans2D1" presStyleIdx="0" presStyleCnt="0"/>
+      <dgm:spPr/>
+      <dgm:t>
+        <a:bodyPr/>
+        <a:lstStyle/>
+        <a:p>
+          <a:endParaRPr lang="en-IN"/>
+        </a:p>
+      </dgm:t>
+    </dgm:pt>
+    <dgm:pt modelId="{7DFEFBFA-F68F-4653-9C2B-FF24AE1E0E38}" type="pres">
+      <dgm:prSet presAssocID="{53213CC1-4D3A-449A-953A-70E7283B00DA}" presName="compNode" presStyleCnt="0"/>
+      <dgm:spPr/>
+    </dgm:pt>
+    <dgm:pt modelId="{B60B0760-D4A6-479C-B74A-83468953852D}" type="pres">
+      <dgm:prSet presAssocID="{53213CC1-4D3A-449A-953A-70E7283B00DA}" presName="iconBgRect" presStyleLbl="bgShp" presStyleIdx="6" presStyleCnt="9"/>
+      <dgm:spPr/>
+    </dgm:pt>
+    <dgm:pt modelId="{CCBFEF0F-EBD8-4112-95EA-25A3EB2697DD}" type="pres">
+      <dgm:prSet presAssocID="{53213CC1-4D3A-449A-953A-70E7283B00DA}" presName="iconRect" presStyleLbl="node1" presStyleIdx="6" presStyleCnt="9"/>
+      <dgm:spPr>
+        <a:blipFill>
+          <a:blip xmlns:r="http://schemas.openxmlformats.org/officeDocument/2006/relationships" r:embed="rId13" cstate="print">
+            <a:extLst>
+              <a:ext uri="{28A0092B-C50C-407E-A947-70E740481C1C}">
+                <a14:useLocalDpi xmlns:a14="http://schemas.microsoft.com/office/drawing/2010/main" val="0"/>
+              </a:ext>
+              <a:ext uri="{96DAC541-7B7A-43D3-8B79-37D633B846F1}">
+                <asvg:svgBlip xmlns:asvg="http://schemas.microsoft.com/office/drawing/2016/SVG/main" xmlns="" r:embed="rId14"/>
+              </a:ext>
+            </a:extLst>
+          </a:blip>
+          <a:stretch>
+            <a:fillRect/>
+          </a:stretch>
+        </a:blipFill>
+        <a:ln>
+          <a:noFill/>
+        </a:ln>
+      </dgm:spPr>
+      <dgm:t>
+        <a:bodyPr/>
+        <a:lstStyle/>
+        <a:p>
+          <a:endParaRPr lang="en-IN"/>
+        </a:p>
+      </dgm:t>
+      <dgm:extLst>
+        <a:ext uri="{E40237B7-FDA0-4F09-8148-C483321AD2D9}">
+          <dgm14:cNvPr xmlns:dgm14="http://schemas.microsoft.com/office/drawing/2010/diagram" id="0" name="" descr="Check List"/>
+        </a:ext>
+      </dgm:extLst>
+    </dgm:pt>
+    <dgm:pt modelId="{5FDA900D-DA76-42D8-B744-6345AE3EEE83}" type="pres">
+      <dgm:prSet presAssocID="{53213CC1-4D3A-449A-953A-70E7283B00DA}" presName="spaceRect" presStyleCnt="0"/>
+      <dgm:spPr/>
+    </dgm:pt>
+    <dgm:pt modelId="{13EC5472-8146-4CA2-8F5C-71A823F21438}" type="pres">
+      <dgm:prSet presAssocID="{53213CC1-4D3A-449A-953A-70E7283B00DA}" presName="textRect" presStyleLbl="revTx" presStyleIdx="6" presStyleCnt="9">
+        <dgm:presLayoutVars>
+          <dgm:chMax val="1"/>
+          <dgm:chPref val="1"/>
+        </dgm:presLayoutVars>
+      </dgm:prSet>
+      <dgm:spPr/>
+      <dgm:t>
+        <a:bodyPr/>
+        <a:lstStyle/>
+        <a:p>
+          <a:endParaRPr lang="en-IN"/>
+        </a:p>
+      </dgm:t>
+    </dgm:pt>
+    <dgm:pt modelId="{B1686EB1-7BA1-4393-A4F4-A4B626841DA4}" type="pres">
+      <dgm:prSet presAssocID="{90110789-7F16-4F72-B5F1-BE4D6C615575}" presName="sibTrans" presStyleLbl="sibTrans2D1" presStyleIdx="0" presStyleCnt="0"/>
+      <dgm:spPr/>
+      <dgm:t>
+        <a:bodyPr/>
+        <a:lstStyle/>
+        <a:p>
+          <a:endParaRPr lang="en-IN"/>
+        </a:p>
+      </dgm:t>
+    </dgm:pt>
+    <dgm:pt modelId="{006813F8-57F1-45BA-A7EF-38927758F882}" type="pres">
+      <dgm:prSet presAssocID="{1F6009A1-F024-4291-B775-507F891C9FA1}" presName="compNode" presStyleCnt="0"/>
+      <dgm:spPr/>
+    </dgm:pt>
+    <dgm:pt modelId="{C9449182-6849-4C82-AF7E-21EB247EBB4D}" type="pres">
+      <dgm:prSet presAssocID="{1F6009A1-F024-4291-B775-507F891C9FA1}" presName="iconBgRect" presStyleLbl="bgShp" presStyleIdx="7" presStyleCnt="9"/>
+      <dgm:spPr/>
+    </dgm:pt>
+    <dgm:pt modelId="{65A1C2DD-42A9-44F4-A96B-A502ADE43537}" type="pres">
+      <dgm:prSet presAssocID="{1F6009A1-F024-4291-B775-507F891C9FA1}" presName="iconRect" presStyleLbl="node1" presStyleIdx="7" presStyleCnt="9"/>
+      <dgm:spPr>
+        <a:blipFill>
+          <a:blip xmlns:r="http://schemas.openxmlformats.org/officeDocument/2006/relationships" r:embed="rId15" cstate="print">
+            <a:extLst>
+              <a:ext uri="{28A0092B-C50C-407E-A947-70E740481C1C}">
+                <a14:useLocalDpi xmlns:a14="http://schemas.microsoft.com/office/drawing/2010/main" val="0"/>
+              </a:ext>
+              <a:ext uri="{96DAC541-7B7A-43D3-8B79-37D633B846F1}">
+                <asvg:svgBlip xmlns:asvg="http://schemas.microsoft.com/office/drawing/2016/SVG/main" xmlns="" r:embed="rId16"/>
+              </a:ext>
+            </a:extLst>
+          </a:blip>
+          <a:srcRect/>
+          <a:stretch>
+            <a:fillRect/>
+          </a:stretch>
+        </a:blipFill>
+        <a:ln>
+          <a:noFill/>
+        </a:ln>
+      </dgm:spPr>
+      <dgm:t>
+        <a:bodyPr/>
+        <a:lstStyle/>
+        <a:p>
+          <a:endParaRPr lang="en-IN"/>
+        </a:p>
+      </dgm:t>
+      <dgm:extLst>
+        <a:ext uri="{E40237B7-FDA0-4F09-8148-C483321AD2D9}">
+          <dgm14:cNvPr xmlns:dgm14="http://schemas.microsoft.com/office/drawing/2010/diagram" id="0" name="" descr="Ui Ux outline"/>
+        </a:ext>
+      </dgm:extLst>
+    </dgm:pt>
+    <dgm:pt modelId="{D587D7DF-BFE9-4626-A0A2-B206464045B0}" type="pres">
+      <dgm:prSet presAssocID="{1F6009A1-F024-4291-B775-507F891C9FA1}" presName="spaceRect" presStyleCnt="0"/>
+      <dgm:spPr/>
+    </dgm:pt>
+    <dgm:pt modelId="{54F2C9F4-07FD-4C95-AB1D-16EFEC2162E9}" type="pres">
+      <dgm:prSet presAssocID="{1F6009A1-F024-4291-B775-507F891C9FA1}" presName="textRect" presStyleLbl="revTx" presStyleIdx="7" presStyleCnt="9">
+        <dgm:presLayoutVars>
+          <dgm:chMax val="1"/>
+          <dgm:chPref val="1"/>
+        </dgm:presLayoutVars>
+      </dgm:prSet>
+      <dgm:spPr/>
+      <dgm:t>
+        <a:bodyPr/>
+        <a:lstStyle/>
+        <a:p>
+          <a:endParaRPr lang="en-IN"/>
+        </a:p>
+      </dgm:t>
+    </dgm:pt>
+    <dgm:pt modelId="{B6D7654F-AEAA-4C18-84AE-EC04761C3C79}" type="pres">
+      <dgm:prSet presAssocID="{D6B7A44C-83D2-4A95-B43D-3A934270FAA6}" presName="sibTrans" presStyleLbl="sibTrans2D1" presStyleIdx="0" presStyleCnt="0"/>
+      <dgm:spPr/>
+      <dgm:t>
+        <a:bodyPr/>
+        <a:lstStyle/>
+        <a:p>
+          <a:endParaRPr lang="en-IN"/>
+        </a:p>
+      </dgm:t>
+    </dgm:pt>
+    <dgm:pt modelId="{81E2D595-8F57-407B-ACFA-F08687E334C0}" type="pres">
+      <dgm:prSet presAssocID="{5E341883-79BB-4CBB-9CCE-1D0D843907B5}" presName="compNode" presStyleCnt="0"/>
+      <dgm:spPr/>
+    </dgm:pt>
+    <dgm:pt modelId="{9427C93F-3846-4517-B49A-1C528F2A29AB}" type="pres">
+      <dgm:prSet presAssocID="{5E341883-79BB-4CBB-9CCE-1D0D843907B5}" presName="iconBgRect" presStyleLbl="bgShp" presStyleIdx="8" presStyleCnt="9"/>
+      <dgm:spPr/>
+    </dgm:pt>
+    <dgm:pt modelId="{01A82BDC-FEF8-4FA7-AE4A-3388F34A6519}" type="pres">
+      <dgm:prSet presAssocID="{5E341883-79BB-4CBB-9CCE-1D0D843907B5}" presName="iconRect" presStyleLbl="node1" presStyleIdx="8" presStyleCnt="9"/>
+      <dgm:spPr>
+        <a:blipFill>
+          <a:blip xmlns:r="http://schemas.openxmlformats.org/officeDocument/2006/relationships" r:embed="rId17" cstate="print">
+            <a:extLst>
+              <a:ext uri="{28A0092B-C50C-407E-A947-70E740481C1C}">
+                <a14:useLocalDpi xmlns:a14="http://schemas.microsoft.com/office/drawing/2010/main" val="0"/>
+              </a:ext>
+            </a:extLst>
+          </a:blip>
+          <a:srcRect/>
+          <a:stretch>
+            <a:fillRect l="-12000" r="-12000"/>
+          </a:stretch>
+        </a:blipFill>
+        <a:ln>
+          <a:noFill/>
+        </a:ln>
+      </dgm:spPr>
+      <dgm:t>
+        <a:bodyPr/>
+        <a:lstStyle/>
+        <a:p>
+          <a:endParaRPr lang="en-IN"/>
+        </a:p>
+      </dgm:t>
+    </dgm:pt>
+    <dgm:pt modelId="{7A26E3EB-5E6D-4600-A3C8-3F41EC2FBA99}" type="pres">
+      <dgm:prSet presAssocID="{5E341883-79BB-4CBB-9CCE-1D0D843907B5}" presName="spaceRect" presStyleCnt="0"/>
+      <dgm:spPr/>
+    </dgm:pt>
+    <dgm:pt modelId="{99B60C40-F8F2-4788-B1C3-CAECB5DBA365}" type="pres">
+      <dgm:prSet presAssocID="{5E341883-79BB-4CBB-9CCE-1D0D843907B5}" presName="textRect" presStyleLbl="revTx" presStyleIdx="8" presStyleCnt="9">
+        <dgm:presLayoutVars>
+          <dgm:chMax val="1"/>
+          <dgm:chPref val="1"/>
+        </dgm:presLayoutVars>
+      </dgm:prSet>
+      <dgm:spPr/>
+      <dgm:t>
+        <a:bodyPr/>
+        <a:lstStyle/>
+        <a:p>
+          <a:endParaRPr lang="en-IN"/>
+        </a:p>
+      </dgm:t>
+    </dgm:pt>
+  </dgm:ptLst>
+  <dgm:cxnLst>
+    <dgm:cxn modelId="{2FF3D8FA-FADD-4F9E-8E0F-1D2566C18B1B}" type="presOf" srcId="{0A97F7E6-BCF2-4732-A8B2-654FA8BA662D}" destId="{F97A7784-A3F5-4FCE-9FF4-65C5C5772707}" srcOrd="0" destOrd="0" presId="urn:microsoft.com/office/officeart/2018/2/layout/IconCircleList"/>
+    <dgm:cxn modelId="{5987D878-A95D-4188-8669-FE4B1A931AA7}" type="presOf" srcId="{C9EAFF29-5A35-4345-998C-824ECE498E9F}" destId="{A8878888-D68D-49E9-94AB-54CE663CDC54}" srcOrd="0" destOrd="0" presId="urn:microsoft.com/office/officeart/2018/2/layout/IconCircleList"/>
+    <dgm:cxn modelId="{54E7DEB0-E5EC-4214-A970-4E7DBD7C1B1B}" type="presOf" srcId="{739C4AEE-42C1-4A3C-89D5-EC45F1BAAE3B}" destId="{4C7CB805-D7C8-4133-86E8-63E8FDEED44A}" srcOrd="0" destOrd="0" presId="urn:microsoft.com/office/officeart/2018/2/layout/IconCircleList"/>
+    <dgm:cxn modelId="{67EECD43-A3B7-4329-BB67-2CBB45375E52}" type="presOf" srcId="{C5465D3D-76C7-4042-960B-1E8D38257FA9}" destId="{6C3E49EE-6025-4AB2-8C22-D8ED5A411B9A}" srcOrd="0" destOrd="0" presId="urn:microsoft.com/office/officeart/2018/2/layout/IconCircleList"/>
+    <dgm:cxn modelId="{5D4C5895-6B23-4C0A-AD79-8A8C49E90C35}" type="presOf" srcId="{43CA7793-A4F8-4951-92BC-DC3C5D9FDDB4}" destId="{C7521DED-D2FC-4820-932E-DEBD474E31CA}" srcOrd="0" destOrd="0" presId="urn:microsoft.com/office/officeart/2018/2/layout/IconCircleList"/>
+    <dgm:cxn modelId="{675E218A-C132-493E-A7F1-6C8352C6D08B}" srcId="{739C4AEE-42C1-4A3C-89D5-EC45F1BAAE3B}" destId="{79DFE163-6C09-4A19-AD65-56DBE3EF4902}" srcOrd="1" destOrd="0" parTransId="{DD5B9B32-8C2C-474B-8585-E3D538E6954A}" sibTransId="{47636A6D-62C5-4ABF-A84D-EC69D99FE051}"/>
+    <dgm:cxn modelId="{B9AB405B-9977-4428-9852-DDB3705CDE48}" type="presOf" srcId="{47636A6D-62C5-4ABF-A84D-EC69D99FE051}" destId="{85334E7B-2EBE-4C95-A111-FCC208CB7BA4}" srcOrd="0" destOrd="0" presId="urn:microsoft.com/office/officeart/2018/2/layout/IconCircleList"/>
+    <dgm:cxn modelId="{28327C49-DED1-4C56-8494-4540FDF22CD4}" type="presOf" srcId="{F6740277-643A-4F73-B200-BEDFC620621A}" destId="{985227D5-F656-4931-B396-85707ADDF0E0}" srcOrd="0" destOrd="0" presId="urn:microsoft.com/office/officeart/2018/2/layout/IconCircleList"/>
+    <dgm:cxn modelId="{0308021D-28A5-4930-B677-8B6E4C0447A1}" type="presOf" srcId="{5E341883-79BB-4CBB-9CCE-1D0D843907B5}" destId="{99B60C40-F8F2-4788-B1C3-CAECB5DBA365}" srcOrd="0" destOrd="0" presId="urn:microsoft.com/office/officeart/2018/2/layout/IconCircleList"/>
+    <dgm:cxn modelId="{32421DE8-D211-4944-AC06-BF8506A7D253}" srcId="{739C4AEE-42C1-4A3C-89D5-EC45F1BAAE3B}" destId="{5E341883-79BB-4CBB-9CCE-1D0D843907B5}" srcOrd="8" destOrd="0" parTransId="{8DE9D8CD-AC9A-498D-A177-8D3485DCC905}" sibTransId="{E96C1386-0FEB-4CF6-A64F-CFB217EA46AF}"/>
+    <dgm:cxn modelId="{6AB13112-98F5-49E9-8386-1DE485DC6B6C}" srcId="{739C4AEE-42C1-4A3C-89D5-EC45F1BAAE3B}" destId="{C9EAFF29-5A35-4345-998C-824ECE498E9F}" srcOrd="5" destOrd="0" parTransId="{CBC455C5-B3ED-4E14-80D5-338B4AAC2E6F}" sibTransId="{36FD7EEA-A522-435D-818D-9660126F979D}"/>
+    <dgm:cxn modelId="{3C113861-11C7-4510-A88E-B06C10D0A6A9}" srcId="{739C4AEE-42C1-4A3C-89D5-EC45F1BAAE3B}" destId="{D373F292-A793-4797-91E5-95FB341A70EB}" srcOrd="4" destOrd="0" parTransId="{1CB1A96F-FBFC-4431-B91E-59DEB137D5EC}" sibTransId="{F6740277-643A-4F73-B200-BEDFC620621A}"/>
+    <dgm:cxn modelId="{7AB07270-D0CC-4995-AAAD-3BDF3274C21E}" srcId="{739C4AEE-42C1-4A3C-89D5-EC45F1BAAE3B}" destId="{C5465D3D-76C7-4042-960B-1E8D38257FA9}" srcOrd="3" destOrd="0" parTransId="{2EE5A798-641A-4581-9D35-C80E25B20E8D}" sibTransId="{0A97F7E6-BCF2-4732-A8B2-654FA8BA662D}"/>
+    <dgm:cxn modelId="{59E695B6-0B1D-450B-B2DA-EE39D496720D}" type="presOf" srcId="{53213CC1-4D3A-449A-953A-70E7283B00DA}" destId="{13EC5472-8146-4CA2-8F5C-71A823F21438}" srcOrd="0" destOrd="0" presId="urn:microsoft.com/office/officeart/2018/2/layout/IconCircleList"/>
+    <dgm:cxn modelId="{0E6A2D89-72E5-4C3D-A841-B1FA00DE2E07}" type="presOf" srcId="{36FD7EEA-A522-435D-818D-9660126F979D}" destId="{8E8AA199-6B67-4D62-B720-A4A28B2F5E5B}" srcOrd="0" destOrd="0" presId="urn:microsoft.com/office/officeart/2018/2/layout/IconCircleList"/>
+    <dgm:cxn modelId="{9F5EE5DA-CC89-48D5-8A2E-AEE02354F35F}" srcId="{739C4AEE-42C1-4A3C-89D5-EC45F1BAAE3B}" destId="{1F6009A1-F024-4291-B775-507F891C9FA1}" srcOrd="7" destOrd="0" parTransId="{ED79F721-86D9-4EDE-AA4B-2722DEB5BE53}" sibTransId="{D6B7A44C-83D2-4A95-B43D-3A934270FAA6}"/>
+    <dgm:cxn modelId="{C6FA322E-49F8-4845-A83E-AF121FB9E921}" srcId="{739C4AEE-42C1-4A3C-89D5-EC45F1BAAE3B}" destId="{57E0EFD0-4451-403F-AEA8-ACCF6F6548BF}" srcOrd="2" destOrd="0" parTransId="{F16B9B7B-6977-471A-B67A-B2CAB86828CA}" sibTransId="{773FD345-5581-4A82-8970-B1AA47172748}"/>
+    <dgm:cxn modelId="{1D4DE768-DDE9-4D07-A034-A2D6B3B0FA00}" srcId="{739C4AEE-42C1-4A3C-89D5-EC45F1BAAE3B}" destId="{43CA7793-A4F8-4951-92BC-DC3C5D9FDDB4}" srcOrd="0" destOrd="0" parTransId="{7F5588B2-201C-4AEB-82E1-E1B3F28A6193}" sibTransId="{367253AF-B314-48DA-8D91-288FCF6A2B99}"/>
+    <dgm:cxn modelId="{4D3D9908-EB11-4151-81FF-669664D5F430}" type="presOf" srcId="{D373F292-A793-4797-91E5-95FB341A70EB}" destId="{782564E3-605E-4539-9EC3-E91A36D2C7CD}" srcOrd="0" destOrd="0" presId="urn:microsoft.com/office/officeart/2018/2/layout/IconCircleList"/>
+    <dgm:cxn modelId="{2ED5A599-EEC9-4237-B243-46F8CDE7CEBB}" type="presOf" srcId="{367253AF-B314-48DA-8D91-288FCF6A2B99}" destId="{F90DC7B3-8034-4885-A750-14C42DE8B440}" srcOrd="0" destOrd="0" presId="urn:microsoft.com/office/officeart/2018/2/layout/IconCircleList"/>
+    <dgm:cxn modelId="{1C11EE6B-09D2-4BF6-B353-C414243BF631}" srcId="{739C4AEE-42C1-4A3C-89D5-EC45F1BAAE3B}" destId="{53213CC1-4D3A-449A-953A-70E7283B00DA}" srcOrd="6" destOrd="0" parTransId="{1A94C4D3-5334-48B2-BA43-E7FE269CA442}" sibTransId="{90110789-7F16-4F72-B5F1-BE4D6C615575}"/>
+    <dgm:cxn modelId="{D9D9C465-3D2C-4F05-92B2-CFD2E2568AA1}" type="presOf" srcId="{773FD345-5581-4A82-8970-B1AA47172748}" destId="{54D03BD6-AE5E-4526-A714-5BF9B2DCAFB2}" srcOrd="0" destOrd="0" presId="urn:microsoft.com/office/officeart/2018/2/layout/IconCircleList"/>
+    <dgm:cxn modelId="{D9952E23-8527-4A5B-80C8-D8FA2E3CDB53}" type="presOf" srcId="{90110789-7F16-4F72-B5F1-BE4D6C615575}" destId="{B1686EB1-7BA1-4393-A4F4-A4B626841DA4}" srcOrd="0" destOrd="0" presId="urn:microsoft.com/office/officeart/2018/2/layout/IconCircleList"/>
+    <dgm:cxn modelId="{E9894793-D7EC-41A7-A5F4-EF8D97256BF4}" type="presOf" srcId="{79DFE163-6C09-4A19-AD65-56DBE3EF4902}" destId="{BCF22827-65FF-418E-8620-7DEF260B1748}" srcOrd="0" destOrd="0" presId="urn:microsoft.com/office/officeart/2018/2/layout/IconCircleList"/>
+    <dgm:cxn modelId="{10880A75-DA59-4210-8C66-A173BBD14577}" type="presOf" srcId="{57E0EFD0-4451-403F-AEA8-ACCF6F6548BF}" destId="{52706368-3363-416C-B6BC-D54225D4598E}" srcOrd="0" destOrd="0" presId="urn:microsoft.com/office/officeart/2018/2/layout/IconCircleList"/>
+    <dgm:cxn modelId="{B5602864-3547-48CB-8CAF-6986CB573C2D}" type="presOf" srcId="{D6B7A44C-83D2-4A95-B43D-3A934270FAA6}" destId="{B6D7654F-AEAA-4C18-84AE-EC04761C3C79}" srcOrd="0" destOrd="0" presId="urn:microsoft.com/office/officeart/2018/2/layout/IconCircleList"/>
+    <dgm:cxn modelId="{9261897B-58EA-468D-A0AA-DFD771011744}" type="presOf" srcId="{1F6009A1-F024-4291-B775-507F891C9FA1}" destId="{54F2C9F4-07FD-4C95-AB1D-16EFEC2162E9}" srcOrd="0" destOrd="0" presId="urn:microsoft.com/office/officeart/2018/2/layout/IconCircleList"/>
+    <dgm:cxn modelId="{BD321664-0215-4051-9362-FBFF7BBBB594}" type="presParOf" srcId="{4C7CB805-D7C8-4133-86E8-63E8FDEED44A}" destId="{73A55798-F537-4430-B227-D38BB5067E58}" srcOrd="0" destOrd="0" presId="urn:microsoft.com/office/officeart/2018/2/layout/IconCircleList"/>
+    <dgm:cxn modelId="{A7DF42CC-ABC3-46BB-AEC0-B6711388827B}" type="presParOf" srcId="{73A55798-F537-4430-B227-D38BB5067E58}" destId="{1F8F1103-7C3D-4BFF-8DD0-754F413E63B2}" srcOrd="0" destOrd="0" presId="urn:microsoft.com/office/officeart/2018/2/layout/IconCircleList"/>
+    <dgm:cxn modelId="{5FFDE1C2-9B46-47F8-9BDA-79371D6630F3}" type="presParOf" srcId="{1F8F1103-7C3D-4BFF-8DD0-754F413E63B2}" destId="{F0957D4F-67F1-4F46-9523-302A66CE7CAF}" srcOrd="0" destOrd="0" presId="urn:microsoft.com/office/officeart/2018/2/layout/IconCircleList"/>
+    <dgm:cxn modelId="{95DBD56C-DF83-4241-9291-7C617C9F2A3E}" type="presParOf" srcId="{1F8F1103-7C3D-4BFF-8DD0-754F413E63B2}" destId="{7788AA5E-4F16-43C0-849C-6015D68825B5}" srcOrd="1" destOrd="0" presId="urn:microsoft.com/office/officeart/2018/2/layout/IconCircleList"/>
+    <dgm:cxn modelId="{0E6F2511-7AC8-4DD9-9380-62BE6E972DEB}" type="presParOf" srcId="{1F8F1103-7C3D-4BFF-8DD0-754F413E63B2}" destId="{9A57916F-D21B-42B2-934F-C301060C850C}" srcOrd="2" destOrd="0" presId="urn:microsoft.com/office/officeart/2018/2/layout/IconCircleList"/>
+    <dgm:cxn modelId="{ED899CC8-A3E3-4D1E-BAF6-EB1FBF91B314}" type="presParOf" srcId="{1F8F1103-7C3D-4BFF-8DD0-754F413E63B2}" destId="{C7521DED-D2FC-4820-932E-DEBD474E31CA}" srcOrd="3" destOrd="0" presId="urn:microsoft.com/office/officeart/2018/2/layout/IconCircleList"/>
+    <dgm:cxn modelId="{388BEDA9-1D5F-4320-A0A8-24EF9D6DBC6B}" type="presParOf" srcId="{73A55798-F537-4430-B227-D38BB5067E58}" destId="{F90DC7B3-8034-4885-A750-14C42DE8B440}" srcOrd="1" destOrd="0" presId="urn:microsoft.com/office/officeart/2018/2/layout/IconCircleList"/>
+    <dgm:cxn modelId="{D25CD37D-5172-4350-9F63-2A8EBD2A3CFD}" type="presParOf" srcId="{73A55798-F537-4430-B227-D38BB5067E58}" destId="{4E17A1B7-F915-4E28-A84A-D76A2F840DE3}" srcOrd="2" destOrd="0" presId="urn:microsoft.com/office/officeart/2018/2/layout/IconCircleList"/>
+    <dgm:cxn modelId="{DDCCEBA8-8B20-4522-89F2-521375EE10A9}" type="presParOf" srcId="{4E17A1B7-F915-4E28-A84A-D76A2F840DE3}" destId="{EEE81CC6-1EC1-4066-A72F-83D0BF9D2316}" srcOrd="0" destOrd="0" presId="urn:microsoft.com/office/officeart/2018/2/layout/IconCircleList"/>
+    <dgm:cxn modelId="{44AC2FF9-B8CF-47F8-B72A-565998A581D3}" type="presParOf" srcId="{4E17A1B7-F915-4E28-A84A-D76A2F840DE3}" destId="{0DEB55F8-F9D6-4F49-B9A6-5164971DAF13}" srcOrd="1" destOrd="0" presId="urn:microsoft.com/office/officeart/2018/2/layout/IconCircleList"/>
+    <dgm:cxn modelId="{6DF11D1F-7F75-4D11-BDB0-BB0A50D1C0CD}" type="presParOf" srcId="{4E17A1B7-F915-4E28-A84A-D76A2F840DE3}" destId="{F37CD86D-4A24-4500-A532-DB03A055F746}" srcOrd="2" destOrd="0" presId="urn:microsoft.com/office/officeart/2018/2/layout/IconCircleList"/>
+    <dgm:cxn modelId="{9AADF23A-0057-4FB8-A13D-38A2A5A2023F}" type="presParOf" srcId="{4E17A1B7-F915-4E28-A84A-D76A2F840DE3}" destId="{BCF22827-65FF-418E-8620-7DEF260B1748}" srcOrd="3" destOrd="0" presId="urn:microsoft.com/office/officeart/2018/2/layout/IconCircleList"/>
+    <dgm:cxn modelId="{531AFAFD-3F60-4965-B0EC-5917E3D165AF}" type="presParOf" srcId="{73A55798-F537-4430-B227-D38BB5067E58}" destId="{85334E7B-2EBE-4C95-A111-FCC208CB7BA4}" srcOrd="3" destOrd="0" presId="urn:microsoft.com/office/officeart/2018/2/layout/IconCircleList"/>
+    <dgm:cxn modelId="{420168EF-82C0-4C3F-841A-524FAE212F1F}" type="presParOf" srcId="{73A55798-F537-4430-B227-D38BB5067E58}" destId="{C2685925-7A33-404C-AC39-9EB768C4E5DA}" srcOrd="4" destOrd="0" presId="urn:microsoft.com/office/officeart/2018/2/layout/IconCircleList"/>
+    <dgm:cxn modelId="{08591C77-3E9D-4EE0-8F19-D485E28C5F55}" type="presParOf" srcId="{C2685925-7A33-404C-AC39-9EB768C4E5DA}" destId="{951BEFEE-B545-47E4-A1A7-BDCF7A6E007F}" srcOrd="0" destOrd="0" presId="urn:microsoft.com/office/officeart/2018/2/layout/IconCircleList"/>
+    <dgm:cxn modelId="{A0DF03C2-F95E-4A5C-AFAC-0034E8DFCFCE}" type="presParOf" srcId="{C2685925-7A33-404C-AC39-9EB768C4E5DA}" destId="{11A48E62-F1E6-43F2-B24F-812F584055F8}" srcOrd="1" destOrd="0" presId="urn:microsoft.com/office/officeart/2018/2/layout/IconCircleList"/>
+    <dgm:cxn modelId="{DA55E50A-72AD-4B1D-883F-F8A54BC94AB9}" type="presParOf" srcId="{C2685925-7A33-404C-AC39-9EB768C4E5DA}" destId="{A0CD04C6-4F80-4E7B-BA56-64FCCCEF80CE}" srcOrd="2" destOrd="0" presId="urn:microsoft.com/office/officeart/2018/2/layout/IconCircleList"/>
+    <dgm:cxn modelId="{05FEEE14-F9DA-4F7B-AA67-2287FD9AB865}" type="presParOf" srcId="{C2685925-7A33-404C-AC39-9EB768C4E5DA}" destId="{52706368-3363-416C-B6BC-D54225D4598E}" srcOrd="3" destOrd="0" presId="urn:microsoft.com/office/officeart/2018/2/layout/IconCircleList"/>
+    <dgm:cxn modelId="{FA87D47A-5620-4B87-94BD-5E274FAA84B8}" type="presParOf" srcId="{73A55798-F537-4430-B227-D38BB5067E58}" destId="{54D03BD6-AE5E-4526-A714-5BF9B2DCAFB2}" srcOrd="5" destOrd="0" presId="urn:microsoft.com/office/officeart/2018/2/layout/IconCircleList"/>
+    <dgm:cxn modelId="{06C9E289-068D-4A24-AF44-C07429F6C480}" type="presParOf" srcId="{73A55798-F537-4430-B227-D38BB5067E58}" destId="{8DF7520E-A745-4994-A1B0-860988B68007}" srcOrd="6" destOrd="0" presId="urn:microsoft.com/office/officeart/2018/2/layout/IconCircleList"/>
+    <dgm:cxn modelId="{20D7C834-FCF5-4952-B364-B2AEAD67A783}" type="presParOf" srcId="{8DF7520E-A745-4994-A1B0-860988B68007}" destId="{73CF2F75-ECAD-4C6C-A474-1327566B7650}" srcOrd="0" destOrd="0" presId="urn:microsoft.com/office/officeart/2018/2/layout/IconCircleList"/>
+    <dgm:cxn modelId="{564A3120-5122-4862-A1D4-716BEC0CA1FC}" type="presParOf" srcId="{8DF7520E-A745-4994-A1B0-860988B68007}" destId="{8AEB4F56-1D34-4224-BEEE-5EFB0BEA6CA4}" srcOrd="1" destOrd="0" presId="urn:microsoft.com/office/officeart/2018/2/layout/IconCircleList"/>
+    <dgm:cxn modelId="{1806BFDF-4471-49EB-BE26-B84F800988E3}" type="presParOf" srcId="{8DF7520E-A745-4994-A1B0-860988B68007}" destId="{C921BAFC-6948-4F8E-A18C-90D6B8C8E90E}" srcOrd="2" destOrd="0" presId="urn:microsoft.com/office/officeart/2018/2/layout/IconCircleList"/>
+    <dgm:cxn modelId="{2CB08B42-F41E-4D27-A77E-C3E5CC549941}" type="presParOf" srcId="{8DF7520E-A745-4994-A1B0-860988B68007}" destId="{6C3E49EE-6025-4AB2-8C22-D8ED5A411B9A}" srcOrd="3" destOrd="0" presId="urn:microsoft.com/office/officeart/2018/2/layout/IconCircleList"/>
+    <dgm:cxn modelId="{FAD6C6EE-FF95-4462-84CD-0D737B985DC5}" type="presParOf" srcId="{73A55798-F537-4430-B227-D38BB5067E58}" destId="{F97A7784-A3F5-4FCE-9FF4-65C5C5772707}" srcOrd="7" destOrd="0" presId="urn:microsoft.com/office/officeart/2018/2/layout/IconCircleList"/>
+    <dgm:cxn modelId="{83E90BF1-8897-4FCD-A77E-1DD4D58BA0C5}" type="presParOf" srcId="{73A55798-F537-4430-B227-D38BB5067E58}" destId="{6FBA19FF-00EA-4C66-BCF5-9CEF91E83FCF}" srcOrd="8" destOrd="0" presId="urn:microsoft.com/office/officeart/2018/2/layout/IconCircleList"/>
+    <dgm:cxn modelId="{1CE4BB1C-6B7A-46EB-A4A6-47ED236EB2C5}" type="presParOf" srcId="{6FBA19FF-00EA-4C66-BCF5-9CEF91E83FCF}" destId="{83FB3354-039C-4B4D-A71F-750E4CE9DA59}" srcOrd="0" destOrd="0" presId="urn:microsoft.com/office/officeart/2018/2/layout/IconCircleList"/>
+    <dgm:cxn modelId="{02B3D863-BA36-42FA-AE58-3E6DCDF82426}" type="presParOf" srcId="{6FBA19FF-00EA-4C66-BCF5-9CEF91E83FCF}" destId="{1D1A18AC-A305-49E1-91DF-F7943AA204F9}" srcOrd="1" destOrd="0" presId="urn:microsoft.com/office/officeart/2018/2/layout/IconCircleList"/>
+    <dgm:cxn modelId="{9AD95CCF-DEC4-451A-9990-940E8A735B9C}" type="presParOf" srcId="{6FBA19FF-00EA-4C66-BCF5-9CEF91E83FCF}" destId="{A1AFFC70-0CF1-4BD0-9034-BC1BB9C579B9}" srcOrd="2" destOrd="0" presId="urn:microsoft.com/office/officeart/2018/2/layout/IconCircleList"/>
+    <dgm:cxn modelId="{711117E5-8D39-4AED-844F-8C7E5501C592}" type="presParOf" srcId="{6FBA19FF-00EA-4C66-BCF5-9CEF91E83FCF}" destId="{782564E3-605E-4539-9EC3-E91A36D2C7CD}" srcOrd="3" destOrd="0" presId="urn:microsoft.com/office/officeart/2018/2/layout/IconCircleList"/>
+    <dgm:cxn modelId="{A83AA1D8-ECD5-44DC-8A93-FFDF61DCD05E}" type="presParOf" srcId="{73A55798-F537-4430-B227-D38BB5067E58}" destId="{985227D5-F656-4931-B396-85707ADDF0E0}" srcOrd="9" destOrd="0" presId="urn:microsoft.com/office/officeart/2018/2/layout/IconCircleList"/>
+    <dgm:cxn modelId="{41ED7AAE-2F0F-4AF3-8B8F-AA7DE234C751}" type="presParOf" srcId="{73A55798-F537-4430-B227-D38BB5067E58}" destId="{B1AF7F11-7D48-498B-82F4-26F2E39881F3}" srcOrd="10" destOrd="0" presId="urn:microsoft.com/office/officeart/2018/2/layout/IconCircleList"/>
+    <dgm:cxn modelId="{2CCA7711-9B0D-48D4-9612-4CEA96111A81}" type="presParOf" srcId="{B1AF7F11-7D48-498B-82F4-26F2E39881F3}" destId="{A39E77BE-A024-4E48-8B6F-5006E5901A72}" srcOrd="0" destOrd="0" presId="urn:microsoft.com/office/officeart/2018/2/layout/IconCircleList"/>
+    <dgm:cxn modelId="{D1874955-E3A2-49E0-BDA4-A0A0F08BE089}" type="presParOf" srcId="{B1AF7F11-7D48-498B-82F4-26F2E39881F3}" destId="{07D27317-FFFA-4A78-9304-4307BEE587FA}" srcOrd="1" destOrd="0" presId="urn:microsoft.com/office/officeart/2018/2/layout/IconCircleList"/>
+    <dgm:cxn modelId="{EE0AF619-10F4-471D-9E6C-FA9CA5A95B87}" type="presParOf" srcId="{B1AF7F11-7D48-498B-82F4-26F2E39881F3}" destId="{181F5C6A-CF08-4412-AF52-6A53BED22AC5}" srcOrd="2" destOrd="0" presId="urn:microsoft.com/office/officeart/2018/2/layout/IconCircleList"/>
+    <dgm:cxn modelId="{F72F8977-7386-4A2A-8D58-49473E5BE8D4}" type="presParOf" srcId="{B1AF7F11-7D48-498B-82F4-26F2E39881F3}" destId="{A8878888-D68D-49E9-94AB-54CE663CDC54}" srcOrd="3" destOrd="0" presId="urn:microsoft.com/office/officeart/2018/2/layout/IconCircleList"/>
+    <dgm:cxn modelId="{B9E5E1C1-A9DF-428A-BB29-5A72A417D19A}" type="presParOf" srcId="{73A55798-F537-4430-B227-D38BB5067E58}" destId="{8E8AA199-6B67-4D62-B720-A4A28B2F5E5B}" srcOrd="11" destOrd="0" presId="urn:microsoft.com/office/officeart/2018/2/layout/IconCircleList"/>
+    <dgm:cxn modelId="{8202D07E-FB6A-4D0D-9A59-0F438F407B41}" type="presParOf" srcId="{73A55798-F537-4430-B227-D38BB5067E58}" destId="{7DFEFBFA-F68F-4653-9C2B-FF24AE1E0E38}" srcOrd="12" destOrd="0" presId="urn:microsoft.com/office/officeart/2018/2/layout/IconCircleList"/>
+    <dgm:cxn modelId="{8ECFEC8E-C702-4C6D-A965-E275C7DE4092}" type="presParOf" srcId="{7DFEFBFA-F68F-4653-9C2B-FF24AE1E0E38}" destId="{B60B0760-D4A6-479C-B74A-83468953852D}" srcOrd="0" destOrd="0" presId="urn:microsoft.com/office/officeart/2018/2/layout/IconCircleList"/>
+    <dgm:cxn modelId="{FC5864FD-9E20-4A54-9A7F-F5337353AE54}" type="presParOf" srcId="{7DFEFBFA-F68F-4653-9C2B-FF24AE1E0E38}" destId="{CCBFEF0F-EBD8-4112-95EA-25A3EB2697DD}" srcOrd="1" destOrd="0" presId="urn:microsoft.com/office/officeart/2018/2/layout/IconCircleList"/>
+    <dgm:cxn modelId="{F61516A3-86B7-413E-84A8-DBDD32C0A389}" type="presParOf" srcId="{7DFEFBFA-F68F-4653-9C2B-FF24AE1E0E38}" destId="{5FDA900D-DA76-42D8-B744-6345AE3EEE83}" srcOrd="2" destOrd="0" presId="urn:microsoft.com/office/officeart/2018/2/layout/IconCircleList"/>
+    <dgm:cxn modelId="{A9EC92BC-DE8B-468C-AC6F-972FD5244ECD}" type="presParOf" srcId="{7DFEFBFA-F68F-4653-9C2B-FF24AE1E0E38}" destId="{13EC5472-8146-4CA2-8F5C-71A823F21438}" srcOrd="3" destOrd="0" presId="urn:microsoft.com/office/officeart/2018/2/layout/IconCircleList"/>
+    <dgm:cxn modelId="{096D6E50-CB8C-4D10-9030-DF5CEDF5C169}" type="presParOf" srcId="{73A55798-F537-4430-B227-D38BB5067E58}" destId="{B1686EB1-7BA1-4393-A4F4-A4B626841DA4}" srcOrd="13" destOrd="0" presId="urn:microsoft.com/office/officeart/2018/2/layout/IconCircleList"/>
+    <dgm:cxn modelId="{2677CE59-8B88-440C-A7F8-2E416FA7BB64}" type="presParOf" srcId="{73A55798-F537-4430-B227-D38BB5067E58}" destId="{006813F8-57F1-45BA-A7EF-38927758F882}" srcOrd="14" destOrd="0" presId="urn:microsoft.com/office/officeart/2018/2/layout/IconCircleList"/>
+    <dgm:cxn modelId="{B9906C09-A376-4FE4-8456-9000BEADA47D}" type="presParOf" srcId="{006813F8-57F1-45BA-A7EF-38927758F882}" destId="{C9449182-6849-4C82-AF7E-21EB247EBB4D}" srcOrd="0" destOrd="0" presId="urn:microsoft.com/office/officeart/2018/2/layout/IconCircleList"/>
+    <dgm:cxn modelId="{4513FE5F-2996-4C3C-B363-36B301B1B747}" type="presParOf" srcId="{006813F8-57F1-45BA-A7EF-38927758F882}" destId="{65A1C2DD-42A9-44F4-A96B-A502ADE43537}" srcOrd="1" destOrd="0" presId="urn:microsoft.com/office/officeart/2018/2/layout/IconCircleList"/>
+    <dgm:cxn modelId="{2B17763A-4E71-41BB-84E2-8263C337B9F7}" type="presParOf" srcId="{006813F8-57F1-45BA-A7EF-38927758F882}" destId="{D587D7DF-BFE9-4626-A0A2-B206464045B0}" srcOrd="2" destOrd="0" presId="urn:microsoft.com/office/officeart/2018/2/layout/IconCircleList"/>
+    <dgm:cxn modelId="{DEBF0C6F-FEBB-4A6D-80BB-309CB631BFF7}" type="presParOf" srcId="{006813F8-57F1-45BA-A7EF-38927758F882}" destId="{54F2C9F4-07FD-4C95-AB1D-16EFEC2162E9}" srcOrd="3" destOrd="0" presId="urn:microsoft.com/office/officeart/2018/2/layout/IconCircleList"/>
+    <dgm:cxn modelId="{2EA2BEFD-47F2-42E1-A8FD-A75B663F1189}" type="presParOf" srcId="{73A55798-F537-4430-B227-D38BB5067E58}" destId="{B6D7654F-AEAA-4C18-84AE-EC04761C3C79}" srcOrd="15" destOrd="0" presId="urn:microsoft.com/office/officeart/2018/2/layout/IconCircleList"/>
+    <dgm:cxn modelId="{C199B169-3378-4C85-B7FF-925EA21D2988}" type="presParOf" srcId="{73A55798-F537-4430-B227-D38BB5067E58}" destId="{81E2D595-8F57-407B-ACFA-F08687E334C0}" srcOrd="16" destOrd="0" presId="urn:microsoft.com/office/officeart/2018/2/layout/IconCircleList"/>
+    <dgm:cxn modelId="{43F8A850-B3AA-4F1C-8556-38169576B9F2}" type="presParOf" srcId="{81E2D595-8F57-407B-ACFA-F08687E334C0}" destId="{9427C93F-3846-4517-B49A-1C528F2A29AB}" srcOrd="0" destOrd="0" presId="urn:microsoft.com/office/officeart/2018/2/layout/IconCircleList"/>
+    <dgm:cxn modelId="{9A76BDEC-38AE-49D4-87E3-2F45115672A6}" type="presParOf" srcId="{81E2D595-8F57-407B-ACFA-F08687E334C0}" destId="{01A82BDC-FEF8-4FA7-AE4A-3388F34A6519}" srcOrd="1" destOrd="0" presId="urn:microsoft.com/office/officeart/2018/2/layout/IconCircleList"/>
+    <dgm:cxn modelId="{95B3FEBF-48B1-4605-AE81-6931A83E7BDA}" type="presParOf" srcId="{81E2D595-8F57-407B-ACFA-F08687E334C0}" destId="{7A26E3EB-5E6D-4600-A3C8-3F41EC2FBA99}" srcOrd="2" destOrd="0" presId="urn:microsoft.com/office/officeart/2018/2/layout/IconCircleList"/>
+    <dgm:cxn modelId="{B1742488-D60B-4368-8846-AA10DB2068B2}" type="presParOf" srcId="{81E2D595-8F57-407B-ACFA-F08687E334C0}" destId="{99B60C40-F8F2-4788-B1C3-CAECB5DBA365}" srcOrd="3" destOrd="0" presId="urn:microsoft.com/office/officeart/2018/2/layout/IconCircleList"/>
+  </dgm:cxnLst>
+  <dgm:bg/>
+  <dgm:whole/>
+  <dgm:extLst>
+    <a:ext uri="http://schemas.microsoft.com/office/drawing/2008/diagram">
+      <dsp:dataModelExt xmlns:dsp="http://schemas.microsoft.com/office/drawing/2008/diagram" relId="rId6" minVer="http://schemas.openxmlformats.org/drawingml/2006/diagram"/>
+    </a:ext>
+  </dgm:extLst>
+</dgm:dataModel>
+</file>
+
 <file path=ppt/diagrams/drawing1.xml><?xml version="1.0" encoding="utf-8"?>
 <dsp:drawing xmlns:dgm="http://schemas.openxmlformats.org/drawingml/2006/diagram" xmlns:dsp="http://schemas.microsoft.com/office/drawing/2008/diagram" xmlns:a="http://schemas.openxmlformats.org/drawingml/2006/main">
   <dsp:spTree>
@@ -2045,6 +3908,1358 @@
 </dsp:drawing>
 </file>
 
+<file path=ppt/diagrams/drawing2.xml><?xml version="1.0" encoding="utf-8"?>
+<dsp:drawing xmlns:dgm="http://schemas.openxmlformats.org/drawingml/2006/diagram" xmlns:dsp="http://schemas.microsoft.com/office/drawing/2008/diagram" xmlns:a="http://schemas.openxmlformats.org/drawingml/2006/main">
+  <dsp:spTree>
+    <dsp:nvGrpSpPr>
+      <dsp:cNvPr id="0" name=""/>
+      <dsp:cNvGrpSpPr/>
+    </dsp:nvGrpSpPr>
+    <dsp:grpSpPr/>
+    <dsp:sp modelId="{F0957D4F-67F1-4F46-9523-302A66CE7CAF}">
+      <dsp:nvSpPr>
+        <dsp:cNvPr id="0" name=""/>
+        <dsp:cNvSpPr/>
+      </dsp:nvSpPr>
+      <dsp:spPr>
+        <a:xfrm>
+          <a:off x="504309" y="43226"/>
+          <a:ext cx="824134" cy="824134"/>
+        </a:xfrm>
+        <a:prstGeom prst="ellipse">
+          <a:avLst/>
+        </a:prstGeom>
+        <a:solidFill>
+          <a:schemeClr val="accent2">
+            <a:tint val="40000"/>
+            <a:hueOff val="0"/>
+            <a:satOff val="0"/>
+            <a:lumOff val="0"/>
+            <a:alphaOff val="0"/>
+          </a:schemeClr>
+        </a:solidFill>
+        <a:ln>
+          <a:noFill/>
+        </a:ln>
+        <a:effectLst/>
+      </dsp:spPr>
+      <dsp:style>
+        <a:lnRef idx="0">
+          <a:scrgbClr r="0" g="0" b="0"/>
+        </a:lnRef>
+        <a:fillRef idx="1">
+          <a:scrgbClr r="0" g="0" b="0"/>
+        </a:fillRef>
+        <a:effectRef idx="0">
+          <a:scrgbClr r="0" g="0" b="0"/>
+        </a:effectRef>
+        <a:fontRef idx="minor"/>
+      </dsp:style>
+    </dsp:sp>
+    <dsp:sp modelId="{7788AA5E-4F16-43C0-849C-6015D68825B5}">
+      <dsp:nvSpPr>
+        <dsp:cNvPr id="0" name=""/>
+        <dsp:cNvSpPr/>
+      </dsp:nvSpPr>
+      <dsp:spPr>
+        <a:xfrm>
+          <a:off x="677378" y="216294"/>
+          <a:ext cx="477998" cy="477998"/>
+        </a:xfrm>
+        <a:prstGeom prst="rect">
+          <a:avLst/>
+        </a:prstGeom>
+        <a:blipFill>
+          <a:blip xmlns:r="http://schemas.openxmlformats.org/officeDocument/2006/relationships" r:embed="rId1" cstate="print">
+            <a:extLst>
+              <a:ext uri="{28A0092B-C50C-407E-A947-70E740481C1C}">
+                <a14:useLocalDpi xmlns:a14="http://schemas.microsoft.com/office/drawing/2010/main" val="0"/>
+              </a:ext>
+              <a:ext uri="{96DAC541-7B7A-43D3-8B79-37D633B846F1}">
+                <asvg:svgBlip xmlns:asvg="http://schemas.microsoft.com/office/drawing/2016/SVG/main" xmlns="" r:embed="rId2"/>
+              </a:ext>
+            </a:extLst>
+          </a:blip>
+          <a:stretch>
+            <a:fillRect/>
+          </a:stretch>
+        </a:blipFill>
+        <a:ln w="19050" cap="rnd" cmpd="sng" algn="ctr">
+          <a:noFill/>
+          <a:prstDash val="solid"/>
+        </a:ln>
+        <a:effectLst/>
+      </dsp:spPr>
+      <dsp:style>
+        <a:lnRef idx="2">
+          <a:scrgbClr r="0" g="0" b="0"/>
+        </a:lnRef>
+        <a:fillRef idx="1">
+          <a:scrgbClr r="0" g="0" b="0"/>
+        </a:fillRef>
+        <a:effectRef idx="0">
+          <a:scrgbClr r="0" g="0" b="0"/>
+        </a:effectRef>
+        <a:fontRef idx="minor">
+          <a:schemeClr val="lt1"/>
+        </a:fontRef>
+      </dsp:style>
+    </dsp:sp>
+    <dsp:sp modelId="{C7521DED-D2FC-4820-932E-DEBD474E31CA}">
+      <dsp:nvSpPr>
+        <dsp:cNvPr id="0" name=""/>
+        <dsp:cNvSpPr/>
+      </dsp:nvSpPr>
+      <dsp:spPr>
+        <a:xfrm>
+          <a:off x="1505044" y="43226"/>
+          <a:ext cx="1942602" cy="824134"/>
+        </a:xfrm>
+        <a:prstGeom prst="rect">
+          <a:avLst/>
+        </a:prstGeom>
+        <a:noFill/>
+        <a:ln>
+          <a:noFill/>
+        </a:ln>
+        <a:effectLst/>
+      </dsp:spPr>
+      <dsp:style>
+        <a:lnRef idx="0">
+          <a:scrgbClr r="0" g="0" b="0"/>
+        </a:lnRef>
+        <a:fillRef idx="0">
+          <a:scrgbClr r="0" g="0" b="0"/>
+        </a:fillRef>
+        <a:effectRef idx="0">
+          <a:scrgbClr r="0" g="0" b="0"/>
+        </a:effectRef>
+        <a:fontRef idx="minor"/>
+      </dsp:style>
+      <dsp:txBody>
+        <a:bodyPr spcFirstLastPara="0" vert="horz" wrap="square" lIns="0" tIns="0" rIns="0" bIns="0" numCol="1" spcCol="1270" anchor="ctr" anchorCtr="0">
+          <a:noAutofit/>
+        </a:bodyPr>
+        <a:lstStyle/>
+        <a:p>
+          <a:pPr lvl="0" algn="l" defTabSz="977900">
+            <a:lnSpc>
+              <a:spcPct val="90000"/>
+            </a:lnSpc>
+            <a:spcBef>
+              <a:spcPct val="0"/>
+            </a:spcBef>
+            <a:spcAft>
+              <a:spcPct val="35000"/>
+            </a:spcAft>
+          </a:pPr>
+          <a:r>
+            <a:rPr lang="en-US" sz="2200" kern="1200"/>
+            <a:t>Project Plan</a:t>
+          </a:r>
+          <a:endParaRPr lang="en-IN" sz="2200" kern="1200"/>
+        </a:p>
+      </dsp:txBody>
+      <dsp:txXfrm>
+        <a:off x="1505044" y="43226"/>
+        <a:ext cx="1942602" cy="824134"/>
+      </dsp:txXfrm>
+    </dsp:sp>
+    <dsp:sp modelId="{EEE81CC6-1EC1-4066-A72F-83D0BF9D2316}">
+      <dsp:nvSpPr>
+        <dsp:cNvPr id="0" name=""/>
+        <dsp:cNvSpPr/>
+      </dsp:nvSpPr>
+      <dsp:spPr>
+        <a:xfrm>
+          <a:off x="3786131" y="43226"/>
+          <a:ext cx="824134" cy="824134"/>
+        </a:xfrm>
+        <a:prstGeom prst="ellipse">
+          <a:avLst/>
+        </a:prstGeom>
+        <a:solidFill>
+          <a:schemeClr val="accent2">
+            <a:tint val="40000"/>
+            <a:hueOff val="0"/>
+            <a:satOff val="0"/>
+            <a:lumOff val="0"/>
+            <a:alphaOff val="0"/>
+          </a:schemeClr>
+        </a:solidFill>
+        <a:ln>
+          <a:noFill/>
+        </a:ln>
+        <a:effectLst/>
+      </dsp:spPr>
+      <dsp:style>
+        <a:lnRef idx="0">
+          <a:scrgbClr r="0" g="0" b="0"/>
+        </a:lnRef>
+        <a:fillRef idx="1">
+          <a:scrgbClr r="0" g="0" b="0"/>
+        </a:fillRef>
+        <a:effectRef idx="0">
+          <a:scrgbClr r="0" g="0" b="0"/>
+        </a:effectRef>
+        <a:fontRef idx="minor"/>
+      </dsp:style>
+    </dsp:sp>
+    <dsp:sp modelId="{0DEB55F8-F9D6-4F49-B9A6-5164971DAF13}">
+      <dsp:nvSpPr>
+        <dsp:cNvPr id="0" name=""/>
+        <dsp:cNvSpPr/>
+      </dsp:nvSpPr>
+      <dsp:spPr>
+        <a:xfrm>
+          <a:off x="3959199" y="216294"/>
+          <a:ext cx="477998" cy="477998"/>
+        </a:xfrm>
+        <a:prstGeom prst="rect">
+          <a:avLst/>
+        </a:prstGeom>
+        <a:blipFill>
+          <a:blip xmlns:r="http://schemas.openxmlformats.org/officeDocument/2006/relationships" r:embed="rId3" cstate="print">
+            <a:extLst>
+              <a:ext uri="{28A0092B-C50C-407E-A947-70E740481C1C}">
+                <a14:useLocalDpi xmlns:a14="http://schemas.microsoft.com/office/drawing/2010/main" val="0"/>
+              </a:ext>
+              <a:ext uri="{96DAC541-7B7A-43D3-8B79-37D633B846F1}">
+                <asvg:svgBlip xmlns:asvg="http://schemas.microsoft.com/office/drawing/2016/SVG/main" xmlns="" r:embed="rId4"/>
+              </a:ext>
+            </a:extLst>
+          </a:blip>
+          <a:stretch>
+            <a:fillRect/>
+          </a:stretch>
+        </a:blipFill>
+        <a:ln w="19050" cap="rnd" cmpd="sng" algn="ctr">
+          <a:noFill/>
+          <a:prstDash val="solid"/>
+        </a:ln>
+        <a:effectLst/>
+      </dsp:spPr>
+      <dsp:style>
+        <a:lnRef idx="2">
+          <a:scrgbClr r="0" g="0" b="0"/>
+        </a:lnRef>
+        <a:fillRef idx="1">
+          <a:scrgbClr r="0" g="0" b="0"/>
+        </a:fillRef>
+        <a:effectRef idx="0">
+          <a:scrgbClr r="0" g="0" b="0"/>
+        </a:effectRef>
+        <a:fontRef idx="minor">
+          <a:schemeClr val="lt1"/>
+        </a:fontRef>
+      </dsp:style>
+    </dsp:sp>
+    <dsp:sp modelId="{BCF22827-65FF-418E-8620-7DEF260B1748}">
+      <dsp:nvSpPr>
+        <dsp:cNvPr id="0" name=""/>
+        <dsp:cNvSpPr/>
+      </dsp:nvSpPr>
+      <dsp:spPr>
+        <a:xfrm>
+          <a:off x="4786866" y="43226"/>
+          <a:ext cx="1942602" cy="824134"/>
+        </a:xfrm>
+        <a:prstGeom prst="rect">
+          <a:avLst/>
+        </a:prstGeom>
+        <a:noFill/>
+        <a:ln>
+          <a:noFill/>
+        </a:ln>
+        <a:effectLst/>
+      </dsp:spPr>
+      <dsp:style>
+        <a:lnRef idx="0">
+          <a:scrgbClr r="0" g="0" b="0"/>
+        </a:lnRef>
+        <a:fillRef idx="0">
+          <a:scrgbClr r="0" g="0" b="0"/>
+        </a:fillRef>
+        <a:effectRef idx="0">
+          <a:scrgbClr r="0" g="0" b="0"/>
+        </a:effectRef>
+        <a:fontRef idx="minor"/>
+      </dsp:style>
+      <dsp:txBody>
+        <a:bodyPr spcFirstLastPara="0" vert="horz" wrap="square" lIns="0" tIns="0" rIns="0" bIns="0" numCol="1" spcCol="1270" anchor="ctr" anchorCtr="0">
+          <a:noAutofit/>
+        </a:bodyPr>
+        <a:lstStyle/>
+        <a:p>
+          <a:pPr lvl="0" algn="l" defTabSz="977900">
+            <a:lnSpc>
+              <a:spcPct val="90000"/>
+            </a:lnSpc>
+            <a:spcBef>
+              <a:spcPct val="0"/>
+            </a:spcBef>
+            <a:spcAft>
+              <a:spcPct val="35000"/>
+            </a:spcAft>
+          </a:pPr>
+          <a:r>
+            <a:rPr lang="en-US" sz="2200" kern="1200"/>
+            <a:t>Data collection</a:t>
+          </a:r>
+          <a:endParaRPr lang="en-IN" sz="2200" kern="1200"/>
+        </a:p>
+      </dsp:txBody>
+      <dsp:txXfrm>
+        <a:off x="4786866" y="43226"/>
+        <a:ext cx="1942602" cy="824134"/>
+      </dsp:txXfrm>
+    </dsp:sp>
+    <dsp:sp modelId="{951BEFEE-B545-47E4-A1A7-BDCF7A6E007F}">
+      <dsp:nvSpPr>
+        <dsp:cNvPr id="0" name=""/>
+        <dsp:cNvSpPr/>
+      </dsp:nvSpPr>
+      <dsp:spPr>
+        <a:xfrm>
+          <a:off x="7067952" y="43226"/>
+          <a:ext cx="824134" cy="824134"/>
+        </a:xfrm>
+        <a:prstGeom prst="ellipse">
+          <a:avLst/>
+        </a:prstGeom>
+        <a:solidFill>
+          <a:schemeClr val="accent2">
+            <a:tint val="40000"/>
+            <a:hueOff val="0"/>
+            <a:satOff val="0"/>
+            <a:lumOff val="0"/>
+            <a:alphaOff val="0"/>
+          </a:schemeClr>
+        </a:solidFill>
+        <a:ln>
+          <a:noFill/>
+        </a:ln>
+        <a:effectLst/>
+      </dsp:spPr>
+      <dsp:style>
+        <a:lnRef idx="0">
+          <a:scrgbClr r="0" g="0" b="0"/>
+        </a:lnRef>
+        <a:fillRef idx="1">
+          <a:scrgbClr r="0" g="0" b="0"/>
+        </a:fillRef>
+        <a:effectRef idx="0">
+          <a:scrgbClr r="0" g="0" b="0"/>
+        </a:effectRef>
+        <a:fontRef idx="minor"/>
+      </dsp:style>
+    </dsp:sp>
+    <dsp:sp modelId="{11A48E62-F1E6-43F2-B24F-812F584055F8}">
+      <dsp:nvSpPr>
+        <dsp:cNvPr id="0" name=""/>
+        <dsp:cNvSpPr/>
+      </dsp:nvSpPr>
+      <dsp:spPr>
+        <a:xfrm>
+          <a:off x="7241020" y="216294"/>
+          <a:ext cx="477998" cy="477998"/>
+        </a:xfrm>
+        <a:prstGeom prst="rect">
+          <a:avLst/>
+        </a:prstGeom>
+        <a:blipFill>
+          <a:blip xmlns:r="http://schemas.openxmlformats.org/officeDocument/2006/relationships" r:embed="rId5" cstate="print">
+            <a:extLst>
+              <a:ext uri="{28A0092B-C50C-407E-A947-70E740481C1C}">
+                <a14:useLocalDpi xmlns:a14="http://schemas.microsoft.com/office/drawing/2010/main" val="0"/>
+              </a:ext>
+              <a:ext uri="{96DAC541-7B7A-43D3-8B79-37D633B846F1}">
+                <asvg:svgBlip xmlns:asvg="http://schemas.microsoft.com/office/drawing/2016/SVG/main" xmlns="" r:embed="rId6"/>
+              </a:ext>
+            </a:extLst>
+          </a:blip>
+          <a:stretch>
+            <a:fillRect/>
+          </a:stretch>
+        </a:blipFill>
+        <a:ln w="19050" cap="rnd" cmpd="sng" algn="ctr">
+          <a:noFill/>
+          <a:prstDash val="solid"/>
+        </a:ln>
+        <a:effectLst/>
+      </dsp:spPr>
+      <dsp:style>
+        <a:lnRef idx="2">
+          <a:scrgbClr r="0" g="0" b="0"/>
+        </a:lnRef>
+        <a:fillRef idx="1">
+          <a:scrgbClr r="0" g="0" b="0"/>
+        </a:fillRef>
+        <a:effectRef idx="0">
+          <a:scrgbClr r="0" g="0" b="0"/>
+        </a:effectRef>
+        <a:fontRef idx="minor">
+          <a:schemeClr val="lt1"/>
+        </a:fontRef>
+      </dsp:style>
+    </dsp:sp>
+    <dsp:sp modelId="{52706368-3363-416C-B6BC-D54225D4598E}">
+      <dsp:nvSpPr>
+        <dsp:cNvPr id="0" name=""/>
+        <dsp:cNvSpPr/>
+      </dsp:nvSpPr>
+      <dsp:spPr>
+        <a:xfrm>
+          <a:off x="8068687" y="43226"/>
+          <a:ext cx="1942602" cy="824134"/>
+        </a:xfrm>
+        <a:prstGeom prst="rect">
+          <a:avLst/>
+        </a:prstGeom>
+        <a:noFill/>
+        <a:ln>
+          <a:noFill/>
+        </a:ln>
+        <a:effectLst/>
+      </dsp:spPr>
+      <dsp:style>
+        <a:lnRef idx="0">
+          <a:scrgbClr r="0" g="0" b="0"/>
+        </a:lnRef>
+        <a:fillRef idx="0">
+          <a:scrgbClr r="0" g="0" b="0"/>
+        </a:fillRef>
+        <a:effectRef idx="0">
+          <a:scrgbClr r="0" g="0" b="0"/>
+        </a:effectRef>
+        <a:fontRef idx="minor"/>
+      </dsp:style>
+      <dsp:txBody>
+        <a:bodyPr spcFirstLastPara="0" vert="horz" wrap="square" lIns="0" tIns="0" rIns="0" bIns="0" numCol="1" spcCol="1270" anchor="ctr" anchorCtr="0">
+          <a:noAutofit/>
+        </a:bodyPr>
+        <a:lstStyle/>
+        <a:p>
+          <a:pPr lvl="0" algn="l" defTabSz="977900">
+            <a:lnSpc>
+              <a:spcPct val="90000"/>
+            </a:lnSpc>
+            <a:spcBef>
+              <a:spcPct val="0"/>
+            </a:spcBef>
+            <a:spcAft>
+              <a:spcPct val="35000"/>
+            </a:spcAft>
+          </a:pPr>
+          <a:r>
+            <a:rPr lang="en-US" sz="2200" kern="1200"/>
+            <a:t>Data pre-processing</a:t>
+          </a:r>
+          <a:endParaRPr lang="en-IN" sz="2200" kern="1200"/>
+        </a:p>
+      </dsp:txBody>
+      <dsp:txXfrm>
+        <a:off x="8068687" y="43226"/>
+        <a:ext cx="1942602" cy="824134"/>
+      </dsp:txXfrm>
+    </dsp:sp>
+    <dsp:sp modelId="{73CF2F75-ECAD-4C6C-A474-1327566B7650}">
+      <dsp:nvSpPr>
+        <dsp:cNvPr id="0" name=""/>
+        <dsp:cNvSpPr/>
+      </dsp:nvSpPr>
+      <dsp:spPr>
+        <a:xfrm>
+          <a:off x="504309" y="1526460"/>
+          <a:ext cx="824134" cy="824134"/>
+        </a:xfrm>
+        <a:prstGeom prst="ellipse">
+          <a:avLst/>
+        </a:prstGeom>
+        <a:solidFill>
+          <a:schemeClr val="accent2">
+            <a:tint val="40000"/>
+            <a:hueOff val="0"/>
+            <a:satOff val="0"/>
+            <a:lumOff val="0"/>
+            <a:alphaOff val="0"/>
+          </a:schemeClr>
+        </a:solidFill>
+        <a:ln>
+          <a:noFill/>
+        </a:ln>
+        <a:effectLst/>
+      </dsp:spPr>
+      <dsp:style>
+        <a:lnRef idx="0">
+          <a:scrgbClr r="0" g="0" b="0"/>
+        </a:lnRef>
+        <a:fillRef idx="1">
+          <a:scrgbClr r="0" g="0" b="0"/>
+        </a:fillRef>
+        <a:effectRef idx="0">
+          <a:scrgbClr r="0" g="0" b="0"/>
+        </a:effectRef>
+        <a:fontRef idx="minor"/>
+      </dsp:style>
+    </dsp:sp>
+    <dsp:sp modelId="{8AEB4F56-1D34-4224-BEEE-5EFB0BEA6CA4}">
+      <dsp:nvSpPr>
+        <dsp:cNvPr id="0" name=""/>
+        <dsp:cNvSpPr/>
+      </dsp:nvSpPr>
+      <dsp:spPr>
+        <a:xfrm>
+          <a:off x="677378" y="1699528"/>
+          <a:ext cx="477998" cy="477998"/>
+        </a:xfrm>
+        <a:prstGeom prst="rect">
+          <a:avLst/>
+        </a:prstGeom>
+        <a:blipFill>
+          <a:blip xmlns:r="http://schemas.openxmlformats.org/officeDocument/2006/relationships" r:embed="rId7" cstate="print">
+            <a:extLst>
+              <a:ext uri="{28A0092B-C50C-407E-A947-70E740481C1C}">
+                <a14:useLocalDpi xmlns:a14="http://schemas.microsoft.com/office/drawing/2010/main" val="0"/>
+              </a:ext>
+              <a:ext uri="{96DAC541-7B7A-43D3-8B79-37D633B846F1}">
+                <asvg:svgBlip xmlns:asvg="http://schemas.microsoft.com/office/drawing/2016/SVG/main" xmlns="" r:embed="rId8"/>
+              </a:ext>
+            </a:extLst>
+          </a:blip>
+          <a:stretch>
+            <a:fillRect/>
+          </a:stretch>
+        </a:blipFill>
+        <a:ln w="19050" cap="rnd" cmpd="sng" algn="ctr">
+          <a:noFill/>
+          <a:prstDash val="solid"/>
+        </a:ln>
+        <a:effectLst/>
+      </dsp:spPr>
+      <dsp:style>
+        <a:lnRef idx="2">
+          <a:scrgbClr r="0" g="0" b="0"/>
+        </a:lnRef>
+        <a:fillRef idx="1">
+          <a:scrgbClr r="0" g="0" b="0"/>
+        </a:fillRef>
+        <a:effectRef idx="0">
+          <a:scrgbClr r="0" g="0" b="0"/>
+        </a:effectRef>
+        <a:fontRef idx="minor">
+          <a:schemeClr val="lt1"/>
+        </a:fontRef>
+      </dsp:style>
+    </dsp:sp>
+    <dsp:sp modelId="{6C3E49EE-6025-4AB2-8C22-D8ED5A411B9A}">
+      <dsp:nvSpPr>
+        <dsp:cNvPr id="0" name=""/>
+        <dsp:cNvSpPr/>
+      </dsp:nvSpPr>
+      <dsp:spPr>
+        <a:xfrm>
+          <a:off x="1505044" y="1526460"/>
+          <a:ext cx="1942602" cy="824134"/>
+        </a:xfrm>
+        <a:prstGeom prst="rect">
+          <a:avLst/>
+        </a:prstGeom>
+        <a:noFill/>
+        <a:ln>
+          <a:noFill/>
+        </a:ln>
+        <a:effectLst/>
+      </dsp:spPr>
+      <dsp:style>
+        <a:lnRef idx="0">
+          <a:scrgbClr r="0" g="0" b="0"/>
+        </a:lnRef>
+        <a:fillRef idx="0">
+          <a:scrgbClr r="0" g="0" b="0"/>
+        </a:fillRef>
+        <a:effectRef idx="0">
+          <a:scrgbClr r="0" g="0" b="0"/>
+        </a:effectRef>
+        <a:fontRef idx="minor"/>
+      </dsp:style>
+      <dsp:txBody>
+        <a:bodyPr spcFirstLastPara="0" vert="horz" wrap="square" lIns="0" tIns="0" rIns="0" bIns="0" numCol="1" spcCol="1270" anchor="ctr" anchorCtr="0">
+          <a:noAutofit/>
+        </a:bodyPr>
+        <a:lstStyle/>
+        <a:p>
+          <a:pPr lvl="0" algn="l" defTabSz="977900">
+            <a:lnSpc>
+              <a:spcPct val="90000"/>
+            </a:lnSpc>
+            <a:spcBef>
+              <a:spcPct val="0"/>
+            </a:spcBef>
+            <a:spcAft>
+              <a:spcPct val="35000"/>
+            </a:spcAft>
+          </a:pPr>
+          <a:r>
+            <a:rPr lang="en-US" sz="2200" kern="1200"/>
+            <a:t>Model Development</a:t>
+          </a:r>
+          <a:endParaRPr lang="en-IN" sz="2200" kern="1200"/>
+        </a:p>
+      </dsp:txBody>
+      <dsp:txXfrm>
+        <a:off x="1505044" y="1526460"/>
+        <a:ext cx="1942602" cy="824134"/>
+      </dsp:txXfrm>
+    </dsp:sp>
+    <dsp:sp modelId="{83FB3354-039C-4B4D-A71F-750E4CE9DA59}">
+      <dsp:nvSpPr>
+        <dsp:cNvPr id="0" name=""/>
+        <dsp:cNvSpPr/>
+      </dsp:nvSpPr>
+      <dsp:spPr>
+        <a:xfrm>
+          <a:off x="3786131" y="1526460"/>
+          <a:ext cx="824134" cy="824134"/>
+        </a:xfrm>
+        <a:prstGeom prst="ellipse">
+          <a:avLst/>
+        </a:prstGeom>
+        <a:solidFill>
+          <a:schemeClr val="accent2">
+            <a:tint val="40000"/>
+            <a:hueOff val="0"/>
+            <a:satOff val="0"/>
+            <a:lumOff val="0"/>
+            <a:alphaOff val="0"/>
+          </a:schemeClr>
+        </a:solidFill>
+        <a:ln>
+          <a:noFill/>
+        </a:ln>
+        <a:effectLst/>
+      </dsp:spPr>
+      <dsp:style>
+        <a:lnRef idx="0">
+          <a:scrgbClr r="0" g="0" b="0"/>
+        </a:lnRef>
+        <a:fillRef idx="1">
+          <a:scrgbClr r="0" g="0" b="0"/>
+        </a:fillRef>
+        <a:effectRef idx="0">
+          <a:scrgbClr r="0" g="0" b="0"/>
+        </a:effectRef>
+        <a:fontRef idx="minor"/>
+      </dsp:style>
+    </dsp:sp>
+    <dsp:sp modelId="{1D1A18AC-A305-49E1-91DF-F7943AA204F9}">
+      <dsp:nvSpPr>
+        <dsp:cNvPr id="0" name=""/>
+        <dsp:cNvSpPr/>
+      </dsp:nvSpPr>
+      <dsp:spPr>
+        <a:xfrm>
+          <a:off x="3959199" y="1699528"/>
+          <a:ext cx="477998" cy="477998"/>
+        </a:xfrm>
+        <a:prstGeom prst="rect">
+          <a:avLst/>
+        </a:prstGeom>
+        <a:blipFill>
+          <a:blip xmlns:r="http://schemas.openxmlformats.org/officeDocument/2006/relationships" r:embed="rId9" cstate="print">
+            <a:extLst>
+              <a:ext uri="{28A0092B-C50C-407E-A947-70E740481C1C}">
+                <a14:useLocalDpi xmlns:a14="http://schemas.microsoft.com/office/drawing/2010/main" val="0"/>
+              </a:ext>
+              <a:ext uri="{96DAC541-7B7A-43D3-8B79-37D633B846F1}">
+                <asvg:svgBlip xmlns:asvg="http://schemas.microsoft.com/office/drawing/2016/SVG/main" xmlns="" r:embed="rId10"/>
+              </a:ext>
+            </a:extLst>
+          </a:blip>
+          <a:stretch>
+            <a:fillRect/>
+          </a:stretch>
+        </a:blipFill>
+        <a:ln w="19050" cap="rnd" cmpd="sng" algn="ctr">
+          <a:noFill/>
+          <a:prstDash val="solid"/>
+        </a:ln>
+        <a:effectLst/>
+      </dsp:spPr>
+      <dsp:style>
+        <a:lnRef idx="2">
+          <a:scrgbClr r="0" g="0" b="0"/>
+        </a:lnRef>
+        <a:fillRef idx="1">
+          <a:scrgbClr r="0" g="0" b="0"/>
+        </a:fillRef>
+        <a:effectRef idx="0">
+          <a:scrgbClr r="0" g="0" b="0"/>
+        </a:effectRef>
+        <a:fontRef idx="minor">
+          <a:schemeClr val="lt1"/>
+        </a:fontRef>
+      </dsp:style>
+    </dsp:sp>
+    <dsp:sp modelId="{782564E3-605E-4539-9EC3-E91A36D2C7CD}">
+      <dsp:nvSpPr>
+        <dsp:cNvPr id="0" name=""/>
+        <dsp:cNvSpPr/>
+      </dsp:nvSpPr>
+      <dsp:spPr>
+        <a:xfrm>
+          <a:off x="4786866" y="1526460"/>
+          <a:ext cx="1942602" cy="824134"/>
+        </a:xfrm>
+        <a:prstGeom prst="rect">
+          <a:avLst/>
+        </a:prstGeom>
+        <a:noFill/>
+        <a:ln>
+          <a:noFill/>
+        </a:ln>
+        <a:effectLst/>
+      </dsp:spPr>
+      <dsp:style>
+        <a:lnRef idx="0">
+          <a:scrgbClr r="0" g="0" b="0"/>
+        </a:lnRef>
+        <a:fillRef idx="0">
+          <a:scrgbClr r="0" g="0" b="0"/>
+        </a:fillRef>
+        <a:effectRef idx="0">
+          <a:scrgbClr r="0" g="0" b="0"/>
+        </a:effectRef>
+        <a:fontRef idx="minor"/>
+      </dsp:style>
+      <dsp:txBody>
+        <a:bodyPr spcFirstLastPara="0" vert="horz" wrap="square" lIns="0" tIns="0" rIns="0" bIns="0" numCol="1" spcCol="1270" anchor="ctr" anchorCtr="0">
+          <a:noAutofit/>
+        </a:bodyPr>
+        <a:lstStyle/>
+        <a:p>
+          <a:pPr lvl="0" algn="l" defTabSz="977900">
+            <a:lnSpc>
+              <a:spcPct val="90000"/>
+            </a:lnSpc>
+            <a:spcBef>
+              <a:spcPct val="0"/>
+            </a:spcBef>
+            <a:spcAft>
+              <a:spcPct val="35000"/>
+            </a:spcAft>
+          </a:pPr>
+          <a:r>
+            <a:rPr lang="en-US" sz="2200" kern="1200"/>
+            <a:t>Web App design</a:t>
+          </a:r>
+          <a:endParaRPr lang="en-IN" sz="2200" kern="1200"/>
+        </a:p>
+      </dsp:txBody>
+      <dsp:txXfrm>
+        <a:off x="4786866" y="1526460"/>
+        <a:ext cx="1942602" cy="824134"/>
+      </dsp:txXfrm>
+    </dsp:sp>
+    <dsp:sp modelId="{A39E77BE-A024-4E48-8B6F-5006E5901A72}">
+      <dsp:nvSpPr>
+        <dsp:cNvPr id="0" name=""/>
+        <dsp:cNvSpPr/>
+      </dsp:nvSpPr>
+      <dsp:spPr>
+        <a:xfrm>
+          <a:off x="7067952" y="1526460"/>
+          <a:ext cx="824134" cy="824134"/>
+        </a:xfrm>
+        <a:prstGeom prst="ellipse">
+          <a:avLst/>
+        </a:prstGeom>
+        <a:solidFill>
+          <a:schemeClr val="accent2">
+            <a:tint val="40000"/>
+            <a:hueOff val="0"/>
+            <a:satOff val="0"/>
+            <a:lumOff val="0"/>
+            <a:alphaOff val="0"/>
+          </a:schemeClr>
+        </a:solidFill>
+        <a:ln>
+          <a:noFill/>
+        </a:ln>
+        <a:effectLst/>
+      </dsp:spPr>
+      <dsp:style>
+        <a:lnRef idx="0">
+          <a:scrgbClr r="0" g="0" b="0"/>
+        </a:lnRef>
+        <a:fillRef idx="1">
+          <a:scrgbClr r="0" g="0" b="0"/>
+        </a:fillRef>
+        <a:effectRef idx="0">
+          <a:scrgbClr r="0" g="0" b="0"/>
+        </a:effectRef>
+        <a:fontRef idx="minor"/>
+      </dsp:style>
+    </dsp:sp>
+    <dsp:sp modelId="{07D27317-FFFA-4A78-9304-4307BEE587FA}">
+      <dsp:nvSpPr>
+        <dsp:cNvPr id="0" name=""/>
+        <dsp:cNvSpPr/>
+      </dsp:nvSpPr>
+      <dsp:spPr>
+        <a:xfrm>
+          <a:off x="7241020" y="1699528"/>
+          <a:ext cx="477998" cy="477998"/>
+        </a:xfrm>
+        <a:prstGeom prst="rect">
+          <a:avLst/>
+        </a:prstGeom>
+        <a:blipFill>
+          <a:blip xmlns:r="http://schemas.openxmlformats.org/officeDocument/2006/relationships" r:embed="rId11" cstate="print">
+            <a:extLst>
+              <a:ext uri="{28A0092B-C50C-407E-A947-70E740481C1C}">
+                <a14:useLocalDpi xmlns:a14="http://schemas.microsoft.com/office/drawing/2010/main" val="0"/>
+              </a:ext>
+              <a:ext uri="{96DAC541-7B7A-43D3-8B79-37D633B846F1}">
+                <asvg:svgBlip xmlns:asvg="http://schemas.microsoft.com/office/drawing/2016/SVG/main" xmlns="" r:embed="rId12"/>
+              </a:ext>
+            </a:extLst>
+          </a:blip>
+          <a:stretch>
+            <a:fillRect/>
+          </a:stretch>
+        </a:blipFill>
+        <a:ln w="19050" cap="rnd" cmpd="sng" algn="ctr">
+          <a:noFill/>
+          <a:prstDash val="solid"/>
+        </a:ln>
+        <a:effectLst/>
+      </dsp:spPr>
+      <dsp:style>
+        <a:lnRef idx="2">
+          <a:scrgbClr r="0" g="0" b="0"/>
+        </a:lnRef>
+        <a:fillRef idx="1">
+          <a:scrgbClr r="0" g="0" b="0"/>
+        </a:fillRef>
+        <a:effectRef idx="0">
+          <a:scrgbClr r="0" g="0" b="0"/>
+        </a:effectRef>
+        <a:fontRef idx="minor">
+          <a:schemeClr val="lt1"/>
+        </a:fontRef>
+      </dsp:style>
+    </dsp:sp>
+    <dsp:sp modelId="{A8878888-D68D-49E9-94AB-54CE663CDC54}">
+      <dsp:nvSpPr>
+        <dsp:cNvPr id="0" name=""/>
+        <dsp:cNvSpPr/>
+      </dsp:nvSpPr>
+      <dsp:spPr>
+        <a:xfrm>
+          <a:off x="8068687" y="1526460"/>
+          <a:ext cx="1942602" cy="824134"/>
+        </a:xfrm>
+        <a:prstGeom prst="rect">
+          <a:avLst/>
+        </a:prstGeom>
+        <a:noFill/>
+        <a:ln>
+          <a:noFill/>
+        </a:ln>
+        <a:effectLst/>
+      </dsp:spPr>
+      <dsp:style>
+        <a:lnRef idx="0">
+          <a:scrgbClr r="0" g="0" b="0"/>
+        </a:lnRef>
+        <a:fillRef idx="0">
+          <a:scrgbClr r="0" g="0" b="0"/>
+        </a:fillRef>
+        <a:effectRef idx="0">
+          <a:scrgbClr r="0" g="0" b="0"/>
+        </a:effectRef>
+        <a:fontRef idx="minor"/>
+      </dsp:style>
+      <dsp:txBody>
+        <a:bodyPr spcFirstLastPara="0" vert="horz" wrap="square" lIns="0" tIns="0" rIns="0" bIns="0" numCol="1" spcCol="1270" anchor="ctr" anchorCtr="0">
+          <a:noAutofit/>
+        </a:bodyPr>
+        <a:lstStyle/>
+        <a:p>
+          <a:pPr lvl="0" algn="l" defTabSz="977900">
+            <a:lnSpc>
+              <a:spcPct val="90000"/>
+            </a:lnSpc>
+            <a:spcBef>
+              <a:spcPct val="0"/>
+            </a:spcBef>
+            <a:spcAft>
+              <a:spcPct val="35000"/>
+            </a:spcAft>
+          </a:pPr>
+          <a:r>
+            <a:rPr lang="en-US" sz="2200" kern="1200"/>
+            <a:t>Integration</a:t>
+          </a:r>
+          <a:endParaRPr lang="en-IN" sz="2200" kern="1200"/>
+        </a:p>
+      </dsp:txBody>
+      <dsp:txXfrm>
+        <a:off x="8068687" y="1526460"/>
+        <a:ext cx="1942602" cy="824134"/>
+      </dsp:txXfrm>
+    </dsp:sp>
+    <dsp:sp modelId="{B60B0760-D4A6-479C-B74A-83468953852D}">
+      <dsp:nvSpPr>
+        <dsp:cNvPr id="0" name=""/>
+        <dsp:cNvSpPr/>
+      </dsp:nvSpPr>
+      <dsp:spPr>
+        <a:xfrm>
+          <a:off x="504309" y="3009694"/>
+          <a:ext cx="824134" cy="824134"/>
+        </a:xfrm>
+        <a:prstGeom prst="ellipse">
+          <a:avLst/>
+        </a:prstGeom>
+        <a:solidFill>
+          <a:schemeClr val="accent2">
+            <a:tint val="40000"/>
+            <a:hueOff val="0"/>
+            <a:satOff val="0"/>
+            <a:lumOff val="0"/>
+            <a:alphaOff val="0"/>
+          </a:schemeClr>
+        </a:solidFill>
+        <a:ln>
+          <a:noFill/>
+        </a:ln>
+        <a:effectLst/>
+      </dsp:spPr>
+      <dsp:style>
+        <a:lnRef idx="0">
+          <a:scrgbClr r="0" g="0" b="0"/>
+        </a:lnRef>
+        <a:fillRef idx="1">
+          <a:scrgbClr r="0" g="0" b="0"/>
+        </a:fillRef>
+        <a:effectRef idx="0">
+          <a:scrgbClr r="0" g="0" b="0"/>
+        </a:effectRef>
+        <a:fontRef idx="minor"/>
+      </dsp:style>
+    </dsp:sp>
+    <dsp:sp modelId="{CCBFEF0F-EBD8-4112-95EA-25A3EB2697DD}">
+      <dsp:nvSpPr>
+        <dsp:cNvPr id="0" name=""/>
+        <dsp:cNvSpPr/>
+      </dsp:nvSpPr>
+      <dsp:spPr>
+        <a:xfrm>
+          <a:off x="677378" y="3182763"/>
+          <a:ext cx="477998" cy="477998"/>
+        </a:xfrm>
+        <a:prstGeom prst="rect">
+          <a:avLst/>
+        </a:prstGeom>
+        <a:blipFill>
+          <a:blip xmlns:r="http://schemas.openxmlformats.org/officeDocument/2006/relationships" r:embed="rId13" cstate="print">
+            <a:extLst>
+              <a:ext uri="{28A0092B-C50C-407E-A947-70E740481C1C}">
+                <a14:useLocalDpi xmlns:a14="http://schemas.microsoft.com/office/drawing/2010/main" val="0"/>
+              </a:ext>
+              <a:ext uri="{96DAC541-7B7A-43D3-8B79-37D633B846F1}">
+                <asvg:svgBlip xmlns:asvg="http://schemas.microsoft.com/office/drawing/2016/SVG/main" xmlns="" r:embed="rId14"/>
+              </a:ext>
+            </a:extLst>
+          </a:blip>
+          <a:stretch>
+            <a:fillRect/>
+          </a:stretch>
+        </a:blipFill>
+        <a:ln w="19050" cap="rnd" cmpd="sng" algn="ctr">
+          <a:noFill/>
+          <a:prstDash val="solid"/>
+        </a:ln>
+        <a:effectLst/>
+      </dsp:spPr>
+      <dsp:style>
+        <a:lnRef idx="2">
+          <a:scrgbClr r="0" g="0" b="0"/>
+        </a:lnRef>
+        <a:fillRef idx="1">
+          <a:scrgbClr r="0" g="0" b="0"/>
+        </a:fillRef>
+        <a:effectRef idx="0">
+          <a:scrgbClr r="0" g="0" b="0"/>
+        </a:effectRef>
+        <a:fontRef idx="minor">
+          <a:schemeClr val="lt1"/>
+        </a:fontRef>
+      </dsp:style>
+    </dsp:sp>
+    <dsp:sp modelId="{13EC5472-8146-4CA2-8F5C-71A823F21438}">
+      <dsp:nvSpPr>
+        <dsp:cNvPr id="0" name=""/>
+        <dsp:cNvSpPr/>
+      </dsp:nvSpPr>
+      <dsp:spPr>
+        <a:xfrm>
+          <a:off x="1505044" y="3009694"/>
+          <a:ext cx="1942602" cy="824134"/>
+        </a:xfrm>
+        <a:prstGeom prst="rect">
+          <a:avLst/>
+        </a:prstGeom>
+        <a:noFill/>
+        <a:ln>
+          <a:noFill/>
+        </a:ln>
+        <a:effectLst/>
+      </dsp:spPr>
+      <dsp:style>
+        <a:lnRef idx="0">
+          <a:scrgbClr r="0" g="0" b="0"/>
+        </a:lnRef>
+        <a:fillRef idx="0">
+          <a:scrgbClr r="0" g="0" b="0"/>
+        </a:fillRef>
+        <a:effectRef idx="0">
+          <a:scrgbClr r="0" g="0" b="0"/>
+        </a:effectRef>
+        <a:fontRef idx="minor"/>
+      </dsp:style>
+      <dsp:txBody>
+        <a:bodyPr spcFirstLastPara="0" vert="horz" wrap="square" lIns="0" tIns="0" rIns="0" bIns="0" numCol="1" spcCol="1270" anchor="ctr" anchorCtr="0">
+          <a:noAutofit/>
+        </a:bodyPr>
+        <a:lstStyle/>
+        <a:p>
+          <a:pPr lvl="0" algn="l" defTabSz="977900">
+            <a:lnSpc>
+              <a:spcPct val="90000"/>
+            </a:lnSpc>
+            <a:spcBef>
+              <a:spcPct val="0"/>
+            </a:spcBef>
+            <a:spcAft>
+              <a:spcPct val="35000"/>
+            </a:spcAft>
+          </a:pPr>
+          <a:r>
+            <a:rPr lang="en-US" sz="2200" kern="1200"/>
+            <a:t>Testing and evaluation</a:t>
+          </a:r>
+          <a:endParaRPr lang="en-IN" sz="2200" kern="1200"/>
+        </a:p>
+      </dsp:txBody>
+      <dsp:txXfrm>
+        <a:off x="1505044" y="3009694"/>
+        <a:ext cx="1942602" cy="824134"/>
+      </dsp:txXfrm>
+    </dsp:sp>
+    <dsp:sp modelId="{C9449182-6849-4C82-AF7E-21EB247EBB4D}">
+      <dsp:nvSpPr>
+        <dsp:cNvPr id="0" name=""/>
+        <dsp:cNvSpPr/>
+      </dsp:nvSpPr>
+      <dsp:spPr>
+        <a:xfrm>
+          <a:off x="3786131" y="3009694"/>
+          <a:ext cx="824134" cy="824134"/>
+        </a:xfrm>
+        <a:prstGeom prst="ellipse">
+          <a:avLst/>
+        </a:prstGeom>
+        <a:solidFill>
+          <a:schemeClr val="accent2">
+            <a:tint val="40000"/>
+            <a:hueOff val="0"/>
+            <a:satOff val="0"/>
+            <a:lumOff val="0"/>
+            <a:alphaOff val="0"/>
+          </a:schemeClr>
+        </a:solidFill>
+        <a:ln>
+          <a:noFill/>
+        </a:ln>
+        <a:effectLst/>
+      </dsp:spPr>
+      <dsp:style>
+        <a:lnRef idx="0">
+          <a:scrgbClr r="0" g="0" b="0"/>
+        </a:lnRef>
+        <a:fillRef idx="1">
+          <a:scrgbClr r="0" g="0" b="0"/>
+        </a:fillRef>
+        <a:effectRef idx="0">
+          <a:scrgbClr r="0" g="0" b="0"/>
+        </a:effectRef>
+        <a:fontRef idx="minor"/>
+      </dsp:style>
+    </dsp:sp>
+    <dsp:sp modelId="{65A1C2DD-42A9-44F4-A96B-A502ADE43537}">
+      <dsp:nvSpPr>
+        <dsp:cNvPr id="0" name=""/>
+        <dsp:cNvSpPr/>
+      </dsp:nvSpPr>
+      <dsp:spPr>
+        <a:xfrm>
+          <a:off x="3959199" y="3182763"/>
+          <a:ext cx="477998" cy="477998"/>
+        </a:xfrm>
+        <a:prstGeom prst="rect">
+          <a:avLst/>
+        </a:prstGeom>
+        <a:blipFill>
+          <a:blip xmlns:r="http://schemas.openxmlformats.org/officeDocument/2006/relationships" r:embed="rId15" cstate="print">
+            <a:extLst>
+              <a:ext uri="{28A0092B-C50C-407E-A947-70E740481C1C}">
+                <a14:useLocalDpi xmlns:a14="http://schemas.microsoft.com/office/drawing/2010/main" val="0"/>
+              </a:ext>
+              <a:ext uri="{96DAC541-7B7A-43D3-8B79-37D633B846F1}">
+                <asvg:svgBlip xmlns:asvg="http://schemas.microsoft.com/office/drawing/2016/SVG/main" xmlns="" r:embed="rId16"/>
+              </a:ext>
+            </a:extLst>
+          </a:blip>
+          <a:srcRect/>
+          <a:stretch>
+            <a:fillRect/>
+          </a:stretch>
+        </a:blipFill>
+        <a:ln w="19050" cap="rnd" cmpd="sng" algn="ctr">
+          <a:noFill/>
+          <a:prstDash val="solid"/>
+        </a:ln>
+        <a:effectLst/>
+      </dsp:spPr>
+      <dsp:style>
+        <a:lnRef idx="2">
+          <a:scrgbClr r="0" g="0" b="0"/>
+        </a:lnRef>
+        <a:fillRef idx="1">
+          <a:scrgbClr r="0" g="0" b="0"/>
+        </a:fillRef>
+        <a:effectRef idx="0">
+          <a:scrgbClr r="0" g="0" b="0"/>
+        </a:effectRef>
+        <a:fontRef idx="minor">
+          <a:schemeClr val="lt1"/>
+        </a:fontRef>
+      </dsp:style>
+    </dsp:sp>
+    <dsp:sp modelId="{54F2C9F4-07FD-4C95-AB1D-16EFEC2162E9}">
+      <dsp:nvSpPr>
+        <dsp:cNvPr id="0" name=""/>
+        <dsp:cNvSpPr/>
+      </dsp:nvSpPr>
+      <dsp:spPr>
+        <a:xfrm>
+          <a:off x="4786866" y="3009694"/>
+          <a:ext cx="1942602" cy="824134"/>
+        </a:xfrm>
+        <a:prstGeom prst="rect">
+          <a:avLst/>
+        </a:prstGeom>
+        <a:noFill/>
+        <a:ln>
+          <a:noFill/>
+        </a:ln>
+        <a:effectLst/>
+      </dsp:spPr>
+      <dsp:style>
+        <a:lnRef idx="0">
+          <a:scrgbClr r="0" g="0" b="0"/>
+        </a:lnRef>
+        <a:fillRef idx="0">
+          <a:scrgbClr r="0" g="0" b="0"/>
+        </a:fillRef>
+        <a:effectRef idx="0">
+          <a:scrgbClr r="0" g="0" b="0"/>
+        </a:effectRef>
+        <a:fontRef idx="minor"/>
+      </dsp:style>
+      <dsp:txBody>
+        <a:bodyPr spcFirstLastPara="0" vert="horz" wrap="square" lIns="0" tIns="0" rIns="0" bIns="0" numCol="1" spcCol="1270" anchor="ctr" anchorCtr="0">
+          <a:noAutofit/>
+        </a:bodyPr>
+        <a:lstStyle/>
+        <a:p>
+          <a:pPr lvl="0" algn="l" defTabSz="977900">
+            <a:lnSpc>
+              <a:spcPct val="90000"/>
+            </a:lnSpc>
+            <a:spcBef>
+              <a:spcPct val="0"/>
+            </a:spcBef>
+            <a:spcAft>
+              <a:spcPct val="35000"/>
+            </a:spcAft>
+          </a:pPr>
+          <a:r>
+            <a:rPr lang="en-US" sz="2200" kern="1200" dirty="0"/>
+            <a:t>Deployment</a:t>
+          </a:r>
+          <a:endParaRPr lang="en-IN" sz="2200" kern="1200" dirty="0"/>
+        </a:p>
+      </dsp:txBody>
+      <dsp:txXfrm>
+        <a:off x="4786866" y="3009694"/>
+        <a:ext cx="1942602" cy="824134"/>
+      </dsp:txXfrm>
+    </dsp:sp>
+    <dsp:sp modelId="{9427C93F-3846-4517-B49A-1C528F2A29AB}">
+      <dsp:nvSpPr>
+        <dsp:cNvPr id="0" name=""/>
+        <dsp:cNvSpPr/>
+      </dsp:nvSpPr>
+      <dsp:spPr>
+        <a:xfrm>
+          <a:off x="7067952" y="3009694"/>
+          <a:ext cx="824134" cy="824134"/>
+        </a:xfrm>
+        <a:prstGeom prst="ellipse">
+          <a:avLst/>
+        </a:prstGeom>
+        <a:solidFill>
+          <a:schemeClr val="accent2">
+            <a:tint val="40000"/>
+            <a:hueOff val="0"/>
+            <a:satOff val="0"/>
+            <a:lumOff val="0"/>
+            <a:alphaOff val="0"/>
+          </a:schemeClr>
+        </a:solidFill>
+        <a:ln>
+          <a:noFill/>
+        </a:ln>
+        <a:effectLst/>
+      </dsp:spPr>
+      <dsp:style>
+        <a:lnRef idx="0">
+          <a:scrgbClr r="0" g="0" b="0"/>
+        </a:lnRef>
+        <a:fillRef idx="1">
+          <a:scrgbClr r="0" g="0" b="0"/>
+        </a:fillRef>
+        <a:effectRef idx="0">
+          <a:scrgbClr r="0" g="0" b="0"/>
+        </a:effectRef>
+        <a:fontRef idx="minor"/>
+      </dsp:style>
+    </dsp:sp>
+    <dsp:sp modelId="{01A82BDC-FEF8-4FA7-AE4A-3388F34A6519}">
+      <dsp:nvSpPr>
+        <dsp:cNvPr id="0" name=""/>
+        <dsp:cNvSpPr/>
+      </dsp:nvSpPr>
+      <dsp:spPr>
+        <a:xfrm>
+          <a:off x="7241020" y="3182763"/>
+          <a:ext cx="477998" cy="477998"/>
+        </a:xfrm>
+        <a:prstGeom prst="rect">
+          <a:avLst/>
+        </a:prstGeom>
+        <a:blipFill>
+          <a:blip xmlns:r="http://schemas.openxmlformats.org/officeDocument/2006/relationships" r:embed="rId17" cstate="print">
+            <a:extLst>
+              <a:ext uri="{28A0092B-C50C-407E-A947-70E740481C1C}">
+                <a14:useLocalDpi xmlns:a14="http://schemas.microsoft.com/office/drawing/2010/main" val="0"/>
+              </a:ext>
+            </a:extLst>
+          </a:blip>
+          <a:srcRect/>
+          <a:stretch>
+            <a:fillRect l="-12000" r="-12000"/>
+          </a:stretch>
+        </a:blipFill>
+        <a:ln w="19050" cap="rnd" cmpd="sng" algn="ctr">
+          <a:noFill/>
+          <a:prstDash val="solid"/>
+        </a:ln>
+        <a:effectLst/>
+      </dsp:spPr>
+      <dsp:style>
+        <a:lnRef idx="2">
+          <a:scrgbClr r="0" g="0" b="0"/>
+        </a:lnRef>
+        <a:fillRef idx="1">
+          <a:scrgbClr r="0" g="0" b="0"/>
+        </a:fillRef>
+        <a:effectRef idx="0">
+          <a:scrgbClr r="0" g="0" b="0"/>
+        </a:effectRef>
+        <a:fontRef idx="minor">
+          <a:schemeClr val="lt1"/>
+        </a:fontRef>
+      </dsp:style>
+    </dsp:sp>
+    <dsp:sp modelId="{99B60C40-F8F2-4788-B1C3-CAECB5DBA365}">
+      <dsp:nvSpPr>
+        <dsp:cNvPr id="0" name=""/>
+        <dsp:cNvSpPr/>
+      </dsp:nvSpPr>
+      <dsp:spPr>
+        <a:xfrm>
+          <a:off x="8068687" y="3009694"/>
+          <a:ext cx="1942602" cy="824134"/>
+        </a:xfrm>
+        <a:prstGeom prst="rect">
+          <a:avLst/>
+        </a:prstGeom>
+        <a:noFill/>
+        <a:ln>
+          <a:noFill/>
+        </a:ln>
+        <a:effectLst/>
+      </dsp:spPr>
+      <dsp:style>
+        <a:lnRef idx="0">
+          <a:scrgbClr r="0" g="0" b="0"/>
+        </a:lnRef>
+        <a:fillRef idx="0">
+          <a:scrgbClr r="0" g="0" b="0"/>
+        </a:fillRef>
+        <a:effectRef idx="0">
+          <a:scrgbClr r="0" g="0" b="0"/>
+        </a:effectRef>
+        <a:fontRef idx="minor"/>
+      </dsp:style>
+      <dsp:txBody>
+        <a:bodyPr spcFirstLastPara="0" vert="horz" wrap="square" lIns="0" tIns="0" rIns="0" bIns="0" numCol="1" spcCol="1270" anchor="ctr" anchorCtr="0">
+          <a:noAutofit/>
+        </a:bodyPr>
+        <a:lstStyle/>
+        <a:p>
+          <a:pPr lvl="0" algn="l" defTabSz="977900">
+            <a:lnSpc>
+              <a:spcPct val="90000"/>
+            </a:lnSpc>
+            <a:spcBef>
+              <a:spcPct val="0"/>
+            </a:spcBef>
+            <a:spcAft>
+              <a:spcPct val="35000"/>
+            </a:spcAft>
+          </a:pPr>
+          <a:r>
+            <a:rPr lang="en-US" sz="2200" kern="1200" dirty="0"/>
+            <a:t>Maintenance and support</a:t>
+          </a:r>
+          <a:endParaRPr lang="en-IN" sz="2200" kern="1200" dirty="0"/>
+        </a:p>
+      </dsp:txBody>
+      <dsp:txXfrm>
+        <a:off x="8068687" y="3009694"/>
+        <a:ext cx="1942602" cy="824134"/>
+      </dsp:txXfrm>
+    </dsp:sp>
+  </dsp:spTree>
+</dsp:drawing>
+</file>
+
 <file path=ppt/diagrams/layout1.xml><?xml version="1.0" encoding="utf-8"?>
 <dgm:layoutDef xmlns:dgm="http://schemas.openxmlformats.org/drawingml/2006/diagram" xmlns:a="http://schemas.openxmlformats.org/drawingml/2006/main" uniqueId="urn:microsoft.com/office/officeart/2018/2/layout/IconVerticalSolidList">
   <dgm:title val="Icon Vertical Solid List"/>
@@ -2339,7 +5554,1253 @@
 </dgm:layoutDef>
 </file>
 
+<file path=ppt/diagrams/layout2.xml><?xml version="1.0" encoding="utf-8"?>
+<dgm:layoutDef xmlns:dgm="http://schemas.openxmlformats.org/drawingml/2006/diagram" xmlns:a="http://schemas.openxmlformats.org/drawingml/2006/main" uniqueId="urn:microsoft.com/office/officeart/2018/2/layout/IconCircleList">
+  <dgm:title val="Icon Circle List"/>
+  <dgm:desc val="Use to show non-sequential or grouped chunks of information accompanied by related visuals. Circular shapes can hold an icon or small picture and corresponding text box shows Level 1 text. Works best for icons or small pictures with medium-length descriptions."/>
+  <dgm:catLst>
+    <dgm:cat type="icon" pri="500"/>
+  </dgm:catLst>
+  <dgm:sampData useDef="1">
+    <dgm:dataModel>
+      <dgm:ptLst/>
+      <dgm:bg/>
+      <dgm:whole/>
+    </dgm:dataModel>
+  </dgm:sampData>
+  <dgm:styleData useDef="1">
+    <dgm:dataModel>
+      <dgm:ptLst/>
+      <dgm:bg/>
+      <dgm:whole/>
+    </dgm:dataModel>
+  </dgm:styleData>
+  <dgm:clrData useDef="1">
+    <dgm:dataModel>
+      <dgm:ptLst/>
+      <dgm:bg/>
+      <dgm:whole/>
+    </dgm:dataModel>
+  </dgm:clrData>
+  <dgm:layoutNode name="root">
+    <dgm:varLst>
+      <dgm:dir/>
+      <dgm:resizeHandles val="exact"/>
+    </dgm:varLst>
+    <dgm:alg type="sp"/>
+    <dgm:shape xmlns:r="http://schemas.openxmlformats.org/officeDocument/2006/relationships" r:blip="">
+      <dgm:adjLst/>
+    </dgm:shape>
+    <dgm:presOf/>
+    <dgm:choose name="Name0">
+      <dgm:if name="Name1" axis="ch" ptType="node" func="cnt" op="lte" val="3">
+        <dgm:constrLst>
+          <dgm:constr type="w" for="ch" forName="container" refType="w"/>
+          <dgm:constr type="h" for="ch" forName="container" refType="h" fact="0.4"/>
+        </dgm:constrLst>
+      </dgm:if>
+      <dgm:else name="Name2">
+        <dgm:constrLst>
+          <dgm:constr type="w" for="ch" forName="container" refType="w"/>
+          <dgm:constr type="h" for="ch" forName="container" refType="h"/>
+        </dgm:constrLst>
+      </dgm:else>
+    </dgm:choose>
+    <dgm:ruleLst>
+      <dgm:rule type="h" for="ch" forName="container" val="INF" fact="NaN" max="NaN"/>
+    </dgm:ruleLst>
+    <dgm:layoutNode name="container">
+      <dgm:varLst>
+        <dgm:dir/>
+        <dgm:resizeHandles val="exact"/>
+      </dgm:varLst>
+      <dgm:choose name="Name3">
+        <dgm:if name="Name4" axis="self" func="var" arg="dir" op="equ" val="norm">
+          <dgm:alg type="snake">
+            <dgm:param type="grDir" val="tL"/>
+            <dgm:param type="flowDir" val="row"/>
+            <dgm:param type="contDir" val="sameDir"/>
+          </dgm:alg>
+        </dgm:if>
+        <dgm:else name="Name5">
+          <dgm:alg type="snake">
+            <dgm:param type="grDir" val="tR"/>
+            <dgm:param type="flowDir" val="row"/>
+            <dgm:param type="contDir" val="sameDir"/>
+          </dgm:alg>
+        </dgm:else>
+      </dgm:choose>
+      <dgm:shape xmlns:r="http://schemas.openxmlformats.org/officeDocument/2006/relationships" r:blip="">
+        <dgm:adjLst/>
+      </dgm:shape>
+      <dgm:presOf/>
+      <dgm:constrLst>
+        <dgm:constr type="w" for="ch" forName="compNode" refType="w"/>
+        <dgm:constr type="h" for="ch" forName="compNode" refType="w" fact="0.28"/>
+        <dgm:constr type="w" for="ch" forName="sibTrans" refType="w" refFor="ch" refForName="compNode" fact="0.115"/>
+        <dgm:constr type="sp" refType="h" op="equ" fact="0.17"/>
+        <dgm:constr type="primFontSz" for="des" ptType="node" op="equ" val="24"/>
+        <dgm:constr type="h" for="des" forName="compNode" op="equ"/>
+        <dgm:constr type="h" for="des" forName="iconBgRect" op="equ"/>
+      </dgm:constrLst>
+      <dgm:ruleLst>
+        <dgm:rule type="w" for="ch" forName="compNode" val="60" fact="NaN" max="NaN"/>
+      </dgm:ruleLst>
+      <dgm:forEach name="Name6" axis="ch" ptType="node">
+        <dgm:layoutNode name="compNode">
+          <dgm:alg type="composite"/>
+          <dgm:shape xmlns:r="http://schemas.openxmlformats.org/officeDocument/2006/relationships" r:blip="">
+            <dgm:adjLst/>
+          </dgm:shape>
+          <dgm:presOf axis="self"/>
+          <dgm:constrLst>
+            <dgm:constr type="w" for="ch" forName="iconBgRect" refType="w" fact="0.28"/>
+            <dgm:constr type="h" for="ch" forName="iconBgRect" refType="w" refFor="ch" refForName="iconBgRect"/>
+            <dgm:constr type="t" for="ch" forName="iconBgRect"/>
+            <dgm:constr type="l" for="ch" forName="iconBgRect"/>
+            <dgm:constr type="w" for="ch" forName="iconRect" refType="w" refFor="ch" refForName="iconBgRect" fact="0.58"/>
+            <dgm:constr type="h" for="ch" forName="iconRect" refType="w" refFor="ch" refForName="iconRect"/>
+            <dgm:constr type="ctrX" for="ch" forName="iconRect" refType="ctrX" refFor="ch" refForName="iconBgRect"/>
+            <dgm:constr type="ctrY" for="ch" forName="iconRect" refType="ctrY" refFor="ch" refForName="iconBgRect"/>
+            <dgm:constr type="w" for="ch" forName="spaceRect" refType="w" fact="0.06"/>
+            <dgm:constr type="h" for="ch" forName="spaceRect" refType="h" refFor="ch" refForName="iconBgRect"/>
+            <dgm:constr type="t" for="ch" forName="spaceRect" refType="t" refFor="ch" refForName="iconBgRect"/>
+            <dgm:constr type="l" for="ch" forName="spaceRect" refType="r" refFor="ch" refForName="iconBgRect"/>
+            <dgm:constr type="h" for="ch" forName="textRect" refType="h" refFor="ch" refForName="iconBgRect"/>
+            <dgm:constr type="t" for="ch" forName="textRect" refType="t" refFor="ch" refForName="iconBgRect"/>
+            <dgm:constr type="l" for="ch" forName="textRect" refType="r" refFor="ch" refForName="spaceRect"/>
+          </dgm:constrLst>
+          <dgm:ruleLst/>
+          <dgm:layoutNode name="iconBgRect" styleLbl="bgShp">
+            <dgm:alg type="sp"/>
+            <dgm:shape xmlns:r="http://schemas.openxmlformats.org/officeDocument/2006/relationships" type="ellipse" r:blip="">
+              <dgm:adjLst/>
+            </dgm:shape>
+            <dgm:presOf/>
+            <dgm:constrLst/>
+            <dgm:ruleLst/>
+          </dgm:layoutNode>
+          <dgm:layoutNode name="iconRect" styleLbl="node1">
+            <dgm:alg type="sp"/>
+            <dgm:shape xmlns:r="http://schemas.openxmlformats.org/officeDocument/2006/relationships" type="rect" r:blip="" blipPhldr="1">
+              <dgm:adjLst/>
+            </dgm:shape>
+            <dgm:presOf/>
+            <dgm:constrLst/>
+            <dgm:ruleLst/>
+          </dgm:layoutNode>
+          <dgm:layoutNode name="spaceRect">
+            <dgm:alg type="sp"/>
+            <dgm:shape xmlns:r="http://schemas.openxmlformats.org/officeDocument/2006/relationships" r:blip="">
+              <dgm:adjLst/>
+            </dgm:shape>
+            <dgm:presOf/>
+            <dgm:constrLst/>
+            <dgm:ruleLst/>
+          </dgm:layoutNode>
+          <dgm:layoutNode name="textRect" styleLbl="revTx">
+            <dgm:varLst>
+              <dgm:chMax val="1"/>
+              <dgm:chPref val="1"/>
+            </dgm:varLst>
+            <dgm:choose name="Name7">
+              <dgm:if name="Name8" func="var" arg="dir" op="equ" val="norm">
+                <dgm:alg type="tx">
+                  <dgm:param type="txAnchorVert" val="mid"/>
+                  <dgm:param type="parTxLTRAlign" val="l"/>
+                  <dgm:param type="shpTxLTRAlignCh" val="l"/>
+                  <dgm:param type="parTxRTLAlign" val="l"/>
+                  <dgm:param type="shpTxRTLAlignCh" val="l"/>
+                </dgm:alg>
+              </dgm:if>
+              <dgm:else name="Name9">
+                <dgm:alg type="tx">
+                  <dgm:param type="txAnchorVert" val="mid"/>
+                  <dgm:param type="parTxLTRAlign" val="r"/>
+                  <dgm:param type="shpTxLTRAlignCh" val="r"/>
+                  <dgm:param type="parTxRTLAlign" val="r"/>
+                  <dgm:param type="shpTxRTLAlignCh" val="r"/>
+                </dgm:alg>
+              </dgm:else>
+            </dgm:choose>
+            <dgm:shape xmlns:r="http://schemas.openxmlformats.org/officeDocument/2006/relationships" type="rect" r:blip="">
+              <dgm:adjLst/>
+            </dgm:shape>
+            <dgm:presOf axis="self" ptType="node"/>
+            <dgm:constrLst>
+              <dgm:constr type="lMarg"/>
+              <dgm:constr type="rMarg"/>
+              <dgm:constr type="tMarg"/>
+              <dgm:constr type="bMarg"/>
+            </dgm:constrLst>
+            <dgm:ruleLst>
+              <dgm:rule type="primFontSz" val="11" fact="NaN" max="NaN"/>
+            </dgm:ruleLst>
+          </dgm:layoutNode>
+        </dgm:layoutNode>
+        <dgm:forEach name="Name10" axis="followSib" ptType="sibTrans" cnt="1">
+          <dgm:layoutNode name="sibTrans">
+            <dgm:alg type="sp"/>
+            <dgm:shape xmlns:r="http://schemas.openxmlformats.org/officeDocument/2006/relationships" type="rect" r:blip="" hideGeom="1">
+              <dgm:adjLst/>
+            </dgm:shape>
+            <dgm:presOf axis="self"/>
+            <dgm:constrLst/>
+            <dgm:ruleLst/>
+          </dgm:layoutNode>
+        </dgm:forEach>
+      </dgm:forEach>
+    </dgm:layoutNode>
+  </dgm:layoutNode>
+  <dgm:extLst>
+    <a:ext uri="{68A01E43-0DF5-4B5B-8FA6-DAF915123BFB}">
+      <dgm1612:lstStyle xmlns:dgm1612="http://schemas.microsoft.com/office/drawing/2016/12/diagram" xmlns="">
+        <a:lvl1pPr>
+          <a:lnSpc>
+            <a:spcPct val="100000"/>
+          </a:lnSpc>
+        </a:lvl1pPr>
+      </dgm1612:lstStyle>
+    </a:ext>
+  </dgm:extLst>
+</dgm:layoutDef>
+</file>
+
 <file path=ppt/diagrams/quickStyle1.xml><?xml version="1.0" encoding="utf-8"?>
+<dgm:styleDef xmlns:dgm="http://schemas.openxmlformats.org/drawingml/2006/diagram" xmlns:a="http://schemas.openxmlformats.org/drawingml/2006/main" uniqueId="urn:microsoft.com/office/officeart/2005/8/quickstyle/simple1">
+  <dgm:title val=""/>
+  <dgm:desc val=""/>
+  <dgm:catLst>
+    <dgm:cat type="simple" pri="10100"/>
+  </dgm:catLst>
+  <dgm:scene3d>
+    <a:camera prst="orthographicFront"/>
+    <a:lightRig rig="threePt" dir="t"/>
+  </dgm:scene3d>
+  <dgm:styleLbl name="node0">
+    <dgm:scene3d>
+      <a:camera prst="orthographicFront"/>
+      <a:lightRig rig="threePt" dir="t"/>
+    </dgm:scene3d>
+    <dgm:sp3d/>
+    <dgm:txPr/>
+    <dgm:style>
+      <a:lnRef idx="2">
+        <a:scrgbClr r="0" g="0" b="0"/>
+      </a:lnRef>
+      <a:fillRef idx="1">
+        <a:scrgbClr r="0" g="0" b="0"/>
+      </a:fillRef>
+      <a:effectRef idx="0">
+        <a:scrgbClr r="0" g="0" b="0"/>
+      </a:effectRef>
+      <a:fontRef idx="minor">
+        <a:schemeClr val="lt1"/>
+      </a:fontRef>
+    </dgm:style>
+  </dgm:styleLbl>
+  <dgm:styleLbl name="lnNode1">
+    <dgm:scene3d>
+      <a:camera prst="orthographicFront"/>
+      <a:lightRig rig="threePt" dir="t"/>
+    </dgm:scene3d>
+    <dgm:sp3d/>
+    <dgm:txPr/>
+    <dgm:style>
+      <a:lnRef idx="2">
+        <a:scrgbClr r="0" g="0" b="0"/>
+      </a:lnRef>
+      <a:fillRef idx="1">
+        <a:scrgbClr r="0" g="0" b="0"/>
+      </a:fillRef>
+      <a:effectRef idx="0">
+        <a:scrgbClr r="0" g="0" b="0"/>
+      </a:effectRef>
+      <a:fontRef idx="minor">
+        <a:schemeClr val="lt1"/>
+      </a:fontRef>
+    </dgm:style>
+  </dgm:styleLbl>
+  <dgm:styleLbl name="vennNode1">
+    <dgm:scene3d>
+      <a:camera prst="orthographicFront"/>
+      <a:lightRig rig="threePt" dir="t"/>
+    </dgm:scene3d>
+    <dgm:sp3d/>
+    <dgm:txPr/>
+    <dgm:style>
+      <a:lnRef idx="2">
+        <a:scrgbClr r="0" g="0" b="0"/>
+      </a:lnRef>
+      <a:fillRef idx="1">
+        <a:scrgbClr r="0" g="0" b="0"/>
+      </a:fillRef>
+      <a:effectRef idx="0">
+        <a:scrgbClr r="0" g="0" b="0"/>
+      </a:effectRef>
+      <a:fontRef idx="minor">
+        <a:schemeClr val="tx1"/>
+      </a:fontRef>
+    </dgm:style>
+  </dgm:styleLbl>
+  <dgm:styleLbl name="alignNode1">
+    <dgm:scene3d>
+      <a:camera prst="orthographicFront"/>
+      <a:lightRig rig="threePt" dir="t"/>
+    </dgm:scene3d>
+    <dgm:sp3d/>
+    <dgm:txPr/>
+    <dgm:style>
+      <a:lnRef idx="2">
+        <a:scrgbClr r="0" g="0" b="0"/>
+      </a:lnRef>
+      <a:fillRef idx="1">
+        <a:scrgbClr r="0" g="0" b="0"/>
+      </a:fillRef>
+      <a:effectRef idx="0">
+        <a:scrgbClr r="0" g="0" b="0"/>
+      </a:effectRef>
+      <a:fontRef idx="minor">
+        <a:schemeClr val="lt1"/>
+      </a:fontRef>
+    </dgm:style>
+  </dgm:styleLbl>
+  <dgm:styleLbl name="node1">
+    <dgm:scene3d>
+      <a:camera prst="orthographicFront"/>
+      <a:lightRig rig="threePt" dir="t"/>
+    </dgm:scene3d>
+    <dgm:sp3d/>
+    <dgm:txPr/>
+    <dgm:style>
+      <a:lnRef idx="2">
+        <a:scrgbClr r="0" g="0" b="0"/>
+      </a:lnRef>
+      <a:fillRef idx="1">
+        <a:scrgbClr r="0" g="0" b="0"/>
+      </a:fillRef>
+      <a:effectRef idx="0">
+        <a:scrgbClr r="0" g="0" b="0"/>
+      </a:effectRef>
+      <a:fontRef idx="minor">
+        <a:schemeClr val="lt1"/>
+      </a:fontRef>
+    </dgm:style>
+  </dgm:styleLbl>
+  <dgm:styleLbl name="node2">
+    <dgm:scene3d>
+      <a:camera prst="orthographicFront"/>
+      <a:lightRig rig="threePt" dir="t"/>
+    </dgm:scene3d>
+    <dgm:sp3d/>
+    <dgm:txPr/>
+    <dgm:style>
+      <a:lnRef idx="2">
+        <a:scrgbClr r="0" g="0" b="0"/>
+      </a:lnRef>
+      <a:fillRef idx="1">
+        <a:scrgbClr r="0" g="0" b="0"/>
+      </a:fillRef>
+      <a:effectRef idx="0">
+        <a:scrgbClr r="0" g="0" b="0"/>
+      </a:effectRef>
+      <a:fontRef idx="minor">
+        <a:schemeClr val="lt1"/>
+      </a:fontRef>
+    </dgm:style>
+  </dgm:styleLbl>
+  <dgm:styleLbl name="node3">
+    <dgm:scene3d>
+      <a:camera prst="orthographicFront"/>
+      <a:lightRig rig="threePt" dir="t"/>
+    </dgm:scene3d>
+    <dgm:sp3d/>
+    <dgm:txPr/>
+    <dgm:style>
+      <a:lnRef idx="2">
+        <a:scrgbClr r="0" g="0" b="0"/>
+      </a:lnRef>
+      <a:fillRef idx="1">
+        <a:scrgbClr r="0" g="0" b="0"/>
+      </a:fillRef>
+      <a:effectRef idx="0">
+        <a:scrgbClr r="0" g="0" b="0"/>
+      </a:effectRef>
+      <a:fontRef idx="minor">
+        <a:schemeClr val="lt1"/>
+      </a:fontRef>
+    </dgm:style>
+  </dgm:styleLbl>
+  <dgm:styleLbl name="node4">
+    <dgm:scene3d>
+      <a:camera prst="orthographicFront"/>
+      <a:lightRig rig="threePt" dir="t"/>
+    </dgm:scene3d>
+    <dgm:sp3d/>
+    <dgm:txPr/>
+    <dgm:style>
+      <a:lnRef idx="2">
+        <a:scrgbClr r="0" g="0" b="0"/>
+      </a:lnRef>
+      <a:fillRef idx="1">
+        <a:scrgbClr r="0" g="0" b="0"/>
+      </a:fillRef>
+      <a:effectRef idx="0">
+        <a:scrgbClr r="0" g="0" b="0"/>
+      </a:effectRef>
+      <a:fontRef idx="minor">
+        <a:schemeClr val="lt1"/>
+      </a:fontRef>
+    </dgm:style>
+  </dgm:styleLbl>
+  <dgm:styleLbl name="fgImgPlace1">
+    <dgm:scene3d>
+      <a:camera prst="orthographicFront"/>
+      <a:lightRig rig="threePt" dir="t"/>
+    </dgm:scene3d>
+    <dgm:sp3d/>
+    <dgm:txPr/>
+    <dgm:style>
+      <a:lnRef idx="2">
+        <a:scrgbClr r="0" g="0" b="0"/>
+      </a:lnRef>
+      <a:fillRef idx="1">
+        <a:scrgbClr r="0" g="0" b="0"/>
+      </a:fillRef>
+      <a:effectRef idx="0">
+        <a:scrgbClr r="0" g="0" b="0"/>
+      </a:effectRef>
+      <a:fontRef idx="minor"/>
+    </dgm:style>
+  </dgm:styleLbl>
+  <dgm:styleLbl name="alignImgPlace1">
+    <dgm:scene3d>
+      <a:camera prst="orthographicFront"/>
+      <a:lightRig rig="threePt" dir="t"/>
+    </dgm:scene3d>
+    <dgm:sp3d/>
+    <dgm:txPr/>
+    <dgm:style>
+      <a:lnRef idx="2">
+        <a:scrgbClr r="0" g="0" b="0"/>
+      </a:lnRef>
+      <a:fillRef idx="1">
+        <a:scrgbClr r="0" g="0" b="0"/>
+      </a:fillRef>
+      <a:effectRef idx="0">
+        <a:scrgbClr r="0" g="0" b="0"/>
+      </a:effectRef>
+      <a:fontRef idx="minor"/>
+    </dgm:style>
+  </dgm:styleLbl>
+  <dgm:styleLbl name="bgImgPlace1">
+    <dgm:scene3d>
+      <a:camera prst="orthographicFront"/>
+      <a:lightRig rig="threePt" dir="t"/>
+    </dgm:scene3d>
+    <dgm:sp3d/>
+    <dgm:txPr/>
+    <dgm:style>
+      <a:lnRef idx="2">
+        <a:scrgbClr r="0" g="0" b="0"/>
+      </a:lnRef>
+      <a:fillRef idx="1">
+        <a:scrgbClr r="0" g="0" b="0"/>
+      </a:fillRef>
+      <a:effectRef idx="0">
+        <a:scrgbClr r="0" g="0" b="0"/>
+      </a:effectRef>
+      <a:fontRef idx="minor"/>
+    </dgm:style>
+  </dgm:styleLbl>
+  <dgm:styleLbl name="sibTrans2D1">
+    <dgm:scene3d>
+      <a:camera prst="orthographicFront"/>
+      <a:lightRig rig="threePt" dir="t"/>
+    </dgm:scene3d>
+    <dgm:sp3d/>
+    <dgm:txPr/>
+    <dgm:style>
+      <a:lnRef idx="0">
+        <a:scrgbClr r="0" g="0" b="0"/>
+      </a:lnRef>
+      <a:fillRef idx="1">
+        <a:scrgbClr r="0" g="0" b="0"/>
+      </a:fillRef>
+      <a:effectRef idx="0">
+        <a:scrgbClr r="0" g="0" b="0"/>
+      </a:effectRef>
+      <a:fontRef idx="minor">
+        <a:schemeClr val="lt1"/>
+      </a:fontRef>
+    </dgm:style>
+  </dgm:styleLbl>
+  <dgm:styleLbl name="fgSibTrans2D1">
+    <dgm:scene3d>
+      <a:camera prst="orthographicFront"/>
+      <a:lightRig rig="threePt" dir="t"/>
+    </dgm:scene3d>
+    <dgm:sp3d/>
+    <dgm:txPr/>
+    <dgm:style>
+      <a:lnRef idx="0">
+        <a:scrgbClr r="0" g="0" b="0"/>
+      </a:lnRef>
+      <a:fillRef idx="1">
+        <a:scrgbClr r="0" g="0" b="0"/>
+      </a:fillRef>
+      <a:effectRef idx="0">
+        <a:scrgbClr r="0" g="0" b="0"/>
+      </a:effectRef>
+      <a:fontRef idx="minor">
+        <a:schemeClr val="lt1"/>
+      </a:fontRef>
+    </dgm:style>
+  </dgm:styleLbl>
+  <dgm:styleLbl name="bgSibTrans2D1">
+    <dgm:scene3d>
+      <a:camera prst="orthographicFront"/>
+      <a:lightRig rig="threePt" dir="t"/>
+    </dgm:scene3d>
+    <dgm:sp3d/>
+    <dgm:txPr/>
+    <dgm:style>
+      <a:lnRef idx="0">
+        <a:scrgbClr r="0" g="0" b="0"/>
+      </a:lnRef>
+      <a:fillRef idx="1">
+        <a:scrgbClr r="0" g="0" b="0"/>
+      </a:fillRef>
+      <a:effectRef idx="0">
+        <a:scrgbClr r="0" g="0" b="0"/>
+      </a:effectRef>
+      <a:fontRef idx="minor">
+        <a:schemeClr val="lt1"/>
+      </a:fontRef>
+    </dgm:style>
+  </dgm:styleLbl>
+  <dgm:styleLbl name="sibTrans1D1">
+    <dgm:scene3d>
+      <a:camera prst="orthographicFront"/>
+      <a:lightRig rig="threePt" dir="t"/>
+    </dgm:scene3d>
+    <dgm:sp3d/>
+    <dgm:txPr/>
+    <dgm:style>
+      <a:lnRef idx="1">
+        <a:scrgbClr r="0" g="0" b="0"/>
+      </a:lnRef>
+      <a:fillRef idx="0">
+        <a:scrgbClr r="0" g="0" b="0"/>
+      </a:fillRef>
+      <a:effectRef idx="0">
+        <a:scrgbClr r="0" g="0" b="0"/>
+      </a:effectRef>
+      <a:fontRef idx="minor"/>
+    </dgm:style>
+  </dgm:styleLbl>
+  <dgm:styleLbl name="callout">
+    <dgm:scene3d>
+      <a:camera prst="orthographicFront"/>
+      <a:lightRig rig="threePt" dir="t"/>
+    </dgm:scene3d>
+    <dgm:sp3d/>
+    <dgm:txPr/>
+    <dgm:style>
+      <a:lnRef idx="2">
+        <a:scrgbClr r="0" g="0" b="0"/>
+      </a:lnRef>
+      <a:fillRef idx="1">
+        <a:scrgbClr r="0" g="0" b="0"/>
+      </a:fillRef>
+      <a:effectRef idx="0">
+        <a:scrgbClr r="0" g="0" b="0"/>
+      </a:effectRef>
+      <a:fontRef idx="minor"/>
+    </dgm:style>
+  </dgm:styleLbl>
+  <dgm:styleLbl name="asst0">
+    <dgm:scene3d>
+      <a:camera prst="orthographicFront"/>
+      <a:lightRig rig="threePt" dir="t"/>
+    </dgm:scene3d>
+    <dgm:sp3d/>
+    <dgm:txPr/>
+    <dgm:style>
+      <a:lnRef idx="2">
+        <a:scrgbClr r="0" g="0" b="0"/>
+      </a:lnRef>
+      <a:fillRef idx="1">
+        <a:scrgbClr r="0" g="0" b="0"/>
+      </a:fillRef>
+      <a:effectRef idx="0">
+        <a:scrgbClr r="0" g="0" b="0"/>
+      </a:effectRef>
+      <a:fontRef idx="minor">
+        <a:schemeClr val="lt1"/>
+      </a:fontRef>
+    </dgm:style>
+  </dgm:styleLbl>
+  <dgm:styleLbl name="asst1">
+    <dgm:scene3d>
+      <a:camera prst="orthographicFront"/>
+      <a:lightRig rig="threePt" dir="t"/>
+    </dgm:scene3d>
+    <dgm:sp3d/>
+    <dgm:txPr/>
+    <dgm:style>
+      <a:lnRef idx="2">
+        <a:scrgbClr r="0" g="0" b="0"/>
+      </a:lnRef>
+      <a:fillRef idx="1">
+        <a:scrgbClr r="0" g="0" b="0"/>
+      </a:fillRef>
+      <a:effectRef idx="0">
+        <a:scrgbClr r="0" g="0" b="0"/>
+      </a:effectRef>
+      <a:fontRef idx="minor">
+        <a:schemeClr val="lt1"/>
+      </a:fontRef>
+    </dgm:style>
+  </dgm:styleLbl>
+  <dgm:styleLbl name="asst2">
+    <dgm:scene3d>
+      <a:camera prst="orthographicFront"/>
+      <a:lightRig rig="threePt" dir="t"/>
+    </dgm:scene3d>
+    <dgm:sp3d/>
+    <dgm:txPr/>
+    <dgm:style>
+      <a:lnRef idx="2">
+        <a:scrgbClr r="0" g="0" b="0"/>
+      </a:lnRef>
+      <a:fillRef idx="1">
+        <a:scrgbClr r="0" g="0" b="0"/>
+      </a:fillRef>
+      <a:effectRef idx="0">
+        <a:scrgbClr r="0" g="0" b="0"/>
+      </a:effectRef>
+      <a:fontRef idx="minor">
+        <a:schemeClr val="lt1"/>
+      </a:fontRef>
+    </dgm:style>
+  </dgm:styleLbl>
+  <dgm:styleLbl name="asst3">
+    <dgm:scene3d>
+      <a:camera prst="orthographicFront"/>
+      <a:lightRig rig="threePt" dir="t"/>
+    </dgm:scene3d>
+    <dgm:sp3d/>
+    <dgm:txPr/>
+    <dgm:style>
+      <a:lnRef idx="2">
+        <a:scrgbClr r="0" g="0" b="0"/>
+      </a:lnRef>
+      <a:fillRef idx="1">
+        <a:scrgbClr r="0" g="0" b="0"/>
+      </a:fillRef>
+      <a:effectRef idx="0">
+        <a:scrgbClr r="0" g="0" b="0"/>
+      </a:effectRef>
+      <a:fontRef idx="minor">
+        <a:schemeClr val="lt1"/>
+      </a:fontRef>
+    </dgm:style>
+  </dgm:styleLbl>
+  <dgm:styleLbl name="asst4">
+    <dgm:scene3d>
+      <a:camera prst="orthographicFront"/>
+      <a:lightRig rig="threePt" dir="t"/>
+    </dgm:scene3d>
+    <dgm:sp3d/>
+    <dgm:txPr/>
+    <dgm:style>
+      <a:lnRef idx="2">
+        <a:scrgbClr r="0" g="0" b="0"/>
+      </a:lnRef>
+      <a:fillRef idx="1">
+        <a:scrgbClr r="0" g="0" b="0"/>
+      </a:fillRef>
+      <a:effectRef idx="0">
+        <a:scrgbClr r="0" g="0" b="0"/>
+      </a:effectRef>
+      <a:fontRef idx="minor">
+        <a:schemeClr val="lt1"/>
+      </a:fontRef>
+    </dgm:style>
+  </dgm:styleLbl>
+  <dgm:styleLbl name="parChTrans2D1">
+    <dgm:scene3d>
+      <a:camera prst="orthographicFront"/>
+      <a:lightRig rig="threePt" dir="t"/>
+    </dgm:scene3d>
+    <dgm:sp3d/>
+    <dgm:txPr/>
+    <dgm:style>
+      <a:lnRef idx="2">
+        <a:scrgbClr r="0" g="0" b="0"/>
+      </a:lnRef>
+      <a:fillRef idx="1">
+        <a:scrgbClr r="0" g="0" b="0"/>
+      </a:fillRef>
+      <a:effectRef idx="0">
+        <a:scrgbClr r="0" g="0" b="0"/>
+      </a:effectRef>
+      <a:fontRef idx="minor">
+        <a:schemeClr val="lt1"/>
+      </a:fontRef>
+    </dgm:style>
+  </dgm:styleLbl>
+  <dgm:styleLbl name="parChTrans2D2">
+    <dgm:scene3d>
+      <a:camera prst="orthographicFront"/>
+      <a:lightRig rig="threePt" dir="t"/>
+    </dgm:scene3d>
+    <dgm:sp3d/>
+    <dgm:txPr/>
+    <dgm:style>
+      <a:lnRef idx="2">
+        <a:scrgbClr r="0" g="0" b="0"/>
+      </a:lnRef>
+      <a:fillRef idx="1">
+        <a:scrgbClr r="0" g="0" b="0"/>
+      </a:fillRef>
+      <a:effectRef idx="0">
+        <a:scrgbClr r="0" g="0" b="0"/>
+      </a:effectRef>
+      <a:fontRef idx="minor">
+        <a:schemeClr val="lt1"/>
+      </a:fontRef>
+    </dgm:style>
+  </dgm:styleLbl>
+  <dgm:styleLbl name="parChTrans2D3">
+    <dgm:scene3d>
+      <a:camera prst="orthographicFront"/>
+      <a:lightRig rig="threePt" dir="t"/>
+    </dgm:scene3d>
+    <dgm:sp3d/>
+    <dgm:txPr/>
+    <dgm:style>
+      <a:lnRef idx="2">
+        <a:scrgbClr r="0" g="0" b="0"/>
+      </a:lnRef>
+      <a:fillRef idx="1">
+        <a:scrgbClr r="0" g="0" b="0"/>
+      </a:fillRef>
+      <a:effectRef idx="0">
+        <a:scrgbClr r="0" g="0" b="0"/>
+      </a:effectRef>
+      <a:fontRef idx="minor">
+        <a:schemeClr val="lt1"/>
+      </a:fontRef>
+    </dgm:style>
+  </dgm:styleLbl>
+  <dgm:styleLbl name="parChTrans2D4">
+    <dgm:scene3d>
+      <a:camera prst="orthographicFront"/>
+      <a:lightRig rig="threePt" dir="t"/>
+    </dgm:scene3d>
+    <dgm:sp3d/>
+    <dgm:txPr/>
+    <dgm:style>
+      <a:lnRef idx="2">
+        <a:scrgbClr r="0" g="0" b="0"/>
+      </a:lnRef>
+      <a:fillRef idx="1">
+        <a:scrgbClr r="0" g="0" b="0"/>
+      </a:fillRef>
+      <a:effectRef idx="0">
+        <a:scrgbClr r="0" g="0" b="0"/>
+      </a:effectRef>
+      <a:fontRef idx="minor">
+        <a:schemeClr val="lt1"/>
+      </a:fontRef>
+    </dgm:style>
+  </dgm:styleLbl>
+  <dgm:styleLbl name="parChTrans1D1">
+    <dgm:scene3d>
+      <a:camera prst="orthographicFront"/>
+      <a:lightRig rig="threePt" dir="t"/>
+    </dgm:scene3d>
+    <dgm:sp3d/>
+    <dgm:txPr/>
+    <dgm:style>
+      <a:lnRef idx="2">
+        <a:scrgbClr r="0" g="0" b="0"/>
+      </a:lnRef>
+      <a:fillRef idx="0">
+        <a:scrgbClr r="0" g="0" b="0"/>
+      </a:fillRef>
+      <a:effectRef idx="0">
+        <a:scrgbClr r="0" g="0" b="0"/>
+      </a:effectRef>
+      <a:fontRef idx="minor"/>
+    </dgm:style>
+  </dgm:styleLbl>
+  <dgm:styleLbl name="parChTrans1D2">
+    <dgm:scene3d>
+      <a:camera prst="orthographicFront"/>
+      <a:lightRig rig="threePt" dir="t"/>
+    </dgm:scene3d>
+    <dgm:sp3d/>
+    <dgm:txPr/>
+    <dgm:style>
+      <a:lnRef idx="2">
+        <a:scrgbClr r="0" g="0" b="0"/>
+      </a:lnRef>
+      <a:fillRef idx="0">
+        <a:scrgbClr r="0" g="0" b="0"/>
+      </a:fillRef>
+      <a:effectRef idx="0">
+        <a:scrgbClr r="0" g="0" b="0"/>
+      </a:effectRef>
+      <a:fontRef idx="minor"/>
+    </dgm:style>
+  </dgm:styleLbl>
+  <dgm:styleLbl name="parChTrans1D3">
+    <dgm:scene3d>
+      <a:camera prst="orthographicFront"/>
+      <a:lightRig rig="threePt" dir="t"/>
+    </dgm:scene3d>
+    <dgm:sp3d/>
+    <dgm:txPr/>
+    <dgm:style>
+      <a:lnRef idx="2">
+        <a:scrgbClr r="0" g="0" b="0"/>
+      </a:lnRef>
+      <a:fillRef idx="0">
+        <a:scrgbClr r="0" g="0" b="0"/>
+      </a:fillRef>
+      <a:effectRef idx="0">
+        <a:scrgbClr r="0" g="0" b="0"/>
+      </a:effectRef>
+      <a:fontRef idx="minor"/>
+    </dgm:style>
+  </dgm:styleLbl>
+  <dgm:styleLbl name="parChTrans1D4">
+    <dgm:scene3d>
+      <a:camera prst="orthographicFront"/>
+      <a:lightRig rig="threePt" dir="t"/>
+    </dgm:scene3d>
+    <dgm:sp3d/>
+    <dgm:txPr/>
+    <dgm:style>
+      <a:lnRef idx="2">
+        <a:scrgbClr r="0" g="0" b="0"/>
+      </a:lnRef>
+      <a:fillRef idx="0">
+        <a:scrgbClr r="0" g="0" b="0"/>
+      </a:fillRef>
+      <a:effectRef idx="0">
+        <a:scrgbClr r="0" g="0" b="0"/>
+      </a:effectRef>
+      <a:fontRef idx="minor"/>
+    </dgm:style>
+  </dgm:styleLbl>
+  <dgm:styleLbl name="fgAcc1">
+    <dgm:scene3d>
+      <a:camera prst="orthographicFront"/>
+      <a:lightRig rig="threePt" dir="t"/>
+    </dgm:scene3d>
+    <dgm:sp3d/>
+    <dgm:txPr/>
+    <dgm:style>
+      <a:lnRef idx="2">
+        <a:scrgbClr r="0" g="0" b="0"/>
+      </a:lnRef>
+      <a:fillRef idx="1">
+        <a:scrgbClr r="0" g="0" b="0"/>
+      </a:fillRef>
+      <a:effectRef idx="0">
+        <a:scrgbClr r="0" g="0" b="0"/>
+      </a:effectRef>
+      <a:fontRef idx="minor"/>
+    </dgm:style>
+  </dgm:styleLbl>
+  <dgm:styleLbl name="conFgAcc1">
+    <dgm:scene3d>
+      <a:camera prst="orthographicFront"/>
+      <a:lightRig rig="threePt" dir="t"/>
+    </dgm:scene3d>
+    <dgm:sp3d/>
+    <dgm:txPr/>
+    <dgm:style>
+      <a:lnRef idx="2">
+        <a:scrgbClr r="0" g="0" b="0"/>
+      </a:lnRef>
+      <a:fillRef idx="1">
+        <a:scrgbClr r="0" g="0" b="0"/>
+      </a:fillRef>
+      <a:effectRef idx="0">
+        <a:scrgbClr r="0" g="0" b="0"/>
+      </a:effectRef>
+      <a:fontRef idx="minor"/>
+    </dgm:style>
+  </dgm:styleLbl>
+  <dgm:styleLbl name="alignAcc1">
+    <dgm:scene3d>
+      <a:camera prst="orthographicFront"/>
+      <a:lightRig rig="threePt" dir="t"/>
+    </dgm:scene3d>
+    <dgm:sp3d/>
+    <dgm:txPr/>
+    <dgm:style>
+      <a:lnRef idx="2">
+        <a:scrgbClr r="0" g="0" b="0"/>
+      </a:lnRef>
+      <a:fillRef idx="1">
+        <a:scrgbClr r="0" g="0" b="0"/>
+      </a:fillRef>
+      <a:effectRef idx="0">
+        <a:scrgbClr r="0" g="0" b="0"/>
+      </a:effectRef>
+      <a:fontRef idx="minor"/>
+    </dgm:style>
+  </dgm:styleLbl>
+  <dgm:styleLbl name="trAlignAcc1">
+    <dgm:scene3d>
+      <a:camera prst="orthographicFront"/>
+      <a:lightRig rig="threePt" dir="t"/>
+    </dgm:scene3d>
+    <dgm:sp3d/>
+    <dgm:txPr/>
+    <dgm:style>
+      <a:lnRef idx="1">
+        <a:scrgbClr r="0" g="0" b="0"/>
+      </a:lnRef>
+      <a:fillRef idx="1">
+        <a:scrgbClr r="0" g="0" b="0"/>
+      </a:fillRef>
+      <a:effectRef idx="0">
+        <a:scrgbClr r="0" g="0" b="0"/>
+      </a:effectRef>
+      <a:fontRef idx="minor"/>
+    </dgm:style>
+  </dgm:styleLbl>
+  <dgm:styleLbl name="bgAcc1">
+    <dgm:scene3d>
+      <a:camera prst="orthographicFront"/>
+      <a:lightRig rig="threePt" dir="t"/>
+    </dgm:scene3d>
+    <dgm:sp3d/>
+    <dgm:txPr/>
+    <dgm:style>
+      <a:lnRef idx="2">
+        <a:scrgbClr r="0" g="0" b="0"/>
+      </a:lnRef>
+      <a:fillRef idx="1">
+        <a:scrgbClr r="0" g="0" b="0"/>
+      </a:fillRef>
+      <a:effectRef idx="0">
+        <a:scrgbClr r="0" g="0" b="0"/>
+      </a:effectRef>
+      <a:fontRef idx="minor"/>
+    </dgm:style>
+  </dgm:styleLbl>
+  <dgm:styleLbl name="solidFgAcc1">
+    <dgm:scene3d>
+      <a:camera prst="orthographicFront"/>
+      <a:lightRig rig="threePt" dir="t"/>
+    </dgm:scene3d>
+    <dgm:sp3d/>
+    <dgm:txPr/>
+    <dgm:style>
+      <a:lnRef idx="2">
+        <a:scrgbClr r="0" g="0" b="0"/>
+      </a:lnRef>
+      <a:fillRef idx="1">
+        <a:scrgbClr r="0" g="0" b="0"/>
+      </a:fillRef>
+      <a:effectRef idx="0">
+        <a:scrgbClr r="0" g="0" b="0"/>
+      </a:effectRef>
+      <a:fontRef idx="minor"/>
+    </dgm:style>
+  </dgm:styleLbl>
+  <dgm:styleLbl name="solidAlignAcc1">
+    <dgm:scene3d>
+      <a:camera prst="orthographicFront"/>
+      <a:lightRig rig="threePt" dir="t"/>
+    </dgm:scene3d>
+    <dgm:sp3d/>
+    <dgm:txPr/>
+    <dgm:style>
+      <a:lnRef idx="2">
+        <a:scrgbClr r="0" g="0" b="0"/>
+      </a:lnRef>
+      <a:fillRef idx="1">
+        <a:scrgbClr r="0" g="0" b="0"/>
+      </a:fillRef>
+      <a:effectRef idx="0">
+        <a:scrgbClr r="0" g="0" b="0"/>
+      </a:effectRef>
+      <a:fontRef idx="minor"/>
+    </dgm:style>
+  </dgm:styleLbl>
+  <dgm:styleLbl name="solidBgAcc1">
+    <dgm:scene3d>
+      <a:camera prst="orthographicFront"/>
+      <a:lightRig rig="threePt" dir="t"/>
+    </dgm:scene3d>
+    <dgm:sp3d/>
+    <dgm:txPr/>
+    <dgm:style>
+      <a:lnRef idx="2">
+        <a:scrgbClr r="0" g="0" b="0"/>
+      </a:lnRef>
+      <a:fillRef idx="1">
+        <a:scrgbClr r="0" g="0" b="0"/>
+      </a:fillRef>
+      <a:effectRef idx="0">
+        <a:scrgbClr r="0" g="0" b="0"/>
+      </a:effectRef>
+      <a:fontRef idx="minor"/>
+    </dgm:style>
+  </dgm:styleLbl>
+  <dgm:styleLbl name="fgAccFollowNode1">
+    <dgm:scene3d>
+      <a:camera prst="orthographicFront"/>
+      <a:lightRig rig="threePt" dir="t"/>
+    </dgm:scene3d>
+    <dgm:sp3d/>
+    <dgm:txPr/>
+    <dgm:style>
+      <a:lnRef idx="2">
+        <a:scrgbClr r="0" g="0" b="0"/>
+      </a:lnRef>
+      <a:fillRef idx="1">
+        <a:scrgbClr r="0" g="0" b="0"/>
+      </a:fillRef>
+      <a:effectRef idx="0">
+        <a:scrgbClr r="0" g="0" b="0"/>
+      </a:effectRef>
+      <a:fontRef idx="minor"/>
+    </dgm:style>
+  </dgm:styleLbl>
+  <dgm:styleLbl name="alignAccFollowNode1">
+    <dgm:scene3d>
+      <a:camera prst="orthographicFront"/>
+      <a:lightRig rig="threePt" dir="t"/>
+    </dgm:scene3d>
+    <dgm:sp3d/>
+    <dgm:txPr/>
+    <dgm:style>
+      <a:lnRef idx="2">
+        <a:scrgbClr r="0" g="0" b="0"/>
+      </a:lnRef>
+      <a:fillRef idx="1">
+        <a:scrgbClr r="0" g="0" b="0"/>
+      </a:fillRef>
+      <a:effectRef idx="0">
+        <a:scrgbClr r="0" g="0" b="0"/>
+      </a:effectRef>
+      <a:fontRef idx="minor"/>
+    </dgm:style>
+  </dgm:styleLbl>
+  <dgm:styleLbl name="bgAccFollowNode1">
+    <dgm:scene3d>
+      <a:camera prst="orthographicFront"/>
+      <a:lightRig rig="threePt" dir="t"/>
+    </dgm:scene3d>
+    <dgm:sp3d/>
+    <dgm:txPr/>
+    <dgm:style>
+      <a:lnRef idx="2">
+        <a:scrgbClr r="0" g="0" b="0"/>
+      </a:lnRef>
+      <a:fillRef idx="1">
+        <a:scrgbClr r="0" g="0" b="0"/>
+      </a:fillRef>
+      <a:effectRef idx="0">
+        <a:scrgbClr r="0" g="0" b="0"/>
+      </a:effectRef>
+      <a:fontRef idx="minor"/>
+    </dgm:style>
+  </dgm:styleLbl>
+  <dgm:styleLbl name="fgAcc0">
+    <dgm:scene3d>
+      <a:camera prst="orthographicFront"/>
+      <a:lightRig rig="threePt" dir="t"/>
+    </dgm:scene3d>
+    <dgm:sp3d/>
+    <dgm:txPr/>
+    <dgm:style>
+      <a:lnRef idx="2">
+        <a:scrgbClr r="0" g="0" b="0"/>
+      </a:lnRef>
+      <a:fillRef idx="1">
+        <a:scrgbClr r="0" g="0" b="0"/>
+      </a:fillRef>
+      <a:effectRef idx="0">
+        <a:scrgbClr r="0" g="0" b="0"/>
+      </a:effectRef>
+      <a:fontRef idx="minor"/>
+    </dgm:style>
+  </dgm:styleLbl>
+  <dgm:styleLbl name="fgAcc2">
+    <dgm:scene3d>
+      <a:camera prst="orthographicFront"/>
+      <a:lightRig rig="threePt" dir="t"/>
+    </dgm:scene3d>
+    <dgm:sp3d/>
+    <dgm:txPr/>
+    <dgm:style>
+      <a:lnRef idx="2">
+        <a:scrgbClr r="0" g="0" b="0"/>
+      </a:lnRef>
+      <a:fillRef idx="1">
+        <a:scrgbClr r="0" g="0" b="0"/>
+      </a:fillRef>
+      <a:effectRef idx="0">
+        <a:scrgbClr r="0" g="0" b="0"/>
+      </a:effectRef>
+      <a:fontRef idx="minor"/>
+    </dgm:style>
+  </dgm:styleLbl>
+  <dgm:styleLbl name="fgAcc3">
+    <dgm:scene3d>
+      <a:camera prst="orthographicFront"/>
+      <a:lightRig rig="threePt" dir="t"/>
+    </dgm:scene3d>
+    <dgm:sp3d/>
+    <dgm:txPr/>
+    <dgm:style>
+      <a:lnRef idx="2">
+        <a:scrgbClr r="0" g="0" b="0"/>
+      </a:lnRef>
+      <a:fillRef idx="1">
+        <a:scrgbClr r="0" g="0" b="0"/>
+      </a:fillRef>
+      <a:effectRef idx="0">
+        <a:scrgbClr r="0" g="0" b="0"/>
+      </a:effectRef>
+      <a:fontRef idx="minor"/>
+    </dgm:style>
+  </dgm:styleLbl>
+  <dgm:styleLbl name="fgAcc4">
+    <dgm:scene3d>
+      <a:camera prst="orthographicFront"/>
+      <a:lightRig rig="threePt" dir="t"/>
+    </dgm:scene3d>
+    <dgm:sp3d/>
+    <dgm:txPr/>
+    <dgm:style>
+      <a:lnRef idx="2">
+        <a:scrgbClr r="0" g="0" b="0"/>
+      </a:lnRef>
+      <a:fillRef idx="1">
+        <a:scrgbClr r="0" g="0" b="0"/>
+      </a:fillRef>
+      <a:effectRef idx="0">
+        <a:scrgbClr r="0" g="0" b="0"/>
+      </a:effectRef>
+      <a:fontRef idx="minor"/>
+    </dgm:style>
+  </dgm:styleLbl>
+  <dgm:styleLbl name="bgShp">
+    <dgm:scene3d>
+      <a:camera prst="orthographicFront"/>
+      <a:lightRig rig="threePt" dir="t"/>
+    </dgm:scene3d>
+    <dgm:sp3d/>
+    <dgm:txPr/>
+    <dgm:style>
+      <a:lnRef idx="0">
+        <a:scrgbClr r="0" g="0" b="0"/>
+      </a:lnRef>
+      <a:fillRef idx="1">
+        <a:scrgbClr r="0" g="0" b="0"/>
+      </a:fillRef>
+      <a:effectRef idx="0">
+        <a:scrgbClr r="0" g="0" b="0"/>
+      </a:effectRef>
+      <a:fontRef idx="minor"/>
+    </dgm:style>
+  </dgm:styleLbl>
+  <dgm:styleLbl name="dkBgShp">
+    <dgm:scene3d>
+      <a:camera prst="orthographicFront"/>
+      <a:lightRig rig="threePt" dir="t"/>
+    </dgm:scene3d>
+    <dgm:sp3d/>
+    <dgm:txPr/>
+    <dgm:style>
+      <a:lnRef idx="0">
+        <a:scrgbClr r="0" g="0" b="0"/>
+      </a:lnRef>
+      <a:fillRef idx="1">
+        <a:scrgbClr r="0" g="0" b="0"/>
+      </a:fillRef>
+      <a:effectRef idx="0">
+        <a:scrgbClr r="0" g="0" b="0"/>
+      </a:effectRef>
+      <a:fontRef idx="minor"/>
+    </dgm:style>
+  </dgm:styleLbl>
+  <dgm:styleLbl name="trBgShp">
+    <dgm:scene3d>
+      <a:camera prst="orthographicFront"/>
+      <a:lightRig rig="threePt" dir="t"/>
+    </dgm:scene3d>
+    <dgm:sp3d/>
+    <dgm:txPr/>
+    <dgm:style>
+      <a:lnRef idx="0">
+        <a:scrgbClr r="0" g="0" b="0"/>
+      </a:lnRef>
+      <a:fillRef idx="1">
+        <a:scrgbClr r="0" g="0" b="0"/>
+      </a:fillRef>
+      <a:effectRef idx="0">
+        <a:scrgbClr r="0" g="0" b="0"/>
+      </a:effectRef>
+      <a:fontRef idx="minor"/>
+    </dgm:style>
+  </dgm:styleLbl>
+  <dgm:styleLbl name="fgShp">
+    <dgm:scene3d>
+      <a:camera prst="orthographicFront"/>
+      <a:lightRig rig="threePt" dir="t"/>
+    </dgm:scene3d>
+    <dgm:sp3d/>
+    <dgm:txPr/>
+    <dgm:style>
+      <a:lnRef idx="2">
+        <a:scrgbClr r="0" g="0" b="0"/>
+      </a:lnRef>
+      <a:fillRef idx="1">
+        <a:scrgbClr r="0" g="0" b="0"/>
+      </a:fillRef>
+      <a:effectRef idx="0">
+        <a:scrgbClr r="0" g="0" b="0"/>
+      </a:effectRef>
+      <a:fontRef idx="minor"/>
+    </dgm:style>
+  </dgm:styleLbl>
+  <dgm:styleLbl name="revTx">
+    <dgm:scene3d>
+      <a:camera prst="orthographicFront"/>
+      <a:lightRig rig="threePt" dir="t"/>
+    </dgm:scene3d>
+    <dgm:sp3d/>
+    <dgm:txPr/>
+    <dgm:style>
+      <a:lnRef idx="0">
+        <a:scrgbClr r="0" g="0" b="0"/>
+      </a:lnRef>
+      <a:fillRef idx="0">
+        <a:scrgbClr r="0" g="0" b="0"/>
+      </a:fillRef>
+      <a:effectRef idx="0">
+        <a:scrgbClr r="0" g="0" b="0"/>
+      </a:effectRef>
+      <a:fontRef idx="minor"/>
+    </dgm:style>
+  </dgm:styleLbl>
+</dgm:styleDef>
+</file>
+
+<file path=ppt/diagrams/quickStyle2.xml><?xml version="1.0" encoding="utf-8"?>
 <dgm:styleDef xmlns:dgm="http://schemas.openxmlformats.org/drawingml/2006/diagram" xmlns:a="http://schemas.openxmlformats.org/drawingml/2006/main" uniqueId="urn:microsoft.com/office/officeart/2005/8/quickstyle/simple1">
   <dgm:title val=""/>
   <dgm:desc val=""/>
@@ -16629,6 +21090,103 @@
 </p:sld>
 </file>
 
+<file path=ppt/slides/slide10.xml><?xml version="1.0" encoding="utf-8"?>
+<p:sld xmlns:a="http://schemas.openxmlformats.org/drawingml/2006/main" xmlns:r="http://schemas.openxmlformats.org/officeDocument/2006/relationships" xmlns:p="http://schemas.openxmlformats.org/presentationml/2006/main">
+  <p:cSld>
+    <p:spTree>
+      <p:nvGrpSpPr>
+        <p:cNvPr id="1" name=""/>
+        <p:cNvGrpSpPr/>
+        <p:nvPr/>
+      </p:nvGrpSpPr>
+      <p:grpSpPr>
+        <a:xfrm>
+          <a:off x="0" y="0"/>
+          <a:ext cx="0" cy="0"/>
+          <a:chOff x="0" y="0"/>
+          <a:chExt cx="0" cy="0"/>
+        </a:xfrm>
+      </p:grpSpPr>
+      <p:sp>
+        <p:nvSpPr>
+          <p:cNvPr id="3" name="Content Placeholder 2"/>
+          <p:cNvSpPr>
+            <a:spLocks noGrp="1"/>
+          </p:cNvSpPr>
+          <p:nvPr>
+            <p:ph idx="1"/>
+          </p:nvPr>
+        </p:nvSpPr>
+        <p:spPr>
+          <a:xfrm>
+            <a:off x="200296" y="2483246"/>
+            <a:ext cx="8140337" cy="1891507"/>
+          </a:xfrm>
+        </p:spPr>
+        <p:txBody>
+          <a:bodyPr>
+            <a:normAutofit fontScale="92500" lnSpcReduction="10000"/>
+          </a:bodyPr>
+          <a:lstStyle/>
+          <a:p>
+            <a:pPr marL="3657600" lvl="8" indent="0">
+              <a:buNone/>
+            </a:pPr>
+            <a:endParaRPr lang="en-US" dirty="0"/>
+          </a:p>
+          <a:p>
+            <a:pPr marL="3657600" lvl="8" indent="0">
+              <a:buNone/>
+            </a:pPr>
+            <a:r>
+              <a:rPr lang="en-US" dirty="0"/>
+              <a:t>       </a:t>
+            </a:r>
+          </a:p>
+          <a:p>
+            <a:pPr marL="3657600" lvl="8" indent="0">
+              <a:buNone/>
+            </a:pPr>
+            <a:r>
+              <a:rPr lang="en-US" sz="1600" b="1" dirty="0"/>
+              <a:t>                 </a:t>
+            </a:r>
+          </a:p>
+          <a:p>
+            <a:pPr marL="3657600" lvl="8" indent="0">
+              <a:buNone/>
+            </a:pPr>
+            <a:endParaRPr lang="en-US" sz="1600" b="1" dirty="0"/>
+          </a:p>
+          <a:p>
+            <a:pPr marL="3657600" lvl="8" indent="0">
+              <a:buNone/>
+            </a:pPr>
+            <a:r>
+              <a:rPr lang="en-US" sz="1600" b="1" dirty="0"/>
+              <a:t>	</a:t>
+            </a:r>
+            <a:r>
+              <a:rPr lang="en-US" sz="4000" b="1" dirty="0"/>
+              <a:t>	Thank you</a:t>
+            </a:r>
+            <a:endParaRPr lang="en-US" sz="1600" b="1" dirty="0"/>
+          </a:p>
+        </p:txBody>
+      </p:sp>
+    </p:spTree>
+    <p:extLst>
+      <p:ext uri="{BB962C8B-B14F-4D97-AF65-F5344CB8AC3E}">
+        <p14:creationId xmlns:p14="http://schemas.microsoft.com/office/powerpoint/2010/main" val="3134127034"/>
+      </p:ext>
+    </p:extLst>
+  </p:cSld>
+  <p:clrMapOvr>
+    <a:masterClrMapping/>
+  </p:clrMapOvr>
+</p:sld>
+</file>
+
 <file path=ppt/slides/slide2.xml><?xml version="1.0" encoding="utf-8"?>
 <p:sld xmlns:a="http://schemas.openxmlformats.org/drawingml/2006/main" xmlns:r="http://schemas.openxmlformats.org/officeDocument/2006/relationships" xmlns:p="http://schemas.openxmlformats.org/presentationml/2006/main">
   <p:cSld>
@@ -17047,6 +21605,95 @@
 </file>
 
 <file path=ppt/slides/slide4.xml><?xml version="1.0" encoding="utf-8"?>
+<p:sld xmlns:a="http://schemas.openxmlformats.org/drawingml/2006/main" xmlns:r="http://schemas.openxmlformats.org/officeDocument/2006/relationships" xmlns:p="http://schemas.openxmlformats.org/presentationml/2006/main">
+  <p:cSld>
+    <p:spTree>
+      <p:nvGrpSpPr>
+        <p:cNvPr id="1" name=""/>
+        <p:cNvGrpSpPr/>
+        <p:nvPr/>
+      </p:nvGrpSpPr>
+      <p:grpSpPr>
+        <a:xfrm>
+          <a:off x="0" y="0"/>
+          <a:ext cx="0" cy="0"/>
+          <a:chOff x="0" y="0"/>
+          <a:chExt cx="0" cy="0"/>
+        </a:xfrm>
+      </p:grpSpPr>
+      <p:sp>
+        <p:nvSpPr>
+          <p:cNvPr id="2" name="Title 1"/>
+          <p:cNvSpPr>
+            <a:spLocks noGrp="1"/>
+          </p:cNvSpPr>
+          <p:nvPr>
+            <p:ph type="title"/>
+          </p:nvPr>
+        </p:nvSpPr>
+        <p:spPr/>
+        <p:txBody>
+          <a:bodyPr/>
+          <a:lstStyle/>
+          <a:p>
+            <a:r>
+              <a:rPr lang="en-US" dirty="0"/>
+              <a:t>Project </a:t>
+            </a:r>
+            <a:r>
+              <a:rPr lang="en-US" dirty="0" smtClean="0"/>
+              <a:t>Stages</a:t>
+            </a:r>
+            <a:r>
+              <a:rPr lang="en-US" dirty="0"/>
+              <a:t>.</a:t>
+            </a:r>
+            <a:endParaRPr lang="en-IN" dirty="0"/>
+          </a:p>
+        </p:txBody>
+      </p:sp>
+      <p:graphicFrame>
+        <p:nvGraphicFramePr>
+          <p:cNvPr id="4" name="Diagram 3">
+            <a:extLst>
+              <a:ext uri="{FF2B5EF4-FFF2-40B4-BE49-F238E27FC236}">
+                <a16:creationId xmlns:a16="http://schemas.microsoft.com/office/drawing/2014/main" xmlns="" id="{17A1BA54-CD01-EB86-F114-4AB2CB077634}"/>
+              </a:ext>
+            </a:extLst>
+          </p:cNvPr>
+          <p:cNvGraphicFramePr/>
+          <p:nvPr>
+            <p:extLst>
+              <p:ext uri="{D42A27DB-BD31-4B8C-83A1-F6EECF244321}">
+                <p14:modId xmlns:p14="http://schemas.microsoft.com/office/powerpoint/2010/main" val="1485017209"/>
+              </p:ext>
+            </p:extLst>
+          </p:nvPr>
+        </p:nvGraphicFramePr>
+        <p:xfrm>
+          <a:off x="1046335" y="2463655"/>
+          <a:ext cx="10515600" cy="3877056"/>
+        </p:xfrm>
+        <a:graphic>
+          <a:graphicData uri="http://schemas.openxmlformats.org/drawingml/2006/diagram">
+            <dgm:relIds xmlns:dgm="http://schemas.openxmlformats.org/drawingml/2006/diagram" xmlns:r="http://schemas.openxmlformats.org/officeDocument/2006/relationships" r:dm="rId2" r:lo="rId3" r:qs="rId4" r:cs="rId5"/>
+          </a:graphicData>
+        </a:graphic>
+      </p:graphicFrame>
+    </p:spTree>
+    <p:extLst>
+      <p:ext uri="{BB962C8B-B14F-4D97-AF65-F5344CB8AC3E}">
+        <p14:creationId xmlns:p14="http://schemas.microsoft.com/office/powerpoint/2010/main" val="1299039084"/>
+      </p:ext>
+    </p:extLst>
+  </p:cSld>
+  <p:clrMapOvr>
+    <a:masterClrMapping/>
+  </p:clrMapOvr>
+</p:sld>
+</file>
+
+<file path=ppt/slides/slide5.xml><?xml version="1.0" encoding="utf-8"?>
 <p:sld xmlns:a="http://schemas.openxmlformats.org/drawingml/2006/main" xmlns:r="http://schemas.openxmlformats.org/officeDocument/2006/relationships" xmlns:p="http://schemas.openxmlformats.org/presentationml/2006/main">
   <p:cSld>
     <p:spTree>
@@ -17824,7 +22471,7 @@
 </p:sld>
 </file>
 
-<file path=ppt/slides/slide5.xml><?xml version="1.0" encoding="utf-8"?>
+<file path=ppt/slides/slide6.xml><?xml version="1.0" encoding="utf-8"?>
 <p:sld xmlns:a="http://schemas.openxmlformats.org/drawingml/2006/main" xmlns:r="http://schemas.openxmlformats.org/officeDocument/2006/relationships" xmlns:p="http://schemas.openxmlformats.org/presentationml/2006/main">
   <p:cSld>
     <p:spTree>
@@ -18068,7 +22715,7 @@
 </p:sld>
 </file>
 
-<file path=ppt/slides/slide6.xml><?xml version="1.0" encoding="utf-8"?>
+<file path=ppt/slides/slide7.xml><?xml version="1.0" encoding="utf-8"?>
 <p:sld xmlns:a="http://schemas.openxmlformats.org/drawingml/2006/main" xmlns:r="http://schemas.openxmlformats.org/officeDocument/2006/relationships" xmlns:p="http://schemas.openxmlformats.org/presentationml/2006/main">
   <p:cSld>
     <p:spTree>
@@ -18617,7 +23264,7 @@
 </p:sld>
 </file>
 
-<file path=ppt/slides/slide7.xml><?xml version="1.0" encoding="utf-8"?>
+<file path=ppt/slides/slide8.xml><?xml version="1.0" encoding="utf-8"?>
 <p:sld xmlns:a="http://schemas.openxmlformats.org/drawingml/2006/main" xmlns:r="http://schemas.openxmlformats.org/officeDocument/2006/relationships" xmlns:p="http://schemas.openxmlformats.org/presentationml/2006/main">
   <p:cSld>
     <p:spTree>
@@ -18996,7 +23643,7 @@
 </p:sld>
 </file>
 
-<file path=ppt/slides/slide8.xml><?xml version="1.0" encoding="utf-8"?>
+<file path=ppt/slides/slide9.xml><?xml version="1.0" encoding="utf-8"?>
 <p:sld xmlns:a="http://schemas.openxmlformats.org/drawingml/2006/main" xmlns:r="http://schemas.openxmlformats.org/officeDocument/2006/relationships" xmlns:p="http://schemas.openxmlformats.org/presentationml/2006/main">
   <p:cSld>
     <p:spTree>
@@ -19362,103 +24009,6 @@
 </p:sld>
 </file>
 
-<file path=ppt/slides/slide9.xml><?xml version="1.0" encoding="utf-8"?>
-<p:sld xmlns:a="http://schemas.openxmlformats.org/drawingml/2006/main" xmlns:r="http://schemas.openxmlformats.org/officeDocument/2006/relationships" xmlns:p="http://schemas.openxmlformats.org/presentationml/2006/main">
-  <p:cSld>
-    <p:spTree>
-      <p:nvGrpSpPr>
-        <p:cNvPr id="1" name=""/>
-        <p:cNvGrpSpPr/>
-        <p:nvPr/>
-      </p:nvGrpSpPr>
-      <p:grpSpPr>
-        <a:xfrm>
-          <a:off x="0" y="0"/>
-          <a:ext cx="0" cy="0"/>
-          <a:chOff x="0" y="0"/>
-          <a:chExt cx="0" cy="0"/>
-        </a:xfrm>
-      </p:grpSpPr>
-      <p:sp>
-        <p:nvSpPr>
-          <p:cNvPr id="3" name="Content Placeholder 2"/>
-          <p:cNvSpPr>
-            <a:spLocks noGrp="1"/>
-          </p:cNvSpPr>
-          <p:nvPr>
-            <p:ph idx="1"/>
-          </p:nvPr>
-        </p:nvSpPr>
-        <p:spPr>
-          <a:xfrm>
-            <a:off x="200296" y="2483246"/>
-            <a:ext cx="8140337" cy="1891507"/>
-          </a:xfrm>
-        </p:spPr>
-        <p:txBody>
-          <a:bodyPr>
-            <a:normAutofit fontScale="92500" lnSpcReduction="10000"/>
-          </a:bodyPr>
-          <a:lstStyle/>
-          <a:p>
-            <a:pPr marL="3657600" lvl="8" indent="0">
-              <a:buNone/>
-            </a:pPr>
-            <a:endParaRPr lang="en-US" dirty="0"/>
-          </a:p>
-          <a:p>
-            <a:pPr marL="3657600" lvl="8" indent="0">
-              <a:buNone/>
-            </a:pPr>
-            <a:r>
-              <a:rPr lang="en-US" dirty="0"/>
-              <a:t>       </a:t>
-            </a:r>
-          </a:p>
-          <a:p>
-            <a:pPr marL="3657600" lvl="8" indent="0">
-              <a:buNone/>
-            </a:pPr>
-            <a:r>
-              <a:rPr lang="en-US" sz="1600" b="1" dirty="0"/>
-              <a:t>                 </a:t>
-            </a:r>
-          </a:p>
-          <a:p>
-            <a:pPr marL="3657600" lvl="8" indent="0">
-              <a:buNone/>
-            </a:pPr>
-            <a:endParaRPr lang="en-US" sz="1600" b="1" dirty="0"/>
-          </a:p>
-          <a:p>
-            <a:pPr marL="3657600" lvl="8" indent="0">
-              <a:buNone/>
-            </a:pPr>
-            <a:r>
-              <a:rPr lang="en-US" sz="1600" b="1" dirty="0"/>
-              <a:t>	</a:t>
-            </a:r>
-            <a:r>
-              <a:rPr lang="en-US" sz="4000" b="1" dirty="0"/>
-              <a:t>	Thank you</a:t>
-            </a:r>
-            <a:endParaRPr lang="en-US" sz="1600" b="1" dirty="0"/>
-          </a:p>
-        </p:txBody>
-      </p:sp>
-    </p:spTree>
-    <p:extLst>
-      <p:ext uri="{BB962C8B-B14F-4D97-AF65-F5344CB8AC3E}">
-        <p14:creationId xmlns:p14="http://schemas.microsoft.com/office/powerpoint/2010/main" val="3134127034"/>
-      </p:ext>
-    </p:extLst>
-  </p:cSld>
-  <p:clrMapOvr>
-    <a:masterClrMapping/>
-  </p:clrMapOvr>
-</p:sld>
-</file>
-
 <file path=ppt/theme/theme1.xml><?xml version="1.0" encoding="utf-8"?>
 <a:theme xmlns:a="http://schemas.openxmlformats.org/drawingml/2006/main" name="Ion Boardroom">
   <a:themeElements>

--- a/Fraud_review_detection_web_app_ProjectPlan.pptx
+++ b/Fraud_review_detection_web_app_ProjectPlan.pptx
@@ -10,8 +10,8 @@
     <p:sldId id="258" r:id="rId4"/>
     <p:sldId id="267" r:id="rId5"/>
     <p:sldId id="266" r:id="rId6"/>
-    <p:sldId id="259" r:id="rId7"/>
-    <p:sldId id="260" r:id="rId8"/>
+    <p:sldId id="260" r:id="rId7"/>
+    <p:sldId id="259" r:id="rId8"/>
     <p:sldId id="263" r:id="rId9"/>
     <p:sldId id="264" r:id="rId10"/>
     <p:sldId id="265" r:id="rId11"/>
@@ -4521,8 +4521,17 @@
             <a:rPr lang="en-US" sz="1600" dirty="0">
               <a:latin typeface="+mj-lt"/>
             </a:rPr>
-            <a:t>to develop a real-time Fraud Product Review Detection application for products on Amazon.</a:t>
+            <a:t>to develop a real-time Fraud Product Review Detection application for products </a:t>
           </a:r>
+          <a:r>
+            <a:rPr lang="en-US" sz="1600" dirty="0" smtClean="0">
+              <a:latin typeface="+mj-lt"/>
+            </a:rPr>
+            <a:t>on e-commerce sites.</a:t>
+          </a:r>
+          <a:endParaRPr lang="en-US" sz="1600" dirty="0">
+            <a:latin typeface="+mj-lt"/>
+          </a:endParaRPr>
         </a:p>
       </dgm:t>
     </dgm:pt>
@@ -4692,6 +4701,13 @@
         </dgm:presLayoutVars>
       </dgm:prSet>
       <dgm:spPr/>
+      <dgm:t>
+        <a:bodyPr/>
+        <a:lstStyle/>
+        <a:p>
+          <a:endParaRPr lang="en-IN"/>
+        </a:p>
+      </dgm:t>
     </dgm:pt>
     <dgm:pt modelId="{9E7B5C84-016F-4FD2-8827-26F072A63976}" type="pres">
       <dgm:prSet presAssocID="{093BA9CB-7ADA-4D23-8142-A90433B5C734}" presName="compNode" presStyleCnt="0"/>
@@ -4711,7 +4727,7 @@
                 <a14:useLocalDpi xmlns:a14="http://schemas.microsoft.com/office/drawing/2010/main" val="0"/>
               </a:ext>
               <a:ext uri="{96DAC541-7B7A-43D3-8B79-37D633B846F1}">
-                <asvg:svgBlip xmlns:asvg="http://schemas.microsoft.com/office/drawing/2016/SVG/main" r:embed="rId2"/>
+                <asvg:svgBlip xmlns:asvg="http://schemas.microsoft.com/office/drawing/2016/SVG/main" xmlns="" r:embed="rId2"/>
               </a:ext>
             </a:extLst>
           </a:blip>
@@ -4723,6 +4739,13 @@
           <a:noFill/>
         </a:ln>
       </dgm:spPr>
+      <dgm:t>
+        <a:bodyPr/>
+        <a:lstStyle/>
+        <a:p>
+          <a:endParaRPr lang="en-IN"/>
+        </a:p>
+      </dgm:t>
       <dgm:extLst>
         <a:ext uri="{E40237B7-FDA0-4F09-8148-C483321AD2D9}">
           <dgm14:cNvPr xmlns:dgm14="http://schemas.microsoft.com/office/drawing/2010/diagram" id="0" name="" descr="Bug under Magnifying Glass"/>
@@ -4741,6 +4764,13 @@
         </dgm:presLayoutVars>
       </dgm:prSet>
       <dgm:spPr/>
+      <dgm:t>
+        <a:bodyPr/>
+        <a:lstStyle/>
+        <a:p>
+          <a:endParaRPr lang="en-IN"/>
+        </a:p>
+      </dgm:t>
     </dgm:pt>
     <dgm:pt modelId="{BDC0ADA9-A2D9-4748-8D55-0AA74F9F7538}" type="pres">
       <dgm:prSet presAssocID="{4389B6FC-21FC-4379-B0DE-6A1D653A8525}" presName="sibTrans" presStyleCnt="0"/>
@@ -4764,7 +4794,7 @@
                 <a14:useLocalDpi xmlns:a14="http://schemas.microsoft.com/office/drawing/2010/main" val="0"/>
               </a:ext>
               <a:ext uri="{96DAC541-7B7A-43D3-8B79-37D633B846F1}">
-                <asvg:svgBlip xmlns:asvg="http://schemas.microsoft.com/office/drawing/2016/SVG/main" r:embed="rId4"/>
+                <asvg:svgBlip xmlns:asvg="http://schemas.microsoft.com/office/drawing/2016/SVG/main" xmlns="" r:embed="rId4"/>
               </a:ext>
             </a:extLst>
           </a:blip>
@@ -4776,6 +4806,13 @@
           <a:noFill/>
         </a:ln>
       </dgm:spPr>
+      <dgm:t>
+        <a:bodyPr/>
+        <a:lstStyle/>
+        <a:p>
+          <a:endParaRPr lang="en-IN"/>
+        </a:p>
+      </dgm:t>
       <dgm:extLst>
         <a:ext uri="{E40237B7-FDA0-4F09-8148-C483321AD2D9}">
           <dgm14:cNvPr xmlns:dgm14="http://schemas.microsoft.com/office/drawing/2010/diagram" id="0" name="" descr="Head with Gears"/>
@@ -4794,6 +4831,13 @@
         </dgm:presLayoutVars>
       </dgm:prSet>
       <dgm:spPr/>
+      <dgm:t>
+        <a:bodyPr/>
+        <a:lstStyle/>
+        <a:p>
+          <a:endParaRPr lang="en-IN"/>
+        </a:p>
+      </dgm:t>
     </dgm:pt>
     <dgm:pt modelId="{C2552A43-62FE-4735-96D2-F6AC86E21268}" type="pres">
       <dgm:prSet presAssocID="{7D7F7B28-BB7A-4D2D-BBF0-EAAB63474533}" presName="sibTrans" presStyleCnt="0"/>
@@ -4817,7 +4861,7 @@
                 <a14:useLocalDpi xmlns:a14="http://schemas.microsoft.com/office/drawing/2010/main" val="0"/>
               </a:ext>
               <a:ext uri="{96DAC541-7B7A-43D3-8B79-37D633B846F1}">
-                <asvg:svgBlip xmlns:asvg="http://schemas.microsoft.com/office/drawing/2016/SVG/main" r:embed="rId6"/>
+                <asvg:svgBlip xmlns:asvg="http://schemas.microsoft.com/office/drawing/2016/SVG/main" xmlns="" r:embed="rId6"/>
               </a:ext>
             </a:extLst>
           </a:blip>
@@ -4829,6 +4873,13 @@
           <a:noFill/>
         </a:ln>
       </dgm:spPr>
+      <dgm:t>
+        <a:bodyPr/>
+        <a:lstStyle/>
+        <a:p>
+          <a:endParaRPr lang="en-IN"/>
+        </a:p>
+      </dgm:t>
       <dgm:extLst>
         <a:ext uri="{E40237B7-FDA0-4F09-8148-C483321AD2D9}">
           <dgm14:cNvPr xmlns:dgm14="http://schemas.microsoft.com/office/drawing/2010/diagram" id="0" name="" descr="Laptop"/>
@@ -4847,6 +4898,13 @@
         </dgm:presLayoutVars>
       </dgm:prSet>
       <dgm:spPr/>
+      <dgm:t>
+        <a:bodyPr/>
+        <a:lstStyle/>
+        <a:p>
+          <a:endParaRPr lang="en-IN"/>
+        </a:p>
+      </dgm:t>
     </dgm:pt>
     <dgm:pt modelId="{135F730A-4AD4-4900-AD0A-CD4E9658FA85}" type="pres">
       <dgm:prSet presAssocID="{31E1B7E1-C9F1-446E-BFC8-189161E22162}" presName="sibTrans" presStyleCnt="0"/>
@@ -4870,7 +4928,7 @@
                 <a14:useLocalDpi xmlns:a14="http://schemas.microsoft.com/office/drawing/2010/main" val="0"/>
               </a:ext>
               <a:ext uri="{96DAC541-7B7A-43D3-8B79-37D633B846F1}">
-                <asvg:svgBlip xmlns:asvg="http://schemas.microsoft.com/office/drawing/2016/SVG/main" r:embed="rId8"/>
+                <asvg:svgBlip xmlns:asvg="http://schemas.microsoft.com/office/drawing/2016/SVG/main" xmlns="" r:embed="rId8"/>
               </a:ext>
             </a:extLst>
           </a:blip>
@@ -4882,6 +4940,13 @@
           <a:noFill/>
         </a:ln>
       </dgm:spPr>
+      <dgm:t>
+        <a:bodyPr/>
+        <a:lstStyle/>
+        <a:p>
+          <a:endParaRPr lang="en-IN"/>
+        </a:p>
+      </dgm:t>
       <dgm:extLst>
         <a:ext uri="{E40237B7-FDA0-4F09-8148-C483321AD2D9}">
           <dgm14:cNvPr xmlns:dgm14="http://schemas.microsoft.com/office/drawing/2010/diagram" id="0" name="" descr="Statistics"/>
@@ -4900,18 +4965,25 @@
         </dgm:presLayoutVars>
       </dgm:prSet>
       <dgm:spPr/>
+      <dgm:t>
+        <a:bodyPr/>
+        <a:lstStyle/>
+        <a:p>
+          <a:endParaRPr lang="en-IN"/>
+        </a:p>
+      </dgm:t>
     </dgm:pt>
   </dgm:ptLst>
   <dgm:cxnLst>
+    <dgm:cxn modelId="{E8AA02CC-F03F-4764-BB75-65757C991FE7}" type="presOf" srcId="{90AEBEF4-0F9A-4C84-BE1B-3981300FE7B6}" destId="{A28257E5-C0E5-4347-B366-6CAAE6C1FA96}" srcOrd="0" destOrd="0" presId="urn:microsoft.com/office/officeart/2018/2/layout/IconVerticalSolidList"/>
+    <dgm:cxn modelId="{64149687-E782-4003-8B6F-769B98C879CF}" srcId="{FF4DE643-749D-4D03-B51E-E197617FC5CF}" destId="{093BA9CB-7ADA-4D23-8142-A90433B5C734}" srcOrd="0" destOrd="0" parTransId="{C7591A8C-972D-4A7C-9DD4-A0D9CA7C7346}" sibTransId="{4389B6FC-21FC-4379-B0DE-6A1D653A8525}"/>
+    <dgm:cxn modelId="{42EE3F45-C7CD-4870-848A-5A5D324689C3}" type="presOf" srcId="{9504B75A-4805-41E0-A9BB-19E1FF6789B8}" destId="{49EAAA9D-2708-43D5-8CD2-7B0BAA6F9223}" srcOrd="0" destOrd="0" presId="urn:microsoft.com/office/officeart/2018/2/layout/IconVerticalSolidList"/>
+    <dgm:cxn modelId="{79567E59-6BA3-4CB8-BA13-540F5F38F4A2}" type="presOf" srcId="{093BA9CB-7ADA-4D23-8142-A90433B5C734}" destId="{1CD585A5-794C-4B9A-9007-2C4CFEDAC759}" srcOrd="0" destOrd="0" presId="urn:microsoft.com/office/officeart/2018/2/layout/IconVerticalSolidList"/>
+    <dgm:cxn modelId="{AF03E74C-DEEC-41B2-94BA-F0D20EDD6D20}" type="presOf" srcId="{EC09DD4C-D5C9-4E6F-BDFF-9A6920246101}" destId="{EBBBC12E-53CE-48CB-A145-1521A35AD05A}" srcOrd="0" destOrd="0" presId="urn:microsoft.com/office/officeart/2018/2/layout/IconVerticalSolidList"/>
+    <dgm:cxn modelId="{0C9C7EBD-F4CC-49E4-95F4-54F8E65860D9}" srcId="{FF4DE643-749D-4D03-B51E-E197617FC5CF}" destId="{EC09DD4C-D5C9-4E6F-BDFF-9A6920246101}" srcOrd="3" destOrd="0" parTransId="{68DF10D0-365C-471C-9110-510120A3DAF0}" sibTransId="{3FE0D473-30FC-409E-B3B6-C77B26B4D9B0}"/>
+    <dgm:cxn modelId="{F3F97AEF-F7B6-46AD-A809-939E5C9B7EB0}" type="presOf" srcId="{FF4DE643-749D-4D03-B51E-E197617FC5CF}" destId="{AB587DA8-050A-44EA-8F60-D7F3585335AC}" srcOrd="0" destOrd="0" presId="urn:microsoft.com/office/officeart/2018/2/layout/IconVerticalSolidList"/>
     <dgm:cxn modelId="{5AB1A423-C323-4841-A261-4E3AD06EE62F}" srcId="{FF4DE643-749D-4D03-B51E-E197617FC5CF}" destId="{9504B75A-4805-41E0-A9BB-19E1FF6789B8}" srcOrd="1" destOrd="0" parTransId="{5044B46B-86A3-4499-9DF3-ED8E9C87D1A1}" sibTransId="{7D7F7B28-BB7A-4D2D-BBF0-EAAB63474533}"/>
-    <dgm:cxn modelId="{42EE3F45-C7CD-4870-848A-5A5D324689C3}" type="presOf" srcId="{9504B75A-4805-41E0-A9BB-19E1FF6789B8}" destId="{49EAAA9D-2708-43D5-8CD2-7B0BAA6F9223}" srcOrd="0" destOrd="0" presId="urn:microsoft.com/office/officeart/2018/2/layout/IconVerticalSolidList"/>
-    <dgm:cxn modelId="{AF03E74C-DEEC-41B2-94BA-F0D20EDD6D20}" type="presOf" srcId="{EC09DD4C-D5C9-4E6F-BDFF-9A6920246101}" destId="{EBBBC12E-53CE-48CB-A145-1521A35AD05A}" srcOrd="0" destOrd="0" presId="urn:microsoft.com/office/officeart/2018/2/layout/IconVerticalSolidList"/>
-    <dgm:cxn modelId="{79567E59-6BA3-4CB8-BA13-540F5F38F4A2}" type="presOf" srcId="{093BA9CB-7ADA-4D23-8142-A90433B5C734}" destId="{1CD585A5-794C-4B9A-9007-2C4CFEDAC759}" srcOrd="0" destOrd="0" presId="urn:microsoft.com/office/officeart/2018/2/layout/IconVerticalSolidList"/>
-    <dgm:cxn modelId="{64149687-E782-4003-8B6F-769B98C879CF}" srcId="{FF4DE643-749D-4D03-B51E-E197617FC5CF}" destId="{093BA9CB-7ADA-4D23-8142-A90433B5C734}" srcOrd="0" destOrd="0" parTransId="{C7591A8C-972D-4A7C-9DD4-A0D9CA7C7346}" sibTransId="{4389B6FC-21FC-4379-B0DE-6A1D653A8525}"/>
-    <dgm:cxn modelId="{0C9C7EBD-F4CC-49E4-95F4-54F8E65860D9}" srcId="{FF4DE643-749D-4D03-B51E-E197617FC5CF}" destId="{EC09DD4C-D5C9-4E6F-BDFF-9A6920246101}" srcOrd="3" destOrd="0" parTransId="{68DF10D0-365C-471C-9110-510120A3DAF0}" sibTransId="{3FE0D473-30FC-409E-B3B6-C77B26B4D9B0}"/>
-    <dgm:cxn modelId="{E8AA02CC-F03F-4764-BB75-65757C991FE7}" type="presOf" srcId="{90AEBEF4-0F9A-4C84-BE1B-3981300FE7B6}" destId="{A28257E5-C0E5-4347-B366-6CAAE6C1FA96}" srcOrd="0" destOrd="0" presId="urn:microsoft.com/office/officeart/2018/2/layout/IconVerticalSolidList"/>
     <dgm:cxn modelId="{E0E05FE1-4728-43ED-9A84-CFC91D2355B7}" srcId="{FF4DE643-749D-4D03-B51E-E197617FC5CF}" destId="{90AEBEF4-0F9A-4C84-BE1B-3981300FE7B6}" srcOrd="2" destOrd="0" parTransId="{C84E0CC8-48AE-4234-8578-3DD678DB3283}" sibTransId="{31E1B7E1-C9F1-446E-BFC8-189161E22162}"/>
-    <dgm:cxn modelId="{F3F97AEF-F7B6-46AD-A809-939E5C9B7EB0}" type="presOf" srcId="{FF4DE643-749D-4D03-B51E-E197617FC5CF}" destId="{AB587DA8-050A-44EA-8F60-D7F3585335AC}" srcOrd="0" destOrd="0" presId="urn:microsoft.com/office/officeart/2018/2/layout/IconVerticalSolidList"/>
     <dgm:cxn modelId="{02CF19B7-AEB6-4BDA-9DA1-B785F3221C56}" type="presParOf" srcId="{AB587DA8-050A-44EA-8F60-D7F3585335AC}" destId="{9E7B5C84-016F-4FD2-8827-26F072A63976}" srcOrd="0" destOrd="0" presId="urn:microsoft.com/office/officeart/2018/2/layout/IconVerticalSolidList"/>
     <dgm:cxn modelId="{05B3D79A-BB9B-41BF-AA43-E074634A8060}" type="presParOf" srcId="{9E7B5C84-016F-4FD2-8827-26F072A63976}" destId="{1CB33FB6-7919-4BC6-85D5-C5BAB6A19739}" srcOrd="0" destOrd="0" presId="urn:microsoft.com/office/officeart/2018/2/layout/IconVerticalSolidList"/>
     <dgm:cxn modelId="{3E4F34E9-FBD6-4C7E-BE64-4058CBA1B179}" type="presParOf" srcId="{9E7B5C84-016F-4FD2-8827-26F072A63976}" destId="{21BA6B43-6606-4C2B-B0A6-52BEAD727C69}" srcOrd="1" destOrd="0" presId="urn:microsoft.com/office/officeart/2018/2/layout/IconVerticalSolidList"/>
@@ -5076,6 +5148,13 @@
         </dgm:presLayoutVars>
       </dgm:prSet>
       <dgm:spPr/>
+      <dgm:t>
+        <a:bodyPr/>
+        <a:lstStyle/>
+        <a:p>
+          <a:endParaRPr lang="en-IN"/>
+        </a:p>
+      </dgm:t>
     </dgm:pt>
     <dgm:pt modelId="{3EFB95FC-FEFD-4132-8DFA-42F9440CD603}" type="pres">
       <dgm:prSet presAssocID="{03DE7D37-E49D-43B5-B114-DA03E7489BFD}" presName="compNode" presStyleCnt="0"/>
@@ -5089,13 +5168,13 @@
       <dgm:prSet presAssocID="{03DE7D37-E49D-43B5-B114-DA03E7489BFD}" presName="iconRect" presStyleLbl="node1" presStyleIdx="0" presStyleCnt="3"/>
       <dgm:spPr>
         <a:blipFill>
-          <a:blip xmlns:r="http://schemas.openxmlformats.org/officeDocument/2006/relationships" r:embed="rId1">
+          <a:blip xmlns:r="http://schemas.openxmlformats.org/officeDocument/2006/relationships" r:embed="rId1" cstate="print">
             <a:extLst>
               <a:ext uri="{28A0092B-C50C-407E-A947-70E740481C1C}">
                 <a14:useLocalDpi xmlns:a14="http://schemas.microsoft.com/office/drawing/2010/main" val="0"/>
               </a:ext>
               <a:ext uri="{96DAC541-7B7A-43D3-8B79-37D633B846F1}">
-                <asvg:svgBlip xmlns:asvg="http://schemas.microsoft.com/office/drawing/2016/SVG/main" r:embed="rId2"/>
+                <asvg:svgBlip xmlns:asvg="http://schemas.microsoft.com/office/drawing/2016/SVG/main" xmlns="" r:embed="rId2"/>
               </a:ext>
             </a:extLst>
           </a:blip>
@@ -5107,6 +5186,13 @@
           <a:noFill/>
         </a:ln>
       </dgm:spPr>
+      <dgm:t>
+        <a:bodyPr/>
+        <a:lstStyle/>
+        <a:p>
+          <a:endParaRPr lang="en-IN"/>
+        </a:p>
+      </dgm:t>
       <dgm:extLst>
         <a:ext uri="{E40237B7-FDA0-4F09-8148-C483321AD2D9}">
           <dgm14:cNvPr xmlns:dgm14="http://schemas.microsoft.com/office/drawing/2010/diagram" id="0" name="" descr="Shredder"/>
@@ -5125,6 +5211,13 @@
         </dgm:presLayoutVars>
       </dgm:prSet>
       <dgm:spPr/>
+      <dgm:t>
+        <a:bodyPr/>
+        <a:lstStyle/>
+        <a:p>
+          <a:endParaRPr lang="en-IN"/>
+        </a:p>
+      </dgm:t>
     </dgm:pt>
     <dgm:pt modelId="{4579E3E3-26B6-49A5-8204-3CCB9326ABF5}" type="pres">
       <dgm:prSet presAssocID="{4424AB9C-77F6-4705-8DB5-B09F3FA5DF5E}" presName="sibTrans" presStyleCnt="0"/>
@@ -5148,7 +5241,7 @@
                 <a14:useLocalDpi xmlns:a14="http://schemas.microsoft.com/office/drawing/2010/main" val="0"/>
               </a:ext>
               <a:ext uri="{96DAC541-7B7A-43D3-8B79-37D633B846F1}">
-                <asvg:svgBlip xmlns:asvg="http://schemas.microsoft.com/office/drawing/2016/SVG/main" r:embed="rId4"/>
+                <asvg:svgBlip xmlns:asvg="http://schemas.microsoft.com/office/drawing/2016/SVG/main" xmlns="" r:embed="rId4"/>
               </a:ext>
             </a:extLst>
           </a:blip>
@@ -5160,6 +5253,13 @@
           <a:noFill/>
         </a:ln>
       </dgm:spPr>
+      <dgm:t>
+        <a:bodyPr/>
+        <a:lstStyle/>
+        <a:p>
+          <a:endParaRPr lang="en-IN"/>
+        </a:p>
+      </dgm:t>
       <dgm:extLst>
         <a:ext uri="{E40237B7-FDA0-4F09-8148-C483321AD2D9}">
           <dgm14:cNvPr xmlns:dgm14="http://schemas.microsoft.com/office/drawing/2010/diagram" id="0" name="" descr="Flowchart"/>
@@ -5178,6 +5278,13 @@
         </dgm:presLayoutVars>
       </dgm:prSet>
       <dgm:spPr/>
+      <dgm:t>
+        <a:bodyPr/>
+        <a:lstStyle/>
+        <a:p>
+          <a:endParaRPr lang="en-IN"/>
+        </a:p>
+      </dgm:t>
     </dgm:pt>
     <dgm:pt modelId="{A9A05A97-EC5A-4C7C-B377-305FB34C4999}" type="pres">
       <dgm:prSet presAssocID="{C6ED3D17-38D9-4880-809D-2E12BC54AC8D}" presName="sibTrans" presStyleCnt="0"/>
@@ -5195,13 +5302,13 @@
       <dgm:prSet presAssocID="{96FAB298-2C2D-40E1-8E92-9E3C6130834B}" presName="iconRect" presStyleLbl="node1" presStyleIdx="2" presStyleCnt="3"/>
       <dgm:spPr>
         <a:blipFill>
-          <a:blip xmlns:r="http://schemas.openxmlformats.org/officeDocument/2006/relationships" r:embed="rId5">
+          <a:blip xmlns:r="http://schemas.openxmlformats.org/officeDocument/2006/relationships" r:embed="rId5" cstate="print">
             <a:extLst>
               <a:ext uri="{28A0092B-C50C-407E-A947-70E740481C1C}">
                 <a14:useLocalDpi xmlns:a14="http://schemas.microsoft.com/office/drawing/2010/main" val="0"/>
               </a:ext>
               <a:ext uri="{96DAC541-7B7A-43D3-8B79-37D633B846F1}">
-                <asvg:svgBlip xmlns:asvg="http://schemas.microsoft.com/office/drawing/2016/SVG/main" r:embed="rId6"/>
+                <asvg:svgBlip xmlns:asvg="http://schemas.microsoft.com/office/drawing/2016/SVG/main" xmlns="" r:embed="rId6"/>
               </a:ext>
             </a:extLst>
           </a:blip>
@@ -5213,6 +5320,13 @@
           <a:noFill/>
         </a:ln>
       </dgm:spPr>
+      <dgm:t>
+        <a:bodyPr/>
+        <a:lstStyle/>
+        <a:p>
+          <a:endParaRPr lang="en-IN"/>
+        </a:p>
+      </dgm:t>
       <dgm:extLst>
         <a:ext uri="{E40237B7-FDA0-4F09-8148-C483321AD2D9}">
           <dgm14:cNvPr xmlns:dgm14="http://schemas.microsoft.com/office/drawing/2010/diagram" id="0" name="" descr="Research"/>
@@ -5231,16 +5345,23 @@
         </dgm:presLayoutVars>
       </dgm:prSet>
       <dgm:spPr/>
+      <dgm:t>
+        <a:bodyPr/>
+        <a:lstStyle/>
+        <a:p>
+          <a:endParaRPr lang="en-IN"/>
+        </a:p>
+      </dgm:t>
     </dgm:pt>
   </dgm:ptLst>
   <dgm:cxnLst>
+    <dgm:cxn modelId="{D205DAFD-21DB-4D0C-B74E-2AA9523632D1}" srcId="{DC32334E-CBC1-40A6-8ED8-F009596EBD0D}" destId="{03DE7D37-E49D-43B5-B114-DA03E7489BFD}" srcOrd="0" destOrd="0" parTransId="{12DBE568-D469-4C82-B9D9-668B3FB90E97}" sibTransId="{4424AB9C-77F6-4705-8DB5-B09F3FA5DF5E}"/>
+    <dgm:cxn modelId="{47C2BA54-F097-417C-B817-140FE520EBC9}" srcId="{DC32334E-CBC1-40A6-8ED8-F009596EBD0D}" destId="{8EF39E5B-808D-4BCE-9561-014D883D547E}" srcOrd="1" destOrd="0" parTransId="{7B28B842-1A70-4845-B65F-A0CAE0C71B02}" sibTransId="{C6ED3D17-38D9-4880-809D-2E12BC54AC8D}"/>
     <dgm:cxn modelId="{E0B07906-9DA9-4570-9808-AD152CF8C9DD}" srcId="{DC32334E-CBC1-40A6-8ED8-F009596EBD0D}" destId="{96FAB298-2C2D-40E1-8E92-9E3C6130834B}" srcOrd="2" destOrd="0" parTransId="{2D594DA6-3B0C-4F17-AE0F-9D4C93AEE8DC}" sibTransId="{4721E279-88D0-4FD2-B134-C7D11E9F7282}"/>
+    <dgm:cxn modelId="{40DFDA7E-80C8-4691-A752-4C6500D1C91B}" type="presOf" srcId="{8EF39E5B-808D-4BCE-9561-014D883D547E}" destId="{79643C89-47EA-4FB6-BB78-74E1FF3D8673}" srcOrd="0" destOrd="0" presId="urn:microsoft.com/office/officeart/2018/2/layout/IconVerticalSolidList"/>
+    <dgm:cxn modelId="{989E24FD-83A9-424C-8650-A0B4A4F45A78}" type="presOf" srcId="{DC32334E-CBC1-40A6-8ED8-F009596EBD0D}" destId="{62F46E93-54F7-4EAC-A7E2-F44ED4496DF2}" srcOrd="0" destOrd="0" presId="urn:microsoft.com/office/officeart/2018/2/layout/IconVerticalSolidList"/>
+    <dgm:cxn modelId="{2586DBE3-3D5C-4355-BC56-995A6575DDF1}" type="presOf" srcId="{96FAB298-2C2D-40E1-8E92-9E3C6130834B}" destId="{B5E45194-47FD-4538-9EAB-EC90D9E21D0F}" srcOrd="0" destOrd="0" presId="urn:microsoft.com/office/officeart/2018/2/layout/IconVerticalSolidList"/>
     <dgm:cxn modelId="{F9A4A81E-CC6C-4AAC-9265-707D3B80CBD7}" type="presOf" srcId="{03DE7D37-E49D-43B5-B114-DA03E7489BFD}" destId="{F2815BFF-118D-42E9-B8B1-AE3130ED88C9}" srcOrd="0" destOrd="0" presId="urn:microsoft.com/office/officeart/2018/2/layout/IconVerticalSolidList"/>
-    <dgm:cxn modelId="{47C2BA54-F097-417C-B817-140FE520EBC9}" srcId="{DC32334E-CBC1-40A6-8ED8-F009596EBD0D}" destId="{8EF39E5B-808D-4BCE-9561-014D883D547E}" srcOrd="1" destOrd="0" parTransId="{7B28B842-1A70-4845-B65F-A0CAE0C71B02}" sibTransId="{C6ED3D17-38D9-4880-809D-2E12BC54AC8D}"/>
-    <dgm:cxn modelId="{40DFDA7E-80C8-4691-A752-4C6500D1C91B}" type="presOf" srcId="{8EF39E5B-808D-4BCE-9561-014D883D547E}" destId="{79643C89-47EA-4FB6-BB78-74E1FF3D8673}" srcOrd="0" destOrd="0" presId="urn:microsoft.com/office/officeart/2018/2/layout/IconVerticalSolidList"/>
-    <dgm:cxn modelId="{2586DBE3-3D5C-4355-BC56-995A6575DDF1}" type="presOf" srcId="{96FAB298-2C2D-40E1-8E92-9E3C6130834B}" destId="{B5E45194-47FD-4538-9EAB-EC90D9E21D0F}" srcOrd="0" destOrd="0" presId="urn:microsoft.com/office/officeart/2018/2/layout/IconVerticalSolidList"/>
-    <dgm:cxn modelId="{989E24FD-83A9-424C-8650-A0B4A4F45A78}" type="presOf" srcId="{DC32334E-CBC1-40A6-8ED8-F009596EBD0D}" destId="{62F46E93-54F7-4EAC-A7E2-F44ED4496DF2}" srcOrd="0" destOrd="0" presId="urn:microsoft.com/office/officeart/2018/2/layout/IconVerticalSolidList"/>
-    <dgm:cxn modelId="{D205DAFD-21DB-4D0C-B74E-2AA9523632D1}" srcId="{DC32334E-CBC1-40A6-8ED8-F009596EBD0D}" destId="{03DE7D37-E49D-43B5-B114-DA03E7489BFD}" srcOrd="0" destOrd="0" parTransId="{12DBE568-D469-4C82-B9D9-668B3FB90E97}" sibTransId="{4424AB9C-77F6-4705-8DB5-B09F3FA5DF5E}"/>
     <dgm:cxn modelId="{8D532496-7CBF-4966-ADD3-3FB4C81E5DBF}" type="presParOf" srcId="{62F46E93-54F7-4EAC-A7E2-F44ED4496DF2}" destId="{3EFB95FC-FEFD-4132-8DFA-42F9440CD603}" srcOrd="0" destOrd="0" presId="urn:microsoft.com/office/officeart/2018/2/layout/IconVerticalSolidList"/>
     <dgm:cxn modelId="{56D0389E-4CEA-46FF-A4D8-1AFC0E584F35}" type="presParOf" srcId="{3EFB95FC-FEFD-4132-8DFA-42F9440CD603}" destId="{B11FDEF8-B087-431F-B534-E4DF9CB511D2}" srcOrd="0" destOrd="0" presId="urn:microsoft.com/office/officeart/2018/2/layout/IconVerticalSolidList"/>
     <dgm:cxn modelId="{5071C975-5575-44F8-9803-3ADFD744BE66}" type="presParOf" srcId="{3EFB95FC-FEFD-4132-8DFA-42F9440CD603}" destId="{B68DF556-57E9-4816-B6F3-0D96357808D9}" srcOrd="1" destOrd="0" presId="urn:microsoft.com/office/officeart/2018/2/layout/IconVerticalSolidList"/>
@@ -5624,6 +5745,13 @@
         </dgm:presLayoutVars>
       </dgm:prSet>
       <dgm:spPr/>
+      <dgm:t>
+        <a:bodyPr/>
+        <a:lstStyle/>
+        <a:p>
+          <a:endParaRPr lang="en-IN"/>
+        </a:p>
+      </dgm:t>
     </dgm:pt>
     <dgm:pt modelId="{73A55798-F537-4430-B227-D38BB5067E58}" type="pres">
       <dgm:prSet presAssocID="{739C4AEE-42C1-4A3C-89D5-EC45F1BAAE3B}" presName="container" presStyleCnt="0">
@@ -5652,7 +5780,7 @@
                 <a14:useLocalDpi xmlns:a14="http://schemas.microsoft.com/office/drawing/2010/main" val="0"/>
               </a:ext>
               <a:ext uri="{96DAC541-7B7A-43D3-8B79-37D633B846F1}">
-                <asvg:svgBlip xmlns:asvg="http://schemas.microsoft.com/office/drawing/2016/SVG/main" r:embed="rId2"/>
+                <asvg:svgBlip xmlns:asvg="http://schemas.microsoft.com/office/drawing/2016/SVG/main" xmlns="" r:embed="rId2"/>
               </a:ext>
             </a:extLst>
           </a:blip>
@@ -5664,6 +5792,13 @@
           <a:noFill/>
         </a:ln>
       </dgm:spPr>
+      <dgm:t>
+        <a:bodyPr/>
+        <a:lstStyle/>
+        <a:p>
+          <a:endParaRPr lang="en-IN"/>
+        </a:p>
+      </dgm:t>
       <dgm:extLst>
         <a:ext uri="{E40237B7-FDA0-4F09-8148-C483321AD2D9}">
           <dgm14:cNvPr xmlns:dgm14="http://schemas.microsoft.com/office/drawing/2010/diagram" id="0" name="" descr="Checkmark"/>
@@ -5682,10 +5817,24 @@
         </dgm:presLayoutVars>
       </dgm:prSet>
       <dgm:spPr/>
+      <dgm:t>
+        <a:bodyPr/>
+        <a:lstStyle/>
+        <a:p>
+          <a:endParaRPr lang="en-IN"/>
+        </a:p>
+      </dgm:t>
     </dgm:pt>
     <dgm:pt modelId="{F90DC7B3-8034-4885-A750-14C42DE8B440}" type="pres">
       <dgm:prSet presAssocID="{367253AF-B314-48DA-8D91-288FCF6A2B99}" presName="sibTrans" presStyleLbl="sibTrans2D1" presStyleIdx="0" presStyleCnt="0"/>
       <dgm:spPr/>
+      <dgm:t>
+        <a:bodyPr/>
+        <a:lstStyle/>
+        <a:p>
+          <a:endParaRPr lang="en-IN"/>
+        </a:p>
+      </dgm:t>
     </dgm:pt>
     <dgm:pt modelId="{4E17A1B7-F915-4E28-A84A-D76A2F840DE3}" type="pres">
       <dgm:prSet presAssocID="{79DFE163-6C09-4A19-AD65-56DBE3EF4902}" presName="compNode" presStyleCnt="0"/>
@@ -5705,7 +5854,7 @@
                 <a14:useLocalDpi xmlns:a14="http://schemas.microsoft.com/office/drawing/2010/main" val="0"/>
               </a:ext>
               <a:ext uri="{96DAC541-7B7A-43D3-8B79-37D633B846F1}">
-                <asvg:svgBlip xmlns:asvg="http://schemas.microsoft.com/office/drawing/2016/SVG/main" r:embed="rId4"/>
+                <asvg:svgBlip xmlns:asvg="http://schemas.microsoft.com/office/drawing/2016/SVG/main" xmlns="" r:embed="rId4"/>
               </a:ext>
             </a:extLst>
           </a:blip>
@@ -5717,6 +5866,13 @@
           <a:noFill/>
         </a:ln>
       </dgm:spPr>
+      <dgm:t>
+        <a:bodyPr/>
+        <a:lstStyle/>
+        <a:p>
+          <a:endParaRPr lang="en-IN"/>
+        </a:p>
+      </dgm:t>
       <dgm:extLst>
         <a:ext uri="{E40237B7-FDA0-4F09-8148-C483321AD2D9}">
           <dgm14:cNvPr xmlns:dgm14="http://schemas.microsoft.com/office/drawing/2010/diagram" id="0" name="" descr="Database"/>
@@ -5735,10 +5891,24 @@
         </dgm:presLayoutVars>
       </dgm:prSet>
       <dgm:spPr/>
+      <dgm:t>
+        <a:bodyPr/>
+        <a:lstStyle/>
+        <a:p>
+          <a:endParaRPr lang="en-IN"/>
+        </a:p>
+      </dgm:t>
     </dgm:pt>
     <dgm:pt modelId="{85334E7B-2EBE-4C95-A111-FCC208CB7BA4}" type="pres">
       <dgm:prSet presAssocID="{47636A6D-62C5-4ABF-A84D-EC69D99FE051}" presName="sibTrans" presStyleLbl="sibTrans2D1" presStyleIdx="0" presStyleCnt="0"/>
       <dgm:spPr/>
+      <dgm:t>
+        <a:bodyPr/>
+        <a:lstStyle/>
+        <a:p>
+          <a:endParaRPr lang="en-IN"/>
+        </a:p>
+      </dgm:t>
     </dgm:pt>
     <dgm:pt modelId="{C2685925-7A33-404C-AC39-9EB768C4E5DA}" type="pres">
       <dgm:prSet presAssocID="{57E0EFD0-4451-403F-AEA8-ACCF6F6548BF}" presName="compNode" presStyleCnt="0"/>
@@ -5758,7 +5928,7 @@
                 <a14:useLocalDpi xmlns:a14="http://schemas.microsoft.com/office/drawing/2010/main" val="0"/>
               </a:ext>
               <a:ext uri="{96DAC541-7B7A-43D3-8B79-37D633B846F1}">
-                <asvg:svgBlip xmlns:asvg="http://schemas.microsoft.com/office/drawing/2016/SVG/main" r:embed="rId6"/>
+                <asvg:svgBlip xmlns:asvg="http://schemas.microsoft.com/office/drawing/2016/SVG/main" xmlns="" r:embed="rId6"/>
               </a:ext>
             </a:extLst>
           </a:blip>
@@ -5770,6 +5940,13 @@
           <a:noFill/>
         </a:ln>
       </dgm:spPr>
+      <dgm:t>
+        <a:bodyPr/>
+        <a:lstStyle/>
+        <a:p>
+          <a:endParaRPr lang="en-IN"/>
+        </a:p>
+      </dgm:t>
       <dgm:extLst>
         <a:ext uri="{E40237B7-FDA0-4F09-8148-C483321AD2D9}">
           <dgm14:cNvPr xmlns:dgm14="http://schemas.microsoft.com/office/drawing/2010/diagram" id="0" name="" descr="Processor"/>
@@ -5788,10 +5965,24 @@
         </dgm:presLayoutVars>
       </dgm:prSet>
       <dgm:spPr/>
+      <dgm:t>
+        <a:bodyPr/>
+        <a:lstStyle/>
+        <a:p>
+          <a:endParaRPr lang="en-IN"/>
+        </a:p>
+      </dgm:t>
     </dgm:pt>
     <dgm:pt modelId="{54D03BD6-AE5E-4526-A714-5BF9B2DCAFB2}" type="pres">
       <dgm:prSet presAssocID="{773FD345-5581-4A82-8970-B1AA47172748}" presName="sibTrans" presStyleLbl="sibTrans2D1" presStyleIdx="0" presStyleCnt="0"/>
       <dgm:spPr/>
+      <dgm:t>
+        <a:bodyPr/>
+        <a:lstStyle/>
+        <a:p>
+          <a:endParaRPr lang="en-IN"/>
+        </a:p>
+      </dgm:t>
     </dgm:pt>
     <dgm:pt modelId="{8DF7520E-A745-4994-A1B0-860988B68007}" type="pres">
       <dgm:prSet presAssocID="{C5465D3D-76C7-4042-960B-1E8D38257FA9}" presName="compNode" presStyleCnt="0"/>
@@ -5811,7 +6002,7 @@
                 <a14:useLocalDpi xmlns:a14="http://schemas.microsoft.com/office/drawing/2010/main" val="0"/>
               </a:ext>
               <a:ext uri="{96DAC541-7B7A-43D3-8B79-37D633B846F1}">
-                <asvg:svgBlip xmlns:asvg="http://schemas.microsoft.com/office/drawing/2016/SVG/main" r:embed="rId8"/>
+                <asvg:svgBlip xmlns:asvg="http://schemas.microsoft.com/office/drawing/2016/SVG/main" xmlns="" r:embed="rId8"/>
               </a:ext>
             </a:extLst>
           </a:blip>
@@ -5823,6 +6014,13 @@
           <a:noFill/>
         </a:ln>
       </dgm:spPr>
+      <dgm:t>
+        <a:bodyPr/>
+        <a:lstStyle/>
+        <a:p>
+          <a:endParaRPr lang="en-IN"/>
+        </a:p>
+      </dgm:t>
       <dgm:extLst>
         <a:ext uri="{E40237B7-FDA0-4F09-8148-C483321AD2D9}">
           <dgm14:cNvPr xmlns:dgm14="http://schemas.microsoft.com/office/drawing/2010/diagram" id="0" name="" descr="Users"/>
@@ -5841,10 +6039,24 @@
         </dgm:presLayoutVars>
       </dgm:prSet>
       <dgm:spPr/>
+      <dgm:t>
+        <a:bodyPr/>
+        <a:lstStyle/>
+        <a:p>
+          <a:endParaRPr lang="en-IN"/>
+        </a:p>
+      </dgm:t>
     </dgm:pt>
     <dgm:pt modelId="{F97A7784-A3F5-4FCE-9FF4-65C5C5772707}" type="pres">
       <dgm:prSet presAssocID="{0A97F7E6-BCF2-4732-A8B2-654FA8BA662D}" presName="sibTrans" presStyleLbl="sibTrans2D1" presStyleIdx="0" presStyleCnt="0"/>
       <dgm:spPr/>
+      <dgm:t>
+        <a:bodyPr/>
+        <a:lstStyle/>
+        <a:p>
+          <a:endParaRPr lang="en-IN"/>
+        </a:p>
+      </dgm:t>
     </dgm:pt>
     <dgm:pt modelId="{6FBA19FF-00EA-4C66-BCF5-9CEF91E83FCF}" type="pres">
       <dgm:prSet presAssocID="{D373F292-A793-4797-91E5-95FB341A70EB}" presName="compNode" presStyleCnt="0"/>
@@ -5864,7 +6076,7 @@
                 <a14:useLocalDpi xmlns:a14="http://schemas.microsoft.com/office/drawing/2010/main" val="0"/>
               </a:ext>
               <a:ext uri="{96DAC541-7B7A-43D3-8B79-37D633B846F1}">
-                <asvg:svgBlip xmlns:asvg="http://schemas.microsoft.com/office/drawing/2016/SVG/main" r:embed="rId10"/>
+                <asvg:svgBlip xmlns:asvg="http://schemas.microsoft.com/office/drawing/2016/SVG/main" xmlns="" r:embed="rId10"/>
               </a:ext>
             </a:extLst>
           </a:blip>
@@ -5876,6 +6088,13 @@
           <a:noFill/>
         </a:ln>
       </dgm:spPr>
+      <dgm:t>
+        <a:bodyPr/>
+        <a:lstStyle/>
+        <a:p>
+          <a:endParaRPr lang="en-IN"/>
+        </a:p>
+      </dgm:t>
       <dgm:extLst>
         <a:ext uri="{E40237B7-FDA0-4F09-8148-C483321AD2D9}">
           <dgm14:cNvPr xmlns:dgm14="http://schemas.microsoft.com/office/drawing/2010/diagram" id="0" name="" descr="Smart Phone"/>
@@ -5894,10 +6113,24 @@
         </dgm:presLayoutVars>
       </dgm:prSet>
       <dgm:spPr/>
+      <dgm:t>
+        <a:bodyPr/>
+        <a:lstStyle/>
+        <a:p>
+          <a:endParaRPr lang="en-IN"/>
+        </a:p>
+      </dgm:t>
     </dgm:pt>
     <dgm:pt modelId="{985227D5-F656-4931-B396-85707ADDF0E0}" type="pres">
       <dgm:prSet presAssocID="{F6740277-643A-4F73-B200-BEDFC620621A}" presName="sibTrans" presStyleLbl="sibTrans2D1" presStyleIdx="0" presStyleCnt="0"/>
       <dgm:spPr/>
+      <dgm:t>
+        <a:bodyPr/>
+        <a:lstStyle/>
+        <a:p>
+          <a:endParaRPr lang="en-IN"/>
+        </a:p>
+      </dgm:t>
     </dgm:pt>
     <dgm:pt modelId="{B1AF7F11-7D48-498B-82F4-26F2E39881F3}" type="pres">
       <dgm:prSet presAssocID="{C9EAFF29-5A35-4345-998C-824ECE498E9F}" presName="compNode" presStyleCnt="0"/>
@@ -5917,7 +6150,7 @@
                 <a14:useLocalDpi xmlns:a14="http://schemas.microsoft.com/office/drawing/2010/main" val="0"/>
               </a:ext>
               <a:ext uri="{96DAC541-7B7A-43D3-8B79-37D633B846F1}">
-                <asvg:svgBlip xmlns:asvg="http://schemas.microsoft.com/office/drawing/2016/SVG/main" r:embed="rId12"/>
+                <asvg:svgBlip xmlns:asvg="http://schemas.microsoft.com/office/drawing/2016/SVG/main" xmlns="" r:embed="rId12"/>
               </a:ext>
             </a:extLst>
           </a:blip>
@@ -5929,6 +6162,13 @@
           <a:noFill/>
         </a:ln>
       </dgm:spPr>
+      <dgm:t>
+        <a:bodyPr/>
+        <a:lstStyle/>
+        <a:p>
+          <a:endParaRPr lang="en-IN"/>
+        </a:p>
+      </dgm:t>
       <dgm:extLst>
         <a:ext uri="{E40237B7-FDA0-4F09-8148-C483321AD2D9}">
           <dgm14:cNvPr xmlns:dgm14="http://schemas.microsoft.com/office/drawing/2010/diagram" id="0" name="" descr="Network"/>
@@ -5947,10 +6187,24 @@
         </dgm:presLayoutVars>
       </dgm:prSet>
       <dgm:spPr/>
+      <dgm:t>
+        <a:bodyPr/>
+        <a:lstStyle/>
+        <a:p>
+          <a:endParaRPr lang="en-IN"/>
+        </a:p>
+      </dgm:t>
     </dgm:pt>
     <dgm:pt modelId="{8E8AA199-6B67-4D62-B720-A4A28B2F5E5B}" type="pres">
       <dgm:prSet presAssocID="{36FD7EEA-A522-435D-818D-9660126F979D}" presName="sibTrans" presStyleLbl="sibTrans2D1" presStyleIdx="0" presStyleCnt="0"/>
       <dgm:spPr/>
+      <dgm:t>
+        <a:bodyPr/>
+        <a:lstStyle/>
+        <a:p>
+          <a:endParaRPr lang="en-IN"/>
+        </a:p>
+      </dgm:t>
     </dgm:pt>
     <dgm:pt modelId="{7DFEFBFA-F68F-4653-9C2B-FF24AE1E0E38}" type="pres">
       <dgm:prSet presAssocID="{53213CC1-4D3A-449A-953A-70E7283B00DA}" presName="compNode" presStyleCnt="0"/>
@@ -5970,7 +6224,7 @@
                 <a14:useLocalDpi xmlns:a14="http://schemas.microsoft.com/office/drawing/2010/main" val="0"/>
               </a:ext>
               <a:ext uri="{96DAC541-7B7A-43D3-8B79-37D633B846F1}">
-                <asvg:svgBlip xmlns:asvg="http://schemas.microsoft.com/office/drawing/2016/SVG/main" r:embed="rId14"/>
+                <asvg:svgBlip xmlns:asvg="http://schemas.microsoft.com/office/drawing/2016/SVG/main" xmlns="" r:embed="rId14"/>
               </a:ext>
             </a:extLst>
           </a:blip>
@@ -5982,6 +6236,13 @@
           <a:noFill/>
         </a:ln>
       </dgm:spPr>
+      <dgm:t>
+        <a:bodyPr/>
+        <a:lstStyle/>
+        <a:p>
+          <a:endParaRPr lang="en-IN"/>
+        </a:p>
+      </dgm:t>
       <dgm:extLst>
         <a:ext uri="{E40237B7-FDA0-4F09-8148-C483321AD2D9}">
           <dgm14:cNvPr xmlns:dgm14="http://schemas.microsoft.com/office/drawing/2010/diagram" id="0" name="" descr="Check List"/>
@@ -6000,10 +6261,24 @@
         </dgm:presLayoutVars>
       </dgm:prSet>
       <dgm:spPr/>
+      <dgm:t>
+        <a:bodyPr/>
+        <a:lstStyle/>
+        <a:p>
+          <a:endParaRPr lang="en-IN"/>
+        </a:p>
+      </dgm:t>
     </dgm:pt>
     <dgm:pt modelId="{B1686EB1-7BA1-4393-A4F4-A4B626841DA4}" type="pres">
       <dgm:prSet presAssocID="{90110789-7F16-4F72-B5F1-BE4D6C615575}" presName="sibTrans" presStyleLbl="sibTrans2D1" presStyleIdx="0" presStyleCnt="0"/>
       <dgm:spPr/>
+      <dgm:t>
+        <a:bodyPr/>
+        <a:lstStyle/>
+        <a:p>
+          <a:endParaRPr lang="en-IN"/>
+        </a:p>
+      </dgm:t>
     </dgm:pt>
     <dgm:pt modelId="{006813F8-57F1-45BA-A7EF-38927758F882}" type="pres">
       <dgm:prSet presAssocID="{1F6009A1-F024-4291-B775-507F891C9FA1}" presName="compNode" presStyleCnt="0"/>
@@ -6023,7 +6298,7 @@
                 <a14:useLocalDpi xmlns:a14="http://schemas.microsoft.com/office/drawing/2010/main" val="0"/>
               </a:ext>
               <a:ext uri="{96DAC541-7B7A-43D3-8B79-37D633B846F1}">
-                <asvg:svgBlip xmlns:asvg="http://schemas.microsoft.com/office/drawing/2016/SVG/main" r:embed="rId16"/>
+                <asvg:svgBlip xmlns:asvg="http://schemas.microsoft.com/office/drawing/2016/SVG/main" xmlns="" r:embed="rId16"/>
               </a:ext>
             </a:extLst>
           </a:blip>
@@ -6036,6 +6311,13 @@
           <a:noFill/>
         </a:ln>
       </dgm:spPr>
+      <dgm:t>
+        <a:bodyPr/>
+        <a:lstStyle/>
+        <a:p>
+          <a:endParaRPr lang="en-IN"/>
+        </a:p>
+      </dgm:t>
       <dgm:extLst>
         <a:ext uri="{E40237B7-FDA0-4F09-8148-C483321AD2D9}">
           <dgm14:cNvPr xmlns:dgm14="http://schemas.microsoft.com/office/drawing/2010/diagram" id="0" name="" descr="Ui Ux outline"/>
@@ -6054,10 +6336,24 @@
         </dgm:presLayoutVars>
       </dgm:prSet>
       <dgm:spPr/>
+      <dgm:t>
+        <a:bodyPr/>
+        <a:lstStyle/>
+        <a:p>
+          <a:endParaRPr lang="en-IN"/>
+        </a:p>
+      </dgm:t>
     </dgm:pt>
     <dgm:pt modelId="{B6D7654F-AEAA-4C18-84AE-EC04761C3C79}" type="pres">
       <dgm:prSet presAssocID="{D6B7A44C-83D2-4A95-B43D-3A934270FAA6}" presName="sibTrans" presStyleLbl="sibTrans2D1" presStyleIdx="0" presStyleCnt="0"/>
       <dgm:spPr/>
+      <dgm:t>
+        <a:bodyPr/>
+        <a:lstStyle/>
+        <a:p>
+          <a:endParaRPr lang="en-IN"/>
+        </a:p>
+      </dgm:t>
     </dgm:pt>
     <dgm:pt modelId="{81E2D595-8F57-407B-ACFA-F08687E334C0}" type="pres">
       <dgm:prSet presAssocID="{5E341883-79BB-4CBB-9CCE-1D0D843907B5}" presName="compNode" presStyleCnt="0"/>
@@ -6087,6 +6383,13 @@
           <a:noFill/>
         </a:ln>
       </dgm:spPr>
+      <dgm:t>
+        <a:bodyPr/>
+        <a:lstStyle/>
+        <a:p>
+          <a:endParaRPr lang="en-IN"/>
+        </a:p>
+      </dgm:t>
     </dgm:pt>
     <dgm:pt modelId="{7A26E3EB-5E6D-4600-A3C8-3F41EC2FBA99}" type="pres">
       <dgm:prSet presAssocID="{5E341883-79BB-4CBB-9CCE-1D0D843907B5}" presName="spaceRect" presStyleCnt="0"/>
@@ -6100,36 +6403,43 @@
         </dgm:presLayoutVars>
       </dgm:prSet>
       <dgm:spPr/>
+      <dgm:t>
+        <a:bodyPr/>
+        <a:lstStyle/>
+        <a:p>
+          <a:endParaRPr lang="en-IN"/>
+        </a:p>
+      </dgm:t>
     </dgm:pt>
   </dgm:ptLst>
   <dgm:cxnLst>
-    <dgm:cxn modelId="{4D3D9908-EB11-4151-81FF-669664D5F430}" type="presOf" srcId="{D373F292-A793-4797-91E5-95FB341A70EB}" destId="{782564E3-605E-4539-9EC3-E91A36D2C7CD}" srcOrd="0" destOrd="0" presId="urn:microsoft.com/office/officeart/2018/2/layout/IconCircleList"/>
     <dgm:cxn modelId="{6AB13112-98F5-49E9-8386-1DE485DC6B6C}" srcId="{739C4AEE-42C1-4A3C-89D5-EC45F1BAAE3B}" destId="{C9EAFF29-5A35-4345-998C-824ECE498E9F}" srcOrd="5" destOrd="0" parTransId="{CBC455C5-B3ED-4E14-80D5-338B4AAC2E6F}" sibTransId="{36FD7EEA-A522-435D-818D-9660126F979D}"/>
+    <dgm:cxn modelId="{D9952E23-8527-4A5B-80C8-D8FA2E3CDB53}" type="presOf" srcId="{90110789-7F16-4F72-B5F1-BE4D6C615575}" destId="{B1686EB1-7BA1-4393-A4F4-A4B626841DA4}" srcOrd="0" destOrd="0" presId="urn:microsoft.com/office/officeart/2018/2/layout/IconCircleList"/>
+    <dgm:cxn modelId="{9261897B-58EA-468D-A0AA-DFD771011744}" type="presOf" srcId="{1F6009A1-F024-4291-B775-507F891C9FA1}" destId="{54F2C9F4-07FD-4C95-AB1D-16EFEC2162E9}" srcOrd="0" destOrd="0" presId="urn:microsoft.com/office/officeart/2018/2/layout/IconCircleList"/>
+    <dgm:cxn modelId="{28327C49-DED1-4C56-8494-4540FDF22CD4}" type="presOf" srcId="{F6740277-643A-4F73-B200-BEDFC620621A}" destId="{985227D5-F656-4931-B396-85707ADDF0E0}" srcOrd="0" destOrd="0" presId="urn:microsoft.com/office/officeart/2018/2/layout/IconCircleList"/>
+    <dgm:cxn modelId="{67EECD43-A3B7-4329-BB67-2CBB45375E52}" type="presOf" srcId="{C5465D3D-76C7-4042-960B-1E8D38257FA9}" destId="{6C3E49EE-6025-4AB2-8C22-D8ED5A411B9A}" srcOrd="0" destOrd="0" presId="urn:microsoft.com/office/officeart/2018/2/layout/IconCircleList"/>
+    <dgm:cxn modelId="{5987D878-A95D-4188-8669-FE4B1A931AA7}" type="presOf" srcId="{C9EAFF29-5A35-4345-998C-824ECE498E9F}" destId="{A8878888-D68D-49E9-94AB-54CE663CDC54}" srcOrd="0" destOrd="0" presId="urn:microsoft.com/office/officeart/2018/2/layout/IconCircleList"/>
+    <dgm:cxn modelId="{5D4C5895-6B23-4C0A-AD79-8A8C49E90C35}" type="presOf" srcId="{43CA7793-A4F8-4951-92BC-DC3C5D9FDDB4}" destId="{C7521DED-D2FC-4820-932E-DEBD474E31CA}" srcOrd="0" destOrd="0" presId="urn:microsoft.com/office/officeart/2018/2/layout/IconCircleList"/>
+    <dgm:cxn modelId="{B9AB405B-9977-4428-9852-DDB3705CDE48}" type="presOf" srcId="{47636A6D-62C5-4ABF-A84D-EC69D99FE051}" destId="{85334E7B-2EBE-4C95-A111-FCC208CB7BA4}" srcOrd="0" destOrd="0" presId="urn:microsoft.com/office/officeart/2018/2/layout/IconCircleList"/>
     <dgm:cxn modelId="{0308021D-28A5-4930-B677-8B6E4C0447A1}" type="presOf" srcId="{5E341883-79BB-4CBB-9CCE-1D0D843907B5}" destId="{99B60C40-F8F2-4788-B1C3-CAECB5DBA365}" srcOrd="0" destOrd="0" presId="urn:microsoft.com/office/officeart/2018/2/layout/IconCircleList"/>
-    <dgm:cxn modelId="{D9952E23-8527-4A5B-80C8-D8FA2E3CDB53}" type="presOf" srcId="{90110789-7F16-4F72-B5F1-BE4D6C615575}" destId="{B1686EB1-7BA1-4393-A4F4-A4B626841DA4}" srcOrd="0" destOrd="0" presId="urn:microsoft.com/office/officeart/2018/2/layout/IconCircleList"/>
-    <dgm:cxn modelId="{C6FA322E-49F8-4845-A83E-AF121FB9E921}" srcId="{739C4AEE-42C1-4A3C-89D5-EC45F1BAAE3B}" destId="{57E0EFD0-4451-403F-AEA8-ACCF6F6548BF}" srcOrd="2" destOrd="0" parTransId="{F16B9B7B-6977-471A-B67A-B2CAB86828CA}" sibTransId="{773FD345-5581-4A82-8970-B1AA47172748}"/>
-    <dgm:cxn modelId="{B9AB405B-9977-4428-9852-DDB3705CDE48}" type="presOf" srcId="{47636A6D-62C5-4ABF-A84D-EC69D99FE051}" destId="{85334E7B-2EBE-4C95-A111-FCC208CB7BA4}" srcOrd="0" destOrd="0" presId="urn:microsoft.com/office/officeart/2018/2/layout/IconCircleList"/>
-    <dgm:cxn modelId="{3C113861-11C7-4510-A88E-B06C10D0A6A9}" srcId="{739C4AEE-42C1-4A3C-89D5-EC45F1BAAE3B}" destId="{D373F292-A793-4797-91E5-95FB341A70EB}" srcOrd="4" destOrd="0" parTransId="{1CB1A96F-FBFC-4431-B91E-59DEB137D5EC}" sibTransId="{F6740277-643A-4F73-B200-BEDFC620621A}"/>
-    <dgm:cxn modelId="{67EECD43-A3B7-4329-BB67-2CBB45375E52}" type="presOf" srcId="{C5465D3D-76C7-4042-960B-1E8D38257FA9}" destId="{6C3E49EE-6025-4AB2-8C22-D8ED5A411B9A}" srcOrd="0" destOrd="0" presId="urn:microsoft.com/office/officeart/2018/2/layout/IconCircleList"/>
-    <dgm:cxn modelId="{B5602864-3547-48CB-8CAF-6986CB573C2D}" type="presOf" srcId="{D6B7A44C-83D2-4A95-B43D-3A934270FAA6}" destId="{B6D7654F-AEAA-4C18-84AE-EC04761C3C79}" srcOrd="0" destOrd="0" presId="urn:microsoft.com/office/officeart/2018/2/layout/IconCircleList"/>
-    <dgm:cxn modelId="{D9D9C465-3D2C-4F05-92B2-CFD2E2568AA1}" type="presOf" srcId="{773FD345-5581-4A82-8970-B1AA47172748}" destId="{54D03BD6-AE5E-4526-A714-5BF9B2DCAFB2}" srcOrd="0" destOrd="0" presId="urn:microsoft.com/office/officeart/2018/2/layout/IconCircleList"/>
-    <dgm:cxn modelId="{1D4DE768-DDE9-4D07-A034-A2D6B3B0FA00}" srcId="{739C4AEE-42C1-4A3C-89D5-EC45F1BAAE3B}" destId="{43CA7793-A4F8-4951-92BC-DC3C5D9FDDB4}" srcOrd="0" destOrd="0" parTransId="{7F5588B2-201C-4AEB-82E1-E1B3F28A6193}" sibTransId="{367253AF-B314-48DA-8D91-288FCF6A2B99}"/>
-    <dgm:cxn modelId="{28327C49-DED1-4C56-8494-4540FDF22CD4}" type="presOf" srcId="{F6740277-643A-4F73-B200-BEDFC620621A}" destId="{985227D5-F656-4931-B396-85707ADDF0E0}" srcOrd="0" destOrd="0" presId="urn:microsoft.com/office/officeart/2018/2/layout/IconCircleList"/>
+    <dgm:cxn modelId="{32421DE8-D211-4944-AC06-BF8506A7D253}" srcId="{739C4AEE-42C1-4A3C-89D5-EC45F1BAAE3B}" destId="{5E341883-79BB-4CBB-9CCE-1D0D843907B5}" srcOrd="8" destOrd="0" parTransId="{8DE9D8CD-AC9A-498D-A177-8D3485DCC905}" sibTransId="{E96C1386-0FEB-4CF6-A64F-CFB217EA46AF}"/>
     <dgm:cxn modelId="{1C11EE6B-09D2-4BF6-B353-C414243BF631}" srcId="{739C4AEE-42C1-4A3C-89D5-EC45F1BAAE3B}" destId="{53213CC1-4D3A-449A-953A-70E7283B00DA}" srcOrd="6" destOrd="0" parTransId="{1A94C4D3-5334-48B2-BA43-E7FE269CA442}" sibTransId="{90110789-7F16-4F72-B5F1-BE4D6C615575}"/>
-    <dgm:cxn modelId="{7AB07270-D0CC-4995-AAAD-3BDF3274C21E}" srcId="{739C4AEE-42C1-4A3C-89D5-EC45F1BAAE3B}" destId="{C5465D3D-76C7-4042-960B-1E8D38257FA9}" srcOrd="3" destOrd="0" parTransId="{2EE5A798-641A-4581-9D35-C80E25B20E8D}" sibTransId="{0A97F7E6-BCF2-4732-A8B2-654FA8BA662D}"/>
-    <dgm:cxn modelId="{10880A75-DA59-4210-8C66-A173BBD14577}" type="presOf" srcId="{57E0EFD0-4451-403F-AEA8-ACCF6F6548BF}" destId="{52706368-3363-416C-B6BC-D54225D4598E}" srcOrd="0" destOrd="0" presId="urn:microsoft.com/office/officeart/2018/2/layout/IconCircleList"/>
-    <dgm:cxn modelId="{5987D878-A95D-4188-8669-FE4B1A931AA7}" type="presOf" srcId="{C9EAFF29-5A35-4345-998C-824ECE498E9F}" destId="{A8878888-D68D-49E9-94AB-54CE663CDC54}" srcOrd="0" destOrd="0" presId="urn:microsoft.com/office/officeart/2018/2/layout/IconCircleList"/>
-    <dgm:cxn modelId="{9261897B-58EA-468D-A0AA-DFD771011744}" type="presOf" srcId="{1F6009A1-F024-4291-B775-507F891C9FA1}" destId="{54F2C9F4-07FD-4C95-AB1D-16EFEC2162E9}" srcOrd="0" destOrd="0" presId="urn:microsoft.com/office/officeart/2018/2/layout/IconCircleList"/>
     <dgm:cxn modelId="{0E6A2D89-72E5-4C3D-A841-B1FA00DE2E07}" type="presOf" srcId="{36FD7EEA-A522-435D-818D-9660126F979D}" destId="{8E8AA199-6B67-4D62-B720-A4A28B2F5E5B}" srcOrd="0" destOrd="0" presId="urn:microsoft.com/office/officeart/2018/2/layout/IconCircleList"/>
     <dgm:cxn modelId="{675E218A-C132-493E-A7F1-6C8352C6D08B}" srcId="{739C4AEE-42C1-4A3C-89D5-EC45F1BAAE3B}" destId="{79DFE163-6C09-4A19-AD65-56DBE3EF4902}" srcOrd="1" destOrd="0" parTransId="{DD5B9B32-8C2C-474B-8585-E3D538E6954A}" sibTransId="{47636A6D-62C5-4ABF-A84D-EC69D99FE051}"/>
+    <dgm:cxn modelId="{4D3D9908-EB11-4151-81FF-669664D5F430}" type="presOf" srcId="{D373F292-A793-4797-91E5-95FB341A70EB}" destId="{782564E3-605E-4539-9EC3-E91A36D2C7CD}" srcOrd="0" destOrd="0" presId="urn:microsoft.com/office/officeart/2018/2/layout/IconCircleList"/>
+    <dgm:cxn modelId="{7AB07270-D0CC-4995-AAAD-3BDF3274C21E}" srcId="{739C4AEE-42C1-4A3C-89D5-EC45F1BAAE3B}" destId="{C5465D3D-76C7-4042-960B-1E8D38257FA9}" srcOrd="3" destOrd="0" parTransId="{2EE5A798-641A-4581-9D35-C80E25B20E8D}" sibTransId="{0A97F7E6-BCF2-4732-A8B2-654FA8BA662D}"/>
+    <dgm:cxn modelId="{2FF3D8FA-FADD-4F9E-8E0F-1D2566C18B1B}" type="presOf" srcId="{0A97F7E6-BCF2-4732-A8B2-654FA8BA662D}" destId="{F97A7784-A3F5-4FCE-9FF4-65C5C5772707}" srcOrd="0" destOrd="0" presId="urn:microsoft.com/office/officeart/2018/2/layout/IconCircleList"/>
+    <dgm:cxn modelId="{59E695B6-0B1D-450B-B2DA-EE39D496720D}" type="presOf" srcId="{53213CC1-4D3A-449A-953A-70E7283B00DA}" destId="{13EC5472-8146-4CA2-8F5C-71A823F21438}" srcOrd="0" destOrd="0" presId="urn:microsoft.com/office/officeart/2018/2/layout/IconCircleList"/>
+    <dgm:cxn modelId="{D9D9C465-3D2C-4F05-92B2-CFD2E2568AA1}" type="presOf" srcId="{773FD345-5581-4A82-8970-B1AA47172748}" destId="{54D03BD6-AE5E-4526-A714-5BF9B2DCAFB2}" srcOrd="0" destOrd="0" presId="urn:microsoft.com/office/officeart/2018/2/layout/IconCircleList"/>
+    <dgm:cxn modelId="{54E7DEB0-E5EC-4214-A970-4E7DBD7C1B1B}" type="presOf" srcId="{739C4AEE-42C1-4A3C-89D5-EC45F1BAAE3B}" destId="{4C7CB805-D7C8-4133-86E8-63E8FDEED44A}" srcOrd="0" destOrd="0" presId="urn:microsoft.com/office/officeart/2018/2/layout/IconCircleList"/>
+    <dgm:cxn modelId="{2ED5A599-EEC9-4237-B243-46F8CDE7CEBB}" type="presOf" srcId="{367253AF-B314-48DA-8D91-288FCF6A2B99}" destId="{F90DC7B3-8034-4885-A750-14C42DE8B440}" srcOrd="0" destOrd="0" presId="urn:microsoft.com/office/officeart/2018/2/layout/IconCircleList"/>
     <dgm:cxn modelId="{E9894793-D7EC-41A7-A5F4-EF8D97256BF4}" type="presOf" srcId="{79DFE163-6C09-4A19-AD65-56DBE3EF4902}" destId="{BCF22827-65FF-418E-8620-7DEF260B1748}" srcOrd="0" destOrd="0" presId="urn:microsoft.com/office/officeart/2018/2/layout/IconCircleList"/>
-    <dgm:cxn modelId="{5D4C5895-6B23-4C0A-AD79-8A8C49E90C35}" type="presOf" srcId="{43CA7793-A4F8-4951-92BC-DC3C5D9FDDB4}" destId="{C7521DED-D2FC-4820-932E-DEBD474E31CA}" srcOrd="0" destOrd="0" presId="urn:microsoft.com/office/officeart/2018/2/layout/IconCircleList"/>
-    <dgm:cxn modelId="{2ED5A599-EEC9-4237-B243-46F8CDE7CEBB}" type="presOf" srcId="{367253AF-B314-48DA-8D91-288FCF6A2B99}" destId="{F90DC7B3-8034-4885-A750-14C42DE8B440}" srcOrd="0" destOrd="0" presId="urn:microsoft.com/office/officeart/2018/2/layout/IconCircleList"/>
-    <dgm:cxn modelId="{54E7DEB0-E5EC-4214-A970-4E7DBD7C1B1B}" type="presOf" srcId="{739C4AEE-42C1-4A3C-89D5-EC45F1BAAE3B}" destId="{4C7CB805-D7C8-4133-86E8-63E8FDEED44A}" srcOrd="0" destOrd="0" presId="urn:microsoft.com/office/officeart/2018/2/layout/IconCircleList"/>
-    <dgm:cxn modelId="{59E695B6-0B1D-450B-B2DA-EE39D496720D}" type="presOf" srcId="{53213CC1-4D3A-449A-953A-70E7283B00DA}" destId="{13EC5472-8146-4CA2-8F5C-71A823F21438}" srcOrd="0" destOrd="0" presId="urn:microsoft.com/office/officeart/2018/2/layout/IconCircleList"/>
+    <dgm:cxn modelId="{10880A75-DA59-4210-8C66-A173BBD14577}" type="presOf" srcId="{57E0EFD0-4451-403F-AEA8-ACCF6F6548BF}" destId="{52706368-3363-416C-B6BC-D54225D4598E}" srcOrd="0" destOrd="0" presId="urn:microsoft.com/office/officeart/2018/2/layout/IconCircleList"/>
+    <dgm:cxn modelId="{B5602864-3547-48CB-8CAF-6986CB573C2D}" type="presOf" srcId="{D6B7A44C-83D2-4A95-B43D-3A934270FAA6}" destId="{B6D7654F-AEAA-4C18-84AE-EC04761C3C79}" srcOrd="0" destOrd="0" presId="urn:microsoft.com/office/officeart/2018/2/layout/IconCircleList"/>
+    <dgm:cxn modelId="{3C113861-11C7-4510-A88E-B06C10D0A6A9}" srcId="{739C4AEE-42C1-4A3C-89D5-EC45F1BAAE3B}" destId="{D373F292-A793-4797-91E5-95FB341A70EB}" srcOrd="4" destOrd="0" parTransId="{1CB1A96F-FBFC-4431-B91E-59DEB137D5EC}" sibTransId="{F6740277-643A-4F73-B200-BEDFC620621A}"/>
+    <dgm:cxn modelId="{C6FA322E-49F8-4845-A83E-AF121FB9E921}" srcId="{739C4AEE-42C1-4A3C-89D5-EC45F1BAAE3B}" destId="{57E0EFD0-4451-403F-AEA8-ACCF6F6548BF}" srcOrd="2" destOrd="0" parTransId="{F16B9B7B-6977-471A-B67A-B2CAB86828CA}" sibTransId="{773FD345-5581-4A82-8970-B1AA47172748}"/>
+    <dgm:cxn modelId="{1D4DE768-DDE9-4D07-A034-A2D6B3B0FA00}" srcId="{739C4AEE-42C1-4A3C-89D5-EC45F1BAAE3B}" destId="{43CA7793-A4F8-4951-92BC-DC3C5D9FDDB4}" srcOrd="0" destOrd="0" parTransId="{7F5588B2-201C-4AEB-82E1-E1B3F28A6193}" sibTransId="{367253AF-B314-48DA-8D91-288FCF6A2B99}"/>
     <dgm:cxn modelId="{9F5EE5DA-CC89-48D5-8A2E-AEE02354F35F}" srcId="{739C4AEE-42C1-4A3C-89D5-EC45F1BAAE3B}" destId="{1F6009A1-F024-4291-B775-507F891C9FA1}" srcOrd="7" destOrd="0" parTransId="{ED79F721-86D9-4EDE-AA4B-2722DEB5BE53}" sibTransId="{D6B7A44C-83D2-4A95-B43D-3A934270FAA6}"/>
-    <dgm:cxn modelId="{32421DE8-D211-4944-AC06-BF8506A7D253}" srcId="{739C4AEE-42C1-4A3C-89D5-EC45F1BAAE3B}" destId="{5E341883-79BB-4CBB-9CCE-1D0D843907B5}" srcOrd="8" destOrd="0" parTransId="{8DE9D8CD-AC9A-498D-A177-8D3485DCC905}" sibTransId="{E96C1386-0FEB-4CF6-A64F-CFB217EA46AF}"/>
-    <dgm:cxn modelId="{2FF3D8FA-FADD-4F9E-8E0F-1D2566C18B1B}" type="presOf" srcId="{0A97F7E6-BCF2-4732-A8B2-654FA8BA662D}" destId="{F97A7784-A3F5-4FCE-9FF4-65C5C5772707}" srcOrd="0" destOrd="0" presId="urn:microsoft.com/office/officeart/2018/2/layout/IconCircleList"/>
     <dgm:cxn modelId="{BD321664-0215-4051-9362-FBFF7BBBB594}" type="presParOf" srcId="{4C7CB805-D7C8-4133-86E8-63E8FDEED44A}" destId="{73A55798-F537-4430-B227-D38BB5067E58}" srcOrd="0" destOrd="0" presId="urn:microsoft.com/office/officeart/2018/2/layout/IconCircleList"/>
     <dgm:cxn modelId="{A7DF42CC-ABC3-46BB-AEC0-B6711388827B}" type="presParOf" srcId="{73A55798-F537-4430-B227-D38BB5067E58}" destId="{1F8F1103-7C3D-4BFF-8DD0-754F413E63B2}" srcOrd="0" destOrd="0" presId="urn:microsoft.com/office/officeart/2018/2/layout/IconCircleList"/>
     <dgm:cxn modelId="{5FFDE1C2-9B46-47F8-9BDA-79371D6630F3}" type="presParOf" srcId="{1F8F1103-7C3D-4BFF-8DD0-754F413E63B2}" destId="{F0957D4F-67F1-4F46-9523-302A66CE7CAF}" srcOrd="0" destOrd="0" presId="urn:microsoft.com/office/officeart/2018/2/layout/IconCircleList"/>
@@ -6299,6 +6609,13 @@
         </dgm:presLayoutVars>
       </dgm:prSet>
       <dgm:spPr/>
+      <dgm:t>
+        <a:bodyPr/>
+        <a:lstStyle/>
+        <a:p>
+          <a:endParaRPr lang="en-IN"/>
+        </a:p>
+      </dgm:t>
     </dgm:pt>
     <dgm:pt modelId="{13B7E211-537E-4E96-8439-E40161FB58B0}" type="pres">
       <dgm:prSet presAssocID="{7737BB17-9CBE-40E4-938D-4C54351C69A9}" presName="compNode" presStyleCnt="0"/>
@@ -6312,13 +6629,13 @@
       <dgm:prSet presAssocID="{7737BB17-9CBE-40E4-938D-4C54351C69A9}" presName="iconRect" presStyleLbl="node1" presStyleIdx="0" presStyleCnt="2"/>
       <dgm:spPr>
         <a:blipFill>
-          <a:blip xmlns:r="http://schemas.openxmlformats.org/officeDocument/2006/relationships" r:embed="rId1">
+          <a:blip xmlns:r="http://schemas.openxmlformats.org/officeDocument/2006/relationships" r:embed="rId1" cstate="print">
             <a:extLst>
               <a:ext uri="{28A0092B-C50C-407E-A947-70E740481C1C}">
                 <a14:useLocalDpi xmlns:a14="http://schemas.microsoft.com/office/drawing/2010/main" val="0"/>
               </a:ext>
               <a:ext uri="{96DAC541-7B7A-43D3-8B79-37D633B846F1}">
-                <asvg:svgBlip xmlns:asvg="http://schemas.microsoft.com/office/drawing/2016/SVG/main" r:embed="rId2"/>
+                <asvg:svgBlip xmlns:asvg="http://schemas.microsoft.com/office/drawing/2016/SVG/main" xmlns="" r:embed="rId2"/>
               </a:ext>
             </a:extLst>
           </a:blip>
@@ -6330,6 +6647,13 @@
           <a:noFill/>
         </a:ln>
       </dgm:spPr>
+      <dgm:t>
+        <a:bodyPr/>
+        <a:lstStyle/>
+        <a:p>
+          <a:endParaRPr lang="en-IN"/>
+        </a:p>
+      </dgm:t>
       <dgm:extLst>
         <a:ext uri="{E40237B7-FDA0-4F09-8148-C483321AD2D9}">
           <dgm14:cNvPr xmlns:dgm14="http://schemas.microsoft.com/office/drawing/2010/diagram" id="0" name="" descr="Statistics"/>
@@ -6348,6 +6672,13 @@
         </dgm:presLayoutVars>
       </dgm:prSet>
       <dgm:spPr/>
+      <dgm:t>
+        <a:bodyPr/>
+        <a:lstStyle/>
+        <a:p>
+          <a:endParaRPr lang="en-IN"/>
+        </a:p>
+      </dgm:t>
     </dgm:pt>
     <dgm:pt modelId="{DEF8E03C-46AB-4FA4-8726-37381FCF9EAA}" type="pres">
       <dgm:prSet presAssocID="{BBAF9A98-E137-4417-9FC5-356F3781469A}" presName="sibTrans" presStyleCnt="0"/>
@@ -6365,13 +6696,13 @@
       <dgm:prSet presAssocID="{CFF6A7FA-82C4-4C80-8452-67970CA5C6EB}" presName="iconRect" presStyleLbl="node1" presStyleIdx="1" presStyleCnt="2"/>
       <dgm:spPr>
         <a:blipFill>
-          <a:blip xmlns:r="http://schemas.openxmlformats.org/officeDocument/2006/relationships" r:embed="rId3">
+          <a:blip xmlns:r="http://schemas.openxmlformats.org/officeDocument/2006/relationships" r:embed="rId3" cstate="print">
             <a:extLst>
               <a:ext uri="{28A0092B-C50C-407E-A947-70E740481C1C}">
                 <a14:useLocalDpi xmlns:a14="http://schemas.microsoft.com/office/drawing/2010/main" val="0"/>
               </a:ext>
               <a:ext uri="{96DAC541-7B7A-43D3-8B79-37D633B846F1}">
-                <asvg:svgBlip xmlns:asvg="http://schemas.microsoft.com/office/drawing/2016/SVG/main" r:embed="rId4"/>
+                <asvg:svgBlip xmlns:asvg="http://schemas.microsoft.com/office/drawing/2016/SVG/main" xmlns="" r:embed="rId4"/>
               </a:ext>
             </a:extLst>
           </a:blip>
@@ -6383,6 +6714,13 @@
           <a:noFill/>
         </a:ln>
       </dgm:spPr>
+      <dgm:t>
+        <a:bodyPr/>
+        <a:lstStyle/>
+        <a:p>
+          <a:endParaRPr lang="en-IN"/>
+        </a:p>
+      </dgm:t>
       <dgm:extLst>
         <a:ext uri="{E40237B7-FDA0-4F09-8148-C483321AD2D9}">
           <dgm14:cNvPr xmlns:dgm14="http://schemas.microsoft.com/office/drawing/2010/diagram" id="0" name="" descr="Head with Gears"/>
@@ -6401,14 +6739,21 @@
         </dgm:presLayoutVars>
       </dgm:prSet>
       <dgm:spPr/>
+      <dgm:t>
+        <a:bodyPr/>
+        <a:lstStyle/>
+        <a:p>
+          <a:endParaRPr lang="en-IN"/>
+        </a:p>
+      </dgm:t>
     </dgm:pt>
   </dgm:ptLst>
   <dgm:cxnLst>
+    <dgm:cxn modelId="{FF2C84CB-94A2-4B90-B9CD-2CAB00F6FCDB}" type="presOf" srcId="{7737BB17-9CBE-40E4-938D-4C54351C69A9}" destId="{B1840843-8065-48D9-9BDD-0C719B2EECBA}" srcOrd="0" destOrd="0" presId="urn:microsoft.com/office/officeart/2018/2/layout/IconVerticalSolidList"/>
+    <dgm:cxn modelId="{20E037FD-F3BF-4E70-AC6D-EE2C83F38086}" srcId="{8E0979A4-8D7B-41E4-9FD5-5A6468AA4FEF}" destId="{7737BB17-9CBE-40E4-938D-4C54351C69A9}" srcOrd="0" destOrd="0" parTransId="{8BC62835-34A6-4205-9FEA-6CBC4D4FA232}" sibTransId="{BBAF9A98-E137-4417-9FC5-356F3781469A}"/>
+    <dgm:cxn modelId="{9F2701D6-BD96-4AA3-A1C4-3466822E3CED}" srcId="{8E0979A4-8D7B-41E4-9FD5-5A6468AA4FEF}" destId="{CFF6A7FA-82C4-4C80-8452-67970CA5C6EB}" srcOrd="1" destOrd="0" parTransId="{9F5CF1B7-8447-46AA-8140-646F3E07C999}" sibTransId="{86A86367-B785-4B18-A839-1836E8730C35}"/>
     <dgm:cxn modelId="{D2B5CEB4-61D7-42D3-8C9A-03E0F9C1098C}" type="presOf" srcId="{8E0979A4-8D7B-41E4-9FD5-5A6468AA4FEF}" destId="{913D5952-F2B5-4C2A-A3A6-E164912F5527}" srcOrd="0" destOrd="0" presId="urn:microsoft.com/office/officeart/2018/2/layout/IconVerticalSolidList"/>
-    <dgm:cxn modelId="{FF2C84CB-94A2-4B90-B9CD-2CAB00F6FCDB}" type="presOf" srcId="{7737BB17-9CBE-40E4-938D-4C54351C69A9}" destId="{B1840843-8065-48D9-9BDD-0C719B2EECBA}" srcOrd="0" destOrd="0" presId="urn:microsoft.com/office/officeart/2018/2/layout/IconVerticalSolidList"/>
-    <dgm:cxn modelId="{9F2701D6-BD96-4AA3-A1C4-3466822E3CED}" srcId="{8E0979A4-8D7B-41E4-9FD5-5A6468AA4FEF}" destId="{CFF6A7FA-82C4-4C80-8452-67970CA5C6EB}" srcOrd="1" destOrd="0" parTransId="{9F5CF1B7-8447-46AA-8140-646F3E07C999}" sibTransId="{86A86367-B785-4B18-A839-1836E8730C35}"/>
     <dgm:cxn modelId="{7C939DF7-DC66-445C-B125-E4F86BE375A2}" type="presOf" srcId="{CFF6A7FA-82C4-4C80-8452-67970CA5C6EB}" destId="{A0A98E09-D44F-4223-908A-189930710D87}" srcOrd="0" destOrd="0" presId="urn:microsoft.com/office/officeart/2018/2/layout/IconVerticalSolidList"/>
-    <dgm:cxn modelId="{20E037FD-F3BF-4E70-AC6D-EE2C83F38086}" srcId="{8E0979A4-8D7B-41E4-9FD5-5A6468AA4FEF}" destId="{7737BB17-9CBE-40E4-938D-4C54351C69A9}" srcOrd="0" destOrd="0" parTransId="{8BC62835-34A6-4205-9FEA-6CBC4D4FA232}" sibTransId="{BBAF9A98-E137-4417-9FC5-356F3781469A}"/>
     <dgm:cxn modelId="{137F9F98-949B-4AD5-B9C6-AA3850FE3A30}" type="presParOf" srcId="{913D5952-F2B5-4C2A-A3A6-E164912F5527}" destId="{13B7E211-537E-4E96-8439-E40161FB58B0}" srcOrd="0" destOrd="0" presId="urn:microsoft.com/office/officeart/2018/2/layout/IconVerticalSolidList"/>
     <dgm:cxn modelId="{D4DD185A-D92F-47AD-9EAE-6D2A789D9250}" type="presParOf" srcId="{13B7E211-537E-4E96-8439-E40161FB58B0}" destId="{74D77000-4D23-46AD-A425-F40E711679B9}" srcOrd="0" destOrd="0" presId="urn:microsoft.com/office/officeart/2018/2/layout/IconVerticalSolidList"/>
     <dgm:cxn modelId="{09AC12D8-41AB-49AD-A507-8465C771A165}" type="presParOf" srcId="{13B7E211-537E-4E96-8439-E40161FB58B0}" destId="{4D214194-3062-47A7-BA64-984678E70C00}" srcOrd="1" destOrd="0" presId="urn:microsoft.com/office/officeart/2018/2/layout/IconVerticalSolidList"/>
@@ -6494,6 +6839,13 @@
         </dgm:presLayoutVars>
       </dgm:prSet>
       <dgm:spPr/>
+      <dgm:t>
+        <a:bodyPr/>
+        <a:lstStyle/>
+        <a:p>
+          <a:endParaRPr lang="en-IN"/>
+        </a:p>
+      </dgm:t>
     </dgm:pt>
     <dgm:pt modelId="{DE65CA78-657C-47A1-9699-A566F560E3A1}" type="pres">
       <dgm:prSet presAssocID="{5A3359F6-8806-4700-8084-9FD760F912C4}" presName="hierRoot1" presStyleCnt="0">
@@ -6514,10 +6866,24 @@
         </dgm:presLayoutVars>
       </dgm:prSet>
       <dgm:spPr/>
+      <dgm:t>
+        <a:bodyPr/>
+        <a:lstStyle/>
+        <a:p>
+          <a:endParaRPr lang="en-IN"/>
+        </a:p>
+      </dgm:t>
     </dgm:pt>
     <dgm:pt modelId="{3D78F437-BA4D-4A9F-A4D7-3BB58A896EFF}" type="pres">
       <dgm:prSet presAssocID="{5A3359F6-8806-4700-8084-9FD760F912C4}" presName="rootConnector1" presStyleLbl="node1" presStyleIdx="0" presStyleCnt="0"/>
       <dgm:spPr/>
+      <dgm:t>
+        <a:bodyPr/>
+        <a:lstStyle/>
+        <a:p>
+          <a:endParaRPr lang="en-IN"/>
+        </a:p>
+      </dgm:t>
     </dgm:pt>
     <dgm:pt modelId="{709C9ED6-AA06-4F7B-A6C0-31643A10F0C8}" type="pres">
       <dgm:prSet presAssocID="{5A3359F6-8806-4700-8084-9FD760F912C4}" presName="hierChild2" presStyleCnt="0"/>
@@ -6530,9 +6896,9 @@
   </dgm:ptLst>
   <dgm:cxnLst>
     <dgm:cxn modelId="{D6895635-96B0-4C47-A3E8-0B7D0A0D9C2A}" srcId="{7098DD7D-B33E-4266-A4BA-B3E5E91C8D42}" destId="{5A3359F6-8806-4700-8084-9FD760F912C4}" srcOrd="0" destOrd="0" parTransId="{824A664A-0BA9-4F01-8F55-82EB31F4B634}" sibTransId="{1116DFC8-C0C1-4136-B9A7-EB0C25F8B7CE}"/>
+    <dgm:cxn modelId="{CCA0D7C9-097A-4249-AF5B-5F6671C0E672}" type="presOf" srcId="{5A3359F6-8806-4700-8084-9FD760F912C4}" destId="{424B7D83-AFCB-4D0C-BE50-D00A202FD0DB}" srcOrd="0" destOrd="0" presId="urn:microsoft.com/office/officeart/2009/3/layout/HorizontalOrganizationChart"/>
     <dgm:cxn modelId="{6EC5EF46-7A6C-45A0-B2D4-3996B8E04314}" type="presOf" srcId="{5A3359F6-8806-4700-8084-9FD760F912C4}" destId="{3D78F437-BA4D-4A9F-A4D7-3BB58A896EFF}" srcOrd="1" destOrd="0" presId="urn:microsoft.com/office/officeart/2009/3/layout/HorizontalOrganizationChart"/>
     <dgm:cxn modelId="{701B324F-425B-476F-B91E-4D9C3307A029}" type="presOf" srcId="{7098DD7D-B33E-4266-A4BA-B3E5E91C8D42}" destId="{512CA350-9AD1-4E57-8211-5E2F237B39F6}" srcOrd="0" destOrd="0" presId="urn:microsoft.com/office/officeart/2009/3/layout/HorizontalOrganizationChart"/>
-    <dgm:cxn modelId="{CCA0D7C9-097A-4249-AF5B-5F6671C0E672}" type="presOf" srcId="{5A3359F6-8806-4700-8084-9FD760F912C4}" destId="{424B7D83-AFCB-4D0C-BE50-D00A202FD0DB}" srcOrd="0" destOrd="0" presId="urn:microsoft.com/office/officeart/2009/3/layout/HorizontalOrganizationChart"/>
     <dgm:cxn modelId="{A4B2630D-10CE-4E22-8D89-335F47AC34C1}" type="presParOf" srcId="{512CA350-9AD1-4E57-8211-5E2F237B39F6}" destId="{DE65CA78-657C-47A1-9699-A566F560E3A1}" srcOrd="0" destOrd="0" presId="urn:microsoft.com/office/officeart/2009/3/layout/HorizontalOrganizationChart"/>
     <dgm:cxn modelId="{E5A112B8-5B4E-4C6E-8D77-2CCF9A918E22}" type="presParOf" srcId="{DE65CA78-657C-47A1-9699-A566F560E3A1}" destId="{8A5A2C4E-ECC3-4EF5-962F-DBC63FC07FDA}" srcOrd="0" destOrd="0" presId="urn:microsoft.com/office/officeart/2009/3/layout/HorizontalOrganizationChart"/>
     <dgm:cxn modelId="{E5A89970-0DE5-412F-914A-E6071BA2441A}" type="presParOf" srcId="{8A5A2C4E-ECC3-4EF5-962F-DBC63FC07FDA}" destId="{424B7D83-AFCB-4D0C-BE50-D00A202FD0DB}" srcOrd="0" destOrd="0" presId="urn:microsoft.com/office/officeart/2009/3/layout/HorizontalOrganizationChart"/>
@@ -6565,8 +6931,8 @@
       </dsp:nvSpPr>
       <dsp:spPr>
         <a:xfrm>
-          <a:off x="0" y="23294"/>
-          <a:ext cx="9843972" cy="780256"/>
+          <a:off x="0" y="22730"/>
+          <a:ext cx="9843972" cy="757963"/>
         </a:xfrm>
         <a:prstGeom prst="roundRect">
           <a:avLst>
@@ -6607,8 +6973,8 @@
       </dsp:nvSpPr>
       <dsp:spPr>
         <a:xfrm>
-          <a:off x="236027" y="179119"/>
-          <a:ext cx="429560" cy="429141"/>
+          <a:off x="229284" y="174103"/>
+          <a:ext cx="417287" cy="416880"/>
         </a:xfrm>
         <a:prstGeom prst="rect">
           <a:avLst/>
@@ -6620,7 +6986,7 @@
                 <a14:useLocalDpi xmlns:a14="http://schemas.microsoft.com/office/drawing/2010/main" val="0"/>
               </a:ext>
               <a:ext uri="{96DAC541-7B7A-43D3-8B79-37D633B846F1}">
-                <asvg:svgBlip xmlns:asvg="http://schemas.microsoft.com/office/drawing/2016/SVG/main" r:embed="rId2"/>
+                <asvg:svgBlip xmlns:asvg="http://schemas.microsoft.com/office/drawing/2016/SVG/main" xmlns="" r:embed="rId2"/>
               </a:ext>
             </a:extLst>
           </a:blip>
@@ -6656,8 +7022,8 @@
       </dsp:nvSpPr>
       <dsp:spPr>
         <a:xfrm>
-          <a:off x="901616" y="3561"/>
-          <a:ext cx="8915046" cy="829022"/>
+          <a:off x="875855" y="3561"/>
+          <a:ext cx="8928547" cy="829022"/>
         </a:xfrm>
         <a:prstGeom prst="rect">
           <a:avLst/>
@@ -6686,7 +7052,7 @@
         </a:bodyPr>
         <a:lstStyle/>
         <a:p>
-          <a:pPr marL="0" lvl="0" indent="0" algn="l" defTabSz="800100">
+          <a:pPr lvl="0" algn="l" defTabSz="800100">
             <a:lnSpc>
               <a:spcPct val="90000"/>
             </a:lnSpc>
@@ -6696,7 +7062,6 @@
             <a:spcAft>
               <a:spcPct val="35000"/>
             </a:spcAft>
-            <a:buNone/>
           </a:pPr>
           <a:r>
             <a:rPr lang="en-US" sz="1800" b="1" kern="1200" dirty="0"/>
@@ -6710,13 +7075,22 @@
             <a:rPr lang="en-US" sz="1600" kern="1200" dirty="0">
               <a:latin typeface="+mj-lt"/>
             </a:rPr>
-            <a:t>to develop a real-time Fraud Product Review Detection application for products on Amazon.</a:t>
+            <a:t>to develop a real-time Fraud Product Review Detection application for products </a:t>
           </a:r>
+          <a:r>
+            <a:rPr lang="en-US" sz="1600" kern="1200" dirty="0" smtClean="0">
+              <a:latin typeface="+mj-lt"/>
+            </a:rPr>
+            <a:t>on e-commerce sites.</a:t>
+          </a:r>
+          <a:endParaRPr lang="en-US" sz="1600" kern="1200" dirty="0">
+            <a:latin typeface="+mj-lt"/>
+          </a:endParaRPr>
         </a:p>
       </dsp:txBody>
       <dsp:txXfrm>
-        <a:off x="901616" y="3561"/>
-        <a:ext cx="8915046" cy="829022"/>
+        <a:off x="875855" y="3561"/>
+        <a:ext cx="8928547" cy="829022"/>
       </dsp:txXfrm>
     </dsp:sp>
     <dsp:sp modelId="{DE27B39E-5BBE-4738-8DB2-42E51394026F}">
@@ -6727,7 +7101,7 @@
       <dsp:spPr>
         <a:xfrm>
           <a:off x="0" y="1039840"/>
-          <a:ext cx="9843972" cy="780256"/>
+          <a:ext cx="9843972" cy="757963"/>
         </a:xfrm>
         <a:prstGeom prst="roundRect">
           <a:avLst>
@@ -6768,8 +7142,8 @@
       </dsp:nvSpPr>
       <dsp:spPr>
         <a:xfrm>
-          <a:off x="236027" y="1215398"/>
-          <a:ext cx="429560" cy="429141"/>
+          <a:off x="229284" y="1210382"/>
+          <a:ext cx="417287" cy="416880"/>
         </a:xfrm>
         <a:prstGeom prst="rect">
           <a:avLst/>
@@ -6781,7 +7155,7 @@
                 <a14:useLocalDpi xmlns:a14="http://schemas.microsoft.com/office/drawing/2010/main" val="0"/>
               </a:ext>
               <a:ext uri="{96DAC541-7B7A-43D3-8B79-37D633B846F1}">
-                <asvg:svgBlip xmlns:asvg="http://schemas.microsoft.com/office/drawing/2016/SVG/main" r:embed="rId4"/>
+                <asvg:svgBlip xmlns:asvg="http://schemas.microsoft.com/office/drawing/2016/SVG/main" xmlns="" r:embed="rId4"/>
               </a:ext>
             </a:extLst>
           </a:blip>
@@ -6817,8 +7191,8 @@
       </dsp:nvSpPr>
       <dsp:spPr>
         <a:xfrm>
-          <a:off x="901616" y="1039840"/>
-          <a:ext cx="8915046" cy="829022"/>
+          <a:off x="875855" y="1039840"/>
+          <a:ext cx="8928547" cy="829022"/>
         </a:xfrm>
         <a:prstGeom prst="rect">
           <a:avLst/>
@@ -6847,7 +7221,7 @@
         </a:bodyPr>
         <a:lstStyle/>
         <a:p>
-          <a:pPr marL="0" lvl="0" indent="0" algn="l" defTabSz="800100">
+          <a:pPr lvl="0" algn="l" defTabSz="800100">
             <a:lnSpc>
               <a:spcPct val="90000"/>
             </a:lnSpc>
@@ -6857,7 +7231,6 @@
             <a:spcAft>
               <a:spcPct val="35000"/>
             </a:spcAft>
-            <a:buNone/>
           </a:pPr>
           <a:r>
             <a:rPr lang="en-US" sz="1800" b="1" kern="1200" dirty="0"/>
@@ -6878,8 +7251,8 @@
         </a:p>
       </dsp:txBody>
       <dsp:txXfrm>
-        <a:off x="901616" y="1039840"/>
-        <a:ext cx="8915046" cy="829022"/>
+        <a:off x="875855" y="1039840"/>
+        <a:ext cx="8928547" cy="829022"/>
       </dsp:txXfrm>
     </dsp:sp>
     <dsp:sp modelId="{612F0BAE-ECB5-45F7-86FF-AF81F32C04EE}">
@@ -6890,7 +7263,7 @@
       <dsp:spPr>
         <a:xfrm>
           <a:off x="0" y="2076119"/>
-          <a:ext cx="9843972" cy="780256"/>
+          <a:ext cx="9843972" cy="757963"/>
         </a:xfrm>
         <a:prstGeom prst="roundRect">
           <a:avLst>
@@ -6931,8 +7304,8 @@
       </dsp:nvSpPr>
       <dsp:spPr>
         <a:xfrm>
-          <a:off x="236027" y="2251677"/>
-          <a:ext cx="429560" cy="429141"/>
+          <a:off x="229284" y="2246661"/>
+          <a:ext cx="417287" cy="416880"/>
         </a:xfrm>
         <a:prstGeom prst="rect">
           <a:avLst/>
@@ -6944,7 +7317,7 @@
                 <a14:useLocalDpi xmlns:a14="http://schemas.microsoft.com/office/drawing/2010/main" val="0"/>
               </a:ext>
               <a:ext uri="{96DAC541-7B7A-43D3-8B79-37D633B846F1}">
-                <asvg:svgBlip xmlns:asvg="http://schemas.microsoft.com/office/drawing/2016/SVG/main" r:embed="rId6"/>
+                <asvg:svgBlip xmlns:asvg="http://schemas.microsoft.com/office/drawing/2016/SVG/main" xmlns="" r:embed="rId6"/>
               </a:ext>
             </a:extLst>
           </a:blip>
@@ -6980,8 +7353,8 @@
       </dsp:nvSpPr>
       <dsp:spPr>
         <a:xfrm>
-          <a:off x="901616" y="2076119"/>
-          <a:ext cx="8915046" cy="829022"/>
+          <a:off x="875855" y="2076119"/>
+          <a:ext cx="8928547" cy="829022"/>
         </a:xfrm>
         <a:prstGeom prst="rect">
           <a:avLst/>
@@ -7010,7 +7383,7 @@
         </a:bodyPr>
         <a:lstStyle/>
         <a:p>
-          <a:pPr marL="0" lvl="0" indent="0" algn="l" defTabSz="800100">
+          <a:pPr lvl="0" algn="l" defTabSz="800100">
             <a:lnSpc>
               <a:spcPct val="90000"/>
             </a:lnSpc>
@@ -7020,7 +7393,6 @@
             <a:spcAft>
               <a:spcPct val="35000"/>
             </a:spcAft>
-            <a:buNone/>
           </a:pPr>
           <a:r>
             <a:rPr lang="en-US" sz="1800" b="1" kern="1200" dirty="0"/>
@@ -7037,8 +7409,8 @@
         </a:p>
       </dsp:txBody>
       <dsp:txXfrm>
-        <a:off x="901616" y="2076119"/>
-        <a:ext cx="8915046" cy="829022"/>
+        <a:off x="875855" y="2076119"/>
+        <a:ext cx="8928547" cy="829022"/>
       </dsp:txXfrm>
     </dsp:sp>
     <dsp:sp modelId="{AB1B3E7F-7DD8-430E-99FD-58D257349502}">
@@ -7049,7 +7421,7 @@
       <dsp:spPr>
         <a:xfrm>
           <a:off x="0" y="3112398"/>
-          <a:ext cx="9843972" cy="780256"/>
+          <a:ext cx="9843972" cy="757963"/>
         </a:xfrm>
         <a:prstGeom prst="roundRect">
           <a:avLst>
@@ -7090,8 +7462,8 @@
       </dsp:nvSpPr>
       <dsp:spPr>
         <a:xfrm>
-          <a:off x="236027" y="3287955"/>
-          <a:ext cx="429560" cy="429141"/>
+          <a:off x="229284" y="3282939"/>
+          <a:ext cx="417287" cy="416880"/>
         </a:xfrm>
         <a:prstGeom prst="rect">
           <a:avLst/>
@@ -7103,7 +7475,7 @@
                 <a14:useLocalDpi xmlns:a14="http://schemas.microsoft.com/office/drawing/2010/main" val="0"/>
               </a:ext>
               <a:ext uri="{96DAC541-7B7A-43D3-8B79-37D633B846F1}">
-                <asvg:svgBlip xmlns:asvg="http://schemas.microsoft.com/office/drawing/2016/SVG/main" r:embed="rId8"/>
+                <asvg:svgBlip xmlns:asvg="http://schemas.microsoft.com/office/drawing/2016/SVG/main" xmlns="" r:embed="rId8"/>
               </a:ext>
             </a:extLst>
           </a:blip>
@@ -7139,8 +7511,8 @@
       </dsp:nvSpPr>
       <dsp:spPr>
         <a:xfrm>
-          <a:off x="901616" y="3112398"/>
-          <a:ext cx="8915046" cy="829022"/>
+          <a:off x="875855" y="3112398"/>
+          <a:ext cx="8928547" cy="829022"/>
         </a:xfrm>
         <a:prstGeom prst="rect">
           <a:avLst/>
@@ -7169,7 +7541,7 @@
         </a:bodyPr>
         <a:lstStyle/>
         <a:p>
-          <a:pPr marL="0" lvl="0" indent="0" algn="l" defTabSz="800100">
+          <a:pPr lvl="0" algn="l" defTabSz="800100">
             <a:lnSpc>
               <a:spcPct val="90000"/>
             </a:lnSpc>
@@ -7179,7 +7551,6 @@
             <a:spcAft>
               <a:spcPct val="35000"/>
             </a:spcAft>
-            <a:buNone/>
           </a:pPr>
           <a:r>
             <a:rPr lang="en-US" sz="1800" b="1" kern="1200" dirty="0"/>
@@ -7196,8 +7567,8 @@
         </a:p>
       </dsp:txBody>
       <dsp:txXfrm>
-        <a:off x="901616" y="3112398"/>
-        <a:ext cx="8915046" cy="829022"/>
+        <a:off x="875855" y="3112398"/>
+        <a:ext cx="8928547" cy="829022"/>
       </dsp:txXfrm>
     </dsp:sp>
   </dsp:spTree>
@@ -7268,13 +7639,13 @@
           <a:avLst/>
         </a:prstGeom>
         <a:blipFill>
-          <a:blip xmlns:r="http://schemas.openxmlformats.org/officeDocument/2006/relationships" r:embed="rId1">
+          <a:blip xmlns:r="http://schemas.openxmlformats.org/officeDocument/2006/relationships" r:embed="rId1" cstate="print">
             <a:extLst>
               <a:ext uri="{28A0092B-C50C-407E-A947-70E740481C1C}">
                 <a14:useLocalDpi xmlns:a14="http://schemas.microsoft.com/office/drawing/2010/main" val="0"/>
               </a:ext>
               <a:ext uri="{96DAC541-7B7A-43D3-8B79-37D633B846F1}">
-                <asvg:svgBlip xmlns:asvg="http://schemas.microsoft.com/office/drawing/2016/SVG/main" r:embed="rId2"/>
+                <asvg:svgBlip xmlns:asvg="http://schemas.microsoft.com/office/drawing/2016/SVG/main" xmlns="" r:embed="rId2"/>
               </a:ext>
             </a:extLst>
           </a:blip>
@@ -7340,7 +7711,7 @@
         </a:bodyPr>
         <a:lstStyle/>
         <a:p>
-          <a:pPr marL="0" lvl="0" indent="0" algn="l" defTabSz="800100">
+          <a:pPr lvl="0" algn="l" defTabSz="800100">
             <a:lnSpc>
               <a:spcPct val="90000"/>
             </a:lnSpc>
@@ -7350,7 +7721,6 @@
             <a:spcAft>
               <a:spcPct val="35000"/>
             </a:spcAft>
-            <a:buNone/>
           </a:pPr>
           <a:r>
             <a:rPr lang="en-US" sz="1800" kern="1200"/>
@@ -7425,7 +7795,7 @@
                 <a14:useLocalDpi xmlns:a14="http://schemas.microsoft.com/office/drawing/2010/main" val="0"/>
               </a:ext>
               <a:ext uri="{96DAC541-7B7A-43D3-8B79-37D633B846F1}">
-                <asvg:svgBlip xmlns:asvg="http://schemas.microsoft.com/office/drawing/2016/SVG/main" r:embed="rId4"/>
+                <asvg:svgBlip xmlns:asvg="http://schemas.microsoft.com/office/drawing/2016/SVG/main" xmlns="" r:embed="rId4"/>
               </a:ext>
             </a:extLst>
           </a:blip>
@@ -7491,7 +7861,7 @@
         </a:bodyPr>
         <a:lstStyle/>
         <a:p>
-          <a:pPr marL="0" lvl="0" indent="0" algn="l" defTabSz="800100">
+          <a:pPr lvl="0" algn="l" defTabSz="800100">
             <a:lnSpc>
               <a:spcPct val="90000"/>
             </a:lnSpc>
@@ -7501,7 +7871,6 @@
             <a:spcAft>
               <a:spcPct val="35000"/>
             </a:spcAft>
-            <a:buNone/>
           </a:pPr>
           <a:r>
             <a:rPr lang="en-US" sz="1800" kern="1200"/>
@@ -7570,13 +7939,13 @@
           <a:avLst/>
         </a:prstGeom>
         <a:blipFill>
-          <a:blip xmlns:r="http://schemas.openxmlformats.org/officeDocument/2006/relationships" r:embed="rId5">
+          <a:blip xmlns:r="http://schemas.openxmlformats.org/officeDocument/2006/relationships" r:embed="rId5" cstate="print">
             <a:extLst>
               <a:ext uri="{28A0092B-C50C-407E-A947-70E740481C1C}">
                 <a14:useLocalDpi xmlns:a14="http://schemas.microsoft.com/office/drawing/2010/main" val="0"/>
               </a:ext>
               <a:ext uri="{96DAC541-7B7A-43D3-8B79-37D633B846F1}">
-                <asvg:svgBlip xmlns:asvg="http://schemas.microsoft.com/office/drawing/2016/SVG/main" r:embed="rId6"/>
+                <asvg:svgBlip xmlns:asvg="http://schemas.microsoft.com/office/drawing/2016/SVG/main" xmlns="" r:embed="rId6"/>
               </a:ext>
             </a:extLst>
           </a:blip>
@@ -7642,7 +8011,7 @@
         </a:bodyPr>
         <a:lstStyle/>
         <a:p>
-          <a:pPr marL="0" lvl="0" indent="0" algn="l" defTabSz="800100">
+          <a:pPr lvl="0" algn="l" defTabSz="800100">
             <a:lnSpc>
               <a:spcPct val="90000"/>
             </a:lnSpc>
@@ -7652,7 +8021,6 @@
             <a:spcAft>
               <a:spcPct val="35000"/>
             </a:spcAft>
-            <a:buNone/>
           </a:pPr>
           <a:r>
             <a:rPr lang="en-US" sz="1800" kern="1200"/>
@@ -7737,7 +8105,7 @@
                 <a14:useLocalDpi xmlns:a14="http://schemas.microsoft.com/office/drawing/2010/main" val="0"/>
               </a:ext>
               <a:ext uri="{96DAC541-7B7A-43D3-8B79-37D633B846F1}">
-                <asvg:svgBlip xmlns:asvg="http://schemas.microsoft.com/office/drawing/2016/SVG/main" r:embed="rId2"/>
+                <asvg:svgBlip xmlns:asvg="http://schemas.microsoft.com/office/drawing/2016/SVG/main" xmlns="" r:embed="rId2"/>
               </a:ext>
             </a:extLst>
           </a:blip>
@@ -7803,7 +8171,7 @@
         </a:bodyPr>
         <a:lstStyle/>
         <a:p>
-          <a:pPr marL="0" lvl="0" indent="0" algn="l" defTabSz="977900">
+          <a:pPr lvl="0" algn="l" defTabSz="977900">
             <a:lnSpc>
               <a:spcPct val="90000"/>
             </a:lnSpc>
@@ -7813,7 +8181,6 @@
             <a:spcAft>
               <a:spcPct val="35000"/>
             </a:spcAft>
-            <a:buNone/>
           </a:pPr>
           <a:r>
             <a:rPr lang="en-US" sz="2200" kern="1200"/>
@@ -7887,7 +8254,7 @@
                 <a14:useLocalDpi xmlns:a14="http://schemas.microsoft.com/office/drawing/2010/main" val="0"/>
               </a:ext>
               <a:ext uri="{96DAC541-7B7A-43D3-8B79-37D633B846F1}">
-                <asvg:svgBlip xmlns:asvg="http://schemas.microsoft.com/office/drawing/2016/SVG/main" r:embed="rId4"/>
+                <asvg:svgBlip xmlns:asvg="http://schemas.microsoft.com/office/drawing/2016/SVG/main" xmlns="" r:embed="rId4"/>
               </a:ext>
             </a:extLst>
           </a:blip>
@@ -7953,7 +8320,7 @@
         </a:bodyPr>
         <a:lstStyle/>
         <a:p>
-          <a:pPr marL="0" lvl="0" indent="0" algn="l" defTabSz="977900">
+          <a:pPr lvl="0" algn="l" defTabSz="977900">
             <a:lnSpc>
               <a:spcPct val="90000"/>
             </a:lnSpc>
@@ -7963,7 +8330,6 @@
             <a:spcAft>
               <a:spcPct val="35000"/>
             </a:spcAft>
-            <a:buNone/>
           </a:pPr>
           <a:r>
             <a:rPr lang="en-US" sz="2200" kern="1200"/>
@@ -8037,7 +8403,7 @@
                 <a14:useLocalDpi xmlns:a14="http://schemas.microsoft.com/office/drawing/2010/main" val="0"/>
               </a:ext>
               <a:ext uri="{96DAC541-7B7A-43D3-8B79-37D633B846F1}">
-                <asvg:svgBlip xmlns:asvg="http://schemas.microsoft.com/office/drawing/2016/SVG/main" r:embed="rId6"/>
+                <asvg:svgBlip xmlns:asvg="http://schemas.microsoft.com/office/drawing/2016/SVG/main" xmlns="" r:embed="rId6"/>
               </a:ext>
             </a:extLst>
           </a:blip>
@@ -8103,7 +8469,7 @@
         </a:bodyPr>
         <a:lstStyle/>
         <a:p>
-          <a:pPr marL="0" lvl="0" indent="0" algn="l" defTabSz="977900">
+          <a:pPr lvl="0" algn="l" defTabSz="977900">
             <a:lnSpc>
               <a:spcPct val="90000"/>
             </a:lnSpc>
@@ -8113,7 +8479,6 @@
             <a:spcAft>
               <a:spcPct val="35000"/>
             </a:spcAft>
-            <a:buNone/>
           </a:pPr>
           <a:r>
             <a:rPr lang="en-US" sz="2200" kern="1200"/>
@@ -8187,7 +8552,7 @@
                 <a14:useLocalDpi xmlns:a14="http://schemas.microsoft.com/office/drawing/2010/main" val="0"/>
               </a:ext>
               <a:ext uri="{96DAC541-7B7A-43D3-8B79-37D633B846F1}">
-                <asvg:svgBlip xmlns:asvg="http://schemas.microsoft.com/office/drawing/2016/SVG/main" r:embed="rId8"/>
+                <asvg:svgBlip xmlns:asvg="http://schemas.microsoft.com/office/drawing/2016/SVG/main" xmlns="" r:embed="rId8"/>
               </a:ext>
             </a:extLst>
           </a:blip>
@@ -8253,7 +8618,7 @@
         </a:bodyPr>
         <a:lstStyle/>
         <a:p>
-          <a:pPr marL="0" lvl="0" indent="0" algn="l" defTabSz="977900">
+          <a:pPr lvl="0" algn="l" defTabSz="977900">
             <a:lnSpc>
               <a:spcPct val="90000"/>
             </a:lnSpc>
@@ -8263,7 +8628,6 @@
             <a:spcAft>
               <a:spcPct val="35000"/>
             </a:spcAft>
-            <a:buNone/>
           </a:pPr>
           <a:r>
             <a:rPr lang="en-US" sz="2200" kern="1200"/>
@@ -8337,7 +8701,7 @@
                 <a14:useLocalDpi xmlns:a14="http://schemas.microsoft.com/office/drawing/2010/main" val="0"/>
               </a:ext>
               <a:ext uri="{96DAC541-7B7A-43D3-8B79-37D633B846F1}">
-                <asvg:svgBlip xmlns:asvg="http://schemas.microsoft.com/office/drawing/2016/SVG/main" r:embed="rId10"/>
+                <asvg:svgBlip xmlns:asvg="http://schemas.microsoft.com/office/drawing/2016/SVG/main" xmlns="" r:embed="rId10"/>
               </a:ext>
             </a:extLst>
           </a:blip>
@@ -8403,7 +8767,7 @@
         </a:bodyPr>
         <a:lstStyle/>
         <a:p>
-          <a:pPr marL="0" lvl="0" indent="0" algn="l" defTabSz="977900">
+          <a:pPr lvl="0" algn="l" defTabSz="977900">
             <a:lnSpc>
               <a:spcPct val="90000"/>
             </a:lnSpc>
@@ -8413,7 +8777,6 @@
             <a:spcAft>
               <a:spcPct val="35000"/>
             </a:spcAft>
-            <a:buNone/>
           </a:pPr>
           <a:r>
             <a:rPr lang="en-US" sz="2200" kern="1200"/>
@@ -8487,7 +8850,7 @@
                 <a14:useLocalDpi xmlns:a14="http://schemas.microsoft.com/office/drawing/2010/main" val="0"/>
               </a:ext>
               <a:ext uri="{96DAC541-7B7A-43D3-8B79-37D633B846F1}">
-                <asvg:svgBlip xmlns:asvg="http://schemas.microsoft.com/office/drawing/2016/SVG/main" r:embed="rId12"/>
+                <asvg:svgBlip xmlns:asvg="http://schemas.microsoft.com/office/drawing/2016/SVG/main" xmlns="" r:embed="rId12"/>
               </a:ext>
             </a:extLst>
           </a:blip>
@@ -8553,7 +8916,7 @@
         </a:bodyPr>
         <a:lstStyle/>
         <a:p>
-          <a:pPr marL="0" lvl="0" indent="0" algn="l" defTabSz="977900">
+          <a:pPr lvl="0" algn="l" defTabSz="977900">
             <a:lnSpc>
               <a:spcPct val="90000"/>
             </a:lnSpc>
@@ -8563,7 +8926,6 @@
             <a:spcAft>
               <a:spcPct val="35000"/>
             </a:spcAft>
-            <a:buNone/>
           </a:pPr>
           <a:r>
             <a:rPr lang="en-US" sz="2200" kern="1200"/>
@@ -8637,7 +8999,7 @@
                 <a14:useLocalDpi xmlns:a14="http://schemas.microsoft.com/office/drawing/2010/main" val="0"/>
               </a:ext>
               <a:ext uri="{96DAC541-7B7A-43D3-8B79-37D633B846F1}">
-                <asvg:svgBlip xmlns:asvg="http://schemas.microsoft.com/office/drawing/2016/SVG/main" r:embed="rId14"/>
+                <asvg:svgBlip xmlns:asvg="http://schemas.microsoft.com/office/drawing/2016/SVG/main" xmlns="" r:embed="rId14"/>
               </a:ext>
             </a:extLst>
           </a:blip>
@@ -8703,7 +9065,7 @@
         </a:bodyPr>
         <a:lstStyle/>
         <a:p>
-          <a:pPr marL="0" lvl="0" indent="0" algn="l" defTabSz="977900">
+          <a:pPr lvl="0" algn="l" defTabSz="977900">
             <a:lnSpc>
               <a:spcPct val="90000"/>
             </a:lnSpc>
@@ -8713,7 +9075,6 @@
             <a:spcAft>
               <a:spcPct val="35000"/>
             </a:spcAft>
-            <a:buNone/>
           </a:pPr>
           <a:r>
             <a:rPr lang="en-US" sz="2200" kern="1200"/>
@@ -8787,7 +9148,7 @@
                 <a14:useLocalDpi xmlns:a14="http://schemas.microsoft.com/office/drawing/2010/main" val="0"/>
               </a:ext>
               <a:ext uri="{96DAC541-7B7A-43D3-8B79-37D633B846F1}">
-                <asvg:svgBlip xmlns:asvg="http://schemas.microsoft.com/office/drawing/2016/SVG/main" r:embed="rId16"/>
+                <asvg:svgBlip xmlns:asvg="http://schemas.microsoft.com/office/drawing/2016/SVG/main" xmlns="" r:embed="rId16"/>
               </a:ext>
             </a:extLst>
           </a:blip>
@@ -8854,7 +9215,7 @@
         </a:bodyPr>
         <a:lstStyle/>
         <a:p>
-          <a:pPr marL="0" lvl="0" indent="0" algn="l" defTabSz="977900">
+          <a:pPr lvl="0" algn="l" defTabSz="977900">
             <a:lnSpc>
               <a:spcPct val="90000"/>
             </a:lnSpc>
@@ -8864,7 +9225,6 @@
             <a:spcAft>
               <a:spcPct val="35000"/>
             </a:spcAft>
-            <a:buNone/>
           </a:pPr>
           <a:r>
             <a:rPr lang="en-US" sz="2200" kern="1200" dirty="0"/>
@@ -9002,7 +9362,7 @@
         </a:bodyPr>
         <a:lstStyle/>
         <a:p>
-          <a:pPr marL="0" lvl="0" indent="0" algn="l" defTabSz="977900">
+          <a:pPr lvl="0" algn="l" defTabSz="977900">
             <a:lnSpc>
               <a:spcPct val="90000"/>
             </a:lnSpc>
@@ -9012,7 +9372,6 @@
             <a:spcAft>
               <a:spcPct val="35000"/>
             </a:spcAft>
-            <a:buNone/>
           </a:pPr>
           <a:r>
             <a:rPr lang="en-US" sz="2200" kern="1200" dirty="0"/>
@@ -9094,13 +9453,13 @@
           <a:avLst/>
         </a:prstGeom>
         <a:blipFill>
-          <a:blip xmlns:r="http://schemas.openxmlformats.org/officeDocument/2006/relationships" r:embed="rId1">
+          <a:blip xmlns:r="http://schemas.openxmlformats.org/officeDocument/2006/relationships" r:embed="rId1" cstate="print">
             <a:extLst>
               <a:ext uri="{28A0092B-C50C-407E-A947-70E740481C1C}">
                 <a14:useLocalDpi xmlns:a14="http://schemas.microsoft.com/office/drawing/2010/main" val="0"/>
               </a:ext>
               <a:ext uri="{96DAC541-7B7A-43D3-8B79-37D633B846F1}">
-                <asvg:svgBlip xmlns:asvg="http://schemas.microsoft.com/office/drawing/2016/SVG/main" r:embed="rId2"/>
+                <asvg:svgBlip xmlns:asvg="http://schemas.microsoft.com/office/drawing/2016/SVG/main" xmlns="" r:embed="rId2"/>
               </a:ext>
             </a:extLst>
           </a:blip>
@@ -9166,7 +9525,7 @@
         </a:bodyPr>
         <a:lstStyle/>
         <a:p>
-          <a:pPr marL="0" lvl="0" indent="0" algn="l" defTabSz="711200">
+          <a:pPr lvl="0" algn="l" defTabSz="711200">
             <a:lnSpc>
               <a:spcPct val="90000"/>
             </a:lnSpc>
@@ -9176,7 +9535,6 @@
             <a:spcAft>
               <a:spcPct val="35000"/>
             </a:spcAft>
-            <a:buNone/>
           </a:pPr>
           <a:r>
             <a:rPr lang="en-US" sz="1600" b="1" i="0" kern="1200"/>
@@ -9250,13 +9608,13 @@
           <a:avLst/>
         </a:prstGeom>
         <a:blipFill>
-          <a:blip xmlns:r="http://schemas.openxmlformats.org/officeDocument/2006/relationships" r:embed="rId3">
+          <a:blip xmlns:r="http://schemas.openxmlformats.org/officeDocument/2006/relationships" r:embed="rId3" cstate="print">
             <a:extLst>
               <a:ext uri="{28A0092B-C50C-407E-A947-70E740481C1C}">
                 <a14:useLocalDpi xmlns:a14="http://schemas.microsoft.com/office/drawing/2010/main" val="0"/>
               </a:ext>
               <a:ext uri="{96DAC541-7B7A-43D3-8B79-37D633B846F1}">
-                <asvg:svgBlip xmlns:asvg="http://schemas.microsoft.com/office/drawing/2016/SVG/main" r:embed="rId4"/>
+                <asvg:svgBlip xmlns:asvg="http://schemas.microsoft.com/office/drawing/2016/SVG/main" xmlns="" r:embed="rId4"/>
               </a:ext>
             </a:extLst>
           </a:blip>
@@ -9322,7 +9680,7 @@
         </a:bodyPr>
         <a:lstStyle/>
         <a:p>
-          <a:pPr marL="0" lvl="0" indent="0" algn="l" defTabSz="711200">
+          <a:pPr lvl="0" algn="l" defTabSz="711200">
             <a:lnSpc>
               <a:spcPct val="90000"/>
             </a:lnSpc>
@@ -9332,7 +9690,6 @@
             <a:spcAft>
               <a:spcPct val="35000"/>
             </a:spcAft>
-            <a:buNone/>
           </a:pPr>
           <a:r>
             <a:rPr lang="en-US" sz="1600" b="1" i="0" kern="1200"/>
@@ -9362,84 +9719,6 @@
       <dsp:cNvGrpSpPr/>
     </dsp:nvGrpSpPr>
     <dsp:grpSpPr/>
-    <dsp:sp modelId="{424B7D83-AFCB-4D0C-BE50-D00A202FD0DB}">
-      <dsp:nvSpPr>
-        <dsp:cNvPr id="0" name=""/>
-        <dsp:cNvSpPr/>
-      </dsp:nvSpPr>
-      <dsp:spPr>
-        <a:xfrm>
-          <a:off x="780" y="1648912"/>
-          <a:ext cx="6389714" cy="1948862"/>
-        </a:xfrm>
-        <a:prstGeom prst="rect">
-          <a:avLst/>
-        </a:prstGeom>
-        <a:solidFill>
-          <a:schemeClr val="accent1">
-            <a:hueOff val="0"/>
-            <a:satOff val="0"/>
-            <a:lumOff val="0"/>
-            <a:alphaOff val="0"/>
-          </a:schemeClr>
-        </a:solidFill>
-        <a:ln w="19050" cap="rnd" cmpd="sng" algn="ctr">
-          <a:solidFill>
-            <a:schemeClr val="lt1">
-              <a:hueOff val="0"/>
-              <a:satOff val="0"/>
-              <a:lumOff val="0"/>
-              <a:alphaOff val="0"/>
-            </a:schemeClr>
-          </a:solidFill>
-          <a:prstDash val="solid"/>
-        </a:ln>
-        <a:effectLst/>
-      </dsp:spPr>
-      <dsp:style>
-        <a:lnRef idx="2">
-          <a:scrgbClr r="0" g="0" b="0"/>
-        </a:lnRef>
-        <a:fillRef idx="1">
-          <a:scrgbClr r="0" g="0" b="0"/>
-        </a:fillRef>
-        <a:effectRef idx="0">
-          <a:scrgbClr r="0" g="0" b="0"/>
-        </a:effectRef>
-        <a:fontRef idx="minor">
-          <a:schemeClr val="lt1"/>
-        </a:fontRef>
-      </dsp:style>
-      <dsp:txBody>
-        <a:bodyPr spcFirstLastPara="0" vert="horz" wrap="square" lIns="41275" tIns="41275" rIns="41275" bIns="41275" numCol="1" spcCol="1270" anchor="ctr" anchorCtr="0">
-          <a:noAutofit/>
-        </a:bodyPr>
-        <a:lstStyle/>
-        <a:p>
-          <a:pPr marL="0" lvl="0" indent="0" algn="ctr" defTabSz="2889250">
-            <a:lnSpc>
-              <a:spcPct val="90000"/>
-            </a:lnSpc>
-            <a:spcBef>
-              <a:spcPct val="0"/>
-            </a:spcBef>
-            <a:spcAft>
-              <a:spcPct val="35000"/>
-            </a:spcAft>
-            <a:buNone/>
-          </a:pPr>
-          <a:r>
-            <a:rPr lang="en-US" sz="6500" b="1" kern="1200"/>
-            <a:t>Thank you</a:t>
-          </a:r>
-          <a:endParaRPr lang="en-US" sz="6500" kern="1200"/>
-        </a:p>
-      </dsp:txBody>
-      <dsp:txXfrm>
-        <a:off x="780" y="1648912"/>
-        <a:ext cx="6389714" cy="1948862"/>
-      </dsp:txXfrm>
-    </dsp:sp>
   </dsp:spTree>
 </dsp:drawing>
 </file>
@@ -9721,7 +10000,7 @@
   </dgm:layoutNode>
   <dgm:extLst>
     <a:ext uri="{68A01E43-0DF5-4B5B-8FA6-DAF915123BFB}">
-      <dgm1612:lstStyle xmlns:dgm1612="http://schemas.microsoft.com/office/drawing/2016/12/diagram">
+      <dgm1612:lstStyle xmlns:dgm1612="http://schemas.microsoft.com/office/drawing/2016/12/diagram" xmlns="">
         <a:lvl1pPr>
           <a:lnSpc>
             <a:spcPct val="100000"/>
@@ -10015,7 +10294,7 @@
   </dgm:layoutNode>
   <dgm:extLst>
     <a:ext uri="{68A01E43-0DF5-4B5B-8FA6-DAF915123BFB}">
-      <dgm1612:lstStyle xmlns:dgm1612="http://schemas.microsoft.com/office/drawing/2016/12/diagram">
+      <dgm1612:lstStyle xmlns:dgm1612="http://schemas.microsoft.com/office/drawing/2016/12/diagram" xmlns="">
         <a:lvl1pPr>
           <a:lnSpc>
             <a:spcPct val="100000"/>
@@ -10232,7 +10511,7 @@
   </dgm:layoutNode>
   <dgm:extLst>
     <a:ext uri="{68A01E43-0DF5-4B5B-8FA6-DAF915123BFB}">
-      <dgm1612:lstStyle xmlns:dgm1612="http://schemas.microsoft.com/office/drawing/2016/12/diagram">
+      <dgm1612:lstStyle xmlns:dgm1612="http://schemas.microsoft.com/office/drawing/2016/12/diagram" xmlns="">
         <a:lvl1pPr>
           <a:lnSpc>
             <a:spcPct val="100000"/>
@@ -10521,7 +10800,7 @@
   </dgm:layoutNode>
   <dgm:extLst>
     <a:ext uri="{68A01E43-0DF5-4B5B-8FA6-DAF915123BFB}">
-      <dgm1612:lstStyle xmlns:dgm1612="http://schemas.microsoft.com/office/drawing/2016/12/diagram">
+      <dgm1612:lstStyle xmlns:dgm1612="http://schemas.microsoft.com/office/drawing/2016/12/diagram" xmlns="">
         <a:lvl1pPr>
           <a:lnSpc>
             <a:spcPct val="100000"/>
@@ -30067,10 +30346,10 @@
           <p:cNvPr id="8" name="Group 7">
             <a:extLst>
               <a:ext uri="{FF2B5EF4-FFF2-40B4-BE49-F238E27FC236}">
-                <a16:creationId xmlns:a16="http://schemas.microsoft.com/office/drawing/2014/main" id="{7084313B-C03D-4981-9786-879159A60395}"/>
+                <a16:creationId xmlns:a16="http://schemas.microsoft.com/office/drawing/2014/main" xmlns="" id="{7084313B-C03D-4981-9786-879159A60395}"/>
               </a:ext>
               <a:ext uri="{C183D7F6-B498-43B3-948B-1728B52AA6E4}">
-                <adec:decorative xmlns:adec="http://schemas.microsoft.com/office/drawing/2017/decorative" val="1"/>
+                <adec:decorative xmlns:adec="http://schemas.microsoft.com/office/drawing/2017/decorative" xmlns="" val="1"/>
               </a:ext>
             </a:extLst>
           </p:cNvPr>
@@ -30080,7 +30359,7 @@
           <p:nvPr>
             <p:extLst>
               <p:ext uri="{386F3935-93C4-4BCD-93E2-E3B085C9AB24}">
-                <p16:designElem xmlns:p16="http://schemas.microsoft.com/office/powerpoint/2015/main" val="1"/>
+                <p16:designElem xmlns:p16="http://schemas.microsoft.com/office/powerpoint/2015/main" xmlns="" val="1"/>
               </p:ext>
             </p:extLst>
           </p:nvPr>
@@ -30098,10 +30377,10 @@
             <p:cNvPr id="9" name="Rectangle 8">
               <a:extLst>
                 <a:ext uri="{FF2B5EF4-FFF2-40B4-BE49-F238E27FC236}">
-                  <a16:creationId xmlns:a16="http://schemas.microsoft.com/office/drawing/2014/main" id="{A99190B9-52DD-45DC-BE21-AACE88FEC7FE}"/>
+                  <a16:creationId xmlns:a16="http://schemas.microsoft.com/office/drawing/2014/main" xmlns="" id="{A99190B9-52DD-45DC-BE21-AACE88FEC7FE}"/>
                 </a:ext>
                 <a:ext uri="{C183D7F6-B498-43B3-948B-1728B52AA6E4}">
-                  <adec:decorative xmlns:adec="http://schemas.microsoft.com/office/drawing/2017/decorative" val="1"/>
+                  <adec:decorative xmlns:adec="http://schemas.microsoft.com/office/drawing/2017/decorative" xmlns="" val="1"/>
                 </a:ext>
               </a:extLst>
             </p:cNvPr>
@@ -30109,7 +30388,7 @@
             <p:nvPr>
               <p:extLst>
                 <p:ext uri="{386F3935-93C4-4BCD-93E2-E3B085C9AB24}">
-                  <p16:designElem xmlns:p16="http://schemas.microsoft.com/office/powerpoint/2015/main" val="1"/>
+                  <p16:designElem xmlns:p16="http://schemas.microsoft.com/office/powerpoint/2015/main" xmlns="" val="1"/>
                 </p:ext>
               </p:extLst>
             </p:nvPr>
@@ -30168,10 +30447,10 @@
             <p:cNvPr id="10" name="Oval 9">
               <a:extLst>
                 <a:ext uri="{FF2B5EF4-FFF2-40B4-BE49-F238E27FC236}">
-                  <a16:creationId xmlns:a16="http://schemas.microsoft.com/office/drawing/2014/main" id="{D1EE260A-12FB-4D71-A318-71BED7FF314B}"/>
+                  <a16:creationId xmlns:a16="http://schemas.microsoft.com/office/drawing/2014/main" xmlns="" id="{D1EE260A-12FB-4D71-A318-71BED7FF314B}"/>
                 </a:ext>
                 <a:ext uri="{C183D7F6-B498-43B3-948B-1728B52AA6E4}">
-                  <adec:decorative xmlns:adec="http://schemas.microsoft.com/office/drawing/2017/decorative" val="1"/>
+                  <adec:decorative xmlns:adec="http://schemas.microsoft.com/office/drawing/2017/decorative" xmlns="" val="1"/>
                 </a:ext>
               </a:extLst>
             </p:cNvPr>
@@ -30179,7 +30458,7 @@
             <p:nvPr>
               <p:extLst>
                 <p:ext uri="{386F3935-93C4-4BCD-93E2-E3B085C9AB24}">
-                  <p16:designElem xmlns:p16="http://schemas.microsoft.com/office/powerpoint/2015/main" val="1"/>
+                  <p16:designElem xmlns:p16="http://schemas.microsoft.com/office/powerpoint/2015/main" xmlns="" val="1"/>
                 </p:ext>
               </p:extLst>
             </p:nvPr>
@@ -30240,10 +30519,10 @@
             <p:cNvPr id="11" name="Oval 10">
               <a:extLst>
                 <a:ext uri="{FF2B5EF4-FFF2-40B4-BE49-F238E27FC236}">
-                  <a16:creationId xmlns:a16="http://schemas.microsoft.com/office/drawing/2014/main" id="{B52EC39A-8D44-4CEF-820F-A442CFA42DE1}"/>
+                  <a16:creationId xmlns:a16="http://schemas.microsoft.com/office/drawing/2014/main" xmlns="" id="{B52EC39A-8D44-4CEF-820F-A442CFA42DE1}"/>
                 </a:ext>
                 <a:ext uri="{C183D7F6-B498-43B3-948B-1728B52AA6E4}">
-                  <adec:decorative xmlns:adec="http://schemas.microsoft.com/office/drawing/2017/decorative" val="1"/>
+                  <adec:decorative xmlns:adec="http://schemas.microsoft.com/office/drawing/2017/decorative" xmlns="" val="1"/>
                 </a:ext>
               </a:extLst>
             </p:cNvPr>
@@ -30251,7 +30530,7 @@
             <p:nvPr>
               <p:extLst>
                 <p:ext uri="{386F3935-93C4-4BCD-93E2-E3B085C9AB24}">
-                  <p16:designElem xmlns:p16="http://schemas.microsoft.com/office/powerpoint/2015/main" val="1"/>
+                  <p16:designElem xmlns:p16="http://schemas.microsoft.com/office/powerpoint/2015/main" xmlns="" val="1"/>
                 </p:ext>
               </p:extLst>
             </p:nvPr>
@@ -30312,10 +30591,10 @@
             <p:cNvPr id="12" name="Oval 11">
               <a:extLst>
                 <a:ext uri="{FF2B5EF4-FFF2-40B4-BE49-F238E27FC236}">
-                  <a16:creationId xmlns:a16="http://schemas.microsoft.com/office/drawing/2014/main" id="{2D010773-529F-4A3D-A0AB-E7CE12DC6173}"/>
+                  <a16:creationId xmlns:a16="http://schemas.microsoft.com/office/drawing/2014/main" xmlns="" id="{2D010773-529F-4A3D-A0AB-E7CE12DC6173}"/>
                 </a:ext>
                 <a:ext uri="{C183D7F6-B498-43B3-948B-1728B52AA6E4}">
-                  <adec:decorative xmlns:adec="http://schemas.microsoft.com/office/drawing/2017/decorative" val="1"/>
+                  <adec:decorative xmlns:adec="http://schemas.microsoft.com/office/drawing/2017/decorative" xmlns="" val="1"/>
                 </a:ext>
               </a:extLst>
             </p:cNvPr>
@@ -30323,7 +30602,7 @@
             <p:nvPr>
               <p:extLst>
                 <p:ext uri="{386F3935-93C4-4BCD-93E2-E3B085C9AB24}">
-                  <p16:designElem xmlns:p16="http://schemas.microsoft.com/office/powerpoint/2015/main" val="1"/>
+                  <p16:designElem xmlns:p16="http://schemas.microsoft.com/office/powerpoint/2015/main" xmlns="" val="1"/>
                 </p:ext>
               </p:extLst>
             </p:nvPr>
@@ -30384,10 +30663,10 @@
             <p:cNvPr id="13" name="Oval 12">
               <a:extLst>
                 <a:ext uri="{FF2B5EF4-FFF2-40B4-BE49-F238E27FC236}">
-                  <a16:creationId xmlns:a16="http://schemas.microsoft.com/office/drawing/2014/main" id="{D7582733-2D5B-4103-A63C-0D0D81780468}"/>
+                  <a16:creationId xmlns:a16="http://schemas.microsoft.com/office/drawing/2014/main" xmlns="" id="{D7582733-2D5B-4103-A63C-0D0D81780468}"/>
                 </a:ext>
                 <a:ext uri="{C183D7F6-B498-43B3-948B-1728B52AA6E4}">
-                  <adec:decorative xmlns:adec="http://schemas.microsoft.com/office/drawing/2017/decorative" val="1"/>
+                  <adec:decorative xmlns:adec="http://schemas.microsoft.com/office/drawing/2017/decorative" xmlns="" val="1"/>
                 </a:ext>
               </a:extLst>
             </p:cNvPr>
@@ -30395,7 +30674,7 @@
             <p:nvPr>
               <p:extLst>
                 <p:ext uri="{386F3935-93C4-4BCD-93E2-E3B085C9AB24}">
-                  <p16:designElem xmlns:p16="http://schemas.microsoft.com/office/powerpoint/2015/main" val="1"/>
+                  <p16:designElem xmlns:p16="http://schemas.microsoft.com/office/powerpoint/2015/main" xmlns="" val="1"/>
                 </p:ext>
               </p:extLst>
             </p:nvPr>
@@ -30456,10 +30735,10 @@
             <p:cNvPr id="14" name="Oval 13">
               <a:extLst>
                 <a:ext uri="{FF2B5EF4-FFF2-40B4-BE49-F238E27FC236}">
-                  <a16:creationId xmlns:a16="http://schemas.microsoft.com/office/drawing/2014/main" id="{6D073C2A-0E86-458E-88D4-27124FDADCAA}"/>
+                  <a16:creationId xmlns:a16="http://schemas.microsoft.com/office/drawing/2014/main" xmlns="" id="{6D073C2A-0E86-458E-88D4-27124FDADCAA}"/>
                 </a:ext>
                 <a:ext uri="{C183D7F6-B498-43B3-948B-1728B52AA6E4}">
-                  <adec:decorative xmlns:adec="http://schemas.microsoft.com/office/drawing/2017/decorative" val="1"/>
+                  <adec:decorative xmlns:adec="http://schemas.microsoft.com/office/drawing/2017/decorative" xmlns="" val="1"/>
                 </a:ext>
               </a:extLst>
             </p:cNvPr>
@@ -30467,7 +30746,7 @@
             <p:nvPr>
               <p:extLst>
                 <p:ext uri="{386F3935-93C4-4BCD-93E2-E3B085C9AB24}">
-                  <p16:designElem xmlns:p16="http://schemas.microsoft.com/office/powerpoint/2015/main" val="1"/>
+                  <p16:designElem xmlns:p16="http://schemas.microsoft.com/office/powerpoint/2015/main" xmlns="" val="1"/>
                 </p:ext>
               </p:extLst>
             </p:nvPr>
@@ -30528,10 +30807,10 @@
             <p:cNvPr id="15" name="Freeform 5">
               <a:extLst>
                 <a:ext uri="{FF2B5EF4-FFF2-40B4-BE49-F238E27FC236}">
-                  <a16:creationId xmlns:a16="http://schemas.microsoft.com/office/drawing/2014/main" id="{01A64F04-7AF7-48B9-A1B0-956BBCEEFE5A}"/>
+                  <a16:creationId xmlns:a16="http://schemas.microsoft.com/office/drawing/2014/main" xmlns="" id="{01A64F04-7AF7-48B9-A1B0-956BBCEEFE5A}"/>
                 </a:ext>
                 <a:ext uri="{C183D7F6-B498-43B3-948B-1728B52AA6E4}">
-                  <adec:decorative xmlns:adec="http://schemas.microsoft.com/office/drawing/2017/decorative" val="1"/>
+                  <adec:decorative xmlns:adec="http://schemas.microsoft.com/office/drawing/2017/decorative" xmlns="" val="1"/>
                 </a:ext>
               </a:extLst>
             </p:cNvPr>
@@ -30539,7 +30818,7 @@
             <p:nvPr>
               <p:extLst>
                 <p:ext uri="{386F3935-93C4-4BCD-93E2-E3B085C9AB24}">
-                  <p16:designElem xmlns:p16="http://schemas.microsoft.com/office/powerpoint/2015/main" val="1"/>
+                  <p16:designElem xmlns:p16="http://schemas.microsoft.com/office/powerpoint/2015/main" xmlns="" val="1"/>
                 </p:ext>
               </p:extLst>
             </p:nvPr>
@@ -30690,10 +30969,10 @@
             <p:cNvPr id="16" name="Freeform 5">
               <a:extLst>
                 <a:ext uri="{FF2B5EF4-FFF2-40B4-BE49-F238E27FC236}">
-                  <a16:creationId xmlns:a16="http://schemas.microsoft.com/office/drawing/2014/main" id="{989ABE99-7694-4211-A627-459BE5422B62}"/>
+                  <a16:creationId xmlns:a16="http://schemas.microsoft.com/office/drawing/2014/main" xmlns="" id="{989ABE99-7694-4211-A627-459BE5422B62}"/>
                 </a:ext>
                 <a:ext uri="{C183D7F6-B498-43B3-948B-1728B52AA6E4}">
-                  <adec:decorative xmlns:adec="http://schemas.microsoft.com/office/drawing/2017/decorative" val="1"/>
+                  <adec:decorative xmlns:adec="http://schemas.microsoft.com/office/drawing/2017/decorative" xmlns="" val="1"/>
                 </a:ext>
               </a:extLst>
             </p:cNvPr>
@@ -30701,7 +30980,7 @@
             <p:nvPr>
               <p:extLst>
                 <p:ext uri="{386F3935-93C4-4BCD-93E2-E3B085C9AB24}">
-                  <p16:designElem xmlns:p16="http://schemas.microsoft.com/office/powerpoint/2015/main" val="1"/>
+                  <p16:designElem xmlns:p16="http://schemas.microsoft.com/office/powerpoint/2015/main" xmlns="" val="1"/>
                 </p:ext>
               </p:extLst>
             </p:nvPr>
@@ -30889,10 +31168,10 @@
             <p:cNvPr id="17" name="Freeform 5">
               <a:extLst>
                 <a:ext uri="{FF2B5EF4-FFF2-40B4-BE49-F238E27FC236}">
-                  <a16:creationId xmlns:a16="http://schemas.microsoft.com/office/drawing/2014/main" id="{254B4214-6F53-497C-8322-9CE8158AA335}"/>
+                  <a16:creationId xmlns:a16="http://schemas.microsoft.com/office/drawing/2014/main" xmlns="" id="{254B4214-6F53-497C-8322-9CE8158AA335}"/>
                 </a:ext>
                 <a:ext uri="{C183D7F6-B498-43B3-948B-1728B52AA6E4}">
-                  <adec:decorative xmlns:adec="http://schemas.microsoft.com/office/drawing/2017/decorative" val="1"/>
+                  <adec:decorative xmlns:adec="http://schemas.microsoft.com/office/drawing/2017/decorative" xmlns="" val="1"/>
                 </a:ext>
               </a:extLst>
             </p:cNvPr>
@@ -30902,7 +31181,7 @@
             <p:nvPr>
               <p:extLst>
                 <p:ext uri="{386F3935-93C4-4BCD-93E2-E3B085C9AB24}">
-                  <p16:designElem xmlns:p16="http://schemas.microsoft.com/office/powerpoint/2015/main" val="1"/>
+                  <p16:designElem xmlns:p16="http://schemas.microsoft.com/office/powerpoint/2015/main" xmlns="" val="1"/>
                 </p:ext>
               </p:extLst>
             </p:nvPr>
@@ -30969,10 +31248,10 @@
           <p:cNvPr id="19" name="Rectangle 18">
             <a:extLst>
               <a:ext uri="{FF2B5EF4-FFF2-40B4-BE49-F238E27FC236}">
-                <a16:creationId xmlns:a16="http://schemas.microsoft.com/office/drawing/2014/main" id="{20E145FF-1D18-4246-A2BA-9F6B4D53364C}"/>
+                <a16:creationId xmlns:a16="http://schemas.microsoft.com/office/drawing/2014/main" xmlns="" id="{20E145FF-1D18-4246-A2BA-9F6B4D53364C}"/>
               </a:ext>
               <a:ext uri="{C183D7F6-B498-43B3-948B-1728B52AA6E4}">
-                <adec:decorative xmlns:adec="http://schemas.microsoft.com/office/drawing/2017/decorative" val="1"/>
+                <adec:decorative xmlns:adec="http://schemas.microsoft.com/office/drawing/2017/decorative" xmlns="" val="1"/>
               </a:ext>
             </a:extLst>
           </p:cNvPr>
@@ -30982,7 +31261,7 @@
           <p:nvPr>
             <p:extLst>
               <p:ext uri="{386F3935-93C4-4BCD-93E2-E3B085C9AB24}">
-                <p16:designElem xmlns:p16="http://schemas.microsoft.com/office/powerpoint/2015/main" val="1"/>
+                <p16:designElem xmlns:p16="http://schemas.microsoft.com/office/powerpoint/2015/main" xmlns="" val="1"/>
               </p:ext>
             </p:extLst>
           </p:nvPr>
@@ -31022,10 +31301,10 @@
           <p:cNvPr id="21" name="Rectangle 20">
             <a:extLst>
               <a:ext uri="{FF2B5EF4-FFF2-40B4-BE49-F238E27FC236}">
-                <a16:creationId xmlns:a16="http://schemas.microsoft.com/office/drawing/2014/main" id="{C314C310-850D-4491-AA52-C75BEA68B68C}"/>
+                <a16:creationId xmlns:a16="http://schemas.microsoft.com/office/drawing/2014/main" xmlns="" id="{C314C310-850D-4491-AA52-C75BEA68B68C}"/>
               </a:ext>
               <a:ext uri="{C183D7F6-B498-43B3-948B-1728B52AA6E4}">
-                <adec:decorative xmlns:adec="http://schemas.microsoft.com/office/drawing/2017/decorative" val="1"/>
+                <adec:decorative xmlns:adec="http://schemas.microsoft.com/office/drawing/2017/decorative" xmlns="" val="1"/>
               </a:ext>
             </a:extLst>
           </p:cNvPr>
@@ -31035,7 +31314,7 @@
           <p:nvPr>
             <p:extLst>
               <p:ext uri="{386F3935-93C4-4BCD-93E2-E3B085C9AB24}">
-                <p16:designElem xmlns:p16="http://schemas.microsoft.com/office/powerpoint/2015/main" val="1"/>
+                <p16:designElem xmlns:p16="http://schemas.microsoft.com/office/powerpoint/2015/main" xmlns="" val="1"/>
               </p:ext>
             </p:extLst>
           </p:nvPr>
@@ -31082,10 +31361,10 @@
           <p:cNvPr id="23" name="Group 22">
             <a:extLst>
               <a:ext uri="{FF2B5EF4-FFF2-40B4-BE49-F238E27FC236}">
-                <a16:creationId xmlns:a16="http://schemas.microsoft.com/office/drawing/2014/main" id="{D4EC3799-3F52-48CE-85CC-83AED368EB42}"/>
+                <a16:creationId xmlns:a16="http://schemas.microsoft.com/office/drawing/2014/main" xmlns="" id="{D4EC3799-3F52-48CE-85CC-83AED368EB42}"/>
               </a:ext>
               <a:ext uri="{C183D7F6-B498-43B3-948B-1728B52AA6E4}">
-                <adec:decorative xmlns:adec="http://schemas.microsoft.com/office/drawing/2017/decorative" val="1"/>
+                <adec:decorative xmlns:adec="http://schemas.microsoft.com/office/drawing/2017/decorative" xmlns="" val="1"/>
               </a:ext>
             </a:extLst>
           </p:cNvPr>
@@ -31095,7 +31374,7 @@
           <p:nvPr>
             <p:extLst>
               <p:ext uri="{386F3935-93C4-4BCD-93E2-E3B085C9AB24}">
-                <p16:designElem xmlns:p16="http://schemas.microsoft.com/office/powerpoint/2015/main" val="1"/>
+                <p16:designElem xmlns:p16="http://schemas.microsoft.com/office/powerpoint/2015/main" xmlns="" val="1"/>
               </p:ext>
             </p:extLst>
           </p:nvPr>
@@ -31113,10 +31392,10 @@
             <p:cNvPr id="24" name="Rectangle 23">
               <a:extLst>
                 <a:ext uri="{FF2B5EF4-FFF2-40B4-BE49-F238E27FC236}">
-                  <a16:creationId xmlns:a16="http://schemas.microsoft.com/office/drawing/2014/main" id="{F3FC2939-BF10-4CBC-904B-74A17D4B9C35}"/>
+                  <a16:creationId xmlns:a16="http://schemas.microsoft.com/office/drawing/2014/main" xmlns="" id="{F3FC2939-BF10-4CBC-904B-74A17D4B9C35}"/>
                 </a:ext>
                 <a:ext uri="{C183D7F6-B498-43B3-948B-1728B52AA6E4}">
-                  <adec:decorative xmlns:adec="http://schemas.microsoft.com/office/drawing/2017/decorative" val="1"/>
+                  <adec:decorative xmlns:adec="http://schemas.microsoft.com/office/drawing/2017/decorative" xmlns="" val="1"/>
                 </a:ext>
               </a:extLst>
             </p:cNvPr>
@@ -31124,7 +31403,7 @@
             <p:nvPr>
               <p:extLst>
                 <p:ext uri="{386F3935-93C4-4BCD-93E2-E3B085C9AB24}">
-                  <p16:designElem xmlns:p16="http://schemas.microsoft.com/office/powerpoint/2015/main" val="1"/>
+                  <p16:designElem xmlns:p16="http://schemas.microsoft.com/office/powerpoint/2015/main" xmlns="" val="1"/>
                 </p:ext>
               </p:extLst>
             </p:nvPr>
@@ -31164,10 +31443,10 @@
             <p:cNvPr id="25" name="Freeform 5">
               <a:extLst>
                 <a:ext uri="{FF2B5EF4-FFF2-40B4-BE49-F238E27FC236}">
-                  <a16:creationId xmlns:a16="http://schemas.microsoft.com/office/drawing/2014/main" id="{266B6D5D-11B6-40A6-9CEF-F0B0D104C5C6}"/>
+                  <a16:creationId xmlns:a16="http://schemas.microsoft.com/office/drawing/2014/main" xmlns="" id="{266B6D5D-11B6-40A6-9CEF-F0B0D104C5C6}"/>
                 </a:ext>
                 <a:ext uri="{C183D7F6-B498-43B3-948B-1728B52AA6E4}">
-                  <adec:decorative xmlns:adec="http://schemas.microsoft.com/office/drawing/2017/decorative" val="1"/>
+                  <adec:decorative xmlns:adec="http://schemas.microsoft.com/office/drawing/2017/decorative" xmlns="" val="1"/>
                 </a:ext>
               </a:extLst>
             </p:cNvPr>
@@ -31177,7 +31456,7 @@
             <p:nvPr>
               <p:extLst>
                 <p:ext uri="{386F3935-93C4-4BCD-93E2-E3B085C9AB24}">
-                  <p16:designElem xmlns:p16="http://schemas.microsoft.com/office/powerpoint/2015/main" val="1"/>
+                  <p16:designElem xmlns:p16="http://schemas.microsoft.com/office/powerpoint/2015/main" xmlns="" val="1"/>
                 </p:ext>
               </p:extLst>
             </p:nvPr>
@@ -31278,10 +31557,10 @@
           <p:cNvPr id="27" name="Straight Connector 26">
             <a:extLst>
               <a:ext uri="{FF2B5EF4-FFF2-40B4-BE49-F238E27FC236}">
-                <a16:creationId xmlns:a16="http://schemas.microsoft.com/office/drawing/2014/main" id="{789E20C7-BB50-4317-93C7-90C8ED80B275}"/>
+                <a16:creationId xmlns:a16="http://schemas.microsoft.com/office/drawing/2014/main" xmlns="" id="{789E20C7-BB50-4317-93C7-90C8ED80B275}"/>
               </a:ext>
               <a:ext uri="{C183D7F6-B498-43B3-948B-1728B52AA6E4}">
-                <adec:decorative xmlns:adec="http://schemas.microsoft.com/office/drawing/2017/decorative" val="1"/>
+                <adec:decorative xmlns:adec="http://schemas.microsoft.com/office/drawing/2017/decorative" xmlns="" val="1"/>
               </a:ext>
             </a:extLst>
           </p:cNvPr>
@@ -31291,7 +31570,7 @@
           <p:nvPr>
             <p:extLst>
               <p:ext uri="{386F3935-93C4-4BCD-93E2-E3B085C9AB24}">
-                <p16:designElem xmlns:p16="http://schemas.microsoft.com/office/powerpoint/2015/main" val="1"/>
+                <p16:designElem xmlns:p16="http://schemas.microsoft.com/office/powerpoint/2015/main" xmlns="" val="1"/>
               </p:ext>
             </p:extLst>
           </p:nvPr>
@@ -31458,10 +31737,10 @@
           <p:cNvPr id="9" name="Group 8">
             <a:extLst>
               <a:ext uri="{FF2B5EF4-FFF2-40B4-BE49-F238E27FC236}">
-                <a16:creationId xmlns:a16="http://schemas.microsoft.com/office/drawing/2014/main" id="{08BCF048-8940-4354-B9EC-5AD74E283CE3}"/>
+                <a16:creationId xmlns:a16="http://schemas.microsoft.com/office/drawing/2014/main" xmlns="" id="{08BCF048-8940-4354-B9EC-5AD74E283CE3}"/>
               </a:ext>
               <a:ext uri="{C183D7F6-B498-43B3-948B-1728B52AA6E4}">
-                <adec:decorative xmlns:adec="http://schemas.microsoft.com/office/drawing/2017/decorative" val="1"/>
+                <adec:decorative xmlns:adec="http://schemas.microsoft.com/office/drawing/2017/decorative" xmlns="" val="1"/>
               </a:ext>
             </a:extLst>
           </p:cNvPr>
@@ -31471,7 +31750,7 @@
           <p:nvPr>
             <p:extLst>
               <p:ext uri="{386F3935-93C4-4BCD-93E2-E3B085C9AB24}">
-                <p16:designElem xmlns:p16="http://schemas.microsoft.com/office/powerpoint/2015/main" val="1"/>
+                <p16:designElem xmlns:p16="http://schemas.microsoft.com/office/powerpoint/2015/main" xmlns="" val="1"/>
               </p:ext>
             </p:extLst>
           </p:nvPr>
@@ -31489,10 +31768,10 @@
             <p:cNvPr id="10" name="Rectangle 9">
               <a:extLst>
                 <a:ext uri="{FF2B5EF4-FFF2-40B4-BE49-F238E27FC236}">
-                  <a16:creationId xmlns:a16="http://schemas.microsoft.com/office/drawing/2014/main" id="{D024C14A-78BD-44B0-82BE-6A0D0A27063A}"/>
+                  <a16:creationId xmlns:a16="http://schemas.microsoft.com/office/drawing/2014/main" xmlns="" id="{D024C14A-78BD-44B0-82BE-6A0D0A27063A}"/>
                 </a:ext>
                 <a:ext uri="{C183D7F6-B498-43B3-948B-1728B52AA6E4}">
-                  <adec:decorative xmlns:adec="http://schemas.microsoft.com/office/drawing/2017/decorative" val="1"/>
+                  <adec:decorative xmlns:adec="http://schemas.microsoft.com/office/drawing/2017/decorative" xmlns="" val="1"/>
                 </a:ext>
               </a:extLst>
             </p:cNvPr>
@@ -31500,7 +31779,7 @@
             <p:nvPr>
               <p:extLst>
                 <p:ext uri="{386F3935-93C4-4BCD-93E2-E3B085C9AB24}">
-                  <p16:designElem xmlns:p16="http://schemas.microsoft.com/office/powerpoint/2015/main" val="1"/>
+                  <p16:designElem xmlns:p16="http://schemas.microsoft.com/office/powerpoint/2015/main" xmlns="" val="1"/>
                 </p:ext>
               </p:extLst>
             </p:nvPr>
@@ -31559,10 +31838,10 @@
             <p:cNvPr id="11" name="Oval 10">
               <a:extLst>
                 <a:ext uri="{FF2B5EF4-FFF2-40B4-BE49-F238E27FC236}">
-                  <a16:creationId xmlns:a16="http://schemas.microsoft.com/office/drawing/2014/main" id="{809F3D29-EDB1-4F1C-A0E0-36F28CE17188}"/>
+                  <a16:creationId xmlns:a16="http://schemas.microsoft.com/office/drawing/2014/main" xmlns="" id="{809F3D29-EDB1-4F1C-A0E0-36F28CE17188}"/>
                 </a:ext>
                 <a:ext uri="{C183D7F6-B498-43B3-948B-1728B52AA6E4}">
-                  <adec:decorative xmlns:adec="http://schemas.microsoft.com/office/drawing/2017/decorative" val="1"/>
+                  <adec:decorative xmlns:adec="http://schemas.microsoft.com/office/drawing/2017/decorative" xmlns="" val="1"/>
                 </a:ext>
               </a:extLst>
             </p:cNvPr>
@@ -31570,7 +31849,7 @@
             <p:nvPr>
               <p:extLst>
                 <p:ext uri="{386F3935-93C4-4BCD-93E2-E3B085C9AB24}">
-                  <p16:designElem xmlns:p16="http://schemas.microsoft.com/office/powerpoint/2015/main" val="1"/>
+                  <p16:designElem xmlns:p16="http://schemas.microsoft.com/office/powerpoint/2015/main" xmlns="" val="1"/>
                 </p:ext>
               </p:extLst>
             </p:nvPr>
@@ -31631,10 +31910,10 @@
             <p:cNvPr id="12" name="Oval 11">
               <a:extLst>
                 <a:ext uri="{FF2B5EF4-FFF2-40B4-BE49-F238E27FC236}">
-                  <a16:creationId xmlns:a16="http://schemas.microsoft.com/office/drawing/2014/main" id="{5282F4AB-C7B8-4A86-9927-AA106AA27B41}"/>
+                  <a16:creationId xmlns:a16="http://schemas.microsoft.com/office/drawing/2014/main" xmlns="" id="{5282F4AB-C7B8-4A86-9927-AA106AA27B41}"/>
                 </a:ext>
                 <a:ext uri="{C183D7F6-B498-43B3-948B-1728B52AA6E4}">
-                  <adec:decorative xmlns:adec="http://schemas.microsoft.com/office/drawing/2017/decorative" val="1"/>
+                  <adec:decorative xmlns:adec="http://schemas.microsoft.com/office/drawing/2017/decorative" xmlns="" val="1"/>
                 </a:ext>
               </a:extLst>
             </p:cNvPr>
@@ -31642,7 +31921,7 @@
             <p:nvPr>
               <p:extLst>
                 <p:ext uri="{386F3935-93C4-4BCD-93E2-E3B085C9AB24}">
-                  <p16:designElem xmlns:p16="http://schemas.microsoft.com/office/powerpoint/2015/main" val="1"/>
+                  <p16:designElem xmlns:p16="http://schemas.microsoft.com/office/powerpoint/2015/main" xmlns="" val="1"/>
                 </p:ext>
               </p:extLst>
             </p:nvPr>
@@ -31703,10 +31982,10 @@
             <p:cNvPr id="13" name="Rectangle 12">
               <a:extLst>
                 <a:ext uri="{FF2B5EF4-FFF2-40B4-BE49-F238E27FC236}">
-                  <a16:creationId xmlns:a16="http://schemas.microsoft.com/office/drawing/2014/main" id="{60B26874-5AFA-4D1E-94A9-53AF9790D702}"/>
+                  <a16:creationId xmlns:a16="http://schemas.microsoft.com/office/drawing/2014/main" xmlns="" id="{60B26874-5AFA-4D1E-94A9-53AF9790D702}"/>
                 </a:ext>
                 <a:ext uri="{C183D7F6-B498-43B3-948B-1728B52AA6E4}">
-                  <adec:decorative xmlns:adec="http://schemas.microsoft.com/office/drawing/2017/decorative" val="1"/>
+                  <adec:decorative xmlns:adec="http://schemas.microsoft.com/office/drawing/2017/decorative" xmlns="" val="1"/>
                 </a:ext>
               </a:extLst>
             </p:cNvPr>
@@ -31714,7 +31993,7 @@
             <p:nvPr>
               <p:extLst>
                 <p:ext uri="{386F3935-93C4-4BCD-93E2-E3B085C9AB24}">
-                  <p16:designElem xmlns:p16="http://schemas.microsoft.com/office/powerpoint/2015/main" val="1"/>
+                  <p16:designElem xmlns:p16="http://schemas.microsoft.com/office/powerpoint/2015/main" xmlns="" val="1"/>
                 </p:ext>
               </p:extLst>
             </p:nvPr>
@@ -31755,10 +32034,10 @@
             <p:cNvPr id="14" name="Freeform 5">
               <a:extLst>
                 <a:ext uri="{FF2B5EF4-FFF2-40B4-BE49-F238E27FC236}">
-                  <a16:creationId xmlns:a16="http://schemas.microsoft.com/office/drawing/2014/main" id="{A1DA6C95-40F8-4305-89F6-17F6167C0BF2}"/>
+                  <a16:creationId xmlns:a16="http://schemas.microsoft.com/office/drawing/2014/main" xmlns="" id="{A1DA6C95-40F8-4305-89F6-17F6167C0BF2}"/>
                 </a:ext>
                 <a:ext uri="{C183D7F6-B498-43B3-948B-1728B52AA6E4}">
-                  <adec:decorative xmlns:adec="http://schemas.microsoft.com/office/drawing/2017/decorative" val="1"/>
+                  <adec:decorative xmlns:adec="http://schemas.microsoft.com/office/drawing/2017/decorative" xmlns="" val="1"/>
                 </a:ext>
               </a:extLst>
             </p:cNvPr>
@@ -31766,7 +32045,7 @@
             <p:nvPr>
               <p:extLst>
                 <p:ext uri="{386F3935-93C4-4BCD-93E2-E3B085C9AB24}">
-                  <p16:designElem xmlns:p16="http://schemas.microsoft.com/office/powerpoint/2015/main" val="1"/>
+                  <p16:designElem xmlns:p16="http://schemas.microsoft.com/office/powerpoint/2015/main" xmlns="" val="1"/>
                 </p:ext>
               </p:extLst>
             </p:nvPr>
@@ -31917,10 +32196,10 @@
             <p:cNvPr id="15" name="Freeform 5">
               <a:extLst>
                 <a:ext uri="{FF2B5EF4-FFF2-40B4-BE49-F238E27FC236}">
-                  <a16:creationId xmlns:a16="http://schemas.microsoft.com/office/drawing/2014/main" id="{A2FA2D29-AEEE-4FFA-B233-94FBE84C9B41}"/>
+                  <a16:creationId xmlns:a16="http://schemas.microsoft.com/office/drawing/2014/main" xmlns="" id="{A2FA2D29-AEEE-4FFA-B233-94FBE84C9B41}"/>
                 </a:ext>
                 <a:ext uri="{C183D7F6-B498-43B3-948B-1728B52AA6E4}">
-                  <adec:decorative xmlns:adec="http://schemas.microsoft.com/office/drawing/2017/decorative" val="1"/>
+                  <adec:decorative xmlns:adec="http://schemas.microsoft.com/office/drawing/2017/decorative" xmlns="" val="1"/>
                 </a:ext>
               </a:extLst>
             </p:cNvPr>
@@ -31928,7 +32207,7 @@
             <p:nvPr>
               <p:extLst>
                 <p:ext uri="{386F3935-93C4-4BCD-93E2-E3B085C9AB24}">
-                  <p16:designElem xmlns:p16="http://schemas.microsoft.com/office/powerpoint/2015/main" val="1"/>
+                  <p16:designElem xmlns:p16="http://schemas.microsoft.com/office/powerpoint/2015/main" xmlns="" val="1"/>
                 </p:ext>
               </p:extLst>
             </p:nvPr>
@@ -32116,10 +32395,10 @@
             <p:cNvPr id="16" name="Freeform 5">
               <a:extLst>
                 <a:ext uri="{FF2B5EF4-FFF2-40B4-BE49-F238E27FC236}">
-                  <a16:creationId xmlns:a16="http://schemas.microsoft.com/office/drawing/2014/main" id="{6DA5143E-FA8E-4EC1-99F7-35AE5AD4E377}"/>
+                  <a16:creationId xmlns:a16="http://schemas.microsoft.com/office/drawing/2014/main" xmlns="" id="{6DA5143E-FA8E-4EC1-99F7-35AE5AD4E377}"/>
                 </a:ext>
                 <a:ext uri="{C183D7F6-B498-43B3-948B-1728B52AA6E4}">
-                  <adec:decorative xmlns:adec="http://schemas.microsoft.com/office/drawing/2017/decorative" val="1"/>
+                  <adec:decorative xmlns:adec="http://schemas.microsoft.com/office/drawing/2017/decorative" xmlns="" val="1"/>
                 </a:ext>
               </a:extLst>
             </p:cNvPr>
@@ -32129,7 +32408,7 @@
             <p:nvPr>
               <p:extLst>
                 <p:ext uri="{386F3935-93C4-4BCD-93E2-E3B085C9AB24}">
-                  <p16:designElem xmlns:p16="http://schemas.microsoft.com/office/powerpoint/2015/main" val="1"/>
+                  <p16:designElem xmlns:p16="http://schemas.microsoft.com/office/powerpoint/2015/main" xmlns="" val="1"/>
                 </p:ext>
               </p:extLst>
             </p:nvPr>
@@ -32196,10 +32475,10 @@
           <p:cNvPr id="18" name="Rectangle 17">
             <a:extLst>
               <a:ext uri="{FF2B5EF4-FFF2-40B4-BE49-F238E27FC236}">
-                <a16:creationId xmlns:a16="http://schemas.microsoft.com/office/drawing/2014/main" id="{CC28BCC9-4093-4FD5-83EB-7EC297F51396}"/>
+                <a16:creationId xmlns:a16="http://schemas.microsoft.com/office/drawing/2014/main" xmlns="" id="{CC28BCC9-4093-4FD5-83EB-7EC297F51396}"/>
               </a:ext>
               <a:ext uri="{C183D7F6-B498-43B3-948B-1728B52AA6E4}">
-                <adec:decorative xmlns:adec="http://schemas.microsoft.com/office/drawing/2017/decorative" val="1"/>
+                <adec:decorative xmlns:adec="http://schemas.microsoft.com/office/drawing/2017/decorative" xmlns="" val="1"/>
               </a:ext>
             </a:extLst>
           </p:cNvPr>
@@ -32209,7 +32488,7 @@
           <p:nvPr>
             <p:extLst>
               <p:ext uri="{386F3935-93C4-4BCD-93E2-E3B085C9AB24}">
-                <p16:designElem xmlns:p16="http://schemas.microsoft.com/office/powerpoint/2015/main" val="1"/>
+                <p16:designElem xmlns:p16="http://schemas.microsoft.com/office/powerpoint/2015/main" xmlns="" val="1"/>
               </p:ext>
             </p:extLst>
           </p:nvPr>
@@ -32249,7 +32528,7 @@
           <p:cNvPr id="5" name="Content Placeholder 2">
             <a:extLst>
               <a:ext uri="{FF2B5EF4-FFF2-40B4-BE49-F238E27FC236}">
-                <a16:creationId xmlns:a16="http://schemas.microsoft.com/office/drawing/2014/main" id="{B0E43E12-9505-22F1-0FCF-55586137BA3A}"/>
+                <a16:creationId xmlns:a16="http://schemas.microsoft.com/office/drawing/2014/main" xmlns="" id="{B0E43E12-9505-22F1-0FCF-55586137BA3A}"/>
               </a:ext>
             </a:extLst>
           </p:cNvPr>
@@ -32333,7 +32612,7 @@
           <p:cNvPr id="6" name="Content Placeholder 2">
             <a:extLst>
               <a:ext uri="{FF2B5EF4-FFF2-40B4-BE49-F238E27FC236}">
-                <a16:creationId xmlns:a16="http://schemas.microsoft.com/office/drawing/2014/main" id="{766B9122-6238-1201-A008-DC3229F3337C}"/>
+                <a16:creationId xmlns:a16="http://schemas.microsoft.com/office/drawing/2014/main" xmlns="" id="{766B9122-6238-1201-A008-DC3229F3337C}"/>
               </a:ext>
             </a:extLst>
           </p:cNvPr>
@@ -32344,7 +32623,7 @@
             <p:ph idx="1"/>
             <p:extLst>
               <p:ext uri="{D42A27DB-BD31-4B8C-83A1-F6EECF244321}">
-                <p14:modId xmlns:p14="http://schemas.microsoft.com/office/powerpoint/2010/main" val="2529975331"/>
+                <p14:modId xmlns:p14="http://schemas.microsoft.com/office/powerpoint/2010/main" val="104033153"/>
               </p:ext>
             </p:extLst>
           </p:nvPr>
@@ -32402,10 +32681,10 @@
           <p:cNvPr id="13" name="Group 12">
             <a:extLst>
               <a:ext uri="{FF2B5EF4-FFF2-40B4-BE49-F238E27FC236}">
-                <a16:creationId xmlns:a16="http://schemas.microsoft.com/office/drawing/2014/main" id="{08BCF048-8940-4354-B9EC-5AD74E283CE3}"/>
+                <a16:creationId xmlns:a16="http://schemas.microsoft.com/office/drawing/2014/main" xmlns="" id="{08BCF048-8940-4354-B9EC-5AD74E283CE3}"/>
               </a:ext>
               <a:ext uri="{C183D7F6-B498-43B3-948B-1728B52AA6E4}">
-                <adec:decorative xmlns:adec="http://schemas.microsoft.com/office/drawing/2017/decorative" val="1"/>
+                <adec:decorative xmlns:adec="http://schemas.microsoft.com/office/drawing/2017/decorative" xmlns="" val="1"/>
               </a:ext>
             </a:extLst>
           </p:cNvPr>
@@ -32415,7 +32694,7 @@
           <p:nvPr>
             <p:extLst>
               <p:ext uri="{386F3935-93C4-4BCD-93E2-E3B085C9AB24}">
-                <p16:designElem xmlns:p16="http://schemas.microsoft.com/office/powerpoint/2015/main" val="1"/>
+                <p16:designElem xmlns:p16="http://schemas.microsoft.com/office/powerpoint/2015/main" xmlns="" val="1"/>
               </p:ext>
             </p:extLst>
           </p:nvPr>
@@ -32433,10 +32712,10 @@
             <p:cNvPr id="14" name="Rectangle 13">
               <a:extLst>
                 <a:ext uri="{FF2B5EF4-FFF2-40B4-BE49-F238E27FC236}">
-                  <a16:creationId xmlns:a16="http://schemas.microsoft.com/office/drawing/2014/main" id="{D024C14A-78BD-44B0-82BE-6A0D0A27063A}"/>
+                  <a16:creationId xmlns:a16="http://schemas.microsoft.com/office/drawing/2014/main" xmlns="" id="{D024C14A-78BD-44B0-82BE-6A0D0A27063A}"/>
                 </a:ext>
                 <a:ext uri="{C183D7F6-B498-43B3-948B-1728B52AA6E4}">
-                  <adec:decorative xmlns:adec="http://schemas.microsoft.com/office/drawing/2017/decorative" val="1"/>
+                  <adec:decorative xmlns:adec="http://schemas.microsoft.com/office/drawing/2017/decorative" xmlns="" val="1"/>
                 </a:ext>
               </a:extLst>
             </p:cNvPr>
@@ -32444,7 +32723,7 @@
             <p:nvPr>
               <p:extLst>
                 <p:ext uri="{386F3935-93C4-4BCD-93E2-E3B085C9AB24}">
-                  <p16:designElem xmlns:p16="http://schemas.microsoft.com/office/powerpoint/2015/main" val="1"/>
+                  <p16:designElem xmlns:p16="http://schemas.microsoft.com/office/powerpoint/2015/main" xmlns="" val="1"/>
                 </p:ext>
               </p:extLst>
             </p:nvPr>
@@ -32503,10 +32782,10 @@
             <p:cNvPr id="15" name="Oval 14">
               <a:extLst>
                 <a:ext uri="{FF2B5EF4-FFF2-40B4-BE49-F238E27FC236}">
-                  <a16:creationId xmlns:a16="http://schemas.microsoft.com/office/drawing/2014/main" id="{809F3D29-EDB1-4F1C-A0E0-36F28CE17188}"/>
+                  <a16:creationId xmlns:a16="http://schemas.microsoft.com/office/drawing/2014/main" xmlns="" id="{809F3D29-EDB1-4F1C-A0E0-36F28CE17188}"/>
                 </a:ext>
                 <a:ext uri="{C183D7F6-B498-43B3-948B-1728B52AA6E4}">
-                  <adec:decorative xmlns:adec="http://schemas.microsoft.com/office/drawing/2017/decorative" val="1"/>
+                  <adec:decorative xmlns:adec="http://schemas.microsoft.com/office/drawing/2017/decorative" xmlns="" val="1"/>
                 </a:ext>
               </a:extLst>
             </p:cNvPr>
@@ -32514,7 +32793,7 @@
             <p:nvPr>
               <p:extLst>
                 <p:ext uri="{386F3935-93C4-4BCD-93E2-E3B085C9AB24}">
-                  <p16:designElem xmlns:p16="http://schemas.microsoft.com/office/powerpoint/2015/main" val="1"/>
+                  <p16:designElem xmlns:p16="http://schemas.microsoft.com/office/powerpoint/2015/main" xmlns="" val="1"/>
                 </p:ext>
               </p:extLst>
             </p:nvPr>
@@ -32575,10 +32854,10 @@
             <p:cNvPr id="16" name="Oval 15">
               <a:extLst>
                 <a:ext uri="{FF2B5EF4-FFF2-40B4-BE49-F238E27FC236}">
-                  <a16:creationId xmlns:a16="http://schemas.microsoft.com/office/drawing/2014/main" id="{5282F4AB-C7B8-4A86-9927-AA106AA27B41}"/>
+                  <a16:creationId xmlns:a16="http://schemas.microsoft.com/office/drawing/2014/main" xmlns="" id="{5282F4AB-C7B8-4A86-9927-AA106AA27B41}"/>
                 </a:ext>
                 <a:ext uri="{C183D7F6-B498-43B3-948B-1728B52AA6E4}">
-                  <adec:decorative xmlns:adec="http://schemas.microsoft.com/office/drawing/2017/decorative" val="1"/>
+                  <adec:decorative xmlns:adec="http://schemas.microsoft.com/office/drawing/2017/decorative" xmlns="" val="1"/>
                 </a:ext>
               </a:extLst>
             </p:cNvPr>
@@ -32586,7 +32865,7 @@
             <p:nvPr>
               <p:extLst>
                 <p:ext uri="{386F3935-93C4-4BCD-93E2-E3B085C9AB24}">
-                  <p16:designElem xmlns:p16="http://schemas.microsoft.com/office/powerpoint/2015/main" val="1"/>
+                  <p16:designElem xmlns:p16="http://schemas.microsoft.com/office/powerpoint/2015/main" xmlns="" val="1"/>
                 </p:ext>
               </p:extLst>
             </p:nvPr>
@@ -32647,10 +32926,10 @@
             <p:cNvPr id="17" name="Rectangle 16">
               <a:extLst>
                 <a:ext uri="{FF2B5EF4-FFF2-40B4-BE49-F238E27FC236}">
-                  <a16:creationId xmlns:a16="http://schemas.microsoft.com/office/drawing/2014/main" id="{60B26874-5AFA-4D1E-94A9-53AF9790D702}"/>
+                  <a16:creationId xmlns:a16="http://schemas.microsoft.com/office/drawing/2014/main" xmlns="" id="{60B26874-5AFA-4D1E-94A9-53AF9790D702}"/>
                 </a:ext>
                 <a:ext uri="{C183D7F6-B498-43B3-948B-1728B52AA6E4}">
-                  <adec:decorative xmlns:adec="http://schemas.microsoft.com/office/drawing/2017/decorative" val="1"/>
+                  <adec:decorative xmlns:adec="http://schemas.microsoft.com/office/drawing/2017/decorative" xmlns="" val="1"/>
                 </a:ext>
               </a:extLst>
             </p:cNvPr>
@@ -32658,7 +32937,7 @@
             <p:nvPr>
               <p:extLst>
                 <p:ext uri="{386F3935-93C4-4BCD-93E2-E3B085C9AB24}">
-                  <p16:designElem xmlns:p16="http://schemas.microsoft.com/office/powerpoint/2015/main" val="1"/>
+                  <p16:designElem xmlns:p16="http://schemas.microsoft.com/office/powerpoint/2015/main" xmlns="" val="1"/>
                 </p:ext>
               </p:extLst>
             </p:nvPr>
@@ -32699,10 +32978,10 @@
             <p:cNvPr id="18" name="Freeform 5">
               <a:extLst>
                 <a:ext uri="{FF2B5EF4-FFF2-40B4-BE49-F238E27FC236}">
-                  <a16:creationId xmlns:a16="http://schemas.microsoft.com/office/drawing/2014/main" id="{A1DA6C95-40F8-4305-89F6-17F6167C0BF2}"/>
+                  <a16:creationId xmlns:a16="http://schemas.microsoft.com/office/drawing/2014/main" xmlns="" id="{A1DA6C95-40F8-4305-89F6-17F6167C0BF2}"/>
                 </a:ext>
                 <a:ext uri="{C183D7F6-B498-43B3-948B-1728B52AA6E4}">
-                  <adec:decorative xmlns:adec="http://schemas.microsoft.com/office/drawing/2017/decorative" val="1"/>
+                  <adec:decorative xmlns:adec="http://schemas.microsoft.com/office/drawing/2017/decorative" xmlns="" val="1"/>
                 </a:ext>
               </a:extLst>
             </p:cNvPr>
@@ -32710,7 +32989,7 @@
             <p:nvPr>
               <p:extLst>
                 <p:ext uri="{386F3935-93C4-4BCD-93E2-E3B085C9AB24}">
-                  <p16:designElem xmlns:p16="http://schemas.microsoft.com/office/powerpoint/2015/main" val="1"/>
+                  <p16:designElem xmlns:p16="http://schemas.microsoft.com/office/powerpoint/2015/main" xmlns="" val="1"/>
                 </p:ext>
               </p:extLst>
             </p:nvPr>
@@ -32861,10 +33140,10 @@
             <p:cNvPr id="19" name="Freeform 5">
               <a:extLst>
                 <a:ext uri="{FF2B5EF4-FFF2-40B4-BE49-F238E27FC236}">
-                  <a16:creationId xmlns:a16="http://schemas.microsoft.com/office/drawing/2014/main" id="{A2FA2D29-AEEE-4FFA-B233-94FBE84C9B41}"/>
+                  <a16:creationId xmlns:a16="http://schemas.microsoft.com/office/drawing/2014/main" xmlns="" id="{A2FA2D29-AEEE-4FFA-B233-94FBE84C9B41}"/>
                 </a:ext>
                 <a:ext uri="{C183D7F6-B498-43B3-948B-1728B52AA6E4}">
-                  <adec:decorative xmlns:adec="http://schemas.microsoft.com/office/drawing/2017/decorative" val="1"/>
+                  <adec:decorative xmlns:adec="http://schemas.microsoft.com/office/drawing/2017/decorative" xmlns="" val="1"/>
                 </a:ext>
               </a:extLst>
             </p:cNvPr>
@@ -32872,7 +33151,7 @@
             <p:nvPr>
               <p:extLst>
                 <p:ext uri="{386F3935-93C4-4BCD-93E2-E3B085C9AB24}">
-                  <p16:designElem xmlns:p16="http://schemas.microsoft.com/office/powerpoint/2015/main" val="1"/>
+                  <p16:designElem xmlns:p16="http://schemas.microsoft.com/office/powerpoint/2015/main" xmlns="" val="1"/>
                 </p:ext>
               </p:extLst>
             </p:nvPr>
@@ -33060,10 +33339,10 @@
             <p:cNvPr id="20" name="Freeform 5">
               <a:extLst>
                 <a:ext uri="{FF2B5EF4-FFF2-40B4-BE49-F238E27FC236}">
-                  <a16:creationId xmlns:a16="http://schemas.microsoft.com/office/drawing/2014/main" id="{6DA5143E-FA8E-4EC1-99F7-35AE5AD4E377}"/>
+                  <a16:creationId xmlns:a16="http://schemas.microsoft.com/office/drawing/2014/main" xmlns="" id="{6DA5143E-FA8E-4EC1-99F7-35AE5AD4E377}"/>
                 </a:ext>
                 <a:ext uri="{C183D7F6-B498-43B3-948B-1728B52AA6E4}">
-                  <adec:decorative xmlns:adec="http://schemas.microsoft.com/office/drawing/2017/decorative" val="1"/>
+                  <adec:decorative xmlns:adec="http://schemas.microsoft.com/office/drawing/2017/decorative" xmlns="" val="1"/>
                 </a:ext>
               </a:extLst>
             </p:cNvPr>
@@ -33073,7 +33352,7 @@
             <p:nvPr>
               <p:extLst>
                 <p:ext uri="{386F3935-93C4-4BCD-93E2-E3B085C9AB24}">
-                  <p16:designElem xmlns:p16="http://schemas.microsoft.com/office/powerpoint/2015/main" val="1"/>
+                  <p16:designElem xmlns:p16="http://schemas.microsoft.com/office/powerpoint/2015/main" xmlns="" val="1"/>
                 </p:ext>
               </p:extLst>
             </p:nvPr>
@@ -33173,10 +33452,10 @@
           <p:cNvPr id="22" name="Rectangle 21">
             <a:extLst>
               <a:ext uri="{FF2B5EF4-FFF2-40B4-BE49-F238E27FC236}">
-                <a16:creationId xmlns:a16="http://schemas.microsoft.com/office/drawing/2014/main" id="{CC28BCC9-4093-4FD5-83EB-7EC297F51396}"/>
+                <a16:creationId xmlns:a16="http://schemas.microsoft.com/office/drawing/2014/main" xmlns="" id="{CC28BCC9-4093-4FD5-83EB-7EC297F51396}"/>
               </a:ext>
               <a:ext uri="{C183D7F6-B498-43B3-948B-1728B52AA6E4}">
-                <adec:decorative xmlns:adec="http://schemas.microsoft.com/office/drawing/2017/decorative" val="1"/>
+                <adec:decorative xmlns:adec="http://schemas.microsoft.com/office/drawing/2017/decorative" xmlns="" val="1"/>
               </a:ext>
             </a:extLst>
           </p:cNvPr>
@@ -33186,7 +33465,7 @@
           <p:nvPr>
             <p:extLst>
               <p:ext uri="{386F3935-93C4-4BCD-93E2-E3B085C9AB24}">
-                <p16:designElem xmlns:p16="http://schemas.microsoft.com/office/powerpoint/2015/main" val="1"/>
+                <p16:designElem xmlns:p16="http://schemas.microsoft.com/office/powerpoint/2015/main" xmlns="" val="1"/>
               </p:ext>
             </p:extLst>
           </p:nvPr>
@@ -33226,7 +33505,7 @@
           <p:cNvPr id="9" name="Content Placeholder 2">
             <a:extLst>
               <a:ext uri="{FF2B5EF4-FFF2-40B4-BE49-F238E27FC236}">
-                <a16:creationId xmlns:a16="http://schemas.microsoft.com/office/drawing/2014/main" id="{B12F77AF-AA51-FD88-DC07-690DE1E2861A}"/>
+                <a16:creationId xmlns:a16="http://schemas.microsoft.com/office/drawing/2014/main" xmlns="" id="{B12F77AF-AA51-FD88-DC07-690DE1E2861A}"/>
               </a:ext>
             </a:extLst>
           </p:cNvPr>
@@ -33307,7 +33586,7 @@
           <p:cNvPr id="4" name="Diagram 3">
             <a:extLst>
               <a:ext uri="{FF2B5EF4-FFF2-40B4-BE49-F238E27FC236}">
-                <a16:creationId xmlns:a16="http://schemas.microsoft.com/office/drawing/2014/main" id="{17A1BA54-CD01-EB86-F114-4AB2CB077634}"/>
+                <a16:creationId xmlns:a16="http://schemas.microsoft.com/office/drawing/2014/main" xmlns="" id="{17A1BA54-CD01-EB86-F114-4AB2CB077634}"/>
               </a:ext>
             </a:extLst>
           </p:cNvPr>
@@ -33365,7 +33644,7 @@
           <p:cNvPr id="4" name="Rectangle 3">
             <a:extLst>
               <a:ext uri="{FF2B5EF4-FFF2-40B4-BE49-F238E27FC236}">
-                <a16:creationId xmlns:a16="http://schemas.microsoft.com/office/drawing/2014/main" id="{8D0BAC9E-0A29-F3A9-56FB-090F80D51B95}"/>
+                <a16:creationId xmlns:a16="http://schemas.microsoft.com/office/drawing/2014/main" xmlns="" id="{8D0BAC9E-0A29-F3A9-56FB-090F80D51B95}"/>
               </a:ext>
             </a:extLst>
           </p:cNvPr>
@@ -33412,7 +33691,7 @@
           <p:cNvPr id="19" name="Connector: Elbow 18">
             <a:extLst>
               <a:ext uri="{FF2B5EF4-FFF2-40B4-BE49-F238E27FC236}">
-                <a16:creationId xmlns:a16="http://schemas.microsoft.com/office/drawing/2014/main" id="{9F636065-CE9B-3BF9-9D6A-4FB3DCCEF19E}"/>
+                <a16:creationId xmlns:a16="http://schemas.microsoft.com/office/drawing/2014/main" xmlns="" id="{9F636065-CE9B-3BF9-9D6A-4FB3DCCEF19E}"/>
               </a:ext>
             </a:extLst>
           </p:cNvPr>
@@ -33456,7 +33735,7 @@
           <p:cNvPr id="24" name="Connector: Elbow 23">
             <a:extLst>
               <a:ext uri="{FF2B5EF4-FFF2-40B4-BE49-F238E27FC236}">
-                <a16:creationId xmlns:a16="http://schemas.microsoft.com/office/drawing/2014/main" id="{AE360BA1-EB3D-196C-2AD7-6EF0C530227C}"/>
+                <a16:creationId xmlns:a16="http://schemas.microsoft.com/office/drawing/2014/main" xmlns="" id="{AE360BA1-EB3D-196C-2AD7-6EF0C530227C}"/>
               </a:ext>
             </a:extLst>
           </p:cNvPr>
@@ -34153,240 +34432,6 @@
           <a:p>
             <a:r>
               <a:rPr lang="en-US" dirty="0"/>
-              <a:t>Frontend Functionality and technology.</a:t>
-            </a:r>
-            <a:endParaRPr lang="en-IN" dirty="0"/>
-          </a:p>
-        </p:txBody>
-      </p:sp>
-      <p:sp>
-        <p:nvSpPr>
-          <p:cNvPr id="7" name="Content Placeholder 2">
-            <a:extLst>
-              <a:ext uri="{FF2B5EF4-FFF2-40B4-BE49-F238E27FC236}">
-                <a16:creationId xmlns:a16="http://schemas.microsoft.com/office/drawing/2014/main" id="{9329132B-E013-3343-F533-F6FB67082ABF}"/>
-              </a:ext>
-            </a:extLst>
-          </p:cNvPr>
-          <p:cNvSpPr>
-            <a:spLocks noGrp="1"/>
-          </p:cNvSpPr>
-          <p:nvPr>
-            <p:ph idx="1"/>
-          </p:nvPr>
-        </p:nvSpPr>
-        <p:spPr>
-          <a:xfrm>
-            <a:off x="695956" y="3254046"/>
-            <a:ext cx="6148981" cy="1670326"/>
-          </a:xfrm>
-        </p:spPr>
-        <p:txBody>
-          <a:bodyPr>
-            <a:normAutofit/>
-          </a:bodyPr>
-          <a:lstStyle/>
-          <a:p>
-            <a:pPr marL="0" indent="0">
-              <a:buNone/>
-            </a:pPr>
-            <a:r>
-              <a:rPr lang="en-US" b="1" dirty="0"/>
-              <a:t>Functionalities</a:t>
-            </a:r>
-          </a:p>
-          <a:p>
-            <a:r>
-              <a:rPr lang="en-US" dirty="0"/>
-              <a:t>User registration</a:t>
-            </a:r>
-          </a:p>
-          <a:p>
-            <a:r>
-              <a:rPr lang="en-US" dirty="0"/>
-              <a:t>User login</a:t>
-            </a:r>
-          </a:p>
-          <a:p>
-            <a:r>
-              <a:rPr lang="en-US" dirty="0"/>
-              <a:t>Page for pasting the review &amp; get the result</a:t>
-            </a:r>
-          </a:p>
-        </p:txBody>
-      </p:sp>
-      <p:sp>
-        <p:nvSpPr>
-          <p:cNvPr id="3" name="Rectangle 2"/>
-          <p:cNvSpPr/>
-          <p:nvPr/>
-        </p:nvSpPr>
-        <p:spPr>
-          <a:xfrm>
-            <a:off x="7880527" y="3254046"/>
-            <a:ext cx="1659429" cy="369332"/>
-          </a:xfrm>
-          <a:prstGeom prst="rect">
-            <a:avLst/>
-          </a:prstGeom>
-        </p:spPr>
-        <p:txBody>
-          <a:bodyPr wrap="none">
-            <a:spAutoFit/>
-          </a:bodyPr>
-          <a:lstStyle/>
-          <a:p>
-            <a:r>
-              <a:rPr lang="en-US" b="1" dirty="0">
-                <a:solidFill>
-                  <a:schemeClr val="tx1">
-                    <a:lumMod val="75000"/>
-                    <a:lumOff val="25000"/>
-                  </a:schemeClr>
-                </a:solidFill>
-              </a:rPr>
-              <a:t>Technologies</a:t>
-            </a:r>
-          </a:p>
-        </p:txBody>
-      </p:sp>
-      <p:pic>
-        <p:nvPicPr>
-          <p:cNvPr id="5" name="Picture 4"/>
-          <p:cNvPicPr>
-            <a:picLocks noChangeAspect="1"/>
-          </p:cNvPicPr>
-          <p:nvPr/>
-        </p:nvPicPr>
-        <p:blipFill>
-          <a:blip r:embed="rId2" cstate="print">
-            <a:extLst>
-              <a:ext uri="{28A0092B-C50C-407E-A947-70E740481C1C}">
-                <a14:useLocalDpi xmlns:a14="http://schemas.microsoft.com/office/drawing/2010/main" val="0"/>
-              </a:ext>
-            </a:extLst>
-          </a:blip>
-          <a:stretch>
-            <a:fillRect/>
-          </a:stretch>
-        </p:blipFill>
-        <p:spPr>
-          <a:xfrm>
-            <a:off x="10183594" y="4196745"/>
-            <a:ext cx="1555980" cy="875239"/>
-          </a:xfrm>
-          <a:prstGeom prst="rect">
-            <a:avLst/>
-          </a:prstGeom>
-        </p:spPr>
-      </p:pic>
-      <p:pic>
-        <p:nvPicPr>
-          <p:cNvPr id="6" name="Picture 5"/>
-          <p:cNvPicPr>
-            <a:picLocks noChangeAspect="1"/>
-          </p:cNvPicPr>
-          <p:nvPr/>
-        </p:nvPicPr>
-        <p:blipFill>
-          <a:blip r:embed="rId3" cstate="print">
-            <a:extLst>
-              <a:ext uri="{28A0092B-C50C-407E-A947-70E740481C1C}">
-                <a14:useLocalDpi xmlns:a14="http://schemas.microsoft.com/office/drawing/2010/main" val="0"/>
-              </a:ext>
-            </a:extLst>
-          </a:blip>
-          <a:stretch>
-            <a:fillRect/>
-          </a:stretch>
-        </p:blipFill>
-        <p:spPr>
-          <a:xfrm>
-            <a:off x="8472059" y="4004087"/>
-            <a:ext cx="1067897" cy="1067897"/>
-          </a:xfrm>
-          <a:prstGeom prst="rect">
-            <a:avLst/>
-          </a:prstGeom>
-        </p:spPr>
-      </p:pic>
-      <p:pic>
-        <p:nvPicPr>
-          <p:cNvPr id="8" name="Picture 7"/>
-          <p:cNvPicPr>
-            <a:picLocks noChangeAspect="1"/>
-          </p:cNvPicPr>
-          <p:nvPr/>
-        </p:nvPicPr>
-        <p:blipFill>
-          <a:blip r:embed="rId4" cstate="print">
-            <a:extLst>
-              <a:ext uri="{28A0092B-C50C-407E-A947-70E740481C1C}">
-                <a14:useLocalDpi xmlns:a14="http://schemas.microsoft.com/office/drawing/2010/main" val="0"/>
-              </a:ext>
-            </a:extLst>
-          </a:blip>
-          <a:stretch>
-            <a:fillRect/>
-          </a:stretch>
-        </p:blipFill>
-        <p:spPr>
-          <a:xfrm>
-            <a:off x="6742602" y="4017268"/>
-            <a:ext cx="1085819" cy="1085819"/>
-          </a:xfrm>
-          <a:prstGeom prst="rect">
-            <a:avLst/>
-          </a:prstGeom>
-        </p:spPr>
-      </p:pic>
-    </p:spTree>
-    <p:extLst>
-      <p:ext uri="{BB962C8B-B14F-4D97-AF65-F5344CB8AC3E}">
-        <p14:creationId xmlns:p14="http://schemas.microsoft.com/office/powerpoint/2010/main" val="108473523"/>
-      </p:ext>
-    </p:extLst>
-  </p:cSld>
-  <p:clrMapOvr>
-    <a:masterClrMapping/>
-  </p:clrMapOvr>
-</p:sld>
-</file>
-
-<file path=ppt/slides/slide7.xml><?xml version="1.0" encoding="utf-8"?>
-<p:sld xmlns:a="http://schemas.openxmlformats.org/drawingml/2006/main" xmlns:r="http://schemas.openxmlformats.org/officeDocument/2006/relationships" xmlns:p="http://schemas.openxmlformats.org/presentationml/2006/main">
-  <p:cSld>
-    <p:spTree>
-      <p:nvGrpSpPr>
-        <p:cNvPr id="1" name=""/>
-        <p:cNvGrpSpPr/>
-        <p:nvPr/>
-      </p:nvGrpSpPr>
-      <p:grpSpPr>
-        <a:xfrm>
-          <a:off x="0" y="0"/>
-          <a:ext cx="0" cy="0"/>
-          <a:chOff x="0" y="0"/>
-          <a:chExt cx="0" cy="0"/>
-        </a:xfrm>
-      </p:grpSpPr>
-      <p:sp>
-        <p:nvSpPr>
-          <p:cNvPr id="2" name="Title 1"/>
-          <p:cNvSpPr>
-            <a:spLocks noGrp="1"/>
-          </p:cNvSpPr>
-          <p:nvPr>
-            <p:ph type="title"/>
-          </p:nvPr>
-        </p:nvSpPr>
-        <p:spPr/>
-        <p:txBody>
-          <a:bodyPr/>
-          <a:lstStyle/>
-          <a:p>
-            <a:r>
-              <a:rPr lang="en-US" dirty="0"/>
               <a:t>Backend Functionality.</a:t>
             </a:r>
             <a:endParaRPr lang="en-IN" dirty="0"/>
@@ -34398,7 +34443,7 @@
           <p:cNvPr id="7" name="Content Placeholder 2">
             <a:extLst>
               <a:ext uri="{FF2B5EF4-FFF2-40B4-BE49-F238E27FC236}">
-                <a16:creationId xmlns:a16="http://schemas.microsoft.com/office/drawing/2014/main" id="{D1718375-BFFD-AF98-A5E4-51A39E859EEA}"/>
+                <a16:creationId xmlns:a16="http://schemas.microsoft.com/office/drawing/2014/main" xmlns="" id="{D1718375-BFFD-AF98-A5E4-51A39E859EEA}"/>
               </a:ext>
             </a:extLst>
           </p:cNvPr>
@@ -34899,6 +34944,240 @@
 </p:sld>
 </file>
 
+<file path=ppt/slides/slide7.xml><?xml version="1.0" encoding="utf-8"?>
+<p:sld xmlns:a="http://schemas.openxmlformats.org/drawingml/2006/main" xmlns:r="http://schemas.openxmlformats.org/officeDocument/2006/relationships" xmlns:p="http://schemas.openxmlformats.org/presentationml/2006/main">
+  <p:cSld>
+    <p:spTree>
+      <p:nvGrpSpPr>
+        <p:cNvPr id="1" name=""/>
+        <p:cNvGrpSpPr/>
+        <p:nvPr/>
+      </p:nvGrpSpPr>
+      <p:grpSpPr>
+        <a:xfrm>
+          <a:off x="0" y="0"/>
+          <a:ext cx="0" cy="0"/>
+          <a:chOff x="0" y="0"/>
+          <a:chExt cx="0" cy="0"/>
+        </a:xfrm>
+      </p:grpSpPr>
+      <p:sp>
+        <p:nvSpPr>
+          <p:cNvPr id="2" name="Title 1"/>
+          <p:cNvSpPr>
+            <a:spLocks noGrp="1"/>
+          </p:cNvSpPr>
+          <p:nvPr>
+            <p:ph type="title"/>
+          </p:nvPr>
+        </p:nvSpPr>
+        <p:spPr/>
+        <p:txBody>
+          <a:bodyPr/>
+          <a:lstStyle/>
+          <a:p>
+            <a:r>
+              <a:rPr lang="en-US" dirty="0"/>
+              <a:t>Frontend Functionality and technology.</a:t>
+            </a:r>
+            <a:endParaRPr lang="en-IN" dirty="0"/>
+          </a:p>
+        </p:txBody>
+      </p:sp>
+      <p:sp>
+        <p:nvSpPr>
+          <p:cNvPr id="7" name="Content Placeholder 2">
+            <a:extLst>
+              <a:ext uri="{FF2B5EF4-FFF2-40B4-BE49-F238E27FC236}">
+                <a16:creationId xmlns:a16="http://schemas.microsoft.com/office/drawing/2014/main" xmlns="" id="{9329132B-E013-3343-F533-F6FB67082ABF}"/>
+              </a:ext>
+            </a:extLst>
+          </p:cNvPr>
+          <p:cNvSpPr>
+            <a:spLocks noGrp="1"/>
+          </p:cNvSpPr>
+          <p:nvPr>
+            <p:ph idx="1"/>
+          </p:nvPr>
+        </p:nvSpPr>
+        <p:spPr>
+          <a:xfrm>
+            <a:off x="695956" y="3254046"/>
+            <a:ext cx="6148981" cy="1670326"/>
+          </a:xfrm>
+        </p:spPr>
+        <p:txBody>
+          <a:bodyPr>
+            <a:normAutofit/>
+          </a:bodyPr>
+          <a:lstStyle/>
+          <a:p>
+            <a:pPr marL="0" indent="0">
+              <a:buNone/>
+            </a:pPr>
+            <a:r>
+              <a:rPr lang="en-US" b="1" dirty="0"/>
+              <a:t>Functionalities</a:t>
+            </a:r>
+          </a:p>
+          <a:p>
+            <a:r>
+              <a:rPr lang="en-US" dirty="0"/>
+              <a:t>User registration</a:t>
+            </a:r>
+          </a:p>
+          <a:p>
+            <a:r>
+              <a:rPr lang="en-US" dirty="0"/>
+              <a:t>User login</a:t>
+            </a:r>
+          </a:p>
+          <a:p>
+            <a:r>
+              <a:rPr lang="en-US" dirty="0"/>
+              <a:t>Page for pasting the review &amp; get the result</a:t>
+            </a:r>
+          </a:p>
+        </p:txBody>
+      </p:sp>
+      <p:sp>
+        <p:nvSpPr>
+          <p:cNvPr id="3" name="Rectangle 2"/>
+          <p:cNvSpPr/>
+          <p:nvPr/>
+        </p:nvSpPr>
+        <p:spPr>
+          <a:xfrm>
+            <a:off x="7880527" y="3254046"/>
+            <a:ext cx="1659429" cy="369332"/>
+          </a:xfrm>
+          <a:prstGeom prst="rect">
+            <a:avLst/>
+          </a:prstGeom>
+        </p:spPr>
+        <p:txBody>
+          <a:bodyPr wrap="none">
+            <a:spAutoFit/>
+          </a:bodyPr>
+          <a:lstStyle/>
+          <a:p>
+            <a:r>
+              <a:rPr lang="en-US" b="1" dirty="0">
+                <a:solidFill>
+                  <a:schemeClr val="tx1">
+                    <a:lumMod val="75000"/>
+                    <a:lumOff val="25000"/>
+                  </a:schemeClr>
+                </a:solidFill>
+              </a:rPr>
+              <a:t>Technologies</a:t>
+            </a:r>
+          </a:p>
+        </p:txBody>
+      </p:sp>
+      <p:pic>
+        <p:nvPicPr>
+          <p:cNvPr id="5" name="Picture 4"/>
+          <p:cNvPicPr>
+            <a:picLocks noChangeAspect="1"/>
+          </p:cNvPicPr>
+          <p:nvPr/>
+        </p:nvPicPr>
+        <p:blipFill>
+          <a:blip r:embed="rId2" cstate="print">
+            <a:extLst>
+              <a:ext uri="{28A0092B-C50C-407E-A947-70E740481C1C}">
+                <a14:useLocalDpi xmlns:a14="http://schemas.microsoft.com/office/drawing/2010/main" val="0"/>
+              </a:ext>
+            </a:extLst>
+          </a:blip>
+          <a:stretch>
+            <a:fillRect/>
+          </a:stretch>
+        </p:blipFill>
+        <p:spPr>
+          <a:xfrm>
+            <a:off x="10183594" y="4196745"/>
+            <a:ext cx="1555980" cy="875239"/>
+          </a:xfrm>
+          <a:prstGeom prst="rect">
+            <a:avLst/>
+          </a:prstGeom>
+        </p:spPr>
+      </p:pic>
+      <p:pic>
+        <p:nvPicPr>
+          <p:cNvPr id="6" name="Picture 5"/>
+          <p:cNvPicPr>
+            <a:picLocks noChangeAspect="1"/>
+          </p:cNvPicPr>
+          <p:nvPr/>
+        </p:nvPicPr>
+        <p:blipFill>
+          <a:blip r:embed="rId3" cstate="print">
+            <a:extLst>
+              <a:ext uri="{28A0092B-C50C-407E-A947-70E740481C1C}">
+                <a14:useLocalDpi xmlns:a14="http://schemas.microsoft.com/office/drawing/2010/main" val="0"/>
+              </a:ext>
+            </a:extLst>
+          </a:blip>
+          <a:stretch>
+            <a:fillRect/>
+          </a:stretch>
+        </p:blipFill>
+        <p:spPr>
+          <a:xfrm>
+            <a:off x="8472059" y="4004087"/>
+            <a:ext cx="1067897" cy="1067897"/>
+          </a:xfrm>
+          <a:prstGeom prst="rect">
+            <a:avLst/>
+          </a:prstGeom>
+        </p:spPr>
+      </p:pic>
+      <p:pic>
+        <p:nvPicPr>
+          <p:cNvPr id="8" name="Picture 7"/>
+          <p:cNvPicPr>
+            <a:picLocks noChangeAspect="1"/>
+          </p:cNvPicPr>
+          <p:nvPr/>
+        </p:nvPicPr>
+        <p:blipFill>
+          <a:blip r:embed="rId4" cstate="print">
+            <a:extLst>
+              <a:ext uri="{28A0092B-C50C-407E-A947-70E740481C1C}">
+                <a14:useLocalDpi xmlns:a14="http://schemas.microsoft.com/office/drawing/2010/main" val="0"/>
+              </a:ext>
+            </a:extLst>
+          </a:blip>
+          <a:stretch>
+            <a:fillRect/>
+          </a:stretch>
+        </p:blipFill>
+        <p:spPr>
+          <a:xfrm>
+            <a:off x="6742602" y="4017268"/>
+            <a:ext cx="1085819" cy="1085819"/>
+          </a:xfrm>
+          <a:prstGeom prst="rect">
+            <a:avLst/>
+          </a:prstGeom>
+        </p:spPr>
+      </p:pic>
+    </p:spTree>
+    <p:extLst>
+      <p:ext uri="{BB962C8B-B14F-4D97-AF65-F5344CB8AC3E}">
+        <p14:creationId xmlns:p14="http://schemas.microsoft.com/office/powerpoint/2010/main" val="108473523"/>
+      </p:ext>
+    </p:extLst>
+  </p:cSld>
+  <p:clrMapOvr>
+    <a:masterClrMapping/>
+  </p:clrMapOvr>
+</p:sld>
+</file>
+
 <file path=ppt/slides/slide8.xml><?xml version="1.0" encoding="utf-8"?>
 <p:sld xmlns:a="http://schemas.openxmlformats.org/drawingml/2006/main" xmlns:r="http://schemas.openxmlformats.org/officeDocument/2006/relationships" xmlns:p="http://schemas.openxmlformats.org/presentationml/2006/main">
   <p:cSld>
@@ -34965,7 +35244,7 @@
           <p:cNvPr id="7" name="Content Placeholder 2">
             <a:extLst>
               <a:ext uri="{FF2B5EF4-FFF2-40B4-BE49-F238E27FC236}">
-                <a16:creationId xmlns:a16="http://schemas.microsoft.com/office/drawing/2014/main" id="{C9EBDD78-A191-22B1-156A-FE912359E511}"/>
+                <a16:creationId xmlns:a16="http://schemas.microsoft.com/office/drawing/2014/main" xmlns="" id="{C9EBDD78-A191-22B1-156A-FE912359E511}"/>
               </a:ext>
             </a:extLst>
           </p:cNvPr>
@@ -35335,10 +35614,10 @@
           <p:cNvPr id="13" name="Group 12">
             <a:extLst>
               <a:ext uri="{FF2B5EF4-FFF2-40B4-BE49-F238E27FC236}">
-                <a16:creationId xmlns:a16="http://schemas.microsoft.com/office/drawing/2014/main" id="{08BCF048-8940-4354-B9EC-5AD74E283CE3}"/>
+                <a16:creationId xmlns:a16="http://schemas.microsoft.com/office/drawing/2014/main" xmlns="" id="{08BCF048-8940-4354-B9EC-5AD74E283CE3}"/>
               </a:ext>
               <a:ext uri="{C183D7F6-B498-43B3-948B-1728B52AA6E4}">
-                <adec:decorative xmlns:adec="http://schemas.microsoft.com/office/drawing/2017/decorative" val="1"/>
+                <adec:decorative xmlns:adec="http://schemas.microsoft.com/office/drawing/2017/decorative" xmlns="" val="1"/>
               </a:ext>
             </a:extLst>
           </p:cNvPr>
@@ -35348,7 +35627,7 @@
           <p:nvPr>
             <p:extLst>
               <p:ext uri="{386F3935-93C4-4BCD-93E2-E3B085C9AB24}">
-                <p16:designElem xmlns:p16="http://schemas.microsoft.com/office/powerpoint/2015/main" val="1"/>
+                <p16:designElem xmlns:p16="http://schemas.microsoft.com/office/powerpoint/2015/main" xmlns="" val="1"/>
               </p:ext>
             </p:extLst>
           </p:nvPr>
@@ -35366,10 +35645,10 @@
             <p:cNvPr id="14" name="Rectangle 13">
               <a:extLst>
                 <a:ext uri="{FF2B5EF4-FFF2-40B4-BE49-F238E27FC236}">
-                  <a16:creationId xmlns:a16="http://schemas.microsoft.com/office/drawing/2014/main" id="{D024C14A-78BD-44B0-82BE-6A0D0A27063A}"/>
+                  <a16:creationId xmlns:a16="http://schemas.microsoft.com/office/drawing/2014/main" xmlns="" id="{D024C14A-78BD-44B0-82BE-6A0D0A27063A}"/>
                 </a:ext>
                 <a:ext uri="{C183D7F6-B498-43B3-948B-1728B52AA6E4}">
-                  <adec:decorative xmlns:adec="http://schemas.microsoft.com/office/drawing/2017/decorative" val="1"/>
+                  <adec:decorative xmlns:adec="http://schemas.microsoft.com/office/drawing/2017/decorative" xmlns="" val="1"/>
                 </a:ext>
               </a:extLst>
             </p:cNvPr>
@@ -35377,7 +35656,7 @@
             <p:nvPr>
               <p:extLst>
                 <p:ext uri="{386F3935-93C4-4BCD-93E2-E3B085C9AB24}">
-                  <p16:designElem xmlns:p16="http://schemas.microsoft.com/office/powerpoint/2015/main" val="1"/>
+                  <p16:designElem xmlns:p16="http://schemas.microsoft.com/office/powerpoint/2015/main" xmlns="" val="1"/>
                 </p:ext>
               </p:extLst>
             </p:nvPr>
@@ -35436,10 +35715,10 @@
             <p:cNvPr id="15" name="Oval 14">
               <a:extLst>
                 <a:ext uri="{FF2B5EF4-FFF2-40B4-BE49-F238E27FC236}">
-                  <a16:creationId xmlns:a16="http://schemas.microsoft.com/office/drawing/2014/main" id="{809F3D29-EDB1-4F1C-A0E0-36F28CE17188}"/>
+                  <a16:creationId xmlns:a16="http://schemas.microsoft.com/office/drawing/2014/main" xmlns="" id="{809F3D29-EDB1-4F1C-A0E0-36F28CE17188}"/>
                 </a:ext>
                 <a:ext uri="{C183D7F6-B498-43B3-948B-1728B52AA6E4}">
-                  <adec:decorative xmlns:adec="http://schemas.microsoft.com/office/drawing/2017/decorative" val="1"/>
+                  <adec:decorative xmlns:adec="http://schemas.microsoft.com/office/drawing/2017/decorative" xmlns="" val="1"/>
                 </a:ext>
               </a:extLst>
             </p:cNvPr>
@@ -35447,7 +35726,7 @@
             <p:nvPr>
               <p:extLst>
                 <p:ext uri="{386F3935-93C4-4BCD-93E2-E3B085C9AB24}">
-                  <p16:designElem xmlns:p16="http://schemas.microsoft.com/office/powerpoint/2015/main" val="1"/>
+                  <p16:designElem xmlns:p16="http://schemas.microsoft.com/office/powerpoint/2015/main" xmlns="" val="1"/>
                 </p:ext>
               </p:extLst>
             </p:nvPr>
@@ -35508,10 +35787,10 @@
             <p:cNvPr id="16" name="Oval 15">
               <a:extLst>
                 <a:ext uri="{FF2B5EF4-FFF2-40B4-BE49-F238E27FC236}">
-                  <a16:creationId xmlns:a16="http://schemas.microsoft.com/office/drawing/2014/main" id="{5282F4AB-C7B8-4A86-9927-AA106AA27B41}"/>
+                  <a16:creationId xmlns:a16="http://schemas.microsoft.com/office/drawing/2014/main" xmlns="" id="{5282F4AB-C7B8-4A86-9927-AA106AA27B41}"/>
                 </a:ext>
                 <a:ext uri="{C183D7F6-B498-43B3-948B-1728B52AA6E4}">
-                  <adec:decorative xmlns:adec="http://schemas.microsoft.com/office/drawing/2017/decorative" val="1"/>
+                  <adec:decorative xmlns:adec="http://schemas.microsoft.com/office/drawing/2017/decorative" xmlns="" val="1"/>
                 </a:ext>
               </a:extLst>
             </p:cNvPr>
@@ -35519,7 +35798,7 @@
             <p:nvPr>
               <p:extLst>
                 <p:ext uri="{386F3935-93C4-4BCD-93E2-E3B085C9AB24}">
-                  <p16:designElem xmlns:p16="http://schemas.microsoft.com/office/powerpoint/2015/main" val="1"/>
+                  <p16:designElem xmlns:p16="http://schemas.microsoft.com/office/powerpoint/2015/main" xmlns="" val="1"/>
                 </p:ext>
               </p:extLst>
             </p:nvPr>
@@ -35580,10 +35859,10 @@
             <p:cNvPr id="17" name="Rectangle 16">
               <a:extLst>
                 <a:ext uri="{FF2B5EF4-FFF2-40B4-BE49-F238E27FC236}">
-                  <a16:creationId xmlns:a16="http://schemas.microsoft.com/office/drawing/2014/main" id="{60B26874-5AFA-4D1E-94A9-53AF9790D702}"/>
+                  <a16:creationId xmlns:a16="http://schemas.microsoft.com/office/drawing/2014/main" xmlns="" id="{60B26874-5AFA-4D1E-94A9-53AF9790D702}"/>
                 </a:ext>
                 <a:ext uri="{C183D7F6-B498-43B3-948B-1728B52AA6E4}">
-                  <adec:decorative xmlns:adec="http://schemas.microsoft.com/office/drawing/2017/decorative" val="1"/>
+                  <adec:decorative xmlns:adec="http://schemas.microsoft.com/office/drawing/2017/decorative" xmlns="" val="1"/>
                 </a:ext>
               </a:extLst>
             </p:cNvPr>
@@ -35591,7 +35870,7 @@
             <p:nvPr>
               <p:extLst>
                 <p:ext uri="{386F3935-93C4-4BCD-93E2-E3B085C9AB24}">
-                  <p16:designElem xmlns:p16="http://schemas.microsoft.com/office/powerpoint/2015/main" val="1"/>
+                  <p16:designElem xmlns:p16="http://schemas.microsoft.com/office/powerpoint/2015/main" xmlns="" val="1"/>
                 </p:ext>
               </p:extLst>
             </p:nvPr>
@@ -35632,10 +35911,10 @@
             <p:cNvPr id="18" name="Freeform 5">
               <a:extLst>
                 <a:ext uri="{FF2B5EF4-FFF2-40B4-BE49-F238E27FC236}">
-                  <a16:creationId xmlns:a16="http://schemas.microsoft.com/office/drawing/2014/main" id="{A1DA6C95-40F8-4305-89F6-17F6167C0BF2}"/>
+                  <a16:creationId xmlns:a16="http://schemas.microsoft.com/office/drawing/2014/main" xmlns="" id="{A1DA6C95-40F8-4305-89F6-17F6167C0BF2}"/>
                 </a:ext>
                 <a:ext uri="{C183D7F6-B498-43B3-948B-1728B52AA6E4}">
-                  <adec:decorative xmlns:adec="http://schemas.microsoft.com/office/drawing/2017/decorative" val="1"/>
+                  <adec:decorative xmlns:adec="http://schemas.microsoft.com/office/drawing/2017/decorative" xmlns="" val="1"/>
                 </a:ext>
               </a:extLst>
             </p:cNvPr>
@@ -35643,7 +35922,7 @@
             <p:nvPr>
               <p:extLst>
                 <p:ext uri="{386F3935-93C4-4BCD-93E2-E3B085C9AB24}">
-                  <p16:designElem xmlns:p16="http://schemas.microsoft.com/office/powerpoint/2015/main" val="1"/>
+                  <p16:designElem xmlns:p16="http://schemas.microsoft.com/office/powerpoint/2015/main" xmlns="" val="1"/>
                 </p:ext>
               </p:extLst>
             </p:nvPr>
@@ -35794,10 +36073,10 @@
             <p:cNvPr id="19" name="Freeform 5">
               <a:extLst>
                 <a:ext uri="{FF2B5EF4-FFF2-40B4-BE49-F238E27FC236}">
-                  <a16:creationId xmlns:a16="http://schemas.microsoft.com/office/drawing/2014/main" id="{A2FA2D29-AEEE-4FFA-B233-94FBE84C9B41}"/>
+                  <a16:creationId xmlns:a16="http://schemas.microsoft.com/office/drawing/2014/main" xmlns="" id="{A2FA2D29-AEEE-4FFA-B233-94FBE84C9B41}"/>
                 </a:ext>
                 <a:ext uri="{C183D7F6-B498-43B3-948B-1728B52AA6E4}">
-                  <adec:decorative xmlns:adec="http://schemas.microsoft.com/office/drawing/2017/decorative" val="1"/>
+                  <adec:decorative xmlns:adec="http://schemas.microsoft.com/office/drawing/2017/decorative" xmlns="" val="1"/>
                 </a:ext>
               </a:extLst>
             </p:cNvPr>
@@ -35805,7 +36084,7 @@
             <p:nvPr>
               <p:extLst>
                 <p:ext uri="{386F3935-93C4-4BCD-93E2-E3B085C9AB24}">
-                  <p16:designElem xmlns:p16="http://schemas.microsoft.com/office/powerpoint/2015/main" val="1"/>
+                  <p16:designElem xmlns:p16="http://schemas.microsoft.com/office/powerpoint/2015/main" xmlns="" val="1"/>
                 </p:ext>
               </p:extLst>
             </p:nvPr>
@@ -35993,10 +36272,10 @@
             <p:cNvPr id="20" name="Freeform 5">
               <a:extLst>
                 <a:ext uri="{FF2B5EF4-FFF2-40B4-BE49-F238E27FC236}">
-                  <a16:creationId xmlns:a16="http://schemas.microsoft.com/office/drawing/2014/main" id="{6DA5143E-FA8E-4EC1-99F7-35AE5AD4E377}"/>
+                  <a16:creationId xmlns:a16="http://schemas.microsoft.com/office/drawing/2014/main" xmlns="" id="{6DA5143E-FA8E-4EC1-99F7-35AE5AD4E377}"/>
                 </a:ext>
                 <a:ext uri="{C183D7F6-B498-43B3-948B-1728B52AA6E4}">
-                  <adec:decorative xmlns:adec="http://schemas.microsoft.com/office/drawing/2017/decorative" val="1"/>
+                  <adec:decorative xmlns:adec="http://schemas.microsoft.com/office/drawing/2017/decorative" xmlns="" val="1"/>
                 </a:ext>
               </a:extLst>
             </p:cNvPr>
@@ -36006,7 +36285,7 @@
             <p:nvPr>
               <p:extLst>
                 <p:ext uri="{386F3935-93C4-4BCD-93E2-E3B085C9AB24}">
-                  <p16:designElem xmlns:p16="http://schemas.microsoft.com/office/powerpoint/2015/main" val="1"/>
+                  <p16:designElem xmlns:p16="http://schemas.microsoft.com/office/powerpoint/2015/main" xmlns="" val="1"/>
                 </p:ext>
               </p:extLst>
             </p:nvPr>
@@ -36106,10 +36385,10 @@
           <p:cNvPr id="22" name="Rectangle 21">
             <a:extLst>
               <a:ext uri="{FF2B5EF4-FFF2-40B4-BE49-F238E27FC236}">
-                <a16:creationId xmlns:a16="http://schemas.microsoft.com/office/drawing/2014/main" id="{CC28BCC9-4093-4FD5-83EB-7EC297F51396}"/>
+                <a16:creationId xmlns:a16="http://schemas.microsoft.com/office/drawing/2014/main" xmlns="" id="{CC28BCC9-4093-4FD5-83EB-7EC297F51396}"/>
               </a:ext>
               <a:ext uri="{C183D7F6-B498-43B3-948B-1728B52AA6E4}">
-                <adec:decorative xmlns:adec="http://schemas.microsoft.com/office/drawing/2017/decorative" val="1"/>
+                <adec:decorative xmlns:adec="http://schemas.microsoft.com/office/drawing/2017/decorative" xmlns="" val="1"/>
               </a:ext>
             </a:extLst>
           </p:cNvPr>
@@ -36119,7 +36398,7 @@
           <p:nvPr>
             <p:extLst>
               <p:ext uri="{386F3935-93C4-4BCD-93E2-E3B085C9AB24}">
-                <p16:designElem xmlns:p16="http://schemas.microsoft.com/office/powerpoint/2015/main" val="1"/>
+                <p16:designElem xmlns:p16="http://schemas.microsoft.com/office/powerpoint/2015/main" xmlns="" val="1"/>
               </p:ext>
             </p:extLst>
           </p:nvPr>
@@ -36159,7 +36438,7 @@
           <p:cNvPr id="9" name="Content Placeholder 2">
             <a:extLst>
               <a:ext uri="{FF2B5EF4-FFF2-40B4-BE49-F238E27FC236}">
-                <a16:creationId xmlns:a16="http://schemas.microsoft.com/office/drawing/2014/main" id="{9CC0AA32-EFE0-7C73-18A3-6D1A3BD2A5C9}"/>
+                <a16:creationId xmlns:a16="http://schemas.microsoft.com/office/drawing/2014/main" xmlns="" id="{9CC0AA32-EFE0-7C73-18A3-6D1A3BD2A5C9}"/>
               </a:ext>
             </a:extLst>
           </p:cNvPr>

--- a/Fraud_review_detection_web_app_ProjectPlan.pptx
+++ b/Fraud_review_detection_web_app_ProjectPlan.pptx
@@ -31660,12 +31660,20 @@
               <a:buChar char=""/>
             </a:pPr>
             <a:r>
+              <a:rPr lang="en-US" dirty="0" smtClean="0">
+                <a:solidFill>
+                  <a:schemeClr val="tx1"/>
+                </a:solidFill>
+              </a:rPr>
+              <a:t>BABINDAS </a:t>
+            </a:r>
+            <a:r>
               <a:rPr lang="en-US" dirty="0">
                 <a:solidFill>
                   <a:schemeClr val="tx1"/>
                 </a:solidFill>
               </a:rPr>
-              <a:t>BIBINDAS KIZHAKKE KAMMIL (100940754)</a:t>
+              <a:t>KIZHAKKE KAMMIL (100940754)</a:t>
             </a:r>
           </a:p>
           <a:p>
@@ -31686,7 +31694,7 @@
             <a:pPr>
               <a:buChar char=""/>
             </a:pPr>
-            <a:endParaRPr lang="en-US">
+            <a:endParaRPr lang="en-US" dirty="0">
               <a:solidFill>
                 <a:schemeClr val="tx1"/>
               </a:solidFill>

--- a/Fraud_review_detection_web_app_ProjectPlan.pptx
+++ b/Fraud_review_detection_web_app_ProjectPlan.pptx
@@ -31542,7 +31542,7 @@
           <a:p>
             <a:pPr algn="r"/>
             <a:r>
-              <a:rPr lang="en-US" sz="3600">
+              <a:rPr lang="en-US" sz="3600" dirty="0">
                 <a:solidFill>
                   <a:schemeClr val="tx1"/>
                 </a:solidFill>
@@ -33949,7 +33949,7 @@
         </p:blipFill>
         <p:spPr>
           <a:xfrm>
-            <a:off x="8495929" y="4047740"/>
+            <a:off x="7681603" y="4013139"/>
             <a:ext cx="1940580" cy="1181388"/>
           </a:xfrm>
           <a:prstGeom prst="rect">
@@ -33979,7 +33979,7 @@
         </p:blipFill>
         <p:spPr>
           <a:xfrm>
-            <a:off x="6947067" y="4337681"/>
+            <a:off x="6452962" y="4266185"/>
             <a:ext cx="1361303" cy="704581"/>
           </a:xfrm>
           <a:prstGeom prst="rect">
@@ -34038,7 +34038,7 @@
         </p:blipFill>
         <p:spPr>
           <a:xfrm>
-            <a:off x="10676920" y="4179451"/>
+            <a:off x="10699484" y="4095650"/>
             <a:ext cx="1408386" cy="900047"/>
           </a:xfrm>
           <a:prstGeom prst="rect">
@@ -34243,8 +34243,8 @@
         </p:nvCxnSpPr>
         <p:spPr>
           <a:xfrm>
-            <a:off x="7627719" y="3474718"/>
-            <a:ext cx="3753394" cy="0"/>
+            <a:off x="6949440" y="3474716"/>
+            <a:ext cx="4431673" cy="2"/>
           </a:xfrm>
           <a:prstGeom prst="line">
             <a:avLst/>
@@ -34273,7 +34273,7 @@
         </p:nvCxnSpPr>
         <p:spPr>
           <a:xfrm>
-            <a:off x="7627719" y="3474718"/>
+            <a:off x="6949440" y="3474716"/>
             <a:ext cx="0" cy="450149"/>
           </a:xfrm>
           <a:prstGeom prst="straightConnector1">
@@ -34306,7 +34306,7 @@
         </p:nvCxnSpPr>
         <p:spPr>
           <a:xfrm>
-            <a:off x="9474210" y="3474717"/>
+            <a:off x="8828142" y="3474716"/>
             <a:ext cx="0" cy="450149"/>
           </a:xfrm>
           <a:prstGeom prst="straightConnector1">
@@ -34393,6 +34393,69 @@
           </a:p>
         </p:txBody>
       </p:sp>
+      <p:pic>
+        <p:nvPicPr>
+          <p:cNvPr id="3" name="Picture 2"/>
+          <p:cNvPicPr>
+            <a:picLocks noChangeAspect="1"/>
+          </p:cNvPicPr>
+          <p:nvPr/>
+        </p:nvPicPr>
+        <p:blipFill>
+          <a:blip r:embed="rId11" cstate="print">
+            <a:extLst>
+              <a:ext uri="{28A0092B-C50C-407E-A947-70E740481C1C}">
+                <a14:useLocalDpi xmlns:a14="http://schemas.microsoft.com/office/drawing/2010/main" val="0"/>
+              </a:ext>
+            </a:extLst>
+          </a:blip>
+          <a:stretch>
+            <a:fillRect/>
+          </a:stretch>
+        </p:blipFill>
+        <p:spPr>
+          <a:xfrm>
+            <a:off x="9238886" y="4095527"/>
+            <a:ext cx="1509486" cy="849086"/>
+          </a:xfrm>
+          <a:prstGeom prst="rect">
+            <a:avLst/>
+          </a:prstGeom>
+        </p:spPr>
+      </p:pic>
+      <p:cxnSp>
+        <p:nvCxnSpPr>
+          <p:cNvPr id="27" name="Straight Arrow Connector 26"/>
+          <p:cNvCxnSpPr/>
+          <p:nvPr/>
+        </p:nvCxnSpPr>
+        <p:spPr>
+          <a:xfrm>
+            <a:off x="9953451" y="3474716"/>
+            <a:ext cx="0" cy="450149"/>
+          </a:xfrm>
+          <a:prstGeom prst="straightConnector1">
+            <a:avLst/>
+          </a:prstGeom>
+          <a:ln>
+            <a:tailEnd type="triangle"/>
+          </a:ln>
+        </p:spPr>
+        <p:style>
+          <a:lnRef idx="1">
+            <a:schemeClr val="accent1"/>
+          </a:lnRef>
+          <a:fillRef idx="0">
+            <a:schemeClr val="accent1"/>
+          </a:fillRef>
+          <a:effectRef idx="0">
+            <a:schemeClr val="accent1"/>
+          </a:effectRef>
+          <a:fontRef idx="minor">
+            <a:schemeClr val="tx1"/>
+          </a:fontRef>
+        </p:style>
+      </p:cxnSp>
     </p:spTree>
     <p:extLst>
       <p:ext uri="{BB962C8B-B14F-4D97-AF65-F5344CB8AC3E}">
@@ -34793,7 +34856,7 @@
       </p:sp>
       <p:pic>
         <p:nvPicPr>
-          <p:cNvPr id="10" name="Picture 9"/>
+          <p:cNvPr id="15" name="Picture 14"/>
           <p:cNvPicPr>
             <a:picLocks noChangeAspect="1"/>
           </p:cNvPicPr>
@@ -34813,7 +34876,7 @@
         </p:blipFill>
         <p:spPr>
           <a:xfrm>
-            <a:off x="8105996" y="3608532"/>
+            <a:off x="8361987" y="3718491"/>
             <a:ext cx="1940580" cy="1181388"/>
           </a:xfrm>
           <a:prstGeom prst="rect">
@@ -34823,7 +34886,7 @@
       </p:pic>
       <p:pic>
         <p:nvPicPr>
-          <p:cNvPr id="11" name="Picture 10"/>
+          <p:cNvPr id="16" name="Picture 15"/>
           <p:cNvPicPr>
             <a:picLocks noChangeAspect="1"/>
           </p:cNvPicPr>
@@ -34843,7 +34906,7 @@
         </p:blipFill>
         <p:spPr>
           <a:xfrm>
-            <a:off x="6554581" y="3846936"/>
+            <a:off x="6411637" y="3765130"/>
             <a:ext cx="1361303" cy="704581"/>
           </a:xfrm>
           <a:prstGeom prst="rect">
@@ -34853,7 +34916,7 @@
       </p:pic>
       <p:pic>
         <p:nvPicPr>
-          <p:cNvPr id="12" name="Picture 11"/>
+          <p:cNvPr id="17" name="Picture 16"/>
           <p:cNvPicPr>
             <a:picLocks noChangeAspect="1"/>
           </p:cNvPicPr>
@@ -34872,7 +34935,7 @@
         </p:blipFill>
         <p:spPr>
           <a:xfrm>
-            <a:off x="10572416" y="5440593"/>
+            <a:off x="8734590" y="5096249"/>
             <a:ext cx="1408386" cy="566499"/>
           </a:xfrm>
           <a:prstGeom prst="rect">
@@ -34882,7 +34945,7 @@
       </p:pic>
       <p:pic>
         <p:nvPicPr>
-          <p:cNvPr id="13" name="Picture 12"/>
+          <p:cNvPr id="18" name="Picture 17"/>
           <p:cNvPicPr>
             <a:picLocks noChangeAspect="1"/>
           </p:cNvPicPr>
@@ -34902,7 +34965,7 @@
         </p:blipFill>
         <p:spPr>
           <a:xfrm>
-            <a:off x="10572417" y="3608532"/>
+            <a:off x="6491215" y="4938216"/>
             <a:ext cx="1408386" cy="900047"/>
           </a:xfrm>
           <a:prstGeom prst="rect">
@@ -34912,13 +34975,13 @@
       </p:pic>
       <p:sp>
         <p:nvSpPr>
-          <p:cNvPr id="14" name="TextBox 13"/>
+          <p:cNvPr id="19" name="TextBox 18"/>
           <p:cNvSpPr txBox="1"/>
           <p:nvPr/>
         </p:nvSpPr>
         <p:spPr>
           <a:xfrm>
-            <a:off x="11013670" y="4789920"/>
+            <a:off x="8099047" y="5124918"/>
             <a:ext cx="525879" cy="369332"/>
           </a:xfrm>
           <a:prstGeom prst="rect">
@@ -34939,6 +35002,36 @@
           </a:p>
         </p:txBody>
       </p:sp>
+      <p:pic>
+        <p:nvPicPr>
+          <p:cNvPr id="20" name="Picture 19"/>
+          <p:cNvPicPr>
+            <a:picLocks noChangeAspect="1"/>
+          </p:cNvPicPr>
+          <p:nvPr/>
+        </p:nvPicPr>
+        <p:blipFill>
+          <a:blip r:embed="rId6" cstate="print">
+            <a:extLst>
+              <a:ext uri="{28A0092B-C50C-407E-A947-70E740481C1C}">
+                <a14:useLocalDpi xmlns:a14="http://schemas.microsoft.com/office/drawing/2010/main" val="0"/>
+              </a:ext>
+            </a:extLst>
+          </a:blip>
+          <a:stretch>
+            <a:fillRect/>
+          </a:stretch>
+        </p:blipFill>
+        <p:spPr>
+          <a:xfrm>
+            <a:off x="10520161" y="3742659"/>
+            <a:ext cx="1509486" cy="849086"/>
+          </a:xfrm>
+          <a:prstGeom prst="rect">
+            <a:avLst/>
+          </a:prstGeom>
+        </p:spPr>
+      </p:pic>
     </p:spTree>
     <p:extLst>
       <p:ext uri="{BB962C8B-B14F-4D97-AF65-F5344CB8AC3E}">

--- a/Fraud_review_detection_web_app_ProjectPlan.pptx
+++ b/Fraud_review_detection_web_app_ProjectPlan.pptx
@@ -9719,6 +9719,83 @@
       <dsp:cNvGrpSpPr/>
     </dsp:nvGrpSpPr>
     <dsp:grpSpPr/>
+    <dsp:sp modelId="{424B7D83-AFCB-4D0C-BE50-D00A202FD0DB}">
+      <dsp:nvSpPr>
+        <dsp:cNvPr id="0" name=""/>
+        <dsp:cNvSpPr/>
+      </dsp:nvSpPr>
+      <dsp:spPr>
+        <a:xfrm>
+          <a:off x="780" y="1648912"/>
+          <a:ext cx="6389714" cy="1948862"/>
+        </a:xfrm>
+        <a:prstGeom prst="rect">
+          <a:avLst/>
+        </a:prstGeom>
+        <a:solidFill>
+          <a:schemeClr val="accent1">
+            <a:hueOff val="0"/>
+            <a:satOff val="0"/>
+            <a:lumOff val="0"/>
+            <a:alphaOff val="0"/>
+          </a:schemeClr>
+        </a:solidFill>
+        <a:ln w="19050" cap="rnd" cmpd="sng" algn="ctr">
+          <a:solidFill>
+            <a:schemeClr val="lt1">
+              <a:hueOff val="0"/>
+              <a:satOff val="0"/>
+              <a:lumOff val="0"/>
+              <a:alphaOff val="0"/>
+            </a:schemeClr>
+          </a:solidFill>
+          <a:prstDash val="solid"/>
+        </a:ln>
+        <a:effectLst/>
+      </dsp:spPr>
+      <dsp:style>
+        <a:lnRef idx="2">
+          <a:scrgbClr r="0" g="0" b="0"/>
+        </a:lnRef>
+        <a:fillRef idx="1">
+          <a:scrgbClr r="0" g="0" b="0"/>
+        </a:fillRef>
+        <a:effectRef idx="0">
+          <a:scrgbClr r="0" g="0" b="0"/>
+        </a:effectRef>
+        <a:fontRef idx="minor">
+          <a:schemeClr val="lt1"/>
+        </a:fontRef>
+      </dsp:style>
+      <dsp:txBody>
+        <a:bodyPr spcFirstLastPara="0" vert="horz" wrap="square" lIns="41275" tIns="41275" rIns="41275" bIns="41275" numCol="1" spcCol="1270" anchor="ctr" anchorCtr="0">
+          <a:noAutofit/>
+        </a:bodyPr>
+        <a:lstStyle/>
+        <a:p>
+          <a:pPr lvl="0" algn="ctr" defTabSz="2889250">
+            <a:lnSpc>
+              <a:spcPct val="90000"/>
+            </a:lnSpc>
+            <a:spcBef>
+              <a:spcPct val="0"/>
+            </a:spcBef>
+            <a:spcAft>
+              <a:spcPct val="35000"/>
+            </a:spcAft>
+          </a:pPr>
+          <a:r>
+            <a:rPr lang="en-US" sz="6500" b="1" kern="1200"/>
+            <a:t>Thank you</a:t>
+          </a:r>
+          <a:endParaRPr lang="en-US" sz="6500" kern="1200"/>
+        </a:p>
+      </dsp:txBody>
+      <dsp:txXfrm>
+        <a:off x="780" y="1648912"/>
+        <a:ext cx="6389714" cy="1948862"/>
+      </dsp:txXfrm>
+    </dsp:sp>
   </dsp:spTree>
 </dsp:drawing>
 </file>
@@ -31712,6 +31789,13 @@
   <p:clrMapOvr>
     <a:overrideClrMapping bg1="dk1" tx1="lt1" bg2="dk2" tx2="lt2" accent1="accent1" accent2="accent2" accent3="accent3" accent4="accent4" accent5="accent5" accent6="accent6" hlink="hlink" folHlink="folHlink"/>
   </p:clrMapOvr>
+  <p:timing>
+    <p:tnLst>
+      <p:par>
+        <p:cTn id="1" dur="indefinite" restart="never" nodeType="tmRoot"/>
+      </p:par>
+    </p:tnLst>
+  </p:timing>
 </p:sld>
 </file>
 
@@ -32656,6 +32740,13 @@
   <p:clrMapOvr>
     <a:masterClrMapping/>
   </p:clrMapOvr>
+  <p:timing>
+    <p:tnLst>
+      <p:par>
+        <p:cTn id="1" dur="indefinite" restart="never" nodeType="tmRoot"/>
+      </p:par>
+    </p:tnLst>
+  </p:timing>
 </p:sld>
 </file>
 
@@ -33546,6 +33637,13 @@
   <p:clrMapOvr>
     <a:masterClrMapping/>
   </p:clrMapOvr>
+  <p:timing>
+    <p:tnLst>
+      <p:par>
+        <p:cTn id="1" dur="indefinite" restart="never" nodeType="tmRoot"/>
+      </p:par>
+    </p:tnLst>
+  </p:timing>
 </p:sld>
 </file>
 
@@ -33627,6 +33725,13 @@
   <p:clrMapOvr>
     <a:masterClrMapping/>
   </p:clrMapOvr>
+  <p:timing>
+    <p:tnLst>
+      <p:par>
+        <p:cTn id="1" dur="indefinite" restart="never" nodeType="tmRoot"/>
+      </p:par>
+    </p:tnLst>
+  </p:timing>
 </p:sld>
 </file>
 
@@ -34466,6 +34571,13 @@
   <p:clrMapOvr>
     <a:masterClrMapping/>
   </p:clrMapOvr>
+  <p:timing>
+    <p:tnLst>
+      <p:par>
+        <p:cTn id="1" dur="indefinite" restart="never" nodeType="tmRoot"/>
+      </p:par>
+    </p:tnLst>
+  </p:timing>
 </p:sld>
 </file>
 
@@ -35042,6 +35154,13 @@
   <p:clrMapOvr>
     <a:masterClrMapping/>
   </p:clrMapOvr>
+  <p:timing>
+    <p:tnLst>
+      <p:par>
+        <p:cTn id="1" dur="indefinite" restart="never" nodeType="tmRoot"/>
+      </p:par>
+    </p:tnLst>
+  </p:timing>
 </p:sld>
 </file>
 
@@ -35602,15 +35721,20 @@
               <a:rPr lang="en-US" dirty="0"/>
               <a:t>We are planning to use MySQL DB for storing the registration details, authentication details, and review texts with results.</a:t>
             </a:r>
-            <a:endParaRPr lang="en-US"/>
           </a:p>
           <a:p>
-            <a:pPr marL="0" indent="0"/>
+            <a:pPr marL="0" indent="0">
+              <a:buNone/>
+            </a:pPr>
             <a:r>
               <a:rPr lang="en-US" dirty="0"/>
-              <a:t>The tables will be</a:t>
+              <a:t>The tables will </a:t>
             </a:r>
-            <a:endParaRPr lang="en-US"/>
+            <a:r>
+              <a:rPr lang="en-US" dirty="0" smtClean="0"/>
+              <a:t>be:</a:t>
+            </a:r>
+            <a:endParaRPr lang="en-US" dirty="0"/>
           </a:p>
           <a:p>
             <a:r>
@@ -35629,7 +35753,6 @@
               <a:rPr lang="en-US" dirty="0"/>
               <a:t>Reviews with results table</a:t>
             </a:r>
-            <a:endParaRPr lang="en-US"/>
           </a:p>
         </p:txBody>
       </p:sp>

--- a/Fraud_review_detection_web_app_ProjectPlan.pptx
+++ b/Fraud_review_detection_web_app_ProjectPlan.pptx
@@ -32656,6 +32656,13 @@
   <p:clrMapOvr>
     <a:masterClrMapping/>
   </p:clrMapOvr>
+  <p:timing>
+    <p:tnLst>
+      <p:par>
+        <p:cTn id="1" dur="indefinite" restart="never" nodeType="tmRoot"/>
+      </p:par>
+    </p:tnLst>
+  </p:timing>
 </p:sld>
 </file>
 
@@ -35228,7 +35235,7 @@
         </p:spPr>
         <p:txBody>
           <a:bodyPr>
-            <a:normAutofit/>
+            <a:normAutofit fontScale="92500" lnSpcReduction="20000"/>
           </a:bodyPr>
           <a:lstStyle/>
           <a:p>
@@ -35255,8 +35262,23 @@
           <a:p>
             <a:r>
               <a:rPr lang="en-US" dirty="0"/>
-              <a:t>Page for pasting the review &amp; get the result</a:t>
+              <a:t>Page for pasting the review &amp; get the </a:t>
             </a:r>
+            <a:r>
+              <a:rPr lang="en-US" dirty="0" smtClean="0"/>
+              <a:t>result</a:t>
+            </a:r>
+          </a:p>
+          <a:p>
+            <a:r>
+              <a:rPr lang="en-US" dirty="0" smtClean="0"/>
+              <a:t>Page to review the user </a:t>
+            </a:r>
+            <a:r>
+              <a:rPr lang="en-US" smtClean="0"/>
+              <a:t>historical activities</a:t>
+            </a:r>
+            <a:endParaRPr lang="en-US" dirty="0"/>
           </a:p>
         </p:txBody>
       </p:sp>
@@ -35395,6 +35417,13 @@
   <p:clrMapOvr>
     <a:masterClrMapping/>
   </p:clrMapOvr>
+  <p:timing>
+    <p:tnLst>
+      <p:par>
+        <p:cTn id="1" dur="indefinite" restart="never" nodeType="tmRoot"/>
+      </p:par>
+    </p:tnLst>
+  </p:timing>
 </p:sld>
 </file>
 
@@ -35805,6 +35834,13 @@
   <p:clrMapOvr>
     <a:masterClrMapping/>
   </p:clrMapOvr>
+  <p:timing>
+    <p:tnLst>
+      <p:par>
+        <p:cTn id="1" dur="indefinite" restart="never" nodeType="tmRoot"/>
+      </p:par>
+    </p:tnLst>
+  </p:timing>
 </p:sld>
 </file>
 
@@ -36695,6 +36731,13 @@
   <p:clrMapOvr>
     <a:masterClrMapping/>
   </p:clrMapOvr>
+  <p:timing>
+    <p:tnLst>
+      <p:par>
+        <p:cTn id="1" dur="indefinite" restart="never" nodeType="tmRoot"/>
+      </p:par>
+    </p:tnLst>
+  </p:timing>
 </p:sld>
 </file>
 
